--- a/docs/LexicalSemanticsWordSenses.pptx
+++ b/docs/LexicalSemanticsWordSenses.pptx
@@ -1,9 +1,12 @@
 
 <file path=ppt/presentation.xml><?xml version="1.0" encoding="utf-8"?>
-<p:presentation xmlns:a="http://schemas.openxmlformats.org/drawingml/2006/main" xmlns:r="http://schemas.openxmlformats.org/officeDocument/2006/relationships" xmlns:p="http://schemas.openxmlformats.org/presentationml/2006/main" saveSubsetFonts="1">
+<p:presentation xmlns:a="http://schemas.openxmlformats.org/drawingml/2006/main" xmlns:r="http://schemas.openxmlformats.org/officeDocument/2006/relationships" xmlns:p="http://schemas.openxmlformats.org/presentationml/2006/main" showSpecialPlsOnTitleSld="0" saveSubsetFonts="1">
   <p:sldMasterIdLst>
     <p:sldMasterId id="2147483660" r:id="rId1"/>
   </p:sldMasterIdLst>
+  <p:notesMasterIdLst>
+    <p:notesMasterId r:id="rId24"/>
+  </p:notesMasterIdLst>
   <p:sldIdLst>
     <p:sldId id="256" r:id="rId2"/>
     <p:sldId id="257" r:id="rId3"/>
@@ -144,6 +147,524 @@
 </p:presentation>
 </file>
 
+<file path=ppt/notesMasters/notesMaster1.xml><?xml version="1.0" encoding="utf-8"?>
+<p:notesMaster xmlns:a="http://schemas.openxmlformats.org/drawingml/2006/main" xmlns:r="http://schemas.openxmlformats.org/officeDocument/2006/relationships" xmlns:p="http://schemas.openxmlformats.org/presentationml/2006/main">
+  <p:cSld>
+    <p:bg>
+      <p:bgRef idx="1001">
+        <a:schemeClr val="bg1"/>
+      </p:bgRef>
+    </p:bg>
+    <p:spTree>
+      <p:nvGrpSpPr>
+        <p:cNvPr id="1" name=""/>
+        <p:cNvGrpSpPr/>
+        <p:nvPr/>
+      </p:nvGrpSpPr>
+      <p:grpSpPr>
+        <a:xfrm>
+          <a:off x="0" y="0"/>
+          <a:ext cx="0" cy="0"/>
+          <a:chOff x="0" y="0"/>
+          <a:chExt cx="0" cy="0"/>
+        </a:xfrm>
+      </p:grpSpPr>
+      <p:sp>
+        <p:nvSpPr>
+          <p:cNvPr id="2" name="Header Placeholder 1"/>
+          <p:cNvSpPr>
+            <a:spLocks noGrp="1"/>
+          </p:cNvSpPr>
+          <p:nvPr>
+            <p:ph type="hdr" sz="quarter"/>
+          </p:nvPr>
+        </p:nvSpPr>
+        <p:spPr>
+          <a:xfrm>
+            <a:off x="0" y="0"/>
+            <a:ext cx="2971800" cy="458788"/>
+          </a:xfrm>
+          <a:prstGeom prst="rect">
+            <a:avLst/>
+          </a:prstGeom>
+        </p:spPr>
+        <p:txBody>
+          <a:bodyPr vert="horz" lIns="91440" tIns="45720" rIns="91440" bIns="45720" rtlCol="0"/>
+          <a:lstStyle>
+            <a:lvl1pPr algn="l">
+              <a:defRPr sz="1200"/>
+            </a:lvl1pPr>
+          </a:lstStyle>
+          <a:p>
+            <a:endParaRPr lang="en-US"/>
+          </a:p>
+        </p:txBody>
+      </p:sp>
+      <p:sp>
+        <p:nvSpPr>
+          <p:cNvPr id="3" name="Date Placeholder 2"/>
+          <p:cNvSpPr>
+            <a:spLocks noGrp="1"/>
+          </p:cNvSpPr>
+          <p:nvPr>
+            <p:ph type="dt" idx="1"/>
+          </p:nvPr>
+        </p:nvSpPr>
+        <p:spPr>
+          <a:xfrm>
+            <a:off x="3884613" y="0"/>
+            <a:ext cx="2971800" cy="458788"/>
+          </a:xfrm>
+          <a:prstGeom prst="rect">
+            <a:avLst/>
+          </a:prstGeom>
+        </p:spPr>
+        <p:txBody>
+          <a:bodyPr vert="horz" lIns="91440" tIns="45720" rIns="91440" bIns="45720" rtlCol="0"/>
+          <a:lstStyle>
+            <a:lvl1pPr algn="r">
+              <a:defRPr sz="1200"/>
+            </a:lvl1pPr>
+          </a:lstStyle>
+          <a:p>
+            <a:fld id="{A7E72C35-2EF5-46FA-B31D-735D5F06BB33}" type="datetimeFigureOut">
+              <a:rPr lang="en-US" smtClean="0"/>
+              <a:t>1/17/2015</a:t>
+            </a:fld>
+            <a:endParaRPr lang="en-US"/>
+          </a:p>
+        </p:txBody>
+      </p:sp>
+      <p:sp>
+        <p:nvSpPr>
+          <p:cNvPr id="4" name="Slide Image Placeholder 3"/>
+          <p:cNvSpPr>
+            <a:spLocks noGrp="1" noRot="1" noChangeAspect="1"/>
+          </p:cNvSpPr>
+          <p:nvPr>
+            <p:ph type="sldImg" idx="2"/>
+          </p:nvPr>
+        </p:nvSpPr>
+        <p:spPr>
+          <a:xfrm>
+            <a:off x="1371600" y="1143000"/>
+            <a:ext cx="4114800" cy="3086100"/>
+          </a:xfrm>
+          <a:prstGeom prst="rect">
+            <a:avLst/>
+          </a:prstGeom>
+          <a:noFill/>
+          <a:ln w="12700">
+            <a:solidFill>
+              <a:prstClr val="black"/>
+            </a:solidFill>
+          </a:ln>
+        </p:spPr>
+        <p:txBody>
+          <a:bodyPr vert="horz" lIns="91440" tIns="45720" rIns="91440" bIns="45720" rtlCol="0" anchor="ctr"/>
+          <a:lstStyle/>
+          <a:p>
+            <a:endParaRPr lang="en-US"/>
+          </a:p>
+        </p:txBody>
+      </p:sp>
+      <p:sp>
+        <p:nvSpPr>
+          <p:cNvPr id="5" name="Notes Placeholder 4"/>
+          <p:cNvSpPr>
+            <a:spLocks noGrp="1"/>
+          </p:cNvSpPr>
+          <p:nvPr>
+            <p:ph type="body" sz="quarter" idx="3"/>
+          </p:nvPr>
+        </p:nvSpPr>
+        <p:spPr>
+          <a:xfrm>
+            <a:off x="685800" y="4400550"/>
+            <a:ext cx="5486400" cy="3600450"/>
+          </a:xfrm>
+          <a:prstGeom prst="rect">
+            <a:avLst/>
+          </a:prstGeom>
+        </p:spPr>
+        <p:txBody>
+          <a:bodyPr vert="horz" lIns="91440" tIns="45720" rIns="91440" bIns="45720" rtlCol="0"/>
+          <a:lstStyle/>
+          <a:p>
+            <a:pPr lvl="0"/>
+            <a:r>
+              <a:rPr lang="en-US" smtClean="0"/>
+              <a:t>Click to edit Master text styles</a:t>
+            </a:r>
+          </a:p>
+          <a:p>
+            <a:pPr lvl="1"/>
+            <a:r>
+              <a:rPr lang="en-US" smtClean="0"/>
+              <a:t>Second level</a:t>
+            </a:r>
+          </a:p>
+          <a:p>
+            <a:pPr lvl="2"/>
+            <a:r>
+              <a:rPr lang="en-US" smtClean="0"/>
+              <a:t>Third level</a:t>
+            </a:r>
+          </a:p>
+          <a:p>
+            <a:pPr lvl="3"/>
+            <a:r>
+              <a:rPr lang="en-US" smtClean="0"/>
+              <a:t>Fourth level</a:t>
+            </a:r>
+          </a:p>
+          <a:p>
+            <a:pPr lvl="4"/>
+            <a:r>
+              <a:rPr lang="en-US" smtClean="0"/>
+              <a:t>Fifth level</a:t>
+            </a:r>
+            <a:endParaRPr lang="en-US"/>
+          </a:p>
+        </p:txBody>
+      </p:sp>
+      <p:sp>
+        <p:nvSpPr>
+          <p:cNvPr id="6" name="Footer Placeholder 5"/>
+          <p:cNvSpPr>
+            <a:spLocks noGrp="1"/>
+          </p:cNvSpPr>
+          <p:nvPr>
+            <p:ph type="ftr" sz="quarter" idx="4"/>
+          </p:nvPr>
+        </p:nvSpPr>
+        <p:spPr>
+          <a:xfrm>
+            <a:off x="0" y="8685213"/>
+            <a:ext cx="2971800" cy="458787"/>
+          </a:xfrm>
+          <a:prstGeom prst="rect">
+            <a:avLst/>
+          </a:prstGeom>
+        </p:spPr>
+        <p:txBody>
+          <a:bodyPr vert="horz" lIns="91440" tIns="45720" rIns="91440" bIns="45720" rtlCol="0" anchor="b"/>
+          <a:lstStyle>
+            <a:lvl1pPr algn="l">
+              <a:defRPr sz="1200"/>
+            </a:lvl1pPr>
+          </a:lstStyle>
+          <a:p>
+            <a:endParaRPr lang="en-US"/>
+          </a:p>
+        </p:txBody>
+      </p:sp>
+      <p:sp>
+        <p:nvSpPr>
+          <p:cNvPr id="7" name="Slide Number Placeholder 6"/>
+          <p:cNvSpPr>
+            <a:spLocks noGrp="1"/>
+          </p:cNvSpPr>
+          <p:nvPr>
+            <p:ph type="sldNum" sz="quarter" idx="5"/>
+          </p:nvPr>
+        </p:nvSpPr>
+        <p:spPr>
+          <a:xfrm>
+            <a:off x="3884613" y="8685213"/>
+            <a:ext cx="2971800" cy="458787"/>
+          </a:xfrm>
+          <a:prstGeom prst="rect">
+            <a:avLst/>
+          </a:prstGeom>
+        </p:spPr>
+        <p:txBody>
+          <a:bodyPr vert="horz" lIns="91440" tIns="45720" rIns="91440" bIns="45720" rtlCol="0" anchor="b"/>
+          <a:lstStyle>
+            <a:lvl1pPr algn="r">
+              <a:defRPr sz="1200"/>
+            </a:lvl1pPr>
+          </a:lstStyle>
+          <a:p>
+            <a:fld id="{3FF173CB-612B-4C9C-A07F-17F48D2DA038}" type="slidenum">
+              <a:rPr lang="en-US" smtClean="0"/>
+              <a:t>‹#›</a:t>
+            </a:fld>
+            <a:endParaRPr lang="en-US"/>
+          </a:p>
+        </p:txBody>
+      </p:sp>
+    </p:spTree>
+    <p:extLst>
+      <p:ext uri="{BB962C8B-B14F-4D97-AF65-F5344CB8AC3E}">
+        <p14:creationId xmlns:p14="http://schemas.microsoft.com/office/powerpoint/2010/main" val="70470489"/>
+      </p:ext>
+    </p:extLst>
+  </p:cSld>
+  <p:clrMap bg1="lt1" tx1="dk1" bg2="lt2" tx2="dk2" accent1="accent1" accent2="accent2" accent3="accent3" accent4="accent4" accent5="accent5" accent6="accent6" hlink="hlink" folHlink="folHlink"/>
+  <p:notesStyle>
+    <a:lvl1pPr marL="0" algn="l" defTabSz="914400" rtl="0" eaLnBrk="1" latinLnBrk="0" hangingPunct="1">
+      <a:defRPr sz="1200" kern="1200">
+        <a:solidFill>
+          <a:schemeClr val="tx1"/>
+        </a:solidFill>
+        <a:latin typeface="+mn-lt"/>
+        <a:ea typeface="+mn-ea"/>
+        <a:cs typeface="+mn-cs"/>
+      </a:defRPr>
+    </a:lvl1pPr>
+    <a:lvl2pPr marL="457200" algn="l" defTabSz="914400" rtl="0" eaLnBrk="1" latinLnBrk="0" hangingPunct="1">
+      <a:defRPr sz="1200" kern="1200">
+        <a:solidFill>
+          <a:schemeClr val="tx1"/>
+        </a:solidFill>
+        <a:latin typeface="+mn-lt"/>
+        <a:ea typeface="+mn-ea"/>
+        <a:cs typeface="+mn-cs"/>
+      </a:defRPr>
+    </a:lvl2pPr>
+    <a:lvl3pPr marL="914400" algn="l" defTabSz="914400" rtl="0" eaLnBrk="1" latinLnBrk="0" hangingPunct="1">
+      <a:defRPr sz="1200" kern="1200">
+        <a:solidFill>
+          <a:schemeClr val="tx1"/>
+        </a:solidFill>
+        <a:latin typeface="+mn-lt"/>
+        <a:ea typeface="+mn-ea"/>
+        <a:cs typeface="+mn-cs"/>
+      </a:defRPr>
+    </a:lvl3pPr>
+    <a:lvl4pPr marL="1371600" algn="l" defTabSz="914400" rtl="0" eaLnBrk="1" latinLnBrk="0" hangingPunct="1">
+      <a:defRPr sz="1200" kern="1200">
+        <a:solidFill>
+          <a:schemeClr val="tx1"/>
+        </a:solidFill>
+        <a:latin typeface="+mn-lt"/>
+        <a:ea typeface="+mn-ea"/>
+        <a:cs typeface="+mn-cs"/>
+      </a:defRPr>
+    </a:lvl4pPr>
+    <a:lvl5pPr marL="1828800" algn="l" defTabSz="914400" rtl="0" eaLnBrk="1" latinLnBrk="0" hangingPunct="1">
+      <a:defRPr sz="1200" kern="1200">
+        <a:solidFill>
+          <a:schemeClr val="tx1"/>
+        </a:solidFill>
+        <a:latin typeface="+mn-lt"/>
+        <a:ea typeface="+mn-ea"/>
+        <a:cs typeface="+mn-cs"/>
+      </a:defRPr>
+    </a:lvl5pPr>
+    <a:lvl6pPr marL="2286000" algn="l" defTabSz="914400" rtl="0" eaLnBrk="1" latinLnBrk="0" hangingPunct="1">
+      <a:defRPr sz="1200" kern="1200">
+        <a:solidFill>
+          <a:schemeClr val="tx1"/>
+        </a:solidFill>
+        <a:latin typeface="+mn-lt"/>
+        <a:ea typeface="+mn-ea"/>
+        <a:cs typeface="+mn-cs"/>
+      </a:defRPr>
+    </a:lvl6pPr>
+    <a:lvl7pPr marL="2743200" algn="l" defTabSz="914400" rtl="0" eaLnBrk="1" latinLnBrk="0" hangingPunct="1">
+      <a:defRPr sz="1200" kern="1200">
+        <a:solidFill>
+          <a:schemeClr val="tx1"/>
+        </a:solidFill>
+        <a:latin typeface="+mn-lt"/>
+        <a:ea typeface="+mn-ea"/>
+        <a:cs typeface="+mn-cs"/>
+      </a:defRPr>
+    </a:lvl7pPr>
+    <a:lvl8pPr marL="3200400" algn="l" defTabSz="914400" rtl="0" eaLnBrk="1" latinLnBrk="0" hangingPunct="1">
+      <a:defRPr sz="1200" kern="1200">
+        <a:solidFill>
+          <a:schemeClr val="tx1"/>
+        </a:solidFill>
+        <a:latin typeface="+mn-lt"/>
+        <a:ea typeface="+mn-ea"/>
+        <a:cs typeface="+mn-cs"/>
+      </a:defRPr>
+    </a:lvl8pPr>
+    <a:lvl9pPr marL="3657600" algn="l" defTabSz="914400" rtl="0" eaLnBrk="1" latinLnBrk="0" hangingPunct="1">
+      <a:defRPr sz="1200" kern="1200">
+        <a:solidFill>
+          <a:schemeClr val="tx1"/>
+        </a:solidFill>
+        <a:latin typeface="+mn-lt"/>
+        <a:ea typeface="+mn-ea"/>
+        <a:cs typeface="+mn-cs"/>
+      </a:defRPr>
+    </a:lvl9pPr>
+  </p:notesStyle>
+</p:notesMaster>
+</file>
+
+<file path=ppt/notesSlides/notesSlide1.xml><?xml version="1.0" encoding="utf-8"?>
+<p:notes xmlns:a="http://schemas.openxmlformats.org/drawingml/2006/main" xmlns:r="http://schemas.openxmlformats.org/officeDocument/2006/relationships" xmlns:p="http://schemas.openxmlformats.org/presentationml/2006/main">
+  <p:cSld>
+    <p:spTree>
+      <p:nvGrpSpPr>
+        <p:cNvPr id="1" name=""/>
+        <p:cNvGrpSpPr/>
+        <p:nvPr/>
+      </p:nvGrpSpPr>
+      <p:grpSpPr>
+        <a:xfrm>
+          <a:off x="0" y="0"/>
+          <a:ext cx="0" cy="0"/>
+          <a:chOff x="0" y="0"/>
+          <a:chExt cx="0" cy="0"/>
+        </a:xfrm>
+      </p:grpSpPr>
+      <p:sp>
+        <p:nvSpPr>
+          <p:cNvPr id="2" name="Slide Image Placeholder 1"/>
+          <p:cNvSpPr>
+            <a:spLocks noGrp="1" noRot="1" noChangeAspect="1"/>
+          </p:cNvSpPr>
+          <p:nvPr>
+            <p:ph type="sldImg"/>
+          </p:nvPr>
+        </p:nvSpPr>
+        <p:spPr/>
+      </p:sp>
+      <p:sp>
+        <p:nvSpPr>
+          <p:cNvPr id="3" name="Notes Placeholder 2"/>
+          <p:cNvSpPr>
+            <a:spLocks noGrp="1"/>
+          </p:cNvSpPr>
+          <p:nvPr>
+            <p:ph type="body" idx="1"/>
+          </p:nvPr>
+        </p:nvSpPr>
+        <p:spPr/>
+        <p:txBody>
+          <a:bodyPr/>
+          <a:lstStyle/>
+          <a:p>
+            <a:endParaRPr lang="en-US"/>
+          </a:p>
+        </p:txBody>
+      </p:sp>
+      <p:sp>
+        <p:nvSpPr>
+          <p:cNvPr id="4" name="Slide Number Placeholder 3"/>
+          <p:cNvSpPr>
+            <a:spLocks noGrp="1"/>
+          </p:cNvSpPr>
+          <p:nvPr>
+            <p:ph type="sldNum" sz="quarter" idx="10"/>
+          </p:nvPr>
+        </p:nvSpPr>
+        <p:spPr/>
+        <p:txBody>
+          <a:bodyPr/>
+          <a:lstStyle/>
+          <a:p>
+            <a:fld id="{3FF173CB-612B-4C9C-A07F-17F48D2DA038}" type="slidenum">
+              <a:rPr lang="en-US" smtClean="0"/>
+              <a:t>1</a:t>
+            </a:fld>
+            <a:endParaRPr lang="en-US"/>
+          </a:p>
+        </p:txBody>
+      </p:sp>
+    </p:spTree>
+    <p:extLst>
+      <p:ext uri="{BB962C8B-B14F-4D97-AF65-F5344CB8AC3E}">
+        <p14:creationId xmlns:p14="http://schemas.microsoft.com/office/powerpoint/2010/main" val="2987777529"/>
+      </p:ext>
+    </p:extLst>
+  </p:cSld>
+  <p:clrMapOvr>
+    <a:masterClrMapping/>
+  </p:clrMapOvr>
+</p:notes>
+</file>
+
+<file path=ppt/notesSlides/notesSlide2.xml><?xml version="1.0" encoding="utf-8"?>
+<p:notes xmlns:a="http://schemas.openxmlformats.org/drawingml/2006/main" xmlns:r="http://schemas.openxmlformats.org/officeDocument/2006/relationships" xmlns:p="http://schemas.openxmlformats.org/presentationml/2006/main">
+  <p:cSld>
+    <p:spTree>
+      <p:nvGrpSpPr>
+        <p:cNvPr id="1" name=""/>
+        <p:cNvGrpSpPr/>
+        <p:nvPr/>
+      </p:nvGrpSpPr>
+      <p:grpSpPr>
+        <a:xfrm>
+          <a:off x="0" y="0"/>
+          <a:ext cx="0" cy="0"/>
+          <a:chOff x="0" y="0"/>
+          <a:chExt cx="0" cy="0"/>
+        </a:xfrm>
+      </p:grpSpPr>
+      <p:sp>
+        <p:nvSpPr>
+          <p:cNvPr id="2" name="Slide Image Placeholder 1"/>
+          <p:cNvSpPr>
+            <a:spLocks noGrp="1" noRot="1" noChangeAspect="1"/>
+          </p:cNvSpPr>
+          <p:nvPr>
+            <p:ph type="sldImg"/>
+          </p:nvPr>
+        </p:nvSpPr>
+        <p:spPr/>
+      </p:sp>
+      <p:sp>
+        <p:nvSpPr>
+          <p:cNvPr id="3" name="Notes Placeholder 2"/>
+          <p:cNvSpPr>
+            <a:spLocks noGrp="1"/>
+          </p:cNvSpPr>
+          <p:nvPr>
+            <p:ph type="body" idx="1"/>
+          </p:nvPr>
+        </p:nvSpPr>
+        <p:spPr/>
+        <p:txBody>
+          <a:bodyPr/>
+          <a:lstStyle/>
+          <a:p>
+            <a:endParaRPr lang="en-US"/>
+          </a:p>
+        </p:txBody>
+      </p:sp>
+      <p:sp>
+        <p:nvSpPr>
+          <p:cNvPr id="4" name="Slide Number Placeholder 3"/>
+          <p:cNvSpPr>
+            <a:spLocks noGrp="1"/>
+          </p:cNvSpPr>
+          <p:nvPr>
+            <p:ph type="sldNum" sz="quarter" idx="10"/>
+          </p:nvPr>
+        </p:nvSpPr>
+        <p:spPr/>
+        <p:txBody>
+          <a:bodyPr/>
+          <a:lstStyle/>
+          <a:p>
+            <a:fld id="{3FF173CB-612B-4C9C-A07F-17F48D2DA038}" type="slidenum">
+              <a:rPr lang="en-US" smtClean="0"/>
+              <a:t>2</a:t>
+            </a:fld>
+            <a:endParaRPr lang="en-US"/>
+          </a:p>
+        </p:txBody>
+      </p:sp>
+    </p:spTree>
+    <p:extLst>
+      <p:ext uri="{BB962C8B-B14F-4D97-AF65-F5344CB8AC3E}">
+        <p14:creationId xmlns:p14="http://schemas.microsoft.com/office/powerpoint/2010/main" val="2199020204"/>
+      </p:ext>
+    </p:extLst>
+  </p:cSld>
+  <p:clrMapOvr>
+    <a:masterClrMapping/>
+  </p:clrMapOvr>
+</p:notes>
+</file>
+
 <file path=ppt/slideLayouts/slideLayout1.xml><?xml version="1.0" encoding="utf-8"?>
 <p:sldLayout xmlns:a="http://schemas.openxmlformats.org/drawingml/2006/main" xmlns:r="http://schemas.openxmlformats.org/officeDocument/2006/relationships" xmlns:p="http://schemas.openxmlformats.org/presentationml/2006/main" type="title" preserve="1">
   <p:cSld name="Title Slide">
@@ -323,10 +844,10 @@
           <a:bodyPr/>
           <a:lstStyle/>
           <a:p>
-            <a:fld id="{09EBC7C0-9503-44A0-89A5-B83557B79E9F}" type="datetimeFigureOut">
-              <a:rPr lang="en-US" smtClean="0"/>
-              <a:t>12/31/2014</a:t>
-            </a:fld>
+            <a:r>
+              <a:rPr lang="en-US" smtClean="0"/>
+              <a:t>CS@UVa</a:t>
+            </a:r>
             <a:endParaRPr lang="en-US"/>
           </a:p>
         </p:txBody>
@@ -346,6 +867,10 @@
           <a:bodyPr/>
           <a:lstStyle/>
           <a:p>
+            <a:r>
+              <a:rPr lang="en-US" smtClean="0"/>
+              <a:t>CS 6501: Text Mining</a:t>
+            </a:r>
             <a:endParaRPr lang="en-US"/>
           </a:p>
         </p:txBody>
@@ -493,10 +1018,10 @@
           <a:bodyPr/>
           <a:lstStyle/>
           <a:p>
-            <a:fld id="{09EBC7C0-9503-44A0-89A5-B83557B79E9F}" type="datetimeFigureOut">
-              <a:rPr lang="en-US" smtClean="0"/>
-              <a:t>12/31/2014</a:t>
-            </a:fld>
+            <a:r>
+              <a:rPr lang="en-US" smtClean="0"/>
+              <a:t>CS@UVa</a:t>
+            </a:r>
             <a:endParaRPr lang="en-US"/>
           </a:p>
         </p:txBody>
@@ -516,6 +1041,10 @@
           <a:bodyPr/>
           <a:lstStyle/>
           <a:p>
+            <a:r>
+              <a:rPr lang="en-US" smtClean="0"/>
+              <a:t>CS 6501: Text Mining</a:t>
+            </a:r>
             <a:endParaRPr lang="en-US"/>
           </a:p>
         </p:txBody>
@@ -673,10 +1202,10 @@
           <a:bodyPr/>
           <a:lstStyle/>
           <a:p>
-            <a:fld id="{09EBC7C0-9503-44A0-89A5-B83557B79E9F}" type="datetimeFigureOut">
-              <a:rPr lang="en-US" smtClean="0"/>
-              <a:t>12/31/2014</a:t>
-            </a:fld>
+            <a:r>
+              <a:rPr lang="en-US" smtClean="0"/>
+              <a:t>CS@UVa</a:t>
+            </a:r>
             <a:endParaRPr lang="en-US"/>
           </a:p>
         </p:txBody>
@@ -696,6 +1225,10 @@
           <a:bodyPr/>
           <a:lstStyle/>
           <a:p>
+            <a:r>
+              <a:rPr lang="en-US" smtClean="0"/>
+              <a:t>CS 6501: Text Mining</a:t>
+            </a:r>
             <a:endParaRPr lang="en-US"/>
           </a:p>
         </p:txBody>
@@ -843,10 +1376,10 @@
           <a:bodyPr/>
           <a:lstStyle/>
           <a:p>
-            <a:fld id="{09EBC7C0-9503-44A0-89A5-B83557B79E9F}" type="datetimeFigureOut">
-              <a:rPr lang="en-US" smtClean="0"/>
-              <a:t>12/31/2014</a:t>
-            </a:fld>
+            <a:r>
+              <a:rPr lang="en-US" smtClean="0"/>
+              <a:t>CS@UVa</a:t>
+            </a:r>
             <a:endParaRPr lang="en-US"/>
           </a:p>
         </p:txBody>
@@ -866,6 +1399,10 @@
           <a:bodyPr/>
           <a:lstStyle/>
           <a:p>
+            <a:r>
+              <a:rPr lang="en-US" smtClean="0"/>
+              <a:t>CS 6501: Text Mining</a:t>
+            </a:r>
             <a:endParaRPr lang="en-US"/>
           </a:p>
         </p:txBody>
@@ -1089,10 +1626,10 @@
           <a:bodyPr/>
           <a:lstStyle/>
           <a:p>
-            <a:fld id="{09EBC7C0-9503-44A0-89A5-B83557B79E9F}" type="datetimeFigureOut">
-              <a:rPr lang="en-US" smtClean="0"/>
-              <a:t>12/31/2014</a:t>
-            </a:fld>
+            <a:r>
+              <a:rPr lang="en-US" smtClean="0"/>
+              <a:t>CS@UVa</a:t>
+            </a:r>
             <a:endParaRPr lang="en-US"/>
           </a:p>
         </p:txBody>
@@ -1112,6 +1649,10 @@
           <a:bodyPr/>
           <a:lstStyle/>
           <a:p>
+            <a:r>
+              <a:rPr lang="en-US" smtClean="0"/>
+              <a:t>CS 6501: Text Mining</a:t>
+            </a:r>
             <a:endParaRPr lang="en-US"/>
           </a:p>
         </p:txBody>
@@ -1377,10 +1918,10 @@
           <a:bodyPr/>
           <a:lstStyle/>
           <a:p>
-            <a:fld id="{09EBC7C0-9503-44A0-89A5-B83557B79E9F}" type="datetimeFigureOut">
-              <a:rPr lang="en-US" smtClean="0"/>
-              <a:t>12/31/2014</a:t>
-            </a:fld>
+            <a:r>
+              <a:rPr lang="en-US" smtClean="0"/>
+              <a:t>CS@UVa</a:t>
+            </a:r>
             <a:endParaRPr lang="en-US"/>
           </a:p>
         </p:txBody>
@@ -1400,6 +1941,10 @@
           <a:bodyPr/>
           <a:lstStyle/>
           <a:p>
+            <a:r>
+              <a:rPr lang="en-US" smtClean="0"/>
+              <a:t>CS 6501: Text Mining</a:t>
+            </a:r>
             <a:endParaRPr lang="en-US"/>
           </a:p>
         </p:txBody>
@@ -1799,10 +2344,10 @@
           <a:bodyPr/>
           <a:lstStyle/>
           <a:p>
-            <a:fld id="{09EBC7C0-9503-44A0-89A5-B83557B79E9F}" type="datetimeFigureOut">
-              <a:rPr lang="en-US" smtClean="0"/>
-              <a:t>12/31/2014</a:t>
-            </a:fld>
+            <a:r>
+              <a:rPr lang="en-US" smtClean="0"/>
+              <a:t>CS@UVa</a:t>
+            </a:r>
             <a:endParaRPr lang="en-US"/>
           </a:p>
         </p:txBody>
@@ -1822,6 +2367,10 @@
           <a:bodyPr/>
           <a:lstStyle/>
           <a:p>
+            <a:r>
+              <a:rPr lang="en-US" smtClean="0"/>
+              <a:t>CS 6501: Text Mining</a:t>
+            </a:r>
             <a:endParaRPr lang="en-US"/>
           </a:p>
         </p:txBody>
@@ -1917,10 +2466,10 @@
           <a:bodyPr/>
           <a:lstStyle/>
           <a:p>
-            <a:fld id="{09EBC7C0-9503-44A0-89A5-B83557B79E9F}" type="datetimeFigureOut">
-              <a:rPr lang="en-US" smtClean="0"/>
-              <a:t>12/31/2014</a:t>
-            </a:fld>
+            <a:r>
+              <a:rPr lang="en-US" smtClean="0"/>
+              <a:t>CS@UVa</a:t>
+            </a:r>
             <a:endParaRPr lang="en-US"/>
           </a:p>
         </p:txBody>
@@ -1940,6 +2489,10 @@
           <a:bodyPr/>
           <a:lstStyle/>
           <a:p>
+            <a:r>
+              <a:rPr lang="en-US" smtClean="0"/>
+              <a:t>CS 6501: Text Mining</a:t>
+            </a:r>
             <a:endParaRPr lang="en-US"/>
           </a:p>
         </p:txBody>
@@ -2012,10 +2565,10 @@
           <a:bodyPr/>
           <a:lstStyle/>
           <a:p>
-            <a:fld id="{09EBC7C0-9503-44A0-89A5-B83557B79E9F}" type="datetimeFigureOut">
-              <a:rPr lang="en-US" smtClean="0"/>
-              <a:t>12/31/2014</a:t>
-            </a:fld>
+            <a:r>
+              <a:rPr lang="en-US" smtClean="0"/>
+              <a:t>CS@UVa</a:t>
+            </a:r>
             <a:endParaRPr lang="en-US"/>
           </a:p>
         </p:txBody>
@@ -2035,6 +2588,10 @@
           <a:bodyPr/>
           <a:lstStyle/>
           <a:p>
+            <a:r>
+              <a:rPr lang="en-US" smtClean="0"/>
+              <a:t>CS 6501: Text Mining</a:t>
+            </a:r>
             <a:endParaRPr lang="en-US"/>
           </a:p>
         </p:txBody>
@@ -2289,10 +2846,10 @@
           <a:bodyPr/>
           <a:lstStyle/>
           <a:p>
-            <a:fld id="{09EBC7C0-9503-44A0-89A5-B83557B79E9F}" type="datetimeFigureOut">
-              <a:rPr lang="en-US" smtClean="0"/>
-              <a:t>12/31/2014</a:t>
-            </a:fld>
+            <a:r>
+              <a:rPr lang="en-US" smtClean="0"/>
+              <a:t>CS@UVa</a:t>
+            </a:r>
             <a:endParaRPr lang="en-US"/>
           </a:p>
         </p:txBody>
@@ -2312,6 +2869,10 @@
           <a:bodyPr/>
           <a:lstStyle/>
           <a:p>
+            <a:r>
+              <a:rPr lang="en-US" smtClean="0"/>
+              <a:t>CS 6501: Text Mining</a:t>
+            </a:r>
             <a:endParaRPr lang="en-US"/>
           </a:p>
         </p:txBody>
@@ -2546,10 +3107,10 @@
           <a:bodyPr/>
           <a:lstStyle/>
           <a:p>
-            <a:fld id="{09EBC7C0-9503-44A0-89A5-B83557B79E9F}" type="datetimeFigureOut">
-              <a:rPr lang="en-US" smtClean="0"/>
-              <a:t>12/31/2014</a:t>
-            </a:fld>
+            <a:r>
+              <a:rPr lang="en-US" smtClean="0"/>
+              <a:t>CS@UVa</a:t>
+            </a:r>
             <a:endParaRPr lang="en-US"/>
           </a:p>
         </p:txBody>
@@ -2569,6 +3130,10 @@
           <a:bodyPr/>
           <a:lstStyle/>
           <a:p>
+            <a:r>
+              <a:rPr lang="en-US" smtClean="0"/>
+              <a:t>CS 6501: Text Mining</a:t>
+            </a:r>
             <a:endParaRPr lang="en-US"/>
           </a:p>
         </p:txBody>
@@ -2759,10 +3324,10 @@
             </a:lvl1pPr>
           </a:lstStyle>
           <a:p>
-            <a:fld id="{09EBC7C0-9503-44A0-89A5-B83557B79E9F}" type="datetimeFigureOut">
-              <a:rPr lang="en-US" smtClean="0"/>
-              <a:t>12/31/2014</a:t>
-            </a:fld>
+            <a:r>
+              <a:rPr lang="en-US" smtClean="0"/>
+              <a:t>CS@UVa</a:t>
+            </a:r>
             <a:endParaRPr lang="en-US"/>
           </a:p>
         </p:txBody>
@@ -2800,6 +3365,10 @@
             </a:lvl1pPr>
           </a:lstStyle>
           <a:p>
+            <a:r>
+              <a:rPr lang="en-US" smtClean="0"/>
+              <a:t>CS 6501: Text Mining</a:t>
+            </a:r>
             <a:endParaRPr lang="en-US"/>
           </a:p>
         </p:txBody>
@@ -2866,6 +3435,7 @@
     <p:sldLayoutId id="2147483670" r:id="rId10"/>
     <p:sldLayoutId id="2147483671" r:id="rId11"/>
   </p:sldLayoutIdLst>
+  <p:hf hdr="0"/>
   <p:txStyles>
     <p:titleStyle>
       <a:lvl1pPr algn="ctr" defTabSz="914400" rtl="0" eaLnBrk="1" latinLnBrk="0" hangingPunct="1">
@@ -3240,7 +3810,7 @@
             </a:r>
             <a:r>
               <a:rPr lang="en-US" dirty="0" smtClean="0"/>
-              <a:t>Example</a:t>
+              <a:t>example</a:t>
             </a:r>
             <a:endParaRPr lang="en-US" dirty="0"/>
           </a:p>
@@ -3262,9 +3832,12 @@
           <a:lstStyle/>
           <a:p>
             <a:r>
-              <a:rPr lang="en-US" dirty="0"/>
+              <a:rPr lang="en-US" dirty="0">
+                <a:hlinkClick r:id="rId2"/>
+              </a:rPr>
               <a:t>http://wordnet.princeton.edu/</a:t>
             </a:r>
+            <a:endParaRPr lang="en-US" dirty="0"/>
           </a:p>
         </p:txBody>
       </p:sp>
@@ -3277,14 +3850,14 @@
           <p:nvPr/>
         </p:nvPicPr>
         <p:blipFill>
-          <a:blip r:embed="rId2"/>
+          <a:blip r:embed="rId3"/>
           <a:stretch>
             <a:fillRect/>
           </a:stretch>
         </p:blipFill>
         <p:spPr>
           <a:xfrm>
-            <a:off x="1850571" y="2395964"/>
+            <a:off x="2045305" y="2235098"/>
             <a:ext cx="5280251" cy="4238198"/>
           </a:xfrm>
           <a:prstGeom prst="rect">
@@ -3292,6 +3865,75 @@
           </a:prstGeom>
         </p:spPr>
       </p:pic>
+      <p:sp>
+        <p:nvSpPr>
+          <p:cNvPr id="5" name="Date Placeholder 4"/>
+          <p:cNvSpPr>
+            <a:spLocks noGrp="1"/>
+          </p:cNvSpPr>
+          <p:nvPr>
+            <p:ph type="dt" sz="half" idx="10"/>
+          </p:nvPr>
+        </p:nvSpPr>
+        <p:spPr/>
+        <p:txBody>
+          <a:bodyPr/>
+          <a:lstStyle/>
+          <a:p>
+            <a:r>
+              <a:rPr lang="en-US" smtClean="0"/>
+              <a:t>CS@UVa</a:t>
+            </a:r>
+            <a:endParaRPr lang="en-US"/>
+          </a:p>
+        </p:txBody>
+      </p:sp>
+      <p:sp>
+        <p:nvSpPr>
+          <p:cNvPr id="6" name="Footer Placeholder 5"/>
+          <p:cNvSpPr>
+            <a:spLocks noGrp="1"/>
+          </p:cNvSpPr>
+          <p:nvPr>
+            <p:ph type="ftr" sz="quarter" idx="11"/>
+          </p:nvPr>
+        </p:nvSpPr>
+        <p:spPr/>
+        <p:txBody>
+          <a:bodyPr/>
+          <a:lstStyle/>
+          <a:p>
+            <a:r>
+              <a:rPr lang="en-US" smtClean="0"/>
+              <a:t>CS 6501: Text Mining</a:t>
+            </a:r>
+            <a:endParaRPr lang="en-US"/>
+          </a:p>
+        </p:txBody>
+      </p:sp>
+      <p:sp>
+        <p:nvSpPr>
+          <p:cNvPr id="7" name="Slide Number Placeholder 6"/>
+          <p:cNvSpPr>
+            <a:spLocks noGrp="1"/>
+          </p:cNvSpPr>
+          <p:nvPr>
+            <p:ph type="sldNum" sz="quarter" idx="12"/>
+          </p:nvPr>
+        </p:nvSpPr>
+        <p:spPr/>
+        <p:txBody>
+          <a:bodyPr/>
+          <a:lstStyle/>
+          <a:p>
+            <a:fld id="{C76E115C-33BC-45ED-8DBD-F9FA6141D6D2}" type="slidenum">
+              <a:rPr lang="en-US" smtClean="0"/>
+              <a:t>10</a:t>
+            </a:fld>
+            <a:endParaRPr lang="en-US"/>
+          </a:p>
+        </p:txBody>
+      </p:sp>
     </p:spTree>
     <p:extLst>
       <p:ext uri="{BB962C8B-B14F-4D97-AF65-F5344CB8AC3E}">
@@ -3342,7 +3984,7 @@
         <p:spPr/>
         <p:txBody>
           <a:bodyPr>
-            <a:normAutofit fontScale="90000"/>
+            <a:normAutofit/>
           </a:bodyPr>
           <a:lstStyle/>
           <a:p>
@@ -3352,11 +3994,11 @@
             </a:r>
             <a:r>
               <a:rPr lang="en-US" dirty="0" err="1" smtClean="0"/>
-              <a:t>Synset</a:t>
+              <a:t>synset</a:t>
             </a:r>
             <a:r>
               <a:rPr lang="en-US" dirty="0" smtClean="0"/>
-              <a:t> Relations</a:t>
+              <a:t> relations</a:t>
             </a:r>
             <a:r>
               <a:rPr lang="en-US" dirty="0"/>
@@ -3364,7 +4006,7 @@
             </a:r>
             <a:r>
               <a:rPr lang="en-US" dirty="0" smtClean="0"/>
-              <a:t>Nouns</a:t>
+              <a:t>nouns</a:t>
             </a:r>
             <a:endParaRPr lang="en-US" dirty="0"/>
           </a:p>
@@ -3562,6 +4204,75 @@
               <a:rPr lang="en-US" dirty="0"/>
               <a:t> of (is made of) bread</a:t>
             </a:r>
+          </a:p>
+        </p:txBody>
+      </p:sp>
+      <p:sp>
+        <p:nvSpPr>
+          <p:cNvPr id="4" name="Date Placeholder 3"/>
+          <p:cNvSpPr>
+            <a:spLocks noGrp="1"/>
+          </p:cNvSpPr>
+          <p:nvPr>
+            <p:ph type="dt" sz="half" idx="10"/>
+          </p:nvPr>
+        </p:nvSpPr>
+        <p:spPr/>
+        <p:txBody>
+          <a:bodyPr/>
+          <a:lstStyle/>
+          <a:p>
+            <a:r>
+              <a:rPr lang="en-US" smtClean="0"/>
+              <a:t>CS@UVa</a:t>
+            </a:r>
+            <a:endParaRPr lang="en-US"/>
+          </a:p>
+        </p:txBody>
+      </p:sp>
+      <p:sp>
+        <p:nvSpPr>
+          <p:cNvPr id="5" name="Footer Placeholder 4"/>
+          <p:cNvSpPr>
+            <a:spLocks noGrp="1"/>
+          </p:cNvSpPr>
+          <p:nvPr>
+            <p:ph type="ftr" sz="quarter" idx="11"/>
+          </p:nvPr>
+        </p:nvSpPr>
+        <p:spPr/>
+        <p:txBody>
+          <a:bodyPr/>
+          <a:lstStyle/>
+          <a:p>
+            <a:r>
+              <a:rPr lang="en-US" smtClean="0"/>
+              <a:t>CS 6501: Text Mining</a:t>
+            </a:r>
+            <a:endParaRPr lang="en-US"/>
+          </a:p>
+        </p:txBody>
+      </p:sp>
+      <p:sp>
+        <p:nvSpPr>
+          <p:cNvPr id="6" name="Slide Number Placeholder 5"/>
+          <p:cNvSpPr>
+            <a:spLocks noGrp="1"/>
+          </p:cNvSpPr>
+          <p:nvPr>
+            <p:ph type="sldNum" sz="quarter" idx="12"/>
+          </p:nvPr>
+        </p:nvSpPr>
+        <p:spPr/>
+        <p:txBody>
+          <a:bodyPr/>
+          <a:lstStyle/>
+          <a:p>
+            <a:fld id="{C76E115C-33BC-45ED-8DBD-F9FA6141D6D2}" type="slidenum">
+              <a:rPr lang="en-US" smtClean="0"/>
+              <a:t>11</a:t>
+            </a:fld>
+            <a:endParaRPr lang="en-US"/>
           </a:p>
         </p:txBody>
       </p:sp>
@@ -3575,6 +4286,356 @@
   <p:clrMapOvr>
     <a:masterClrMapping/>
   </p:clrMapOvr>
+  <p:timing>
+    <p:tnLst>
+      <p:par>
+        <p:cTn id="1" dur="indefinite" restart="never" nodeType="tmRoot">
+          <p:childTnLst>
+            <p:seq concurrent="1" nextAc="seek">
+              <p:cTn id="2" dur="indefinite" nodeType="mainSeq">
+                <p:childTnLst>
+                  <p:par>
+                    <p:cTn id="3" fill="hold">
+                      <p:stCondLst>
+                        <p:cond delay="indefinite"/>
+                      </p:stCondLst>
+                      <p:childTnLst>
+                        <p:par>
+                          <p:cTn id="4" fill="hold">
+                            <p:stCondLst>
+                              <p:cond delay="0"/>
+                            </p:stCondLst>
+                            <p:childTnLst>
+                              <p:par>
+                                <p:cTn id="5" presetID="1" presetClass="entr" presetSubtype="0" fill="hold" nodeType="clickEffect">
+                                  <p:stCondLst>
+                                    <p:cond delay="0"/>
+                                  </p:stCondLst>
+                                  <p:childTnLst>
+                                    <p:set>
+                                      <p:cBhvr>
+                                        <p:cTn id="6" dur="1" fill="hold">
+                                          <p:stCondLst>
+                                            <p:cond delay="0"/>
+                                          </p:stCondLst>
+                                        </p:cTn>
+                                        <p:tgtEl>
+                                          <p:spTgt spid="3">
+                                            <p:txEl>
+                                              <p:pRg st="2" end="2"/>
+                                            </p:txEl>
+                                          </p:spTgt>
+                                        </p:tgtEl>
+                                        <p:attrNameLst>
+                                          <p:attrName>style.visibility</p:attrName>
+                                        </p:attrNameLst>
+                                      </p:cBhvr>
+                                      <p:to>
+                                        <p:strVal val="visible"/>
+                                      </p:to>
+                                    </p:set>
+                                  </p:childTnLst>
+                                </p:cTn>
+                              </p:par>
+                              <p:par>
+                                <p:cTn id="7" presetID="1" presetClass="entr" presetSubtype="0" fill="hold" nodeType="withEffect">
+                                  <p:stCondLst>
+                                    <p:cond delay="0"/>
+                                  </p:stCondLst>
+                                  <p:childTnLst>
+                                    <p:set>
+                                      <p:cBhvr>
+                                        <p:cTn id="8" dur="1" fill="hold">
+                                          <p:stCondLst>
+                                            <p:cond delay="0"/>
+                                          </p:stCondLst>
+                                        </p:cTn>
+                                        <p:tgtEl>
+                                          <p:spTgt spid="3">
+                                            <p:txEl>
+                                              <p:pRg st="3" end="3"/>
+                                            </p:txEl>
+                                          </p:spTgt>
+                                        </p:tgtEl>
+                                        <p:attrNameLst>
+                                          <p:attrName>style.visibility</p:attrName>
+                                        </p:attrNameLst>
+                                      </p:cBhvr>
+                                      <p:to>
+                                        <p:strVal val="visible"/>
+                                      </p:to>
+                                    </p:set>
+                                  </p:childTnLst>
+                                </p:cTn>
+                              </p:par>
+                            </p:childTnLst>
+                          </p:cTn>
+                        </p:par>
+                      </p:childTnLst>
+                    </p:cTn>
+                  </p:par>
+                  <p:par>
+                    <p:cTn id="9" fill="hold">
+                      <p:stCondLst>
+                        <p:cond delay="indefinite"/>
+                      </p:stCondLst>
+                      <p:childTnLst>
+                        <p:par>
+                          <p:cTn id="10" fill="hold">
+                            <p:stCondLst>
+                              <p:cond delay="0"/>
+                            </p:stCondLst>
+                            <p:childTnLst>
+                              <p:par>
+                                <p:cTn id="11" presetID="1" presetClass="entr" presetSubtype="0" fill="hold" nodeType="clickEffect">
+                                  <p:stCondLst>
+                                    <p:cond delay="0"/>
+                                  </p:stCondLst>
+                                  <p:childTnLst>
+                                    <p:set>
+                                      <p:cBhvr>
+                                        <p:cTn id="12" dur="1" fill="hold">
+                                          <p:stCondLst>
+                                            <p:cond delay="0"/>
+                                          </p:stCondLst>
+                                        </p:cTn>
+                                        <p:tgtEl>
+                                          <p:spTgt spid="3">
+                                            <p:txEl>
+                                              <p:pRg st="4" end="4"/>
+                                            </p:txEl>
+                                          </p:spTgt>
+                                        </p:tgtEl>
+                                        <p:attrNameLst>
+                                          <p:attrName>style.visibility</p:attrName>
+                                        </p:attrNameLst>
+                                      </p:cBhvr>
+                                      <p:to>
+                                        <p:strVal val="visible"/>
+                                      </p:to>
+                                    </p:set>
+                                  </p:childTnLst>
+                                </p:cTn>
+                              </p:par>
+                              <p:par>
+                                <p:cTn id="13" presetID="1" presetClass="entr" presetSubtype="0" fill="hold" nodeType="withEffect">
+                                  <p:stCondLst>
+                                    <p:cond delay="0"/>
+                                  </p:stCondLst>
+                                  <p:childTnLst>
+                                    <p:set>
+                                      <p:cBhvr>
+                                        <p:cTn id="14" dur="1" fill="hold">
+                                          <p:stCondLst>
+                                            <p:cond delay="0"/>
+                                          </p:stCondLst>
+                                        </p:cTn>
+                                        <p:tgtEl>
+                                          <p:spTgt spid="3">
+                                            <p:txEl>
+                                              <p:pRg st="5" end="5"/>
+                                            </p:txEl>
+                                          </p:spTgt>
+                                        </p:tgtEl>
+                                        <p:attrNameLst>
+                                          <p:attrName>style.visibility</p:attrName>
+                                        </p:attrNameLst>
+                                      </p:cBhvr>
+                                      <p:to>
+                                        <p:strVal val="visible"/>
+                                      </p:to>
+                                    </p:set>
+                                  </p:childTnLst>
+                                </p:cTn>
+                              </p:par>
+                            </p:childTnLst>
+                          </p:cTn>
+                        </p:par>
+                      </p:childTnLst>
+                    </p:cTn>
+                  </p:par>
+                  <p:par>
+                    <p:cTn id="15" fill="hold">
+                      <p:stCondLst>
+                        <p:cond delay="indefinite"/>
+                      </p:stCondLst>
+                      <p:childTnLst>
+                        <p:par>
+                          <p:cTn id="16" fill="hold">
+                            <p:stCondLst>
+                              <p:cond delay="0"/>
+                            </p:stCondLst>
+                            <p:childTnLst>
+                              <p:par>
+                                <p:cTn id="17" presetID="1" presetClass="entr" presetSubtype="0" fill="hold" nodeType="clickEffect">
+                                  <p:stCondLst>
+                                    <p:cond delay="0"/>
+                                  </p:stCondLst>
+                                  <p:childTnLst>
+                                    <p:set>
+                                      <p:cBhvr>
+                                        <p:cTn id="18" dur="1" fill="hold">
+                                          <p:stCondLst>
+                                            <p:cond delay="0"/>
+                                          </p:stCondLst>
+                                        </p:cTn>
+                                        <p:tgtEl>
+                                          <p:spTgt spid="3">
+                                            <p:txEl>
+                                              <p:pRg st="6" end="6"/>
+                                            </p:txEl>
+                                          </p:spTgt>
+                                        </p:tgtEl>
+                                        <p:attrNameLst>
+                                          <p:attrName>style.visibility</p:attrName>
+                                        </p:attrNameLst>
+                                      </p:cBhvr>
+                                      <p:to>
+                                        <p:strVal val="visible"/>
+                                      </p:to>
+                                    </p:set>
+                                  </p:childTnLst>
+                                </p:cTn>
+                              </p:par>
+                              <p:par>
+                                <p:cTn id="19" presetID="1" presetClass="entr" presetSubtype="0" fill="hold" nodeType="withEffect">
+                                  <p:stCondLst>
+                                    <p:cond delay="0"/>
+                                  </p:stCondLst>
+                                  <p:childTnLst>
+                                    <p:set>
+                                      <p:cBhvr>
+                                        <p:cTn id="20" dur="1" fill="hold">
+                                          <p:stCondLst>
+                                            <p:cond delay="0"/>
+                                          </p:stCondLst>
+                                        </p:cTn>
+                                        <p:tgtEl>
+                                          <p:spTgt spid="3">
+                                            <p:txEl>
+                                              <p:pRg st="7" end="7"/>
+                                            </p:txEl>
+                                          </p:spTgt>
+                                        </p:tgtEl>
+                                        <p:attrNameLst>
+                                          <p:attrName>style.visibility</p:attrName>
+                                        </p:attrNameLst>
+                                      </p:cBhvr>
+                                      <p:to>
+                                        <p:strVal val="visible"/>
+                                      </p:to>
+                                    </p:set>
+                                  </p:childTnLst>
+                                </p:cTn>
+                              </p:par>
+                            </p:childTnLst>
+                          </p:cTn>
+                        </p:par>
+                      </p:childTnLst>
+                    </p:cTn>
+                  </p:par>
+                  <p:par>
+                    <p:cTn id="21" fill="hold">
+                      <p:stCondLst>
+                        <p:cond delay="indefinite"/>
+                      </p:stCondLst>
+                      <p:childTnLst>
+                        <p:par>
+                          <p:cTn id="22" fill="hold">
+                            <p:stCondLst>
+                              <p:cond delay="0"/>
+                            </p:stCondLst>
+                            <p:childTnLst>
+                              <p:par>
+                                <p:cTn id="23" presetID="1" presetClass="entr" presetSubtype="0" fill="hold" nodeType="clickEffect">
+                                  <p:stCondLst>
+                                    <p:cond delay="0"/>
+                                  </p:stCondLst>
+                                  <p:childTnLst>
+                                    <p:set>
+                                      <p:cBhvr>
+                                        <p:cTn id="24" dur="1" fill="hold">
+                                          <p:stCondLst>
+                                            <p:cond delay="0"/>
+                                          </p:stCondLst>
+                                        </p:cTn>
+                                        <p:tgtEl>
+                                          <p:spTgt spid="3">
+                                            <p:txEl>
+                                              <p:pRg st="8" end="8"/>
+                                            </p:txEl>
+                                          </p:spTgt>
+                                        </p:tgtEl>
+                                        <p:attrNameLst>
+                                          <p:attrName>style.visibility</p:attrName>
+                                        </p:attrNameLst>
+                                      </p:cBhvr>
+                                      <p:to>
+                                        <p:strVal val="visible"/>
+                                      </p:to>
+                                    </p:set>
+                                  </p:childTnLst>
+                                </p:cTn>
+                              </p:par>
+                              <p:par>
+                                <p:cTn id="25" presetID="1" presetClass="entr" presetSubtype="0" fill="hold" nodeType="withEffect">
+                                  <p:stCondLst>
+                                    <p:cond delay="0"/>
+                                  </p:stCondLst>
+                                  <p:childTnLst>
+                                    <p:set>
+                                      <p:cBhvr>
+                                        <p:cTn id="26" dur="1" fill="hold">
+                                          <p:stCondLst>
+                                            <p:cond delay="0"/>
+                                          </p:stCondLst>
+                                        </p:cTn>
+                                        <p:tgtEl>
+                                          <p:spTgt spid="3">
+                                            <p:txEl>
+                                              <p:pRg st="9" end="9"/>
+                                            </p:txEl>
+                                          </p:spTgt>
+                                        </p:tgtEl>
+                                        <p:attrNameLst>
+                                          <p:attrName>style.visibility</p:attrName>
+                                        </p:attrNameLst>
+                                      </p:cBhvr>
+                                      <p:to>
+                                        <p:strVal val="visible"/>
+                                      </p:to>
+                                    </p:set>
+                                  </p:childTnLst>
+                                </p:cTn>
+                              </p:par>
+                            </p:childTnLst>
+                          </p:cTn>
+                        </p:par>
+                      </p:childTnLst>
+                    </p:cTn>
+                  </p:par>
+                </p:childTnLst>
+              </p:cTn>
+              <p:prevCondLst>
+                <p:cond evt="onPrev" delay="0">
+                  <p:tgtEl>
+                    <p:sldTgt/>
+                  </p:tgtEl>
+                </p:cond>
+              </p:prevCondLst>
+              <p:nextCondLst>
+                <p:cond evt="onNext" delay="0">
+                  <p:tgtEl>
+                    <p:sldTgt/>
+                  </p:tgtEl>
+                </p:cond>
+              </p:nextCondLst>
+            </p:seq>
+          </p:childTnLst>
+        </p:cTn>
+      </p:par>
+    </p:tnLst>
+  </p:timing>
 </p:sld>
 </file>
 
@@ -3608,7 +4669,7 @@
         <p:spPr/>
         <p:txBody>
           <a:bodyPr>
-            <a:normAutofit fontScale="90000"/>
+            <a:normAutofit/>
           </a:bodyPr>
           <a:lstStyle/>
           <a:p>
@@ -3617,16 +4678,20 @@
               <a:t>Hierarchical </a:t>
             </a:r>
             <a:r>
-              <a:rPr lang="en-US" dirty="0" err="1"/>
-              <a:t>Synset</a:t>
-            </a:r>
-            <a:r>
-              <a:rPr lang="en-US" dirty="0"/>
-              <a:t> Relations: </a:t>
+              <a:rPr lang="en-US" dirty="0" err="1" smtClean="0"/>
+              <a:t>synset</a:t>
             </a:r>
             <a:r>
               <a:rPr lang="en-US" dirty="0" smtClean="0"/>
-              <a:t>Verbs</a:t>
+              <a:t> relations</a:t>
+            </a:r>
+            <a:r>
+              <a:rPr lang="en-US" dirty="0"/>
+              <a:t>: </a:t>
+            </a:r>
+            <a:r>
+              <a:rPr lang="en-US" dirty="0" smtClean="0"/>
+              <a:t>verbs</a:t>
             </a:r>
             <a:endParaRPr lang="en-US" dirty="0"/>
           </a:p>
@@ -3718,6 +4783,75 @@
               <a:rPr lang="en-US" dirty="0"/>
               <a:t>Snoring entails (presupposes) sleeping</a:t>
             </a:r>
+          </a:p>
+        </p:txBody>
+      </p:sp>
+      <p:sp>
+        <p:nvSpPr>
+          <p:cNvPr id="4" name="Date Placeholder 3"/>
+          <p:cNvSpPr>
+            <a:spLocks noGrp="1"/>
+          </p:cNvSpPr>
+          <p:nvPr>
+            <p:ph type="dt" sz="half" idx="10"/>
+          </p:nvPr>
+        </p:nvSpPr>
+        <p:spPr/>
+        <p:txBody>
+          <a:bodyPr/>
+          <a:lstStyle/>
+          <a:p>
+            <a:r>
+              <a:rPr lang="en-US" smtClean="0"/>
+              <a:t>CS@UVa</a:t>
+            </a:r>
+            <a:endParaRPr lang="en-US"/>
+          </a:p>
+        </p:txBody>
+      </p:sp>
+      <p:sp>
+        <p:nvSpPr>
+          <p:cNvPr id="5" name="Footer Placeholder 4"/>
+          <p:cNvSpPr>
+            <a:spLocks noGrp="1"/>
+          </p:cNvSpPr>
+          <p:nvPr>
+            <p:ph type="ftr" sz="quarter" idx="11"/>
+          </p:nvPr>
+        </p:nvSpPr>
+        <p:spPr/>
+        <p:txBody>
+          <a:bodyPr/>
+          <a:lstStyle/>
+          <a:p>
+            <a:r>
+              <a:rPr lang="en-US" smtClean="0"/>
+              <a:t>CS 6501: Text Mining</a:t>
+            </a:r>
+            <a:endParaRPr lang="en-US"/>
+          </a:p>
+        </p:txBody>
+      </p:sp>
+      <p:sp>
+        <p:nvSpPr>
+          <p:cNvPr id="6" name="Slide Number Placeholder 5"/>
+          <p:cNvSpPr>
+            <a:spLocks noGrp="1"/>
+          </p:cNvSpPr>
+          <p:nvPr>
+            <p:ph type="sldNum" sz="quarter" idx="12"/>
+          </p:nvPr>
+        </p:nvSpPr>
+        <p:spPr/>
+        <p:txBody>
+          <a:bodyPr/>
+          <a:lstStyle/>
+          <a:p>
+            <a:fld id="{C76E115C-33BC-45ED-8DBD-F9FA6141D6D2}" type="slidenum">
+              <a:rPr lang="en-US" smtClean="0"/>
+              <a:t>12</a:t>
+            </a:fld>
+            <a:endParaRPr lang="en-US"/>
           </a:p>
         </p:txBody>
       </p:sp>
@@ -3731,6 +4865,147 @@
   <p:clrMapOvr>
     <a:masterClrMapping/>
   </p:clrMapOvr>
+  <p:timing>
+    <p:tnLst>
+      <p:par>
+        <p:cTn id="1" dur="indefinite" restart="never" nodeType="tmRoot">
+          <p:childTnLst>
+            <p:seq concurrent="1" nextAc="seek">
+              <p:cTn id="2" dur="indefinite" nodeType="mainSeq">
+                <p:childTnLst>
+                  <p:par>
+                    <p:cTn id="3" fill="hold">
+                      <p:stCondLst>
+                        <p:cond delay="indefinite"/>
+                      </p:stCondLst>
+                      <p:childTnLst>
+                        <p:par>
+                          <p:cTn id="4" fill="hold">
+                            <p:stCondLst>
+                              <p:cond delay="0"/>
+                            </p:stCondLst>
+                            <p:childTnLst>
+                              <p:par>
+                                <p:cTn id="5" presetID="1" presetClass="entr" presetSubtype="0" fill="hold" nodeType="clickEffect">
+                                  <p:stCondLst>
+                                    <p:cond delay="0"/>
+                                  </p:stCondLst>
+                                  <p:childTnLst>
+                                    <p:set>
+                                      <p:cBhvr>
+                                        <p:cTn id="6" dur="1" fill="hold">
+                                          <p:stCondLst>
+                                            <p:cond delay="0"/>
+                                          </p:stCondLst>
+                                        </p:cTn>
+                                        <p:tgtEl>
+                                          <p:spTgt spid="3">
+                                            <p:txEl>
+                                              <p:pRg st="3" end="3"/>
+                                            </p:txEl>
+                                          </p:spTgt>
+                                        </p:tgtEl>
+                                        <p:attrNameLst>
+                                          <p:attrName>style.visibility</p:attrName>
+                                        </p:attrNameLst>
+                                      </p:cBhvr>
+                                      <p:to>
+                                        <p:strVal val="visible"/>
+                                      </p:to>
+                                    </p:set>
+                                  </p:childTnLst>
+                                </p:cTn>
+                              </p:par>
+                              <p:par>
+                                <p:cTn id="7" presetID="1" presetClass="entr" presetSubtype="0" fill="hold" nodeType="withEffect">
+                                  <p:stCondLst>
+                                    <p:cond delay="0"/>
+                                  </p:stCondLst>
+                                  <p:childTnLst>
+                                    <p:set>
+                                      <p:cBhvr>
+                                        <p:cTn id="8" dur="1" fill="hold">
+                                          <p:stCondLst>
+                                            <p:cond delay="0"/>
+                                          </p:stCondLst>
+                                        </p:cTn>
+                                        <p:tgtEl>
+                                          <p:spTgt spid="3">
+                                            <p:txEl>
+                                              <p:pRg st="4" end="4"/>
+                                            </p:txEl>
+                                          </p:spTgt>
+                                        </p:tgtEl>
+                                        <p:attrNameLst>
+                                          <p:attrName>style.visibility</p:attrName>
+                                        </p:attrNameLst>
+                                      </p:cBhvr>
+                                      <p:to>
+                                        <p:strVal val="visible"/>
+                                      </p:to>
+                                    </p:set>
+                                  </p:childTnLst>
+                                </p:cTn>
+                              </p:par>
+                              <p:par>
+                                <p:cTn id="9" presetID="1" presetClass="entr" presetSubtype="0" fill="hold" nodeType="withEffect">
+                                  <p:stCondLst>
+                                    <p:cond delay="0"/>
+                                  </p:stCondLst>
+                                  <p:childTnLst>
+                                    <p:set>
+                                      <p:cBhvr>
+                                        <p:cTn id="10" dur="1" fill="hold">
+                                          <p:stCondLst>
+                                            <p:cond delay="0"/>
+                                          </p:stCondLst>
+                                        </p:cTn>
+                                        <p:tgtEl>
+                                          <p:spTgt spid="3">
+                                            <p:txEl>
+                                              <p:pRg st="5" end="5"/>
+                                            </p:txEl>
+                                          </p:spTgt>
+                                        </p:tgtEl>
+                                        <p:attrNameLst>
+                                          <p:attrName>style.visibility</p:attrName>
+                                        </p:attrNameLst>
+                                      </p:cBhvr>
+                                      <p:to>
+                                        <p:strVal val="visible"/>
+                                      </p:to>
+                                    </p:set>
+                                  </p:childTnLst>
+                                </p:cTn>
+                              </p:par>
+                            </p:childTnLst>
+                          </p:cTn>
+                        </p:par>
+                      </p:childTnLst>
+                    </p:cTn>
+                  </p:par>
+                </p:childTnLst>
+              </p:cTn>
+              <p:prevCondLst>
+                <p:cond evt="onPrev" delay="0">
+                  <p:tgtEl>
+                    <p:sldTgt/>
+                  </p:tgtEl>
+                </p:cond>
+              </p:prevCondLst>
+              <p:nextCondLst>
+                <p:cond evt="onNext" delay="0">
+                  <p:tgtEl>
+                    <p:sldTgt/>
+                  </p:tgtEl>
+                </p:cond>
+              </p:nextCondLst>
+            </p:seq>
+          </p:childTnLst>
+        </p:cTn>
+      </p:par>
+    </p:tnLst>
+  </p:timing>
 </p:sld>
 </file>
 
@@ -3773,16 +5048,20 @@
               <a:t>WordNet </a:t>
             </a:r>
             <a:r>
-              <a:rPr lang="en-US" dirty="0" err="1"/>
-              <a:t>Hypernyms</a:t>
-            </a:r>
-            <a:r>
-              <a:rPr lang="en-US" dirty="0"/>
+              <a:rPr lang="en-US" dirty="0" err="1" smtClean="0"/>
+              <a:t>hypernyms</a:t>
+            </a:r>
+            <a:r>
+              <a:rPr lang="en-US" dirty="0" smtClean="0"/>
               <a:t> </a:t>
             </a:r>
             <a:r>
               <a:rPr lang="en-US" dirty="0" smtClean="0"/>
-              <a:t>&amp; Hyponyms</a:t>
+              <a:t>&amp; </a:t>
+            </a:r>
+            <a:r>
+              <a:rPr lang="en-US" dirty="0" smtClean="0"/>
+              <a:t>hyponyms</a:t>
             </a:r>
             <a:endParaRPr lang="en-US" dirty="0"/>
           </a:p>
@@ -3790,19 +5069,69 @@
       </p:sp>
       <p:sp>
         <p:nvSpPr>
-          <p:cNvPr id="3" name="Content Placeholder 2"/>
-          <p:cNvSpPr>
-            <a:spLocks noGrp="1"/>
-          </p:cNvSpPr>
-          <p:nvPr>
-            <p:ph idx="1"/>
-          </p:nvPr>
-        </p:nvSpPr>
-        <p:spPr/>
-        <p:txBody>
-          <a:bodyPr/>
-          <a:lstStyle/>
-          <a:p>
+          <p:cNvPr id="4" name="Date Placeholder 3"/>
+          <p:cNvSpPr>
+            <a:spLocks noGrp="1"/>
+          </p:cNvSpPr>
+          <p:nvPr>
+            <p:ph type="dt" sz="half" idx="10"/>
+          </p:nvPr>
+        </p:nvSpPr>
+        <p:spPr/>
+        <p:txBody>
+          <a:bodyPr/>
+          <a:lstStyle/>
+          <a:p>
+            <a:r>
+              <a:rPr lang="en-US" smtClean="0"/>
+              <a:t>CS@UVa</a:t>
+            </a:r>
+            <a:endParaRPr lang="en-US"/>
+          </a:p>
+        </p:txBody>
+      </p:sp>
+      <p:sp>
+        <p:nvSpPr>
+          <p:cNvPr id="6" name="Footer Placeholder 5"/>
+          <p:cNvSpPr>
+            <a:spLocks noGrp="1"/>
+          </p:cNvSpPr>
+          <p:nvPr>
+            <p:ph type="ftr" sz="quarter" idx="11"/>
+          </p:nvPr>
+        </p:nvSpPr>
+        <p:spPr/>
+        <p:txBody>
+          <a:bodyPr/>
+          <a:lstStyle/>
+          <a:p>
+            <a:r>
+              <a:rPr lang="en-US" smtClean="0"/>
+              <a:t>CS 6501: Text Mining</a:t>
+            </a:r>
+            <a:endParaRPr lang="en-US"/>
+          </a:p>
+        </p:txBody>
+      </p:sp>
+      <p:sp>
+        <p:nvSpPr>
+          <p:cNvPr id="7" name="Slide Number Placeholder 6"/>
+          <p:cNvSpPr>
+            <a:spLocks noGrp="1"/>
+          </p:cNvSpPr>
+          <p:nvPr>
+            <p:ph type="sldNum" sz="quarter" idx="12"/>
+          </p:nvPr>
+        </p:nvSpPr>
+        <p:spPr/>
+        <p:txBody>
+          <a:bodyPr/>
+          <a:lstStyle/>
+          <a:p>
+            <a:fld id="{C76E115C-33BC-45ED-8DBD-F9FA6141D6D2}" type="slidenum">
+              <a:rPr lang="en-US" smtClean="0"/>
+              <a:t>13</a:t>
+            </a:fld>
             <a:endParaRPr lang="en-US"/>
           </a:p>
         </p:txBody>
@@ -3823,7 +5152,7 @@
         </p:blipFill>
         <p:spPr>
           <a:xfrm>
-            <a:off x="1004887" y="1600202"/>
+            <a:off x="928687" y="1519392"/>
             <a:ext cx="7134226" cy="4836960"/>
           </a:xfrm>
           <a:prstGeom prst="rect">
@@ -3841,6 +5170,13 @@
   <p:clrMapOvr>
     <a:masterClrMapping/>
   </p:clrMapOvr>
+  <p:timing>
+    <p:tnLst>
+      <p:par>
+        <p:cTn id="1" dur="indefinite" restart="never" nodeType="tmRoot"/>
+      </p:par>
+    </p:tnLst>
+  </p:timing>
 </p:sld>
 </file>
 
@@ -3878,7 +5214,11 @@
           <a:p>
             <a:r>
               <a:rPr lang="en-US" dirty="0" smtClean="0"/>
-              <a:t>WordNet Similarity</a:t>
+              <a:t>WordNet </a:t>
+            </a:r>
+            <a:r>
+              <a:rPr lang="en-US" dirty="0" smtClean="0"/>
+              <a:t>similarity</a:t>
             </a:r>
             <a:endParaRPr lang="en-US" dirty="0"/>
           </a:p>
@@ -3972,9 +5312,81 @@
           </a:p>
           <a:p>
             <a:r>
-              <a:rPr lang="en-US" dirty="0"/>
+              <a:rPr lang="en-US" dirty="0">
+                <a:hlinkClick r:id="rId2"/>
+              </a:rPr>
               <a:t>http://wn-similarity.sourceforge.net/</a:t>
             </a:r>
+            <a:endParaRPr lang="en-US" dirty="0"/>
+          </a:p>
+        </p:txBody>
+      </p:sp>
+      <p:sp>
+        <p:nvSpPr>
+          <p:cNvPr id="4" name="Date Placeholder 3"/>
+          <p:cNvSpPr>
+            <a:spLocks noGrp="1"/>
+          </p:cNvSpPr>
+          <p:nvPr>
+            <p:ph type="dt" sz="half" idx="10"/>
+          </p:nvPr>
+        </p:nvSpPr>
+        <p:spPr/>
+        <p:txBody>
+          <a:bodyPr/>
+          <a:lstStyle/>
+          <a:p>
+            <a:r>
+              <a:rPr lang="en-US" smtClean="0"/>
+              <a:t>CS@UVa</a:t>
+            </a:r>
+            <a:endParaRPr lang="en-US"/>
+          </a:p>
+        </p:txBody>
+      </p:sp>
+      <p:sp>
+        <p:nvSpPr>
+          <p:cNvPr id="5" name="Footer Placeholder 4"/>
+          <p:cNvSpPr>
+            <a:spLocks noGrp="1"/>
+          </p:cNvSpPr>
+          <p:nvPr>
+            <p:ph type="ftr" sz="quarter" idx="11"/>
+          </p:nvPr>
+        </p:nvSpPr>
+        <p:spPr/>
+        <p:txBody>
+          <a:bodyPr/>
+          <a:lstStyle/>
+          <a:p>
+            <a:r>
+              <a:rPr lang="en-US" smtClean="0"/>
+              <a:t>CS 6501: Text Mining</a:t>
+            </a:r>
+            <a:endParaRPr lang="en-US"/>
+          </a:p>
+        </p:txBody>
+      </p:sp>
+      <p:sp>
+        <p:nvSpPr>
+          <p:cNvPr id="6" name="Slide Number Placeholder 5"/>
+          <p:cNvSpPr>
+            <a:spLocks noGrp="1"/>
+          </p:cNvSpPr>
+          <p:nvPr>
+            <p:ph type="sldNum" sz="quarter" idx="12"/>
+          </p:nvPr>
+        </p:nvSpPr>
+        <p:spPr/>
+        <p:txBody>
+          <a:bodyPr/>
+          <a:lstStyle/>
+          <a:p>
+            <a:fld id="{C76E115C-33BC-45ED-8DBD-F9FA6141D6D2}" type="slidenum">
+              <a:rPr lang="en-US" smtClean="0"/>
+              <a:t>14</a:t>
+            </a:fld>
+            <a:endParaRPr lang="en-US"/>
           </a:p>
         </p:txBody>
       </p:sp>
@@ -3988,6 +5400,13 @@
   <p:clrMapOvr>
     <a:masterClrMapping/>
   </p:clrMapOvr>
+  <p:timing>
+    <p:tnLst>
+      <p:par>
+        <p:cTn id="1" dur="indefinite" restart="never" nodeType="tmRoot"/>
+      </p:par>
+    </p:tnLst>
+  </p:timing>
 </p:sld>
 </file>
 
@@ -4054,76 +5473,91 @@
           </a:prstGeom>
         </p:spPr>
       </p:pic>
-      <p:cxnSp>
-        <p:nvCxnSpPr>
-          <p:cNvPr id="6" name="Straight Connector 5"/>
-          <p:cNvCxnSpPr/>
+      <p:grpSp>
+        <p:nvGrpSpPr>
+          <p:cNvPr id="11" name="Group 10"/>
+          <p:cNvGrpSpPr/>
           <p:nvPr/>
-        </p:nvCxnSpPr>
-        <p:spPr>
+        </p:nvGrpSpPr>
+        <p:grpSpPr>
           <a:xfrm>
-            <a:off x="2754086" y="3837668"/>
-            <a:ext cx="5519057" cy="0"/>
+            <a:off x="2721429" y="3837668"/>
+            <a:ext cx="5551714" cy="174172"/>
+            <a:chOff x="2721429" y="3837668"/>
+            <a:chExt cx="5551714" cy="174172"/>
           </a:xfrm>
-          <a:prstGeom prst="line">
-            <a:avLst/>
-          </a:prstGeom>
-          <a:ln w="19050">
-            <a:solidFill>
-              <a:srgbClr val="FF0000"/>
-            </a:solidFill>
-          </a:ln>
-        </p:spPr>
-        <p:style>
-          <a:lnRef idx="1">
-            <a:schemeClr val="accent1"/>
-          </a:lnRef>
-          <a:fillRef idx="0">
-            <a:schemeClr val="accent1"/>
-          </a:fillRef>
-          <a:effectRef idx="0">
-            <a:schemeClr val="accent1"/>
-          </a:effectRef>
-          <a:fontRef idx="minor">
-            <a:schemeClr val="tx1"/>
-          </a:fontRef>
-        </p:style>
-      </p:cxnSp>
-      <p:cxnSp>
-        <p:nvCxnSpPr>
-          <p:cNvPr id="7" name="Straight Connector 6"/>
-          <p:cNvCxnSpPr/>
-          <p:nvPr/>
-        </p:nvCxnSpPr>
-        <p:spPr>
-          <a:xfrm flipV="1">
-            <a:off x="2721429" y="4005943"/>
-            <a:ext cx="3897085" cy="5897"/>
-          </a:xfrm>
-          <a:prstGeom prst="line">
-            <a:avLst/>
-          </a:prstGeom>
-          <a:ln w="19050">
-            <a:solidFill>
-              <a:srgbClr val="FF0000"/>
-            </a:solidFill>
-          </a:ln>
-        </p:spPr>
-        <p:style>
-          <a:lnRef idx="1">
-            <a:schemeClr val="accent1"/>
-          </a:lnRef>
-          <a:fillRef idx="0">
-            <a:schemeClr val="accent1"/>
-          </a:fillRef>
-          <a:effectRef idx="0">
-            <a:schemeClr val="accent1"/>
-          </a:effectRef>
-          <a:fontRef idx="minor">
-            <a:schemeClr val="tx1"/>
-          </a:fontRef>
-        </p:style>
-      </p:cxnSp>
+        </p:grpSpPr>
+        <p:cxnSp>
+          <p:nvCxnSpPr>
+            <p:cNvPr id="6" name="Straight Connector 5"/>
+            <p:cNvCxnSpPr/>
+            <p:nvPr/>
+          </p:nvCxnSpPr>
+          <p:spPr>
+            <a:xfrm>
+              <a:off x="2754086" y="3837668"/>
+              <a:ext cx="5519057" cy="0"/>
+            </a:xfrm>
+            <a:prstGeom prst="line">
+              <a:avLst/>
+            </a:prstGeom>
+            <a:ln w="19050">
+              <a:solidFill>
+                <a:srgbClr val="FF0000"/>
+              </a:solidFill>
+            </a:ln>
+          </p:spPr>
+          <p:style>
+            <a:lnRef idx="1">
+              <a:schemeClr val="accent1"/>
+            </a:lnRef>
+            <a:fillRef idx="0">
+              <a:schemeClr val="accent1"/>
+            </a:fillRef>
+            <a:effectRef idx="0">
+              <a:schemeClr val="accent1"/>
+            </a:effectRef>
+            <a:fontRef idx="minor">
+              <a:schemeClr val="tx1"/>
+            </a:fontRef>
+          </p:style>
+        </p:cxnSp>
+        <p:cxnSp>
+          <p:nvCxnSpPr>
+            <p:cNvPr id="7" name="Straight Connector 6"/>
+            <p:cNvCxnSpPr/>
+            <p:nvPr/>
+          </p:nvCxnSpPr>
+          <p:spPr>
+            <a:xfrm flipV="1">
+              <a:off x="2721429" y="4005943"/>
+              <a:ext cx="3897085" cy="5897"/>
+            </a:xfrm>
+            <a:prstGeom prst="line">
+              <a:avLst/>
+            </a:prstGeom>
+            <a:ln w="19050">
+              <a:solidFill>
+                <a:srgbClr val="FF0000"/>
+              </a:solidFill>
+            </a:ln>
+          </p:spPr>
+          <p:style>
+            <a:lnRef idx="1">
+              <a:schemeClr val="accent1"/>
+            </a:lnRef>
+            <a:fillRef idx="0">
+              <a:schemeClr val="accent1"/>
+            </a:fillRef>
+            <a:effectRef idx="0">
+              <a:schemeClr val="accent1"/>
+            </a:effectRef>
+            <a:fontRef idx="minor">
+              <a:schemeClr val="tx1"/>
+            </a:fontRef>
+          </p:style>
+        </p:cxnSp>
+      </p:grpSp>
       <p:sp>
         <p:nvSpPr>
           <p:cNvPr id="9" name="Rectangle 8"/>
@@ -4218,6 +5652,75 @@
           </a:p>
         </p:txBody>
       </p:sp>
+      <p:sp>
+        <p:nvSpPr>
+          <p:cNvPr id="3" name="Date Placeholder 2"/>
+          <p:cNvSpPr>
+            <a:spLocks noGrp="1"/>
+          </p:cNvSpPr>
+          <p:nvPr>
+            <p:ph type="dt" sz="half" idx="10"/>
+          </p:nvPr>
+        </p:nvSpPr>
+        <p:spPr/>
+        <p:txBody>
+          <a:bodyPr/>
+          <a:lstStyle/>
+          <a:p>
+            <a:r>
+              <a:rPr lang="en-US" smtClean="0"/>
+              <a:t>CS@UVa</a:t>
+            </a:r>
+            <a:endParaRPr lang="en-US"/>
+          </a:p>
+        </p:txBody>
+      </p:sp>
+      <p:sp>
+        <p:nvSpPr>
+          <p:cNvPr id="5" name="Footer Placeholder 4"/>
+          <p:cNvSpPr>
+            <a:spLocks noGrp="1"/>
+          </p:cNvSpPr>
+          <p:nvPr>
+            <p:ph type="ftr" sz="quarter" idx="11"/>
+          </p:nvPr>
+        </p:nvSpPr>
+        <p:spPr/>
+        <p:txBody>
+          <a:bodyPr/>
+          <a:lstStyle/>
+          <a:p>
+            <a:r>
+              <a:rPr lang="en-US" smtClean="0"/>
+              <a:t>CS 6501: Text Mining</a:t>
+            </a:r>
+            <a:endParaRPr lang="en-US"/>
+          </a:p>
+        </p:txBody>
+      </p:sp>
+      <p:sp>
+        <p:nvSpPr>
+          <p:cNvPr id="8" name="Slide Number Placeholder 7"/>
+          <p:cNvSpPr>
+            <a:spLocks noGrp="1"/>
+          </p:cNvSpPr>
+          <p:nvPr>
+            <p:ph type="sldNum" sz="quarter" idx="12"/>
+          </p:nvPr>
+        </p:nvSpPr>
+        <p:spPr/>
+        <p:txBody>
+          <a:bodyPr/>
+          <a:lstStyle/>
+          <a:p>
+            <a:fld id="{C76E115C-33BC-45ED-8DBD-F9FA6141D6D2}" type="slidenum">
+              <a:rPr lang="en-US" smtClean="0"/>
+              <a:t>15</a:t>
+            </a:fld>
+            <a:endParaRPr lang="en-US"/>
+          </a:p>
+        </p:txBody>
+      </p:sp>
     </p:spTree>
     <p:extLst>
       <p:ext uri="{BB962C8B-B14F-4D97-AF65-F5344CB8AC3E}">
@@ -4228,6 +5731,165 @@
   <p:clrMapOvr>
     <a:masterClrMapping/>
   </p:clrMapOvr>
+  <p:timing>
+    <p:tnLst>
+      <p:par>
+        <p:cTn id="1" dur="indefinite" restart="never" nodeType="tmRoot">
+          <p:childTnLst>
+            <p:seq concurrent="1" nextAc="seek">
+              <p:cTn id="2" dur="indefinite" nodeType="mainSeq">
+                <p:childTnLst>
+                  <p:par>
+                    <p:cTn id="3" fill="hold">
+                      <p:stCondLst>
+                        <p:cond delay="indefinite"/>
+                      </p:stCondLst>
+                      <p:childTnLst>
+                        <p:par>
+                          <p:cTn id="4" fill="hold">
+                            <p:stCondLst>
+                              <p:cond delay="0"/>
+                            </p:stCondLst>
+                            <p:childTnLst>
+                              <p:par>
+                                <p:cTn id="5" presetID="16" presetClass="entr" presetSubtype="37" fill="hold" nodeType="clickEffect">
+                                  <p:stCondLst>
+                                    <p:cond delay="0"/>
+                                  </p:stCondLst>
+                                  <p:childTnLst>
+                                    <p:set>
+                                      <p:cBhvr>
+                                        <p:cTn id="6" dur="1" fill="hold">
+                                          <p:stCondLst>
+                                            <p:cond delay="0"/>
+                                          </p:stCondLst>
+                                        </p:cTn>
+                                        <p:tgtEl>
+                                          <p:spTgt spid="11"/>
+                                        </p:tgtEl>
+                                        <p:attrNameLst>
+                                          <p:attrName>style.visibility</p:attrName>
+                                        </p:attrNameLst>
+                                      </p:cBhvr>
+                                      <p:to>
+                                        <p:strVal val="visible"/>
+                                      </p:to>
+                                    </p:set>
+                                    <p:animEffect transition="in" filter="barn(outVertical)">
+                                      <p:cBhvr>
+                                        <p:cTn id="7" dur="500"/>
+                                        <p:tgtEl>
+                                          <p:spTgt spid="11"/>
+                                        </p:tgtEl>
+                                      </p:cBhvr>
+                                    </p:animEffect>
+                                  </p:childTnLst>
+                                </p:cTn>
+                              </p:par>
+                            </p:childTnLst>
+                          </p:cTn>
+                        </p:par>
+                      </p:childTnLst>
+                    </p:cTn>
+                  </p:par>
+                  <p:par>
+                    <p:cTn id="8" fill="hold">
+                      <p:stCondLst>
+                        <p:cond delay="indefinite"/>
+                      </p:stCondLst>
+                      <p:childTnLst>
+                        <p:par>
+                          <p:cTn id="9" fill="hold">
+                            <p:stCondLst>
+                              <p:cond delay="0"/>
+                            </p:stCondLst>
+                            <p:childTnLst>
+                              <p:par>
+                                <p:cTn id="10" presetID="1" presetClass="entr" presetSubtype="0" fill="hold" grpId="0" nodeType="clickEffect">
+                                  <p:stCondLst>
+                                    <p:cond delay="0"/>
+                                  </p:stCondLst>
+                                  <p:childTnLst>
+                                    <p:set>
+                                      <p:cBhvr>
+                                        <p:cTn id="11" dur="1" fill="hold">
+                                          <p:stCondLst>
+                                            <p:cond delay="0"/>
+                                          </p:stCondLst>
+                                        </p:cTn>
+                                        <p:tgtEl>
+                                          <p:spTgt spid="9"/>
+                                        </p:tgtEl>
+                                        <p:attrNameLst>
+                                          <p:attrName>style.visibility</p:attrName>
+                                        </p:attrNameLst>
+                                      </p:cBhvr>
+                                      <p:to>
+                                        <p:strVal val="visible"/>
+                                      </p:to>
+                                    </p:set>
+                                  </p:childTnLst>
+                                </p:cTn>
+                              </p:par>
+                              <p:par>
+                                <p:cTn id="12" presetID="1" presetClass="entr" presetSubtype="0" fill="hold" grpId="0" nodeType="withEffect">
+                                  <p:stCondLst>
+                                    <p:cond delay="0"/>
+                                  </p:stCondLst>
+                                  <p:childTnLst>
+                                    <p:set>
+                                      <p:cBhvr>
+                                        <p:cTn id="13" dur="1" fill="hold">
+                                          <p:stCondLst>
+                                            <p:cond delay="0"/>
+                                          </p:stCondLst>
+                                        </p:cTn>
+                                        <p:tgtEl>
+                                          <p:spTgt spid="10"/>
+                                        </p:tgtEl>
+                                        <p:attrNameLst>
+                                          <p:attrName>style.visibility</p:attrName>
+                                        </p:attrNameLst>
+                                      </p:cBhvr>
+                                      <p:to>
+                                        <p:strVal val="visible"/>
+                                      </p:to>
+                                    </p:set>
+                                  </p:childTnLst>
+                                </p:cTn>
+                              </p:par>
+                            </p:childTnLst>
+                          </p:cTn>
+                        </p:par>
+                      </p:childTnLst>
+                    </p:cTn>
+                  </p:par>
+                </p:childTnLst>
+              </p:cTn>
+              <p:prevCondLst>
+                <p:cond evt="onPrev" delay="0">
+                  <p:tgtEl>
+                    <p:sldTgt/>
+                  </p:tgtEl>
+                </p:cond>
+              </p:prevCondLst>
+              <p:nextCondLst>
+                <p:cond evt="onNext" delay="0">
+                  <p:tgtEl>
+                    <p:sldTgt/>
+                  </p:tgtEl>
+                </p:cond>
+              </p:nextCondLst>
+            </p:seq>
+          </p:childTnLst>
+        </p:cTn>
+      </p:par>
+    </p:tnLst>
+    <p:bldLst>
+      <p:bldP spid="9" grpId="0" animBg="1"/>
+      <p:bldP spid="10" grpId="0" animBg="1"/>
+    </p:bldLst>
+  </p:timing>
 </p:sld>
 </file>
 
@@ -4388,6 +6050,75 @@
           </a:p>
         </p:txBody>
       </p:sp>
+      <p:sp>
+        <p:nvSpPr>
+          <p:cNvPr id="2" name="Date Placeholder 1"/>
+          <p:cNvSpPr>
+            <a:spLocks noGrp="1"/>
+          </p:cNvSpPr>
+          <p:nvPr>
+            <p:ph type="dt" sz="half" idx="10"/>
+          </p:nvPr>
+        </p:nvSpPr>
+        <p:spPr/>
+        <p:txBody>
+          <a:bodyPr/>
+          <a:lstStyle/>
+          <a:p>
+            <a:r>
+              <a:rPr lang="en-US" smtClean="0"/>
+              <a:t>CS@UVa</a:t>
+            </a:r>
+            <a:endParaRPr lang="en-US"/>
+          </a:p>
+        </p:txBody>
+      </p:sp>
+      <p:sp>
+        <p:nvSpPr>
+          <p:cNvPr id="3" name="Footer Placeholder 2"/>
+          <p:cNvSpPr>
+            <a:spLocks noGrp="1"/>
+          </p:cNvSpPr>
+          <p:nvPr>
+            <p:ph type="ftr" sz="quarter" idx="11"/>
+          </p:nvPr>
+        </p:nvSpPr>
+        <p:spPr/>
+        <p:txBody>
+          <a:bodyPr/>
+          <a:lstStyle/>
+          <a:p>
+            <a:r>
+              <a:rPr lang="en-US" smtClean="0"/>
+              <a:t>CS 6501: Text Mining</a:t>
+            </a:r>
+            <a:endParaRPr lang="en-US"/>
+          </a:p>
+        </p:txBody>
+      </p:sp>
+      <p:sp>
+        <p:nvSpPr>
+          <p:cNvPr id="8" name="Slide Number Placeholder 7"/>
+          <p:cNvSpPr>
+            <a:spLocks noGrp="1"/>
+          </p:cNvSpPr>
+          <p:nvPr>
+            <p:ph type="sldNum" sz="quarter" idx="12"/>
+          </p:nvPr>
+        </p:nvSpPr>
+        <p:spPr/>
+        <p:txBody>
+          <a:bodyPr/>
+          <a:lstStyle/>
+          <a:p>
+            <a:fld id="{C76E115C-33BC-45ED-8DBD-F9FA6141D6D2}" type="slidenum">
+              <a:rPr lang="en-US" smtClean="0"/>
+              <a:t>16</a:t>
+            </a:fld>
+            <a:endParaRPr lang="en-US"/>
+          </a:p>
+        </p:txBody>
+      </p:sp>
     </p:spTree>
     <p:extLst>
       <p:ext uri="{BB962C8B-B14F-4D97-AF65-F5344CB8AC3E}">
@@ -4398,6 +6129,13 @@
   <p:clrMapOvr>
     <a:masterClrMapping/>
   </p:clrMapOvr>
+  <p:timing>
+    <p:tnLst>
+      <p:par>
+        <p:cTn id="1" dur="indefinite" restart="never" nodeType="tmRoot"/>
+      </p:par>
+    </p:tnLst>
+  </p:timing>
 </p:sld>
 </file>
 
@@ -4435,8 +6173,13 @@
           <a:p>
             <a:r>
               <a:rPr lang="en-US" dirty="0"/>
-              <a:t>Word Sense Disambiguation</a:t>
-            </a:r>
+              <a:t>Word </a:t>
+            </a:r>
+            <a:r>
+              <a:rPr lang="en-US" dirty="0" smtClean="0"/>
+              <a:t>sense disambiguation</a:t>
+            </a:r>
+            <a:endParaRPr lang="en-US" dirty="0"/>
           </a:p>
         </p:txBody>
       </p:sp>
@@ -4570,7 +6313,7 @@
         </p:nvSpPr>
         <p:spPr>
           <a:xfrm>
-            <a:off x="4463144" y="2535126"/>
+            <a:off x="4488544" y="2156714"/>
             <a:ext cx="1382486" cy="523220"/>
           </a:xfrm>
           <a:prstGeom prst="rect">
@@ -4602,7 +6345,7 @@
         </p:nvSpPr>
         <p:spPr>
           <a:xfrm>
-            <a:off x="2721429" y="3601573"/>
+            <a:off x="2712962" y="3110507"/>
             <a:ext cx="2198913" cy="523220"/>
           </a:xfrm>
           <a:prstGeom prst="rect">
@@ -4623,6 +6366,75 @@
               <a:t>manufactures</a:t>
             </a:r>
             <a:endParaRPr lang="en-US" sz="2800" dirty="0"/>
+          </a:p>
+        </p:txBody>
+      </p:sp>
+      <p:sp>
+        <p:nvSpPr>
+          <p:cNvPr id="2" name="Date Placeholder 1"/>
+          <p:cNvSpPr>
+            <a:spLocks noGrp="1"/>
+          </p:cNvSpPr>
+          <p:nvPr>
+            <p:ph type="dt" sz="half" idx="10"/>
+          </p:nvPr>
+        </p:nvSpPr>
+        <p:spPr/>
+        <p:txBody>
+          <a:bodyPr/>
+          <a:lstStyle/>
+          <a:p>
+            <a:r>
+              <a:rPr lang="en-US" smtClean="0"/>
+              <a:t>CS@UVa</a:t>
+            </a:r>
+            <a:endParaRPr lang="en-US"/>
+          </a:p>
+        </p:txBody>
+      </p:sp>
+      <p:sp>
+        <p:nvSpPr>
+          <p:cNvPr id="7" name="Footer Placeholder 6"/>
+          <p:cNvSpPr>
+            <a:spLocks noGrp="1"/>
+          </p:cNvSpPr>
+          <p:nvPr>
+            <p:ph type="ftr" sz="quarter" idx="11"/>
+          </p:nvPr>
+        </p:nvSpPr>
+        <p:spPr/>
+        <p:txBody>
+          <a:bodyPr/>
+          <a:lstStyle/>
+          <a:p>
+            <a:r>
+              <a:rPr lang="en-US" smtClean="0"/>
+              <a:t>CS 6501: Text Mining</a:t>
+            </a:r>
+            <a:endParaRPr lang="en-US"/>
+          </a:p>
+        </p:txBody>
+      </p:sp>
+      <p:sp>
+        <p:nvSpPr>
+          <p:cNvPr id="8" name="Slide Number Placeholder 7"/>
+          <p:cNvSpPr>
+            <a:spLocks noGrp="1"/>
+          </p:cNvSpPr>
+          <p:nvPr>
+            <p:ph type="sldNum" sz="quarter" idx="12"/>
+          </p:nvPr>
+        </p:nvSpPr>
+        <p:spPr/>
+        <p:txBody>
+          <a:bodyPr/>
+          <a:lstStyle/>
+          <a:p>
+            <a:fld id="{C76E115C-33BC-45ED-8DBD-F9FA6141D6D2}" type="slidenum">
+              <a:rPr lang="en-US" smtClean="0"/>
+              <a:t>17</a:t>
+            </a:fld>
+            <a:endParaRPr lang="en-US"/>
           </a:p>
         </p:txBody>
       </p:sp>
@@ -4636,6 +6448,210 @@
   <p:clrMapOvr>
     <a:masterClrMapping/>
   </p:clrMapOvr>
+  <p:timing>
+    <p:tnLst>
+      <p:par>
+        <p:cTn id="1" dur="indefinite" restart="never" nodeType="tmRoot">
+          <p:childTnLst>
+            <p:seq concurrent="1" nextAc="seek">
+              <p:cTn id="2" dur="indefinite" nodeType="mainSeq">
+                <p:childTnLst>
+                  <p:par>
+                    <p:cTn id="3" fill="hold">
+                      <p:stCondLst>
+                        <p:cond delay="indefinite"/>
+                      </p:stCondLst>
+                      <p:childTnLst>
+                        <p:par>
+                          <p:cTn id="4" fill="hold">
+                            <p:stCondLst>
+                              <p:cond delay="0"/>
+                            </p:stCondLst>
+                            <p:childTnLst>
+                              <p:par>
+                                <p:cTn id="5" presetID="1" presetClass="entr" presetSubtype="0" fill="hold" grpId="0" nodeType="clickEffect">
+                                  <p:stCondLst>
+                                    <p:cond delay="0"/>
+                                  </p:stCondLst>
+                                  <p:childTnLst>
+                                    <p:set>
+                                      <p:cBhvr>
+                                        <p:cTn id="6" dur="1" fill="hold">
+                                          <p:stCondLst>
+                                            <p:cond delay="0"/>
+                                          </p:stCondLst>
+                                        </p:cTn>
+                                        <p:tgtEl>
+                                          <p:spTgt spid="5"/>
+                                        </p:tgtEl>
+                                        <p:attrNameLst>
+                                          <p:attrName>style.visibility</p:attrName>
+                                        </p:attrNameLst>
+                                      </p:cBhvr>
+                                      <p:to>
+                                        <p:strVal val="visible"/>
+                                      </p:to>
+                                    </p:set>
+                                  </p:childTnLst>
+                                </p:cTn>
+                              </p:par>
+                            </p:childTnLst>
+                          </p:cTn>
+                        </p:par>
+                      </p:childTnLst>
+                    </p:cTn>
+                  </p:par>
+                  <p:par>
+                    <p:cTn id="7" fill="hold">
+                      <p:stCondLst>
+                        <p:cond delay="indefinite"/>
+                      </p:stCondLst>
+                      <p:childTnLst>
+                        <p:par>
+                          <p:cTn id="8" fill="hold">
+                            <p:stCondLst>
+                              <p:cond delay="0"/>
+                            </p:stCondLst>
+                            <p:childTnLst>
+                              <p:par>
+                                <p:cTn id="9" presetID="1" presetClass="entr" presetSubtype="0" fill="hold" grpId="0" nodeType="clickEffect">
+                                  <p:stCondLst>
+                                    <p:cond delay="0"/>
+                                  </p:stCondLst>
+                                  <p:childTnLst>
+                                    <p:set>
+                                      <p:cBhvr>
+                                        <p:cTn id="10" dur="1" fill="hold">
+                                          <p:stCondLst>
+                                            <p:cond delay="0"/>
+                                          </p:stCondLst>
+                                        </p:cTn>
+                                        <p:tgtEl>
+                                          <p:spTgt spid="6"/>
+                                        </p:tgtEl>
+                                        <p:attrNameLst>
+                                          <p:attrName>style.visibility</p:attrName>
+                                        </p:attrNameLst>
+                                      </p:cBhvr>
+                                      <p:to>
+                                        <p:strVal val="visible"/>
+                                      </p:to>
+                                    </p:set>
+                                  </p:childTnLst>
+                                </p:cTn>
+                              </p:par>
+                            </p:childTnLst>
+                          </p:cTn>
+                        </p:par>
+                      </p:childTnLst>
+                    </p:cTn>
+                  </p:par>
+                  <p:par>
+                    <p:cTn id="11" fill="hold">
+                      <p:stCondLst>
+                        <p:cond delay="indefinite"/>
+                      </p:stCondLst>
+                      <p:childTnLst>
+                        <p:par>
+                          <p:cTn id="12" fill="hold">
+                            <p:stCondLst>
+                              <p:cond delay="0"/>
+                            </p:stCondLst>
+                            <p:childTnLst>
+                              <p:par>
+                                <p:cTn id="13" presetID="1" presetClass="entr" presetSubtype="0" fill="hold" nodeType="clickEffect">
+                                  <p:stCondLst>
+                                    <p:cond delay="0"/>
+                                  </p:stCondLst>
+                                  <p:childTnLst>
+                                    <p:set>
+                                      <p:cBhvr>
+                                        <p:cTn id="14" dur="1" fill="hold">
+                                          <p:stCondLst>
+                                            <p:cond delay="0"/>
+                                          </p:stCondLst>
+                                        </p:cTn>
+                                        <p:tgtEl>
+                                          <p:spTgt spid="4">
+                                            <p:txEl>
+                                              <p:pRg st="5" end="5"/>
+                                            </p:txEl>
+                                          </p:spTgt>
+                                        </p:tgtEl>
+                                        <p:attrNameLst>
+                                          <p:attrName>style.visibility</p:attrName>
+                                        </p:attrNameLst>
+                                      </p:cBhvr>
+                                      <p:to>
+                                        <p:strVal val="visible"/>
+                                      </p:to>
+                                    </p:set>
+                                  </p:childTnLst>
+                                </p:cTn>
+                              </p:par>
+                              <p:par>
+                                <p:cTn id="15" presetID="1" presetClass="entr" presetSubtype="0" fill="hold" nodeType="withEffect">
+                                  <p:stCondLst>
+                                    <p:cond delay="0"/>
+                                  </p:stCondLst>
+                                  <p:childTnLst>
+                                    <p:set>
+                                      <p:cBhvr>
+                                        <p:cTn id="16" dur="1" fill="hold">
+                                          <p:stCondLst>
+                                            <p:cond delay="0"/>
+                                          </p:stCondLst>
+                                        </p:cTn>
+                                        <p:tgtEl>
+                                          <p:spTgt spid="4">
+                                            <p:txEl>
+                                              <p:pRg st="6" end="6"/>
+                                            </p:txEl>
+                                          </p:spTgt>
+                                        </p:tgtEl>
+                                        <p:attrNameLst>
+                                          <p:attrName>style.visibility</p:attrName>
+                                        </p:attrNameLst>
+                                      </p:cBhvr>
+                                      <p:to>
+                                        <p:strVal val="visible"/>
+                                      </p:to>
+                                    </p:set>
+                                  </p:childTnLst>
+                                </p:cTn>
+                              </p:par>
+                            </p:childTnLst>
+                          </p:cTn>
+                        </p:par>
+                      </p:childTnLst>
+                    </p:cTn>
+                  </p:par>
+                </p:childTnLst>
+              </p:cTn>
+              <p:prevCondLst>
+                <p:cond evt="onPrev" delay="0">
+                  <p:tgtEl>
+                    <p:sldTgt/>
+                  </p:tgtEl>
+                </p:cond>
+              </p:prevCondLst>
+              <p:nextCondLst>
+                <p:cond evt="onNext" delay="0">
+                  <p:tgtEl>
+                    <p:sldTgt/>
+                  </p:tgtEl>
+                </p:cond>
+              </p:nextCondLst>
+            </p:seq>
+          </p:childTnLst>
+        </p:cTn>
+      </p:par>
+    </p:tnLst>
+    <p:bldLst>
+      <p:bldP spid="5" grpId="0" animBg="1"/>
+      <p:bldP spid="6" grpId="0" animBg="1"/>
+    </p:bldLst>
+  </p:timing>
 </p:sld>
 </file>
 
@@ -4677,7 +6693,7 @@
             </a:r>
             <a:r>
               <a:rPr lang="en-US" dirty="0" smtClean="0"/>
-              <a:t>Methods</a:t>
+              <a:t>methods</a:t>
             </a:r>
             <a:endParaRPr lang="en-US" dirty="0"/>
           </a:p>
@@ -4724,7 +6740,7 @@
         </p:nvSpPr>
         <p:spPr>
           <a:xfrm>
-            <a:off x="1371599" y="3008368"/>
+            <a:off x="1253065" y="2855968"/>
             <a:ext cx="6868886" cy="3108543"/>
           </a:xfrm>
           <a:prstGeom prst="rect">
@@ -4858,6 +6874,75 @@
               <a:t>“he sat on the bank of the river and watched the current”</a:t>
             </a:r>
             <a:endParaRPr lang="en-US" sz="2000" i="1" dirty="0"/>
+          </a:p>
+        </p:txBody>
+      </p:sp>
+      <p:sp>
+        <p:nvSpPr>
+          <p:cNvPr id="5" name="Date Placeholder 4"/>
+          <p:cNvSpPr>
+            <a:spLocks noGrp="1"/>
+          </p:cNvSpPr>
+          <p:nvPr>
+            <p:ph type="dt" sz="half" idx="10"/>
+          </p:nvPr>
+        </p:nvSpPr>
+        <p:spPr/>
+        <p:txBody>
+          <a:bodyPr/>
+          <a:lstStyle/>
+          <a:p>
+            <a:r>
+              <a:rPr lang="en-US" smtClean="0"/>
+              <a:t>CS@UVa</a:t>
+            </a:r>
+            <a:endParaRPr lang="en-US"/>
+          </a:p>
+        </p:txBody>
+      </p:sp>
+      <p:sp>
+        <p:nvSpPr>
+          <p:cNvPr id="6" name="Footer Placeholder 5"/>
+          <p:cNvSpPr>
+            <a:spLocks noGrp="1"/>
+          </p:cNvSpPr>
+          <p:nvPr>
+            <p:ph type="ftr" sz="quarter" idx="11"/>
+          </p:nvPr>
+        </p:nvSpPr>
+        <p:spPr/>
+        <p:txBody>
+          <a:bodyPr/>
+          <a:lstStyle/>
+          <a:p>
+            <a:r>
+              <a:rPr lang="en-US" smtClean="0"/>
+              <a:t>CS 6501: Text Mining</a:t>
+            </a:r>
+            <a:endParaRPr lang="en-US"/>
+          </a:p>
+        </p:txBody>
+      </p:sp>
+      <p:sp>
+        <p:nvSpPr>
+          <p:cNvPr id="7" name="Slide Number Placeholder 6"/>
+          <p:cNvSpPr>
+            <a:spLocks noGrp="1"/>
+          </p:cNvSpPr>
+          <p:nvPr>
+            <p:ph type="sldNum" sz="quarter" idx="12"/>
+          </p:nvPr>
+        </p:nvSpPr>
+        <p:spPr/>
+        <p:txBody>
+          <a:bodyPr/>
+          <a:lstStyle/>
+          <a:p>
+            <a:fld id="{C76E115C-33BC-45ED-8DBD-F9FA6141D6D2}" type="slidenum">
+              <a:rPr lang="en-US" smtClean="0"/>
+              <a:t>18</a:t>
+            </a:fld>
+            <a:endParaRPr lang="en-US"/>
           </a:p>
         </p:txBody>
       </p:sp>
@@ -4871,6 +6956,13 @@
   <p:clrMapOvr>
     <a:masterClrMapping/>
   </p:clrMapOvr>
+  <p:timing>
+    <p:tnLst>
+      <p:par>
+        <p:cTn id="1" dur="indefinite" restart="never" nodeType="tmRoot"/>
+      </p:par>
+    </p:tnLst>
+  </p:timing>
 </p:sld>
 </file>
 
@@ -4916,7 +7008,7 @@
             </a:r>
             <a:r>
               <a:rPr lang="en-US" dirty="0" smtClean="0"/>
-              <a:t>Algorithm</a:t>
+              <a:t>algorithm</a:t>
             </a:r>
             <a:endParaRPr lang="en-US" dirty="0"/>
           </a:p>
@@ -5034,6 +7126,75 @@
               <a:rPr lang="en-US" dirty="0" smtClean="0"/>
               <a:t>sense signature</a:t>
             </a:r>
+          </a:p>
+        </p:txBody>
+      </p:sp>
+      <p:sp>
+        <p:nvSpPr>
+          <p:cNvPr id="4" name="Date Placeholder 3"/>
+          <p:cNvSpPr>
+            <a:spLocks noGrp="1"/>
+          </p:cNvSpPr>
+          <p:nvPr>
+            <p:ph type="dt" sz="half" idx="10"/>
+          </p:nvPr>
+        </p:nvSpPr>
+        <p:spPr/>
+        <p:txBody>
+          <a:bodyPr/>
+          <a:lstStyle/>
+          <a:p>
+            <a:r>
+              <a:rPr lang="en-US" smtClean="0"/>
+              <a:t>CS@UVa</a:t>
+            </a:r>
+            <a:endParaRPr lang="en-US"/>
+          </a:p>
+        </p:txBody>
+      </p:sp>
+      <p:sp>
+        <p:nvSpPr>
+          <p:cNvPr id="5" name="Footer Placeholder 4"/>
+          <p:cNvSpPr>
+            <a:spLocks noGrp="1"/>
+          </p:cNvSpPr>
+          <p:nvPr>
+            <p:ph type="ftr" sz="quarter" idx="11"/>
+          </p:nvPr>
+        </p:nvSpPr>
+        <p:spPr/>
+        <p:txBody>
+          <a:bodyPr/>
+          <a:lstStyle/>
+          <a:p>
+            <a:r>
+              <a:rPr lang="en-US" smtClean="0"/>
+              <a:t>CS 6501: Text Mining</a:t>
+            </a:r>
+            <a:endParaRPr lang="en-US"/>
+          </a:p>
+        </p:txBody>
+      </p:sp>
+      <p:sp>
+        <p:nvSpPr>
+          <p:cNvPr id="6" name="Slide Number Placeholder 5"/>
+          <p:cNvSpPr>
+            <a:spLocks noGrp="1"/>
+          </p:cNvSpPr>
+          <p:nvPr>
+            <p:ph type="sldNum" sz="quarter" idx="12"/>
+          </p:nvPr>
+        </p:nvSpPr>
+        <p:spPr/>
+        <p:txBody>
+          <a:bodyPr/>
+          <a:lstStyle/>
+          <a:p>
+            <a:fld id="{C76E115C-33BC-45ED-8DBD-F9FA6141D6D2}" type="slidenum">
+              <a:rPr lang="en-US" smtClean="0"/>
+              <a:t>19</a:t>
+            </a:fld>
+            <a:endParaRPr lang="en-US"/>
           </a:p>
         </p:txBody>
       </p:sp>
@@ -5047,6 +7208,13 @@
   <p:clrMapOvr>
     <a:masterClrMapping/>
   </p:clrMapOvr>
+  <p:timing>
+    <p:tnLst>
+      <p:par>
+        <p:cTn id="1" dur="indefinite" restart="never" nodeType="tmRoot"/>
+      </p:par>
+    </p:tnLst>
+  </p:timing>
 </p:sld>
 </file>
 
@@ -5088,7 +7256,7 @@
             </a:r>
             <a:r>
               <a:rPr lang="en-US" dirty="0" smtClean="0"/>
-              <a:t>Meaning </a:t>
+              <a:t>meaning </a:t>
             </a:r>
             <a:r>
               <a:rPr lang="en-US" dirty="0"/>
@@ -5096,7 +7264,11 @@
             </a:r>
             <a:r>
               <a:rPr lang="en-US" dirty="0" smtClean="0"/>
-              <a:t>A Word?</a:t>
+              <a:t>a word</a:t>
+            </a:r>
+            <a:r>
+              <a:rPr lang="en-US" dirty="0" smtClean="0"/>
+              <a:t>?</a:t>
             </a:r>
             <a:endParaRPr lang="en-US" dirty="0"/>
           </a:p>
@@ -5196,6 +7368,75 @@
               <a:rPr lang="en-US" dirty="0"/>
               <a:t>money is related to bank</a:t>
             </a:r>
+          </a:p>
+        </p:txBody>
+      </p:sp>
+      <p:sp>
+        <p:nvSpPr>
+          <p:cNvPr id="4" name="Date Placeholder 3"/>
+          <p:cNvSpPr>
+            <a:spLocks noGrp="1"/>
+          </p:cNvSpPr>
+          <p:nvPr>
+            <p:ph type="dt" sz="half" idx="10"/>
+          </p:nvPr>
+        </p:nvSpPr>
+        <p:spPr/>
+        <p:txBody>
+          <a:bodyPr/>
+          <a:lstStyle/>
+          <a:p>
+            <a:r>
+              <a:rPr lang="en-US" smtClean="0"/>
+              <a:t>CS@UVa</a:t>
+            </a:r>
+            <a:endParaRPr lang="en-US"/>
+          </a:p>
+        </p:txBody>
+      </p:sp>
+      <p:sp>
+        <p:nvSpPr>
+          <p:cNvPr id="5" name="Footer Placeholder 4"/>
+          <p:cNvSpPr>
+            <a:spLocks noGrp="1"/>
+          </p:cNvSpPr>
+          <p:nvPr>
+            <p:ph type="ftr" sz="quarter" idx="11"/>
+          </p:nvPr>
+        </p:nvSpPr>
+        <p:spPr/>
+        <p:txBody>
+          <a:bodyPr/>
+          <a:lstStyle/>
+          <a:p>
+            <a:r>
+              <a:rPr lang="en-US" smtClean="0"/>
+              <a:t>CS 6501: Text Mining</a:t>
+            </a:r>
+            <a:endParaRPr lang="en-US"/>
+          </a:p>
+        </p:txBody>
+      </p:sp>
+      <p:sp>
+        <p:nvSpPr>
+          <p:cNvPr id="6" name="Slide Number Placeholder 5"/>
+          <p:cNvSpPr>
+            <a:spLocks noGrp="1"/>
+          </p:cNvSpPr>
+          <p:nvPr>
+            <p:ph type="sldNum" sz="quarter" idx="12"/>
+          </p:nvPr>
+        </p:nvSpPr>
+        <p:spPr/>
+        <p:txBody>
+          <a:bodyPr/>
+          <a:lstStyle/>
+          <a:p>
+            <a:fld id="{C76E115C-33BC-45ED-8DBD-F9FA6141D6D2}" type="slidenum">
+              <a:rPr lang="en-US" smtClean="0"/>
+              <a:t>2</a:t>
+            </a:fld>
+            <a:endParaRPr lang="en-US"/>
           </a:p>
         </p:txBody>
       </p:sp>
@@ -5209,6 +7450,209 @@
   <p:clrMapOvr>
     <a:masterClrMapping/>
   </p:clrMapOvr>
+  <p:timing>
+    <p:tnLst>
+      <p:par>
+        <p:cTn id="1" dur="indefinite" restart="never" nodeType="tmRoot">
+          <p:childTnLst>
+            <p:seq concurrent="1" nextAc="seek">
+              <p:cTn id="2" dur="indefinite" nodeType="mainSeq">
+                <p:childTnLst>
+                  <p:par>
+                    <p:cTn id="3" fill="hold">
+                      <p:stCondLst>
+                        <p:cond delay="indefinite"/>
+                      </p:stCondLst>
+                      <p:childTnLst>
+                        <p:par>
+                          <p:cTn id="4" fill="hold">
+                            <p:stCondLst>
+                              <p:cond delay="0"/>
+                            </p:stCondLst>
+                            <p:childTnLst>
+                              <p:par>
+                                <p:cTn id="5" presetID="1" presetClass="entr" presetSubtype="0" fill="hold" nodeType="clickEffect">
+                                  <p:stCondLst>
+                                    <p:cond delay="0"/>
+                                  </p:stCondLst>
+                                  <p:childTnLst>
+                                    <p:set>
+                                      <p:cBhvr>
+                                        <p:cTn id="6" dur="1" fill="hold">
+                                          <p:stCondLst>
+                                            <p:cond delay="0"/>
+                                          </p:stCondLst>
+                                        </p:cTn>
+                                        <p:tgtEl>
+                                          <p:spTgt spid="3">
+                                            <p:txEl>
+                                              <p:pRg st="3" end="3"/>
+                                            </p:txEl>
+                                          </p:spTgt>
+                                        </p:tgtEl>
+                                        <p:attrNameLst>
+                                          <p:attrName>style.visibility</p:attrName>
+                                        </p:attrNameLst>
+                                      </p:cBhvr>
+                                      <p:to>
+                                        <p:strVal val="visible"/>
+                                      </p:to>
+                                    </p:set>
+                                  </p:childTnLst>
+                                </p:cTn>
+                              </p:par>
+                              <p:par>
+                                <p:cTn id="7" presetID="1" presetClass="entr" presetSubtype="0" fill="hold" nodeType="withEffect">
+                                  <p:stCondLst>
+                                    <p:cond delay="0"/>
+                                  </p:stCondLst>
+                                  <p:childTnLst>
+                                    <p:set>
+                                      <p:cBhvr>
+                                        <p:cTn id="8" dur="1" fill="hold">
+                                          <p:stCondLst>
+                                            <p:cond delay="0"/>
+                                          </p:stCondLst>
+                                        </p:cTn>
+                                        <p:tgtEl>
+                                          <p:spTgt spid="3">
+                                            <p:txEl>
+                                              <p:pRg st="4" end="4"/>
+                                            </p:txEl>
+                                          </p:spTgt>
+                                        </p:tgtEl>
+                                        <p:attrNameLst>
+                                          <p:attrName>style.visibility</p:attrName>
+                                        </p:attrNameLst>
+                                      </p:cBhvr>
+                                      <p:to>
+                                        <p:strVal val="visible"/>
+                                      </p:to>
+                                    </p:set>
+                                  </p:childTnLst>
+                                </p:cTn>
+                              </p:par>
+                              <p:par>
+                                <p:cTn id="9" presetID="1" presetClass="entr" presetSubtype="0" fill="hold" nodeType="withEffect">
+                                  <p:stCondLst>
+                                    <p:cond delay="0"/>
+                                  </p:stCondLst>
+                                  <p:childTnLst>
+                                    <p:set>
+                                      <p:cBhvr>
+                                        <p:cTn id="10" dur="1" fill="hold">
+                                          <p:stCondLst>
+                                            <p:cond delay="0"/>
+                                          </p:stCondLst>
+                                        </p:cTn>
+                                        <p:tgtEl>
+                                          <p:spTgt spid="3">
+                                            <p:txEl>
+                                              <p:pRg st="5" end="5"/>
+                                            </p:txEl>
+                                          </p:spTgt>
+                                        </p:tgtEl>
+                                        <p:attrNameLst>
+                                          <p:attrName>style.visibility</p:attrName>
+                                        </p:attrNameLst>
+                                      </p:cBhvr>
+                                      <p:to>
+                                        <p:strVal val="visible"/>
+                                      </p:to>
+                                    </p:set>
+                                  </p:childTnLst>
+                                </p:cTn>
+                              </p:par>
+                              <p:par>
+                                <p:cTn id="11" presetID="1" presetClass="entr" presetSubtype="0" fill="hold" nodeType="withEffect">
+                                  <p:stCondLst>
+                                    <p:cond delay="0"/>
+                                  </p:stCondLst>
+                                  <p:childTnLst>
+                                    <p:set>
+                                      <p:cBhvr>
+                                        <p:cTn id="12" dur="1" fill="hold">
+                                          <p:stCondLst>
+                                            <p:cond delay="0"/>
+                                          </p:stCondLst>
+                                        </p:cTn>
+                                        <p:tgtEl>
+                                          <p:spTgt spid="3">
+                                            <p:txEl>
+                                              <p:pRg st="6" end="6"/>
+                                            </p:txEl>
+                                          </p:spTgt>
+                                        </p:tgtEl>
+                                        <p:attrNameLst>
+                                          <p:attrName>style.visibility</p:attrName>
+                                        </p:attrNameLst>
+                                      </p:cBhvr>
+                                      <p:to>
+                                        <p:strVal val="visible"/>
+                                      </p:to>
+                                    </p:set>
+                                  </p:childTnLst>
+                                </p:cTn>
+                              </p:par>
+                              <p:par>
+                                <p:cTn id="13" presetID="1" presetClass="entr" presetSubtype="0" fill="hold" nodeType="withEffect">
+                                  <p:stCondLst>
+                                    <p:cond delay="0"/>
+                                  </p:stCondLst>
+                                  <p:childTnLst>
+                                    <p:set>
+                                      <p:cBhvr>
+                                        <p:cTn id="14" dur="1" fill="hold">
+                                          <p:stCondLst>
+                                            <p:cond delay="0"/>
+                                          </p:stCondLst>
+                                        </p:cTn>
+                                        <p:tgtEl>
+                                          <p:spTgt spid="3">
+                                            <p:txEl>
+                                              <p:pRg st="7" end="7"/>
+                                            </p:txEl>
+                                          </p:spTgt>
+                                        </p:tgtEl>
+                                        <p:attrNameLst>
+                                          <p:attrName>style.visibility</p:attrName>
+                                        </p:attrNameLst>
+                                      </p:cBhvr>
+                                      <p:to>
+                                        <p:strVal val="visible"/>
+                                      </p:to>
+                                    </p:set>
+                                  </p:childTnLst>
+                                </p:cTn>
+                              </p:par>
+                            </p:childTnLst>
+                          </p:cTn>
+                        </p:par>
+                      </p:childTnLst>
+                    </p:cTn>
+                  </p:par>
+                </p:childTnLst>
+              </p:cTn>
+              <p:prevCondLst>
+                <p:cond evt="onPrev" delay="0">
+                  <p:tgtEl>
+                    <p:sldTgt/>
+                  </p:tgtEl>
+                </p:cond>
+              </p:prevCondLst>
+              <p:nextCondLst>
+                <p:cond evt="onNext" delay="0">
+                  <p:tgtEl>
+                    <p:sldTgt/>
+                  </p:tgtEl>
+                </p:cond>
+              </p:nextCondLst>
+            </p:seq>
+          </p:childTnLst>
+        </p:cTn>
+      </p:par>
+    </p:tnLst>
+  </p:timing>
 </p:sld>
 </file>
 
@@ -5830,6 +8274,75 @@
           </a:p>
         </p:txBody>
       </p:sp>
+      <p:sp>
+        <p:nvSpPr>
+          <p:cNvPr id="3" name="Date Placeholder 2"/>
+          <p:cNvSpPr>
+            <a:spLocks noGrp="1"/>
+          </p:cNvSpPr>
+          <p:nvPr>
+            <p:ph type="dt" sz="half" idx="10"/>
+          </p:nvPr>
+        </p:nvSpPr>
+        <p:spPr/>
+        <p:txBody>
+          <a:bodyPr/>
+          <a:lstStyle/>
+          <a:p>
+            <a:r>
+              <a:rPr lang="en-US" smtClean="0"/>
+              <a:t>CS@UVa</a:t>
+            </a:r>
+            <a:endParaRPr lang="en-US"/>
+          </a:p>
+        </p:txBody>
+      </p:sp>
+      <p:sp>
+        <p:nvSpPr>
+          <p:cNvPr id="7" name="Footer Placeholder 6"/>
+          <p:cNvSpPr>
+            <a:spLocks noGrp="1"/>
+          </p:cNvSpPr>
+          <p:nvPr>
+            <p:ph type="ftr" sz="quarter" idx="11"/>
+          </p:nvPr>
+        </p:nvSpPr>
+        <p:spPr/>
+        <p:txBody>
+          <a:bodyPr/>
+          <a:lstStyle/>
+          <a:p>
+            <a:r>
+              <a:rPr lang="en-US" smtClean="0"/>
+              <a:t>CS 6501: Text Mining</a:t>
+            </a:r>
+            <a:endParaRPr lang="en-US"/>
+          </a:p>
+        </p:txBody>
+      </p:sp>
+      <p:sp>
+        <p:nvSpPr>
+          <p:cNvPr id="8" name="Slide Number Placeholder 7"/>
+          <p:cNvSpPr>
+            <a:spLocks noGrp="1"/>
+          </p:cNvSpPr>
+          <p:nvPr>
+            <p:ph type="sldNum" sz="quarter" idx="12"/>
+          </p:nvPr>
+        </p:nvSpPr>
+        <p:spPr/>
+        <p:txBody>
+          <a:bodyPr/>
+          <a:lstStyle/>
+          <a:p>
+            <a:fld id="{C76E115C-33BC-45ED-8DBD-F9FA6141D6D2}" type="slidenum">
+              <a:rPr lang="en-US" smtClean="0"/>
+              <a:t>20</a:t>
+            </a:fld>
+            <a:endParaRPr lang="en-US"/>
+          </a:p>
+        </p:txBody>
+      </p:sp>
     </p:spTree>
     <p:extLst>
       <p:ext uri="{BB962C8B-B14F-4D97-AF65-F5344CB8AC3E}">
@@ -5840,6 +8353,130 @@
   <p:clrMapOvr>
     <a:masterClrMapping/>
   </p:clrMapOvr>
+  <p:timing>
+    <p:tnLst>
+      <p:par>
+        <p:cTn id="1" dur="indefinite" restart="never" nodeType="tmRoot">
+          <p:childTnLst>
+            <p:seq concurrent="1" nextAc="seek">
+              <p:cTn id="2" dur="indefinite" nodeType="mainSeq">
+                <p:childTnLst>
+                  <p:par>
+                    <p:cTn id="3" fill="hold">
+                      <p:stCondLst>
+                        <p:cond delay="indefinite"/>
+                      </p:stCondLst>
+                      <p:childTnLst>
+                        <p:par>
+                          <p:cTn id="4" fill="hold">
+                            <p:stCondLst>
+                              <p:cond delay="0"/>
+                            </p:stCondLst>
+                            <p:childTnLst>
+                              <p:par>
+                                <p:cTn id="5" presetID="1" presetClass="entr" presetSubtype="0" fill="hold" grpId="0" nodeType="clickEffect">
+                                  <p:stCondLst>
+                                    <p:cond delay="0"/>
+                                  </p:stCondLst>
+                                  <p:childTnLst>
+                                    <p:set>
+                                      <p:cBhvr>
+                                        <p:cTn id="6" dur="1" fill="hold">
+                                          <p:stCondLst>
+                                            <p:cond delay="0"/>
+                                          </p:stCondLst>
+                                        </p:cTn>
+                                        <p:tgtEl>
+                                          <p:spTgt spid="5"/>
+                                        </p:tgtEl>
+                                        <p:attrNameLst>
+                                          <p:attrName>style.visibility</p:attrName>
+                                        </p:attrNameLst>
+                                      </p:cBhvr>
+                                      <p:to>
+                                        <p:strVal val="visible"/>
+                                      </p:to>
+                                    </p:set>
+                                  </p:childTnLst>
+                                </p:cTn>
+                              </p:par>
+                            </p:childTnLst>
+                          </p:cTn>
+                        </p:par>
+                      </p:childTnLst>
+                    </p:cTn>
+                  </p:par>
+                  <p:par>
+                    <p:cTn id="7" fill="hold">
+                      <p:stCondLst>
+                        <p:cond delay="indefinite"/>
+                      </p:stCondLst>
+                      <p:childTnLst>
+                        <p:par>
+                          <p:cTn id="8" fill="hold">
+                            <p:stCondLst>
+                              <p:cond delay="0"/>
+                            </p:stCondLst>
+                            <p:childTnLst>
+                              <p:par>
+                                <p:cTn id="9" presetID="1" presetClass="entr" presetSubtype="0" fill="hold" grpId="0" nodeType="clickEffect">
+                                  <p:stCondLst>
+                                    <p:cond delay="0"/>
+                                  </p:stCondLst>
+                                  <p:childTnLst>
+                                    <p:set>
+                                      <p:cBhvr>
+                                        <p:cTn id="10" dur="1" fill="hold">
+                                          <p:stCondLst>
+                                            <p:cond delay="0"/>
+                                          </p:stCondLst>
+                                        </p:cTn>
+                                        <p:tgtEl>
+                                          <p:spTgt spid="6"/>
+                                        </p:tgtEl>
+                                        <p:attrNameLst>
+                                          <p:attrName>style.visibility</p:attrName>
+                                        </p:attrNameLst>
+                                      </p:cBhvr>
+                                      <p:to>
+                                        <p:strVal val="visible"/>
+                                      </p:to>
+                                    </p:set>
+                                  </p:childTnLst>
+                                </p:cTn>
+                              </p:par>
+                            </p:childTnLst>
+                          </p:cTn>
+                        </p:par>
+                      </p:childTnLst>
+                    </p:cTn>
+                  </p:par>
+                </p:childTnLst>
+              </p:cTn>
+              <p:prevCondLst>
+                <p:cond evt="onPrev" delay="0">
+                  <p:tgtEl>
+                    <p:sldTgt/>
+                  </p:tgtEl>
+                </p:cond>
+              </p:prevCondLst>
+              <p:nextCondLst>
+                <p:cond evt="onNext" delay="0">
+                  <p:tgtEl>
+                    <p:sldTgt/>
+                  </p:tgtEl>
+                </p:cond>
+              </p:nextCondLst>
+            </p:seq>
+          </p:childTnLst>
+        </p:cTn>
+      </p:par>
+    </p:tnLst>
+    <p:bldLst>
+      <p:bldP spid="5" grpId="0"/>
+      <p:bldP spid="6" grpId="0"/>
+    </p:bldLst>
+  </p:timing>
 </p:sld>
 </file>
 
@@ -5881,7 +8518,7 @@
             </a:r>
             <a:r>
               <a:rPr lang="en-US" dirty="0" smtClean="0"/>
-              <a:t>Target Word</a:t>
+              <a:t>target word</a:t>
             </a:r>
             <a:endParaRPr lang="en-US" dirty="0"/>
           </a:p>
@@ -6125,6 +8762,75 @@
               <a:t> refused to give me a loan.”</a:t>
             </a:r>
             <a:endParaRPr lang="en-US" sz="2800" i="1" dirty="0"/>
+          </a:p>
+        </p:txBody>
+      </p:sp>
+      <p:sp>
+        <p:nvSpPr>
+          <p:cNvPr id="2" name="Date Placeholder 1"/>
+          <p:cNvSpPr>
+            <a:spLocks noGrp="1"/>
+          </p:cNvSpPr>
+          <p:nvPr>
+            <p:ph type="dt" sz="half" idx="10"/>
+          </p:nvPr>
+        </p:nvSpPr>
+        <p:spPr/>
+        <p:txBody>
+          <a:bodyPr/>
+          <a:lstStyle/>
+          <a:p>
+            <a:r>
+              <a:rPr lang="en-US" smtClean="0"/>
+              <a:t>CS@UVa</a:t>
+            </a:r>
+            <a:endParaRPr lang="en-US"/>
+          </a:p>
+        </p:txBody>
+      </p:sp>
+      <p:sp>
+        <p:nvSpPr>
+          <p:cNvPr id="6" name="Footer Placeholder 5"/>
+          <p:cNvSpPr>
+            <a:spLocks noGrp="1"/>
+          </p:cNvSpPr>
+          <p:nvPr>
+            <p:ph type="ftr" sz="quarter" idx="11"/>
+          </p:nvPr>
+        </p:nvSpPr>
+        <p:spPr/>
+        <p:txBody>
+          <a:bodyPr/>
+          <a:lstStyle/>
+          <a:p>
+            <a:r>
+              <a:rPr lang="en-US" smtClean="0"/>
+              <a:t>CS 6501: Text Mining</a:t>
+            </a:r>
+            <a:endParaRPr lang="en-US"/>
+          </a:p>
+        </p:txBody>
+      </p:sp>
+      <p:sp>
+        <p:nvSpPr>
+          <p:cNvPr id="7" name="Slide Number Placeholder 6"/>
+          <p:cNvSpPr>
+            <a:spLocks noGrp="1"/>
+          </p:cNvSpPr>
+          <p:nvPr>
+            <p:ph type="sldNum" sz="quarter" idx="12"/>
+          </p:nvPr>
+        </p:nvSpPr>
+        <p:spPr/>
+        <p:txBody>
+          <a:bodyPr/>
+          <a:lstStyle/>
+          <a:p>
+            <a:fld id="{C76E115C-33BC-45ED-8DBD-F9FA6141D6D2}" type="slidenum">
+              <a:rPr lang="en-US" smtClean="0"/>
+              <a:t>21</a:t>
+            </a:fld>
+            <a:endParaRPr lang="en-US"/>
           </a:p>
         </p:txBody>
       </p:sp>
@@ -6138,6 +8844,13 @@
   <p:clrMapOvr>
     <a:masterClrMapping/>
   </p:clrMapOvr>
+  <p:timing>
+    <p:tnLst>
+      <p:par>
+        <p:cTn id="1" dur="indefinite" restart="never" nodeType="tmRoot"/>
+      </p:par>
+    </p:tnLst>
+  </p:timing>
 </p:sld>
 </file>
 
@@ -6207,6 +8920,75 @@
           </a:p>
         </p:txBody>
       </p:sp>
+      <p:sp>
+        <p:nvSpPr>
+          <p:cNvPr id="4" name="Date Placeholder 3"/>
+          <p:cNvSpPr>
+            <a:spLocks noGrp="1"/>
+          </p:cNvSpPr>
+          <p:nvPr>
+            <p:ph type="dt" sz="half" idx="10"/>
+          </p:nvPr>
+        </p:nvSpPr>
+        <p:spPr/>
+        <p:txBody>
+          <a:bodyPr/>
+          <a:lstStyle/>
+          <a:p>
+            <a:r>
+              <a:rPr lang="en-US" smtClean="0"/>
+              <a:t>CS@UVa</a:t>
+            </a:r>
+            <a:endParaRPr lang="en-US"/>
+          </a:p>
+        </p:txBody>
+      </p:sp>
+      <p:sp>
+        <p:nvSpPr>
+          <p:cNvPr id="5" name="Footer Placeholder 4"/>
+          <p:cNvSpPr>
+            <a:spLocks noGrp="1"/>
+          </p:cNvSpPr>
+          <p:nvPr>
+            <p:ph type="ftr" sz="quarter" idx="11"/>
+          </p:nvPr>
+        </p:nvSpPr>
+        <p:spPr/>
+        <p:txBody>
+          <a:bodyPr/>
+          <a:lstStyle/>
+          <a:p>
+            <a:r>
+              <a:rPr lang="en-US" smtClean="0"/>
+              <a:t>CS 6501: Text Mining</a:t>
+            </a:r>
+            <a:endParaRPr lang="en-US"/>
+          </a:p>
+        </p:txBody>
+      </p:sp>
+      <p:sp>
+        <p:nvSpPr>
+          <p:cNvPr id="6" name="Slide Number Placeholder 5"/>
+          <p:cNvSpPr>
+            <a:spLocks noGrp="1"/>
+          </p:cNvSpPr>
+          <p:nvPr>
+            <p:ph type="sldNum" sz="quarter" idx="12"/>
+          </p:nvPr>
+        </p:nvSpPr>
+        <p:spPr/>
+        <p:txBody>
+          <a:bodyPr/>
+          <a:lstStyle/>
+          <a:p>
+            <a:fld id="{C76E115C-33BC-45ED-8DBD-F9FA6141D6D2}" type="slidenum">
+              <a:rPr lang="en-US" smtClean="0"/>
+              <a:t>22</a:t>
+            </a:fld>
+            <a:endParaRPr lang="en-US"/>
+          </a:p>
+        </p:txBody>
+      </p:sp>
     </p:spTree>
     <p:extLst>
       <p:ext uri="{BB962C8B-B14F-4D97-AF65-F5344CB8AC3E}">
@@ -6217,6 +8999,13 @@
   <p:clrMapOvr>
     <a:masterClrMapping/>
   </p:clrMapOvr>
+  <p:timing>
+    <p:tnLst>
+      <p:par>
+        <p:cTn id="1" dur="indefinite" restart="never" nodeType="tmRoot"/>
+      </p:par>
+    </p:tnLst>
+  </p:timing>
 </p:sld>
 </file>
 
@@ -6258,7 +9047,7 @@
             </a:r>
             <a:r>
               <a:rPr lang="en-US" dirty="0" smtClean="0"/>
-              <a:t>Senses</a:t>
+              <a:t>senses</a:t>
             </a:r>
             <a:endParaRPr lang="en-US" dirty="0"/>
           </a:p>
@@ -6293,8 +9082,12 @@
           <a:p>
             <a:pPr lvl="1"/>
             <a:r>
-              <a:rPr lang="en-US" dirty="0"/>
-              <a:t>a financial </a:t>
+              <a:rPr lang="en-US" dirty="0" smtClean="0"/>
+              <a:t>A </a:t>
+            </a:r>
+            <a:r>
+              <a:rPr lang="en-US" dirty="0"/>
+              <a:t>financial </a:t>
             </a:r>
             <a:r>
               <a:rPr lang="en-US" dirty="0" smtClean="0"/>
@@ -6304,8 +9097,16 @@
           <a:p>
             <a:pPr lvl="2"/>
             <a:r>
+              <a:rPr lang="en-US" dirty="0" smtClean="0"/>
+              <a:t>E.g., “</a:t>
+            </a:r>
+            <a:r>
+              <a:rPr lang="en-US" u="sng" dirty="0" smtClean="0"/>
+              <a:t>US </a:t>
+            </a:r>
+            <a:r>
               <a:rPr lang="en-US" u="sng" dirty="0"/>
-              <a:t>US banks</a:t>
+              <a:t>banks</a:t>
             </a:r>
             <a:r>
               <a:rPr lang="en-US" dirty="0"/>
@@ -6313,14 +9114,23 @@
             </a:r>
             <a:r>
               <a:rPr lang="en-US" dirty="0" smtClean="0"/>
-              <a:t>rates.</a:t>
-            </a:r>
+              <a:t>rates</a:t>
+            </a:r>
+            <a:r>
+              <a:rPr lang="en-US" dirty="0" smtClean="0"/>
+              <a:t>.”</a:t>
+            </a:r>
+            <a:endParaRPr lang="en-US" dirty="0" smtClean="0"/>
           </a:p>
           <a:p>
             <a:pPr lvl="1"/>
             <a:r>
-              <a:rPr lang="en-US" dirty="0"/>
-              <a:t>a particular branch of a financial </a:t>
+              <a:rPr lang="en-US" dirty="0" smtClean="0"/>
+              <a:t>A </a:t>
+            </a:r>
+            <a:r>
+              <a:rPr lang="en-US" dirty="0"/>
+              <a:t>particular branch of a financial </a:t>
             </a:r>
             <a:r>
               <a:rPr lang="en-US" dirty="0" smtClean="0"/>
@@ -6330,8 +9140,8 @@
           <a:p>
             <a:pPr lvl="2"/>
             <a:r>
-              <a:rPr lang="en-US" dirty="0"/>
-              <a:t>the </a:t>
+              <a:rPr lang="en-US" dirty="0" smtClean="0"/>
+              <a:t>E.g., “The </a:t>
             </a:r>
             <a:r>
               <a:rPr lang="en-US" u="sng" dirty="0"/>
@@ -6351,14 +9161,23 @@
             </a:r>
             <a:r>
               <a:rPr lang="en-US" dirty="0" smtClean="0"/>
-              <a:t>5pm.</a:t>
-            </a:r>
+              <a:t>5pm</a:t>
+            </a:r>
+            <a:r>
+              <a:rPr lang="en-US" dirty="0" smtClean="0"/>
+              <a:t>.”</a:t>
+            </a:r>
+            <a:endParaRPr lang="en-US" dirty="0" smtClean="0"/>
           </a:p>
           <a:p>
             <a:pPr lvl="1"/>
             <a:r>
-              <a:rPr lang="en-US" dirty="0"/>
-              <a:t>the sloping side of any hollow in the ground, </a:t>
+              <a:rPr lang="en-US" dirty="0" smtClean="0"/>
+              <a:t>The</a:t>
+            </a:r>
+            <a:r>
+              <a:rPr lang="en-US" dirty="0"/>
+              <a:t> sloping side of any hollow in the ground, </a:t>
             </a:r>
             <a:r>
               <a:rPr lang="en-US" dirty="0" smtClean="0"/>
@@ -6376,8 +9195,12 @@
           <a:p>
             <a:pPr lvl="2"/>
             <a:r>
-              <a:rPr lang="en-US" dirty="0"/>
-              <a:t>In 1927, the </a:t>
+              <a:rPr lang="en-US" dirty="0" smtClean="0"/>
+              <a:t>E.g., “In </a:t>
+            </a:r>
+            <a:r>
+              <a:rPr lang="en-US" dirty="0"/>
+              <a:t>1927, the </a:t>
             </a:r>
             <a:r>
               <a:rPr lang="en-US" u="sng" dirty="0"/>
@@ -6389,14 +9212,23 @@
             </a:r>
             <a:r>
               <a:rPr lang="en-US" dirty="0" smtClean="0"/>
-              <a:t>flooded.</a:t>
-            </a:r>
+              <a:t>flooded</a:t>
+            </a:r>
+            <a:r>
+              <a:rPr lang="en-US" dirty="0" smtClean="0"/>
+              <a:t>.”</a:t>
+            </a:r>
+            <a:endParaRPr lang="en-US" dirty="0" smtClean="0"/>
           </a:p>
           <a:p>
             <a:pPr lvl="1"/>
             <a:r>
-              <a:rPr lang="en-US" dirty="0"/>
-              <a:t>a ‘repository</a:t>
+              <a:rPr lang="en-US" dirty="0" smtClean="0"/>
+              <a:t>A </a:t>
+            </a:r>
+            <a:r>
+              <a:rPr lang="en-US" dirty="0"/>
+              <a:t>‘repository</a:t>
             </a:r>
             <a:r>
               <a:rPr lang="en-US" dirty="0" smtClean="0"/>
@@ -6406,8 +9238,12 @@
           <a:p>
             <a:pPr lvl="2"/>
             <a:r>
-              <a:rPr lang="en-US" dirty="0"/>
-              <a:t>I donate blood to a </a:t>
+              <a:rPr lang="en-US" dirty="0" smtClean="0"/>
+              <a:t>E.g., “I </a:t>
+            </a:r>
+            <a:r>
+              <a:rPr lang="en-US" dirty="0"/>
+              <a:t>donate blood to a </a:t>
             </a:r>
             <a:r>
               <a:rPr lang="en-US" u="sng" dirty="0"/>
@@ -6419,9 +9255,78 @@
             </a:r>
             <a:r>
               <a:rPr lang="en-US" dirty="0" smtClean="0"/>
-              <a:t>.</a:t>
+              <a:t>.”</a:t>
             </a:r>
             <a:endParaRPr lang="en-US" dirty="0"/>
+          </a:p>
+        </p:txBody>
+      </p:sp>
+      <p:sp>
+        <p:nvSpPr>
+          <p:cNvPr id="4" name="Date Placeholder 3"/>
+          <p:cNvSpPr>
+            <a:spLocks noGrp="1"/>
+          </p:cNvSpPr>
+          <p:nvPr>
+            <p:ph type="dt" sz="half" idx="10"/>
+          </p:nvPr>
+        </p:nvSpPr>
+        <p:spPr/>
+        <p:txBody>
+          <a:bodyPr/>
+          <a:lstStyle/>
+          <a:p>
+            <a:r>
+              <a:rPr lang="en-US" smtClean="0"/>
+              <a:t>CS@UVa</a:t>
+            </a:r>
+            <a:endParaRPr lang="en-US"/>
+          </a:p>
+        </p:txBody>
+      </p:sp>
+      <p:sp>
+        <p:nvSpPr>
+          <p:cNvPr id="5" name="Footer Placeholder 4"/>
+          <p:cNvSpPr>
+            <a:spLocks noGrp="1"/>
+          </p:cNvSpPr>
+          <p:nvPr>
+            <p:ph type="ftr" sz="quarter" idx="11"/>
+          </p:nvPr>
+        </p:nvSpPr>
+        <p:spPr/>
+        <p:txBody>
+          <a:bodyPr/>
+          <a:lstStyle/>
+          <a:p>
+            <a:r>
+              <a:rPr lang="en-US" smtClean="0"/>
+              <a:t>CS 6501: Text Mining</a:t>
+            </a:r>
+            <a:endParaRPr lang="en-US"/>
+          </a:p>
+        </p:txBody>
+      </p:sp>
+      <p:sp>
+        <p:nvSpPr>
+          <p:cNvPr id="6" name="Slide Number Placeholder 5"/>
+          <p:cNvSpPr>
+            <a:spLocks noGrp="1"/>
+          </p:cNvSpPr>
+          <p:nvPr>
+            <p:ph type="sldNum" sz="quarter" idx="12"/>
+          </p:nvPr>
+        </p:nvSpPr>
+        <p:spPr/>
+        <p:txBody>
+          <a:bodyPr/>
+          <a:lstStyle/>
+          <a:p>
+            <a:fld id="{C76E115C-33BC-45ED-8DBD-F9FA6141D6D2}" type="slidenum">
+              <a:rPr lang="en-US" smtClean="0"/>
+              <a:t>3</a:t>
+            </a:fld>
+            <a:endParaRPr lang="en-US"/>
           </a:p>
         </p:txBody>
       </p:sp>
@@ -6435,6 +9340,356 @@
   <p:clrMapOvr>
     <a:masterClrMapping/>
   </p:clrMapOvr>
+  <p:timing>
+    <p:tnLst>
+      <p:par>
+        <p:cTn id="1" dur="indefinite" restart="never" nodeType="tmRoot">
+          <p:childTnLst>
+            <p:seq concurrent="1" nextAc="seek">
+              <p:cTn id="2" dur="indefinite" nodeType="mainSeq">
+                <p:childTnLst>
+                  <p:par>
+                    <p:cTn id="3" fill="hold">
+                      <p:stCondLst>
+                        <p:cond delay="indefinite"/>
+                      </p:stCondLst>
+                      <p:childTnLst>
+                        <p:par>
+                          <p:cTn id="4" fill="hold">
+                            <p:stCondLst>
+                              <p:cond delay="0"/>
+                            </p:stCondLst>
+                            <p:childTnLst>
+                              <p:par>
+                                <p:cTn id="5" presetID="1" presetClass="entr" presetSubtype="0" fill="hold" nodeType="clickEffect">
+                                  <p:stCondLst>
+                                    <p:cond delay="0"/>
+                                  </p:stCondLst>
+                                  <p:childTnLst>
+                                    <p:set>
+                                      <p:cBhvr>
+                                        <p:cTn id="6" dur="1" fill="hold">
+                                          <p:stCondLst>
+                                            <p:cond delay="0"/>
+                                          </p:stCondLst>
+                                        </p:cTn>
+                                        <p:tgtEl>
+                                          <p:spTgt spid="3">
+                                            <p:txEl>
+                                              <p:pRg st="1" end="1"/>
+                                            </p:txEl>
+                                          </p:spTgt>
+                                        </p:tgtEl>
+                                        <p:attrNameLst>
+                                          <p:attrName>style.visibility</p:attrName>
+                                        </p:attrNameLst>
+                                      </p:cBhvr>
+                                      <p:to>
+                                        <p:strVal val="visible"/>
+                                      </p:to>
+                                    </p:set>
+                                  </p:childTnLst>
+                                </p:cTn>
+                              </p:par>
+                              <p:par>
+                                <p:cTn id="7" presetID="1" presetClass="entr" presetSubtype="0" fill="hold" nodeType="withEffect">
+                                  <p:stCondLst>
+                                    <p:cond delay="0"/>
+                                  </p:stCondLst>
+                                  <p:childTnLst>
+                                    <p:set>
+                                      <p:cBhvr>
+                                        <p:cTn id="8" dur="1" fill="hold">
+                                          <p:stCondLst>
+                                            <p:cond delay="0"/>
+                                          </p:stCondLst>
+                                        </p:cTn>
+                                        <p:tgtEl>
+                                          <p:spTgt spid="3">
+                                            <p:txEl>
+                                              <p:pRg st="2" end="2"/>
+                                            </p:txEl>
+                                          </p:spTgt>
+                                        </p:tgtEl>
+                                        <p:attrNameLst>
+                                          <p:attrName>style.visibility</p:attrName>
+                                        </p:attrNameLst>
+                                      </p:cBhvr>
+                                      <p:to>
+                                        <p:strVal val="visible"/>
+                                      </p:to>
+                                    </p:set>
+                                  </p:childTnLst>
+                                </p:cTn>
+                              </p:par>
+                            </p:childTnLst>
+                          </p:cTn>
+                        </p:par>
+                      </p:childTnLst>
+                    </p:cTn>
+                  </p:par>
+                  <p:par>
+                    <p:cTn id="9" fill="hold">
+                      <p:stCondLst>
+                        <p:cond delay="indefinite"/>
+                      </p:stCondLst>
+                      <p:childTnLst>
+                        <p:par>
+                          <p:cTn id="10" fill="hold">
+                            <p:stCondLst>
+                              <p:cond delay="0"/>
+                            </p:stCondLst>
+                            <p:childTnLst>
+                              <p:par>
+                                <p:cTn id="11" presetID="1" presetClass="entr" presetSubtype="0" fill="hold" nodeType="clickEffect">
+                                  <p:stCondLst>
+                                    <p:cond delay="0"/>
+                                  </p:stCondLst>
+                                  <p:childTnLst>
+                                    <p:set>
+                                      <p:cBhvr>
+                                        <p:cTn id="12" dur="1" fill="hold">
+                                          <p:stCondLst>
+                                            <p:cond delay="0"/>
+                                          </p:stCondLst>
+                                        </p:cTn>
+                                        <p:tgtEl>
+                                          <p:spTgt spid="3">
+                                            <p:txEl>
+                                              <p:pRg st="3" end="3"/>
+                                            </p:txEl>
+                                          </p:spTgt>
+                                        </p:tgtEl>
+                                        <p:attrNameLst>
+                                          <p:attrName>style.visibility</p:attrName>
+                                        </p:attrNameLst>
+                                      </p:cBhvr>
+                                      <p:to>
+                                        <p:strVal val="visible"/>
+                                      </p:to>
+                                    </p:set>
+                                  </p:childTnLst>
+                                </p:cTn>
+                              </p:par>
+                              <p:par>
+                                <p:cTn id="13" presetID="1" presetClass="entr" presetSubtype="0" fill="hold" nodeType="withEffect">
+                                  <p:stCondLst>
+                                    <p:cond delay="0"/>
+                                  </p:stCondLst>
+                                  <p:childTnLst>
+                                    <p:set>
+                                      <p:cBhvr>
+                                        <p:cTn id="14" dur="1" fill="hold">
+                                          <p:stCondLst>
+                                            <p:cond delay="0"/>
+                                          </p:stCondLst>
+                                        </p:cTn>
+                                        <p:tgtEl>
+                                          <p:spTgt spid="3">
+                                            <p:txEl>
+                                              <p:pRg st="4" end="4"/>
+                                            </p:txEl>
+                                          </p:spTgt>
+                                        </p:tgtEl>
+                                        <p:attrNameLst>
+                                          <p:attrName>style.visibility</p:attrName>
+                                        </p:attrNameLst>
+                                      </p:cBhvr>
+                                      <p:to>
+                                        <p:strVal val="visible"/>
+                                      </p:to>
+                                    </p:set>
+                                  </p:childTnLst>
+                                </p:cTn>
+                              </p:par>
+                            </p:childTnLst>
+                          </p:cTn>
+                        </p:par>
+                      </p:childTnLst>
+                    </p:cTn>
+                  </p:par>
+                  <p:par>
+                    <p:cTn id="15" fill="hold">
+                      <p:stCondLst>
+                        <p:cond delay="indefinite"/>
+                      </p:stCondLst>
+                      <p:childTnLst>
+                        <p:par>
+                          <p:cTn id="16" fill="hold">
+                            <p:stCondLst>
+                              <p:cond delay="0"/>
+                            </p:stCondLst>
+                            <p:childTnLst>
+                              <p:par>
+                                <p:cTn id="17" presetID="1" presetClass="entr" presetSubtype="0" fill="hold" nodeType="clickEffect">
+                                  <p:stCondLst>
+                                    <p:cond delay="0"/>
+                                  </p:stCondLst>
+                                  <p:childTnLst>
+                                    <p:set>
+                                      <p:cBhvr>
+                                        <p:cTn id="18" dur="1" fill="hold">
+                                          <p:stCondLst>
+                                            <p:cond delay="0"/>
+                                          </p:stCondLst>
+                                        </p:cTn>
+                                        <p:tgtEl>
+                                          <p:spTgt spid="3">
+                                            <p:txEl>
+                                              <p:pRg st="5" end="5"/>
+                                            </p:txEl>
+                                          </p:spTgt>
+                                        </p:tgtEl>
+                                        <p:attrNameLst>
+                                          <p:attrName>style.visibility</p:attrName>
+                                        </p:attrNameLst>
+                                      </p:cBhvr>
+                                      <p:to>
+                                        <p:strVal val="visible"/>
+                                      </p:to>
+                                    </p:set>
+                                  </p:childTnLst>
+                                </p:cTn>
+                              </p:par>
+                              <p:par>
+                                <p:cTn id="19" presetID="1" presetClass="entr" presetSubtype="0" fill="hold" nodeType="withEffect">
+                                  <p:stCondLst>
+                                    <p:cond delay="0"/>
+                                  </p:stCondLst>
+                                  <p:childTnLst>
+                                    <p:set>
+                                      <p:cBhvr>
+                                        <p:cTn id="20" dur="1" fill="hold">
+                                          <p:stCondLst>
+                                            <p:cond delay="0"/>
+                                          </p:stCondLst>
+                                        </p:cTn>
+                                        <p:tgtEl>
+                                          <p:spTgt spid="3">
+                                            <p:txEl>
+                                              <p:pRg st="6" end="6"/>
+                                            </p:txEl>
+                                          </p:spTgt>
+                                        </p:tgtEl>
+                                        <p:attrNameLst>
+                                          <p:attrName>style.visibility</p:attrName>
+                                        </p:attrNameLst>
+                                      </p:cBhvr>
+                                      <p:to>
+                                        <p:strVal val="visible"/>
+                                      </p:to>
+                                    </p:set>
+                                  </p:childTnLst>
+                                </p:cTn>
+                              </p:par>
+                            </p:childTnLst>
+                          </p:cTn>
+                        </p:par>
+                      </p:childTnLst>
+                    </p:cTn>
+                  </p:par>
+                  <p:par>
+                    <p:cTn id="21" fill="hold">
+                      <p:stCondLst>
+                        <p:cond delay="indefinite"/>
+                      </p:stCondLst>
+                      <p:childTnLst>
+                        <p:par>
+                          <p:cTn id="22" fill="hold">
+                            <p:stCondLst>
+                              <p:cond delay="0"/>
+                            </p:stCondLst>
+                            <p:childTnLst>
+                              <p:par>
+                                <p:cTn id="23" presetID="1" presetClass="entr" presetSubtype="0" fill="hold" nodeType="clickEffect">
+                                  <p:stCondLst>
+                                    <p:cond delay="0"/>
+                                  </p:stCondLst>
+                                  <p:childTnLst>
+                                    <p:set>
+                                      <p:cBhvr>
+                                        <p:cTn id="24" dur="1" fill="hold">
+                                          <p:stCondLst>
+                                            <p:cond delay="0"/>
+                                          </p:stCondLst>
+                                        </p:cTn>
+                                        <p:tgtEl>
+                                          <p:spTgt spid="3">
+                                            <p:txEl>
+                                              <p:pRg st="7" end="7"/>
+                                            </p:txEl>
+                                          </p:spTgt>
+                                        </p:tgtEl>
+                                        <p:attrNameLst>
+                                          <p:attrName>style.visibility</p:attrName>
+                                        </p:attrNameLst>
+                                      </p:cBhvr>
+                                      <p:to>
+                                        <p:strVal val="visible"/>
+                                      </p:to>
+                                    </p:set>
+                                  </p:childTnLst>
+                                </p:cTn>
+                              </p:par>
+                              <p:par>
+                                <p:cTn id="25" presetID="1" presetClass="entr" presetSubtype="0" fill="hold" nodeType="withEffect">
+                                  <p:stCondLst>
+                                    <p:cond delay="0"/>
+                                  </p:stCondLst>
+                                  <p:childTnLst>
+                                    <p:set>
+                                      <p:cBhvr>
+                                        <p:cTn id="26" dur="1" fill="hold">
+                                          <p:stCondLst>
+                                            <p:cond delay="0"/>
+                                          </p:stCondLst>
+                                        </p:cTn>
+                                        <p:tgtEl>
+                                          <p:spTgt spid="3">
+                                            <p:txEl>
+                                              <p:pRg st="8" end="8"/>
+                                            </p:txEl>
+                                          </p:spTgt>
+                                        </p:tgtEl>
+                                        <p:attrNameLst>
+                                          <p:attrName>style.visibility</p:attrName>
+                                        </p:attrNameLst>
+                                      </p:cBhvr>
+                                      <p:to>
+                                        <p:strVal val="visible"/>
+                                      </p:to>
+                                    </p:set>
+                                  </p:childTnLst>
+                                </p:cTn>
+                              </p:par>
+                            </p:childTnLst>
+                          </p:cTn>
+                        </p:par>
+                      </p:childTnLst>
+                    </p:cTn>
+                  </p:par>
+                </p:childTnLst>
+              </p:cTn>
+              <p:prevCondLst>
+                <p:cond evt="onPrev" delay="0">
+                  <p:tgtEl>
+                    <p:sldTgt/>
+                  </p:tgtEl>
+                </p:cond>
+              </p:prevCondLst>
+              <p:nextCondLst>
+                <p:cond evt="onNext" delay="0">
+                  <p:tgtEl>
+                    <p:sldTgt/>
+                  </p:tgtEl>
+                </p:cond>
+              </p:nextCondLst>
+            </p:seq>
+          </p:childTnLst>
+        </p:cTn>
+      </p:par>
+    </p:tnLst>
+  </p:timing>
 </p:sld>
 </file>
 
@@ -6476,7 +9731,7 @@
             </a:r>
             <a:r>
               <a:rPr lang="en-US" dirty="0" smtClean="0"/>
-              <a:t>Entries</a:t>
+              <a:t>entries</a:t>
             </a:r>
             <a:endParaRPr lang="en-US" dirty="0"/>
           </a:p>
@@ -6532,584 +9787,683 @@
       </p:pic>
       <p:grpSp>
         <p:nvGrpSpPr>
-          <p:cNvPr id="13" name="Group 12"/>
+          <p:cNvPr id="11" name="Group 10"/>
           <p:cNvGrpSpPr/>
           <p:nvPr/>
         </p:nvGrpSpPr>
         <p:grpSpPr>
           <a:xfrm>
-            <a:off x="772886" y="1315269"/>
-            <a:ext cx="5301342" cy="921809"/>
-            <a:chOff x="827315" y="1348885"/>
-            <a:chExt cx="5301342" cy="921809"/>
+            <a:off x="123228" y="1315269"/>
+            <a:ext cx="5951000" cy="1253760"/>
+            <a:chOff x="123228" y="1315269"/>
+            <a:chExt cx="5951000" cy="1253760"/>
           </a:xfrm>
         </p:grpSpPr>
+        <p:grpSp>
+          <p:nvGrpSpPr>
+            <p:cNvPr id="13" name="Group 12"/>
+            <p:cNvGrpSpPr/>
+            <p:nvPr/>
+          </p:nvGrpSpPr>
+          <p:grpSpPr>
+            <a:xfrm>
+              <a:off x="772886" y="1315269"/>
+              <a:ext cx="5301342" cy="921809"/>
+              <a:chOff x="827315" y="1348885"/>
+              <a:chExt cx="5301342" cy="921809"/>
+            </a:xfrm>
+          </p:grpSpPr>
+          <p:sp>
+            <p:nvSpPr>
+              <p:cNvPr id="6" name="TextBox 5"/>
+              <p:cNvSpPr txBox="1"/>
+              <p:nvPr/>
+            </p:nvSpPr>
+            <p:spPr>
+              <a:xfrm>
+                <a:off x="3178628" y="1348885"/>
+                <a:ext cx="2950029" cy="461665"/>
+              </a:xfrm>
+              <a:prstGeom prst="rect">
+                <a:avLst/>
+              </a:prstGeom>
+              <a:noFill/>
+            </p:spPr>
+            <p:txBody>
+              <a:bodyPr wrap="square" rtlCol="0">
+                <a:spAutoFit/>
+              </a:bodyPr>
+              <a:lstStyle/>
+              <a:p>
+                <a:r>
+                  <a:rPr lang="en-US" sz="2400" dirty="0" smtClean="0">
+                    <a:solidFill>
+                      <a:srgbClr val="FF0000"/>
+                    </a:solidFill>
+                  </a:rPr>
+                  <a:t>lemmas</a:t>
+                </a:r>
+                <a:endParaRPr lang="en-US" sz="2400" dirty="0">
+                  <a:solidFill>
+                    <a:srgbClr val="FF0000"/>
+                  </a:solidFill>
+                </a:endParaRPr>
+              </a:p>
+            </p:txBody>
+          </p:sp>
+          <p:cxnSp>
+            <p:nvCxnSpPr>
+              <p:cNvPr id="8" name="Straight Arrow Connector 7"/>
+              <p:cNvCxnSpPr/>
+              <p:nvPr/>
+            </p:nvCxnSpPr>
+            <p:spPr>
+              <a:xfrm flipH="1">
+                <a:off x="827315" y="1709057"/>
+                <a:ext cx="2264228" cy="561637"/>
+              </a:xfrm>
+              <a:prstGeom prst="straightConnector1">
+                <a:avLst/>
+              </a:prstGeom>
+              <a:ln w="19050">
+                <a:solidFill>
+                  <a:srgbClr val="FF0000"/>
+                </a:solidFill>
+                <a:tailEnd type="triangle"/>
+              </a:ln>
+            </p:spPr>
+            <p:style>
+              <a:lnRef idx="1">
+                <a:schemeClr val="accent1"/>
+              </a:lnRef>
+              <a:fillRef idx="0">
+                <a:schemeClr val="accent1"/>
+              </a:fillRef>
+              <a:effectRef idx="0">
+                <a:schemeClr val="accent1"/>
+              </a:effectRef>
+              <a:fontRef idx="minor">
+                <a:schemeClr val="tx1"/>
+              </a:fontRef>
+            </p:style>
+          </p:cxnSp>
+          <p:cxnSp>
+            <p:nvCxnSpPr>
+              <p:cNvPr id="10" name="Straight Arrow Connector 9"/>
+              <p:cNvCxnSpPr/>
+              <p:nvPr/>
+            </p:nvCxnSpPr>
+            <p:spPr>
+              <a:xfrm>
+                <a:off x="4419600" y="1741797"/>
+                <a:ext cx="468086" cy="528897"/>
+              </a:xfrm>
+              <a:prstGeom prst="straightConnector1">
+                <a:avLst/>
+              </a:prstGeom>
+              <a:ln w="19050">
+                <a:solidFill>
+                  <a:srgbClr val="FF0000"/>
+                </a:solidFill>
+                <a:tailEnd type="triangle"/>
+              </a:ln>
+            </p:spPr>
+            <p:style>
+              <a:lnRef idx="1">
+                <a:schemeClr val="accent1"/>
+              </a:lnRef>
+              <a:fillRef idx="0">
+                <a:schemeClr val="accent1"/>
+              </a:fillRef>
+              <a:effectRef idx="0">
+                <a:schemeClr val="accent1"/>
+              </a:effectRef>
+              <a:fontRef idx="minor">
+                <a:schemeClr val="tx1"/>
+              </a:fontRef>
+            </p:style>
+          </p:cxnSp>
+        </p:grpSp>
         <p:sp>
           <p:nvSpPr>
-            <p:cNvPr id="6" name="TextBox 5"/>
-            <p:cNvSpPr txBox="1"/>
+            <p:cNvPr id="14" name="Oval 13"/>
+            <p:cNvSpPr/>
             <p:nvPr/>
           </p:nvSpPr>
           <p:spPr>
             <a:xfrm>
-              <a:off x="3178628" y="1348885"/>
-              <a:ext cx="2950029" cy="461665"/>
+              <a:off x="123228" y="2237078"/>
+              <a:ext cx="812943" cy="331951"/>
             </a:xfrm>
-            <a:prstGeom prst="rect">
+            <a:prstGeom prst="ellipse">
               <a:avLst/>
             </a:prstGeom>
             <a:noFill/>
-          </p:spPr>
-          <p:txBody>
-            <a:bodyPr wrap="square" rtlCol="0">
-              <a:spAutoFit/>
-            </a:bodyPr>
-            <a:lstStyle/>
-            <a:p>
-              <a:r>
-                <a:rPr lang="en-US" sz="2400" dirty="0" smtClean="0">
-                  <a:solidFill>
-                    <a:srgbClr val="FF0000"/>
-                  </a:solidFill>
-                </a:rPr>
-                <a:t>lemmas</a:t>
-              </a:r>
-              <a:endParaRPr lang="en-US" sz="2400" dirty="0">
-                <a:solidFill>
-                  <a:srgbClr val="FF0000"/>
-                </a:solidFill>
-              </a:endParaRPr>
-            </a:p>
-          </p:txBody>
-        </p:sp>
-        <p:cxnSp>
-          <p:nvCxnSpPr>
-            <p:cNvPr id="8" name="Straight Arrow Connector 7"/>
-            <p:cNvCxnSpPr/>
-            <p:nvPr/>
-          </p:nvCxnSpPr>
-          <p:spPr>
-            <a:xfrm flipH="1">
-              <a:off x="827315" y="1709057"/>
-              <a:ext cx="2264228" cy="561637"/>
-            </a:xfrm>
-            <a:prstGeom prst="straightConnector1">
-              <a:avLst/>
-            </a:prstGeom>
-            <a:ln w="19050">
+            <a:ln>
               <a:solidFill>
                 <a:srgbClr val="FF0000"/>
               </a:solidFill>
-              <a:tailEnd type="triangle"/>
+              <a:prstDash val="dash"/>
             </a:ln>
           </p:spPr>
           <p:style>
-            <a:lnRef idx="1">
-              <a:schemeClr val="accent1"/>
+            <a:lnRef idx="2">
+              <a:schemeClr val="accent1">
+                <a:shade val="50000"/>
+              </a:schemeClr>
             </a:lnRef>
-            <a:fillRef idx="0">
+            <a:fillRef idx="1">
               <a:schemeClr val="accent1"/>
             </a:fillRef>
             <a:effectRef idx="0">
               <a:schemeClr val="accent1"/>
             </a:effectRef>
             <a:fontRef idx="minor">
-              <a:schemeClr val="tx1"/>
+              <a:schemeClr val="lt1"/>
             </a:fontRef>
           </p:style>
-        </p:cxnSp>
-        <p:cxnSp>
-          <p:nvCxnSpPr>
-            <p:cNvPr id="10" name="Straight Arrow Connector 9"/>
-            <p:cNvCxnSpPr/>
+          <p:txBody>
+            <a:bodyPr rtlCol="0" anchor="ctr"/>
+            <a:lstStyle/>
+            <a:p>
+              <a:pPr algn="ctr"/>
+              <a:endParaRPr lang="en-US"/>
+            </a:p>
+          </p:txBody>
+        </p:sp>
+        <p:sp>
+          <p:nvSpPr>
+            <p:cNvPr id="15" name="Oval 14"/>
+            <p:cNvSpPr/>
             <p:nvPr/>
-          </p:nvCxnSpPr>
+          </p:nvSpPr>
           <p:spPr>
             <a:xfrm>
-              <a:off x="4419600" y="1741797"/>
-              <a:ext cx="468086" cy="528897"/>
+              <a:off x="4572000" y="2237078"/>
+              <a:ext cx="812943" cy="331951"/>
             </a:xfrm>
-            <a:prstGeom prst="straightConnector1">
+            <a:prstGeom prst="ellipse">
               <a:avLst/>
             </a:prstGeom>
-            <a:ln w="19050">
+            <a:noFill/>
+            <a:ln>
               <a:solidFill>
                 <a:srgbClr val="FF0000"/>
               </a:solidFill>
-              <a:tailEnd type="triangle"/>
+              <a:prstDash val="dash"/>
             </a:ln>
           </p:spPr>
           <p:style>
-            <a:lnRef idx="1">
-              <a:schemeClr val="accent1"/>
+            <a:lnRef idx="2">
+              <a:schemeClr val="accent1">
+                <a:shade val="50000"/>
+              </a:schemeClr>
             </a:lnRef>
-            <a:fillRef idx="0">
+            <a:fillRef idx="1">
               <a:schemeClr val="accent1"/>
             </a:fillRef>
             <a:effectRef idx="0">
               <a:schemeClr val="accent1"/>
             </a:effectRef>
             <a:fontRef idx="minor">
-              <a:schemeClr val="tx1"/>
+              <a:schemeClr val="lt1"/>
             </a:fontRef>
           </p:style>
-        </p:cxnSp>
+          <p:txBody>
+            <a:bodyPr rtlCol="0" anchor="ctr"/>
+            <a:lstStyle/>
+            <a:p>
+              <a:pPr algn="ctr"/>
+              <a:endParaRPr lang="en-US"/>
+            </a:p>
+          </p:txBody>
+        </p:sp>
       </p:grpSp>
-      <p:sp>
-        <p:nvSpPr>
-          <p:cNvPr id="14" name="Oval 13"/>
-          <p:cNvSpPr/>
-          <p:nvPr/>
-        </p:nvSpPr>
-        <p:spPr>
-          <a:xfrm>
-            <a:off x="123228" y="2237078"/>
-            <a:ext cx="812943" cy="331951"/>
-          </a:xfrm>
-          <a:prstGeom prst="ellipse">
-            <a:avLst/>
-          </a:prstGeom>
-          <a:noFill/>
-          <a:ln>
-            <a:solidFill>
-              <a:srgbClr val="FF0000"/>
-            </a:solidFill>
-            <a:prstDash val="dash"/>
-          </a:ln>
-        </p:spPr>
-        <p:style>
-          <a:lnRef idx="2">
-            <a:schemeClr val="accent1">
-              <a:shade val="50000"/>
-            </a:schemeClr>
-          </a:lnRef>
-          <a:fillRef idx="1">
-            <a:schemeClr val="accent1"/>
-          </a:fillRef>
-          <a:effectRef idx="0">
-            <a:schemeClr val="accent1"/>
-          </a:effectRef>
-          <a:fontRef idx="minor">
-            <a:schemeClr val="lt1"/>
-          </a:fontRef>
-        </p:style>
-        <p:txBody>
-          <a:bodyPr rtlCol="0" anchor="ctr"/>
-          <a:lstStyle/>
-          <a:p>
-            <a:pPr algn="ctr"/>
-            <a:endParaRPr lang="en-US"/>
-          </a:p>
-        </p:txBody>
-      </p:sp>
-      <p:sp>
-        <p:nvSpPr>
-          <p:cNvPr id="15" name="Oval 14"/>
-          <p:cNvSpPr/>
-          <p:nvPr/>
-        </p:nvSpPr>
-        <p:spPr>
-          <a:xfrm>
-            <a:off x="4572000" y="2237078"/>
-            <a:ext cx="812943" cy="331951"/>
-          </a:xfrm>
-          <a:prstGeom prst="ellipse">
-            <a:avLst/>
-          </a:prstGeom>
-          <a:noFill/>
-          <a:ln>
-            <a:solidFill>
-              <a:srgbClr val="FF0000"/>
-            </a:solidFill>
-            <a:prstDash val="dash"/>
-          </a:ln>
-        </p:spPr>
-        <p:style>
-          <a:lnRef idx="2">
-            <a:schemeClr val="accent1">
-              <a:shade val="50000"/>
-            </a:schemeClr>
-          </a:lnRef>
-          <a:fillRef idx="1">
-            <a:schemeClr val="accent1"/>
-          </a:fillRef>
-          <a:effectRef idx="0">
-            <a:schemeClr val="accent1"/>
-          </a:effectRef>
-          <a:fontRef idx="minor">
-            <a:schemeClr val="lt1"/>
-          </a:fontRef>
-        </p:style>
-        <p:txBody>
-          <a:bodyPr rtlCol="0" anchor="ctr"/>
-          <a:lstStyle/>
-          <a:p>
-            <a:pPr algn="ctr"/>
-            <a:endParaRPr lang="en-US"/>
-          </a:p>
-        </p:txBody>
-      </p:sp>
-      <p:sp>
-        <p:nvSpPr>
-          <p:cNvPr id="16" name="Oval 15"/>
-          <p:cNvSpPr/>
-          <p:nvPr/>
-        </p:nvSpPr>
-        <p:spPr>
-          <a:xfrm>
-            <a:off x="155886" y="3037114"/>
-            <a:ext cx="248986" cy="248986"/>
-          </a:xfrm>
-          <a:prstGeom prst="ellipse">
-            <a:avLst/>
-          </a:prstGeom>
-          <a:noFill/>
-        </p:spPr>
-        <p:style>
-          <a:lnRef idx="2">
-            <a:schemeClr val="accent1">
-              <a:shade val="50000"/>
-            </a:schemeClr>
-          </a:lnRef>
-          <a:fillRef idx="1">
-            <a:schemeClr val="accent1"/>
-          </a:fillRef>
-          <a:effectRef idx="0">
-            <a:schemeClr val="accent1"/>
-          </a:effectRef>
-          <a:fontRef idx="minor">
-            <a:schemeClr val="lt1"/>
-          </a:fontRef>
-        </p:style>
-        <p:txBody>
-          <a:bodyPr rtlCol="0" anchor="ctr"/>
-          <a:lstStyle/>
-          <a:p>
-            <a:pPr algn="ctr"/>
-            <a:endParaRPr lang="en-US"/>
-          </a:p>
-        </p:txBody>
-      </p:sp>
-      <p:sp>
-        <p:nvSpPr>
-          <p:cNvPr id="17" name="Oval 16"/>
-          <p:cNvSpPr/>
-          <p:nvPr/>
-        </p:nvSpPr>
-        <p:spPr>
-          <a:xfrm>
-            <a:off x="4599213" y="3329376"/>
-            <a:ext cx="248986" cy="248986"/>
-          </a:xfrm>
-          <a:prstGeom prst="ellipse">
-            <a:avLst/>
-          </a:prstGeom>
-          <a:noFill/>
-        </p:spPr>
-        <p:style>
-          <a:lnRef idx="2">
-            <a:schemeClr val="accent1">
-              <a:shade val="50000"/>
-            </a:schemeClr>
-          </a:lnRef>
-          <a:fillRef idx="1">
-            <a:schemeClr val="accent1"/>
-          </a:fillRef>
-          <a:effectRef idx="0">
-            <a:schemeClr val="accent1"/>
-          </a:effectRef>
-          <a:fontRef idx="minor">
-            <a:schemeClr val="lt1"/>
-          </a:fontRef>
-        </p:style>
-        <p:txBody>
-          <a:bodyPr rtlCol="0" anchor="ctr"/>
-          <a:lstStyle/>
-          <a:p>
-            <a:pPr algn="ctr"/>
-            <a:endParaRPr lang="en-US"/>
-          </a:p>
-        </p:txBody>
-      </p:sp>
-      <p:sp>
-        <p:nvSpPr>
-          <p:cNvPr id="18" name="Oval 17"/>
-          <p:cNvSpPr/>
-          <p:nvPr/>
-        </p:nvSpPr>
-        <p:spPr>
-          <a:xfrm>
-            <a:off x="4599213" y="4578577"/>
-            <a:ext cx="248986" cy="248986"/>
-          </a:xfrm>
-          <a:prstGeom prst="ellipse">
-            <a:avLst/>
-          </a:prstGeom>
-          <a:noFill/>
-        </p:spPr>
-        <p:style>
-          <a:lnRef idx="2">
-            <a:schemeClr val="accent1">
-              <a:shade val="50000"/>
-            </a:schemeClr>
-          </a:lnRef>
-          <a:fillRef idx="1">
-            <a:schemeClr val="accent1"/>
-          </a:fillRef>
-          <a:effectRef idx="0">
-            <a:schemeClr val="accent1"/>
-          </a:effectRef>
-          <a:fontRef idx="minor">
-            <a:schemeClr val="lt1"/>
-          </a:fontRef>
-        </p:style>
-        <p:txBody>
-          <a:bodyPr rtlCol="0" anchor="ctr"/>
-          <a:lstStyle/>
-          <a:p>
-            <a:pPr algn="ctr"/>
-            <a:endParaRPr lang="en-US"/>
-          </a:p>
-        </p:txBody>
-      </p:sp>
-      <p:sp>
-        <p:nvSpPr>
-          <p:cNvPr id="19" name="Oval 18"/>
-          <p:cNvSpPr/>
-          <p:nvPr/>
-        </p:nvSpPr>
-        <p:spPr>
-          <a:xfrm>
-            <a:off x="155886" y="4222749"/>
-            <a:ext cx="248986" cy="248986"/>
-          </a:xfrm>
-          <a:prstGeom prst="ellipse">
-            <a:avLst/>
-          </a:prstGeom>
-          <a:noFill/>
-        </p:spPr>
-        <p:style>
-          <a:lnRef idx="2">
-            <a:schemeClr val="accent1">
-              <a:shade val="50000"/>
-            </a:schemeClr>
-          </a:lnRef>
-          <a:fillRef idx="1">
-            <a:schemeClr val="accent1"/>
-          </a:fillRef>
-          <a:effectRef idx="0">
-            <a:schemeClr val="accent1"/>
-          </a:effectRef>
-          <a:fontRef idx="minor">
-            <a:schemeClr val="lt1"/>
-          </a:fontRef>
-        </p:style>
-        <p:txBody>
-          <a:bodyPr rtlCol="0" anchor="ctr"/>
-          <a:lstStyle/>
-          <a:p>
-            <a:pPr algn="ctr"/>
-            <a:endParaRPr lang="en-US"/>
-          </a:p>
-        </p:txBody>
-      </p:sp>
       <p:grpSp>
         <p:nvGrpSpPr>
-          <p:cNvPr id="32" name="Group 31"/>
+          <p:cNvPr id="12" name="Group 11"/>
           <p:cNvGrpSpPr/>
           <p:nvPr/>
         </p:nvGrpSpPr>
         <p:grpSpPr>
           <a:xfrm>
-            <a:off x="504055" y="3286100"/>
-            <a:ext cx="4040372" cy="2959877"/>
-            <a:chOff x="504055" y="3286100"/>
-            <a:chExt cx="4040372" cy="2959877"/>
+            <a:off x="155886" y="3037114"/>
+            <a:ext cx="4692313" cy="3208863"/>
+            <a:chOff x="155886" y="3037114"/>
+            <a:chExt cx="4692313" cy="3208863"/>
           </a:xfrm>
         </p:grpSpPr>
         <p:sp>
           <p:nvSpPr>
-            <p:cNvPr id="20" name="TextBox 19"/>
-            <p:cNvSpPr txBox="1"/>
+            <p:cNvPr id="16" name="Oval 15"/>
+            <p:cNvSpPr/>
             <p:nvPr/>
           </p:nvSpPr>
           <p:spPr>
             <a:xfrm>
-              <a:off x="1932215" y="5784312"/>
-              <a:ext cx="1709057" cy="461665"/>
+              <a:off x="155886" y="3037114"/>
+              <a:ext cx="248986" cy="248986"/>
             </a:xfrm>
-            <a:prstGeom prst="rect">
+            <a:prstGeom prst="ellipse">
               <a:avLst/>
             </a:prstGeom>
             <a:noFill/>
           </p:spPr>
-          <p:txBody>
-            <a:bodyPr wrap="square" rtlCol="0">
-              <a:spAutoFit/>
-            </a:bodyPr>
-            <a:lstStyle/>
-            <a:p>
-              <a:r>
-                <a:rPr lang="en-US" sz="2400" dirty="0" smtClean="0">
-                  <a:solidFill>
-                    <a:schemeClr val="tx2"/>
-                  </a:solidFill>
-                </a:rPr>
-                <a:t>senses</a:t>
-              </a:r>
-              <a:endParaRPr lang="en-US" sz="2400" dirty="0">
-                <a:solidFill>
-                  <a:schemeClr val="tx2"/>
-                </a:solidFill>
-              </a:endParaRPr>
-            </a:p>
-          </p:txBody>
-        </p:sp>
-        <p:cxnSp>
-          <p:nvCxnSpPr>
-            <p:cNvPr id="22" name="Straight Arrow Connector 21"/>
-            <p:cNvCxnSpPr/>
-            <p:nvPr/>
-          </p:nvCxnSpPr>
-          <p:spPr>
-            <a:xfrm flipH="1" flipV="1">
-              <a:off x="529699" y="4471735"/>
-              <a:ext cx="1741715" cy="1368199"/>
-            </a:xfrm>
-            <a:prstGeom prst="straightConnector1">
-              <a:avLst/>
-            </a:prstGeom>
-            <a:ln w="19050">
-              <a:solidFill>
-                <a:schemeClr val="tx2"/>
-              </a:solidFill>
-              <a:tailEnd type="triangle"/>
-            </a:ln>
-          </p:spPr>
           <p:style>
-            <a:lnRef idx="1">
-              <a:schemeClr val="accent1"/>
+            <a:lnRef idx="2">
+              <a:schemeClr val="accent1">
+                <a:shade val="50000"/>
+              </a:schemeClr>
             </a:lnRef>
-            <a:fillRef idx="0">
+            <a:fillRef idx="1">
               <a:schemeClr val="accent1"/>
             </a:fillRef>
             <a:effectRef idx="0">
               <a:schemeClr val="accent1"/>
             </a:effectRef>
             <a:fontRef idx="minor">
-              <a:schemeClr val="tx1"/>
+              <a:schemeClr val="lt1"/>
             </a:fontRef>
           </p:style>
-        </p:cxnSp>
-        <p:cxnSp>
-          <p:nvCxnSpPr>
-            <p:cNvPr id="23" name="Straight Arrow Connector 22"/>
-            <p:cNvCxnSpPr/>
+          <p:txBody>
+            <a:bodyPr rtlCol="0" anchor="ctr"/>
+            <a:lstStyle/>
+            <a:p>
+              <a:pPr algn="ctr"/>
+              <a:endParaRPr lang="en-US"/>
+            </a:p>
+          </p:txBody>
+        </p:sp>
+        <p:sp>
+          <p:nvSpPr>
+            <p:cNvPr id="17" name="Oval 16"/>
+            <p:cNvSpPr/>
             <p:nvPr/>
-          </p:nvCxnSpPr>
+          </p:nvSpPr>
           <p:spPr>
-            <a:xfrm flipV="1">
-              <a:off x="2569029" y="4827563"/>
-              <a:ext cx="1975398" cy="1012371"/>
+            <a:xfrm>
+              <a:off x="4599213" y="3329376"/>
+              <a:ext cx="248986" cy="248986"/>
             </a:xfrm>
-            <a:prstGeom prst="straightConnector1">
+            <a:prstGeom prst="ellipse">
               <a:avLst/>
             </a:prstGeom>
-            <a:ln w="19050">
-              <a:solidFill>
-                <a:schemeClr val="tx2"/>
-              </a:solidFill>
-              <a:tailEnd type="triangle"/>
-            </a:ln>
+            <a:noFill/>
           </p:spPr>
           <p:style>
-            <a:lnRef idx="1">
-              <a:schemeClr val="accent1"/>
+            <a:lnRef idx="2">
+              <a:schemeClr val="accent1">
+                <a:shade val="50000"/>
+              </a:schemeClr>
             </a:lnRef>
-            <a:fillRef idx="0">
+            <a:fillRef idx="1">
               <a:schemeClr val="accent1"/>
             </a:fillRef>
             <a:effectRef idx="0">
               <a:schemeClr val="accent1"/>
             </a:effectRef>
             <a:fontRef idx="minor">
-              <a:schemeClr val="tx1"/>
+              <a:schemeClr val="lt1"/>
             </a:fontRef>
           </p:style>
-        </p:cxnSp>
-        <p:cxnSp>
-          <p:nvCxnSpPr>
-            <p:cNvPr id="26" name="Straight Arrow Connector 25"/>
-            <p:cNvCxnSpPr/>
+          <p:txBody>
+            <a:bodyPr rtlCol="0" anchor="ctr"/>
+            <a:lstStyle/>
+            <a:p>
+              <a:pPr algn="ctr"/>
+              <a:endParaRPr lang="en-US"/>
+            </a:p>
+          </p:txBody>
+        </p:sp>
+        <p:sp>
+          <p:nvSpPr>
+            <p:cNvPr id="18" name="Oval 17"/>
+            <p:cNvSpPr/>
             <p:nvPr/>
-          </p:nvCxnSpPr>
+          </p:nvSpPr>
           <p:spPr>
-            <a:xfrm flipV="1">
-              <a:off x="2476966" y="3578362"/>
-              <a:ext cx="2014309" cy="2261572"/>
+            <a:xfrm>
+              <a:off x="4599213" y="4578577"/>
+              <a:ext cx="248986" cy="248986"/>
             </a:xfrm>
-            <a:prstGeom prst="straightConnector1">
+            <a:prstGeom prst="ellipse">
               <a:avLst/>
             </a:prstGeom>
-            <a:ln w="19050">
-              <a:solidFill>
-                <a:schemeClr val="tx2"/>
-              </a:solidFill>
-              <a:tailEnd type="triangle"/>
-            </a:ln>
+            <a:noFill/>
           </p:spPr>
           <p:style>
-            <a:lnRef idx="1">
-              <a:schemeClr val="accent1"/>
+            <a:lnRef idx="2">
+              <a:schemeClr val="accent1">
+                <a:shade val="50000"/>
+              </a:schemeClr>
             </a:lnRef>
-            <a:fillRef idx="0">
+            <a:fillRef idx="1">
               <a:schemeClr val="accent1"/>
             </a:fillRef>
             <a:effectRef idx="0">
               <a:schemeClr val="accent1"/>
             </a:effectRef>
             <a:fontRef idx="minor">
-              <a:schemeClr val="tx1"/>
+              <a:schemeClr val="lt1"/>
             </a:fontRef>
           </p:style>
-        </p:cxnSp>
-        <p:cxnSp>
-          <p:nvCxnSpPr>
-            <p:cNvPr id="29" name="Straight Arrow Connector 28"/>
-            <p:cNvCxnSpPr/>
+          <p:txBody>
+            <a:bodyPr rtlCol="0" anchor="ctr"/>
+            <a:lstStyle/>
+            <a:p>
+              <a:pPr algn="ctr"/>
+              <a:endParaRPr lang="en-US"/>
+            </a:p>
+          </p:txBody>
+        </p:sp>
+        <p:sp>
+          <p:nvSpPr>
+            <p:cNvPr id="19" name="Oval 18"/>
+            <p:cNvSpPr/>
             <p:nvPr/>
-          </p:nvCxnSpPr>
+          </p:nvSpPr>
           <p:spPr>
-            <a:xfrm flipH="1" flipV="1">
-              <a:off x="504055" y="3286100"/>
-              <a:ext cx="1873728" cy="2553835"/>
+            <a:xfrm>
+              <a:off x="155886" y="4222749"/>
+              <a:ext cx="248986" cy="248986"/>
             </a:xfrm>
-            <a:prstGeom prst="straightConnector1">
+            <a:prstGeom prst="ellipse">
               <a:avLst/>
             </a:prstGeom>
-            <a:ln w="19050">
-              <a:solidFill>
-                <a:schemeClr val="tx2"/>
-              </a:solidFill>
-              <a:tailEnd type="triangle"/>
-            </a:ln>
+            <a:noFill/>
           </p:spPr>
           <p:style>
-            <a:lnRef idx="1">
-              <a:schemeClr val="accent1"/>
+            <a:lnRef idx="2">
+              <a:schemeClr val="accent1">
+                <a:shade val="50000"/>
+              </a:schemeClr>
             </a:lnRef>
-            <a:fillRef idx="0">
+            <a:fillRef idx="1">
               <a:schemeClr val="accent1"/>
             </a:fillRef>
             <a:effectRef idx="0">
               <a:schemeClr val="accent1"/>
             </a:effectRef>
             <a:fontRef idx="minor">
-              <a:schemeClr val="tx1"/>
+              <a:schemeClr val="lt1"/>
             </a:fontRef>
           </p:style>
-        </p:cxnSp>
+          <p:txBody>
+            <a:bodyPr rtlCol="0" anchor="ctr"/>
+            <a:lstStyle/>
+            <a:p>
+              <a:pPr algn="ctr"/>
+              <a:endParaRPr lang="en-US"/>
+            </a:p>
+          </p:txBody>
+        </p:sp>
+        <p:grpSp>
+          <p:nvGrpSpPr>
+            <p:cNvPr id="32" name="Group 31"/>
+            <p:cNvGrpSpPr/>
+            <p:nvPr/>
+          </p:nvGrpSpPr>
+          <p:grpSpPr>
+            <a:xfrm>
+              <a:off x="504055" y="3286100"/>
+              <a:ext cx="4040372" cy="2959877"/>
+              <a:chOff x="504055" y="3286100"/>
+              <a:chExt cx="4040372" cy="2959877"/>
+            </a:xfrm>
+          </p:grpSpPr>
+          <p:sp>
+            <p:nvSpPr>
+              <p:cNvPr id="20" name="TextBox 19"/>
+              <p:cNvSpPr txBox="1"/>
+              <p:nvPr/>
+            </p:nvSpPr>
+            <p:spPr>
+              <a:xfrm>
+                <a:off x="1932215" y="5784312"/>
+                <a:ext cx="1709057" cy="461665"/>
+              </a:xfrm>
+              <a:prstGeom prst="rect">
+                <a:avLst/>
+              </a:prstGeom>
+              <a:noFill/>
+            </p:spPr>
+            <p:txBody>
+              <a:bodyPr wrap="square" rtlCol="0">
+                <a:spAutoFit/>
+              </a:bodyPr>
+              <a:lstStyle/>
+              <a:p>
+                <a:r>
+                  <a:rPr lang="en-US" sz="2400" dirty="0" smtClean="0">
+                    <a:solidFill>
+                      <a:schemeClr val="tx2"/>
+                    </a:solidFill>
+                  </a:rPr>
+                  <a:t>senses</a:t>
+                </a:r>
+                <a:endParaRPr lang="en-US" sz="2400" dirty="0">
+                  <a:solidFill>
+                    <a:schemeClr val="tx2"/>
+                  </a:solidFill>
+                </a:endParaRPr>
+              </a:p>
+            </p:txBody>
+          </p:sp>
+          <p:cxnSp>
+            <p:nvCxnSpPr>
+              <p:cNvPr id="22" name="Straight Arrow Connector 21"/>
+              <p:cNvCxnSpPr/>
+              <p:nvPr/>
+            </p:nvCxnSpPr>
+            <p:spPr>
+              <a:xfrm flipH="1" flipV="1">
+                <a:off x="529699" y="4471735"/>
+                <a:ext cx="1741715" cy="1368199"/>
+              </a:xfrm>
+              <a:prstGeom prst="straightConnector1">
+                <a:avLst/>
+              </a:prstGeom>
+              <a:ln w="19050">
+                <a:solidFill>
+                  <a:schemeClr val="tx2"/>
+                </a:solidFill>
+                <a:tailEnd type="triangle"/>
+              </a:ln>
+            </p:spPr>
+            <p:style>
+              <a:lnRef idx="1">
+                <a:schemeClr val="accent1"/>
+              </a:lnRef>
+              <a:fillRef idx="0">
+                <a:schemeClr val="accent1"/>
+              </a:fillRef>
+              <a:effectRef idx="0">
+                <a:schemeClr val="accent1"/>
+              </a:effectRef>
+              <a:fontRef idx="minor">
+                <a:schemeClr val="tx1"/>
+              </a:fontRef>
+            </p:style>
+          </p:cxnSp>
+          <p:cxnSp>
+            <p:nvCxnSpPr>
+              <p:cNvPr id="23" name="Straight Arrow Connector 22"/>
+              <p:cNvCxnSpPr/>
+              <p:nvPr/>
+            </p:nvCxnSpPr>
+            <p:spPr>
+              <a:xfrm flipV="1">
+                <a:off x="2569029" y="4827563"/>
+                <a:ext cx="1975398" cy="1012371"/>
+              </a:xfrm>
+              <a:prstGeom prst="straightConnector1">
+                <a:avLst/>
+              </a:prstGeom>
+              <a:ln w="19050">
+                <a:solidFill>
+                  <a:schemeClr val="tx2"/>
+                </a:solidFill>
+                <a:tailEnd type="triangle"/>
+              </a:ln>
+            </p:spPr>
+            <p:style>
+              <a:lnRef idx="1">
+                <a:schemeClr val="accent1"/>
+              </a:lnRef>
+              <a:fillRef idx="0">
+                <a:schemeClr val="accent1"/>
+              </a:fillRef>
+              <a:effectRef idx="0">
+                <a:schemeClr val="accent1"/>
+              </a:effectRef>
+              <a:fontRef idx="minor">
+                <a:schemeClr val="tx1"/>
+              </a:fontRef>
+            </p:style>
+          </p:cxnSp>
+          <p:cxnSp>
+            <p:nvCxnSpPr>
+              <p:cNvPr id="26" name="Straight Arrow Connector 25"/>
+              <p:cNvCxnSpPr/>
+              <p:nvPr/>
+            </p:nvCxnSpPr>
+            <p:spPr>
+              <a:xfrm flipV="1">
+                <a:off x="2476966" y="3578362"/>
+                <a:ext cx="2014309" cy="2261572"/>
+              </a:xfrm>
+              <a:prstGeom prst="straightConnector1">
+                <a:avLst/>
+              </a:prstGeom>
+              <a:ln w="19050">
+                <a:solidFill>
+                  <a:schemeClr val="tx2"/>
+                </a:solidFill>
+                <a:tailEnd type="triangle"/>
+              </a:ln>
+            </p:spPr>
+            <p:style>
+              <a:lnRef idx="1">
+                <a:schemeClr val="accent1"/>
+              </a:lnRef>
+              <a:fillRef idx="0">
+                <a:schemeClr val="accent1"/>
+              </a:fillRef>
+              <a:effectRef idx="0">
+                <a:schemeClr val="accent1"/>
+              </a:effectRef>
+              <a:fontRef idx="minor">
+                <a:schemeClr val="tx1"/>
+              </a:fontRef>
+            </p:style>
+          </p:cxnSp>
+          <p:cxnSp>
+            <p:nvCxnSpPr>
+              <p:cNvPr id="29" name="Straight Arrow Connector 28"/>
+              <p:cNvCxnSpPr/>
+              <p:nvPr/>
+            </p:nvCxnSpPr>
+            <p:spPr>
+              <a:xfrm flipH="1" flipV="1">
+                <a:off x="504055" y="3286100"/>
+                <a:ext cx="1873728" cy="2553835"/>
+              </a:xfrm>
+              <a:prstGeom prst="straightConnector1">
+                <a:avLst/>
+              </a:prstGeom>
+              <a:ln w="19050">
+                <a:solidFill>
+                  <a:schemeClr val="tx2"/>
+                </a:solidFill>
+                <a:tailEnd type="triangle"/>
+              </a:ln>
+            </p:spPr>
+            <p:style>
+              <a:lnRef idx="1">
+                <a:schemeClr val="accent1"/>
+              </a:lnRef>
+              <a:fillRef idx="0">
+                <a:schemeClr val="accent1"/>
+              </a:fillRef>
+              <a:effectRef idx="0">
+                <a:schemeClr val="accent1"/>
+              </a:effectRef>
+              <a:fontRef idx="minor">
+                <a:schemeClr val="tx1"/>
+              </a:fontRef>
+            </p:style>
+          </p:cxnSp>
+        </p:grpSp>
       </p:grpSp>
+      <p:sp>
+        <p:nvSpPr>
+          <p:cNvPr id="3" name="Date Placeholder 2"/>
+          <p:cNvSpPr>
+            <a:spLocks noGrp="1"/>
+          </p:cNvSpPr>
+          <p:nvPr>
+            <p:ph type="dt" sz="half" idx="10"/>
+          </p:nvPr>
+        </p:nvSpPr>
+        <p:spPr/>
+        <p:txBody>
+          <a:bodyPr/>
+          <a:lstStyle/>
+          <a:p>
+            <a:r>
+              <a:rPr lang="en-US" smtClean="0"/>
+              <a:t>CS@UVa</a:t>
+            </a:r>
+            <a:endParaRPr lang="en-US"/>
+          </a:p>
+        </p:txBody>
+      </p:sp>
+      <p:sp>
+        <p:nvSpPr>
+          <p:cNvPr id="7" name="Footer Placeholder 6"/>
+          <p:cNvSpPr>
+            <a:spLocks noGrp="1"/>
+          </p:cNvSpPr>
+          <p:nvPr>
+            <p:ph type="ftr" sz="quarter" idx="11"/>
+          </p:nvPr>
+        </p:nvSpPr>
+        <p:spPr/>
+        <p:txBody>
+          <a:bodyPr/>
+          <a:lstStyle/>
+          <a:p>
+            <a:r>
+              <a:rPr lang="en-US" smtClean="0"/>
+              <a:t>CS 6501: Text Mining</a:t>
+            </a:r>
+            <a:endParaRPr lang="en-US"/>
+          </a:p>
+        </p:txBody>
+      </p:sp>
+      <p:sp>
+        <p:nvSpPr>
+          <p:cNvPr id="9" name="Slide Number Placeholder 8"/>
+          <p:cNvSpPr>
+            <a:spLocks noGrp="1"/>
+          </p:cNvSpPr>
+          <p:nvPr>
+            <p:ph type="sldNum" sz="quarter" idx="12"/>
+          </p:nvPr>
+        </p:nvSpPr>
+        <p:spPr/>
+        <p:txBody>
+          <a:bodyPr/>
+          <a:lstStyle/>
+          <a:p>
+            <a:fld id="{C76E115C-33BC-45ED-8DBD-F9FA6141D6D2}" type="slidenum">
+              <a:rPr lang="en-US" smtClean="0"/>
+              <a:t>4</a:t>
+            </a:fld>
+            <a:endParaRPr lang="en-US"/>
+          </a:p>
+        </p:txBody>
+      </p:sp>
     </p:spTree>
     <p:extLst>
       <p:ext uri="{BB962C8B-B14F-4D97-AF65-F5344CB8AC3E}">
@@ -7120,6 +10474,126 @@
   <p:clrMapOvr>
     <a:masterClrMapping/>
   </p:clrMapOvr>
+  <p:timing>
+    <p:tnLst>
+      <p:par>
+        <p:cTn id="1" dur="indefinite" restart="never" nodeType="tmRoot">
+          <p:childTnLst>
+            <p:seq concurrent="1" nextAc="seek">
+              <p:cTn id="2" dur="indefinite" nodeType="mainSeq">
+                <p:childTnLst>
+                  <p:par>
+                    <p:cTn id="3" fill="hold">
+                      <p:stCondLst>
+                        <p:cond delay="indefinite"/>
+                      </p:stCondLst>
+                      <p:childTnLst>
+                        <p:par>
+                          <p:cTn id="4" fill="hold">
+                            <p:stCondLst>
+                              <p:cond delay="0"/>
+                            </p:stCondLst>
+                            <p:childTnLst>
+                              <p:par>
+                                <p:cTn id="5" presetID="1" presetClass="entr" presetSubtype="0" fill="hold" nodeType="clickEffect">
+                                  <p:stCondLst>
+                                    <p:cond delay="0"/>
+                                  </p:stCondLst>
+                                  <p:childTnLst>
+                                    <p:set>
+                                      <p:cBhvr>
+                                        <p:cTn id="6" dur="1" fill="hold">
+                                          <p:stCondLst>
+                                            <p:cond delay="0"/>
+                                          </p:stCondLst>
+                                        </p:cTn>
+                                        <p:tgtEl>
+                                          <p:spTgt spid="12"/>
+                                        </p:tgtEl>
+                                        <p:attrNameLst>
+                                          <p:attrName>style.visibility</p:attrName>
+                                        </p:attrNameLst>
+                                      </p:cBhvr>
+                                      <p:to>
+                                        <p:strVal val="visible"/>
+                                      </p:to>
+                                    </p:set>
+                                  </p:childTnLst>
+                                </p:cTn>
+                              </p:par>
+                            </p:childTnLst>
+                          </p:cTn>
+                        </p:par>
+                      </p:childTnLst>
+                    </p:cTn>
+                  </p:par>
+                  <p:par>
+                    <p:cTn id="7" fill="hold">
+                      <p:stCondLst>
+                        <p:cond delay="indefinite"/>
+                      </p:stCondLst>
+                      <p:childTnLst>
+                        <p:par>
+                          <p:cTn id="8" fill="hold">
+                            <p:stCondLst>
+                              <p:cond delay="0"/>
+                            </p:stCondLst>
+                            <p:childTnLst>
+                              <p:par>
+                                <p:cTn id="9" presetID="1" presetClass="entr" presetSubtype="0" fill="hold" nodeType="clickEffect">
+                                  <p:stCondLst>
+                                    <p:cond delay="0"/>
+                                  </p:stCondLst>
+                                  <p:childTnLst>
+                                    <p:set>
+                                      <p:cBhvr>
+                                        <p:cTn id="10" dur="1" fill="hold">
+                                          <p:stCondLst>
+                                            <p:cond delay="0"/>
+                                          </p:stCondLst>
+                                        </p:cTn>
+                                        <p:tgtEl>
+                                          <p:spTgt spid="11"/>
+                                        </p:tgtEl>
+                                        <p:attrNameLst>
+                                          <p:attrName>style.visibility</p:attrName>
+                                        </p:attrNameLst>
+                                      </p:cBhvr>
+                                      <p:to>
+                                        <p:strVal val="visible"/>
+                                      </p:to>
+                                    </p:set>
+                                  </p:childTnLst>
+                                </p:cTn>
+                              </p:par>
+                            </p:childTnLst>
+                          </p:cTn>
+                        </p:par>
+                      </p:childTnLst>
+                    </p:cTn>
+                  </p:par>
+                </p:childTnLst>
+              </p:cTn>
+              <p:prevCondLst>
+                <p:cond evt="onPrev" delay="0">
+                  <p:tgtEl>
+                    <p:sldTgt/>
+                  </p:tgtEl>
+                </p:cond>
+              </p:prevCondLst>
+              <p:nextCondLst>
+                <p:cond evt="onNext" delay="0">
+                  <p:tgtEl>
+                    <p:sldTgt/>
+                  </p:tgtEl>
+                </p:cond>
+              </p:nextCondLst>
+            </p:seq>
+          </p:childTnLst>
+        </p:cTn>
+      </p:par>
+    </p:tnLst>
+  </p:timing>
 </p:sld>
 </file>
 
@@ -7161,7 +10635,7 @@
             </a:r>
             <a:r>
               <a:rPr lang="en-US" dirty="0" smtClean="0"/>
-              <a:t>Terminologies</a:t>
+              <a:t>terminologies</a:t>
             </a:r>
             <a:endParaRPr lang="en-US" dirty="0"/>
           </a:p>
@@ -7303,6 +10777,75 @@
               <a:rPr lang="en-US" dirty="0"/>
               <a:t>A (finite) list of lexemes</a:t>
             </a:r>
+          </a:p>
+        </p:txBody>
+      </p:sp>
+      <p:sp>
+        <p:nvSpPr>
+          <p:cNvPr id="4" name="Date Placeholder 3"/>
+          <p:cNvSpPr>
+            <a:spLocks noGrp="1"/>
+          </p:cNvSpPr>
+          <p:nvPr>
+            <p:ph type="dt" sz="half" idx="10"/>
+          </p:nvPr>
+        </p:nvSpPr>
+        <p:spPr/>
+        <p:txBody>
+          <a:bodyPr/>
+          <a:lstStyle/>
+          <a:p>
+            <a:r>
+              <a:rPr lang="en-US" smtClean="0"/>
+              <a:t>CS@UVa</a:t>
+            </a:r>
+            <a:endParaRPr lang="en-US"/>
+          </a:p>
+        </p:txBody>
+      </p:sp>
+      <p:sp>
+        <p:nvSpPr>
+          <p:cNvPr id="5" name="Footer Placeholder 4"/>
+          <p:cNvSpPr>
+            <a:spLocks noGrp="1"/>
+          </p:cNvSpPr>
+          <p:nvPr>
+            <p:ph type="ftr" sz="quarter" idx="11"/>
+          </p:nvPr>
+        </p:nvSpPr>
+        <p:spPr/>
+        <p:txBody>
+          <a:bodyPr/>
+          <a:lstStyle/>
+          <a:p>
+            <a:r>
+              <a:rPr lang="en-US" smtClean="0"/>
+              <a:t>CS 6501: Text Mining</a:t>
+            </a:r>
+            <a:endParaRPr lang="en-US"/>
+          </a:p>
+        </p:txBody>
+      </p:sp>
+      <p:sp>
+        <p:nvSpPr>
+          <p:cNvPr id="6" name="Slide Number Placeholder 5"/>
+          <p:cNvSpPr>
+            <a:spLocks noGrp="1"/>
+          </p:cNvSpPr>
+          <p:nvPr>
+            <p:ph type="sldNum" sz="quarter" idx="12"/>
+          </p:nvPr>
+        </p:nvSpPr>
+        <p:spPr/>
+        <p:txBody>
+          <a:bodyPr/>
+          <a:lstStyle/>
+          <a:p>
+            <a:fld id="{C76E115C-33BC-45ED-8DBD-F9FA6141D6D2}" type="slidenum">
+              <a:rPr lang="en-US" smtClean="0"/>
+              <a:t>5</a:t>
+            </a:fld>
+            <a:endParaRPr lang="en-US"/>
           </a:p>
         </p:txBody>
       </p:sp>
@@ -7316,6 +10859,13 @@
   <p:clrMapOvr>
     <a:masterClrMapping/>
   </p:clrMapOvr>
+  <p:timing>
+    <p:tnLst>
+      <p:par>
+        <p:cTn id="1" dur="indefinite" restart="never" nodeType="tmRoot"/>
+      </p:par>
+    </p:tnLst>
+  </p:timing>
 </p:sld>
 </file>
 
@@ -7353,7 +10903,11 @@
           <a:p>
             <a:r>
               <a:rPr lang="en-US" dirty="0" smtClean="0"/>
-              <a:t>Make Sense </a:t>
+              <a:t>Make </a:t>
+            </a:r>
+            <a:r>
+              <a:rPr lang="en-US" dirty="0" smtClean="0"/>
+              <a:t>sense </a:t>
             </a:r>
             <a:r>
               <a:rPr lang="en-US" dirty="0"/>
@@ -7361,7 +10915,7 @@
             </a:r>
             <a:r>
               <a:rPr lang="en-US" dirty="0" smtClean="0"/>
-              <a:t>Word Senses</a:t>
+              <a:t>word senses</a:t>
             </a:r>
             <a:endParaRPr lang="en-US" dirty="0"/>
           </a:p>
@@ -7516,6 +11070,75 @@
           </a:extLst>
         </p:spPr>
       </p:pic>
+      <p:sp>
+        <p:nvSpPr>
+          <p:cNvPr id="4" name="Date Placeholder 3"/>
+          <p:cNvSpPr>
+            <a:spLocks noGrp="1"/>
+          </p:cNvSpPr>
+          <p:nvPr>
+            <p:ph type="dt" sz="half" idx="10"/>
+          </p:nvPr>
+        </p:nvSpPr>
+        <p:spPr/>
+        <p:txBody>
+          <a:bodyPr/>
+          <a:lstStyle/>
+          <a:p>
+            <a:r>
+              <a:rPr lang="en-US" smtClean="0"/>
+              <a:t>CS@UVa</a:t>
+            </a:r>
+            <a:endParaRPr lang="en-US"/>
+          </a:p>
+        </p:txBody>
+      </p:sp>
+      <p:sp>
+        <p:nvSpPr>
+          <p:cNvPr id="6" name="Footer Placeholder 5"/>
+          <p:cNvSpPr>
+            <a:spLocks noGrp="1"/>
+          </p:cNvSpPr>
+          <p:nvPr>
+            <p:ph type="ftr" sz="quarter" idx="11"/>
+          </p:nvPr>
+        </p:nvSpPr>
+        <p:spPr/>
+        <p:txBody>
+          <a:bodyPr/>
+          <a:lstStyle/>
+          <a:p>
+            <a:r>
+              <a:rPr lang="en-US" smtClean="0"/>
+              <a:t>CS 6501: Text Mining</a:t>
+            </a:r>
+            <a:endParaRPr lang="en-US"/>
+          </a:p>
+        </p:txBody>
+      </p:sp>
+      <p:sp>
+        <p:nvSpPr>
+          <p:cNvPr id="7" name="Slide Number Placeholder 6"/>
+          <p:cNvSpPr>
+            <a:spLocks noGrp="1"/>
+          </p:cNvSpPr>
+          <p:nvPr>
+            <p:ph type="sldNum" sz="quarter" idx="12"/>
+          </p:nvPr>
+        </p:nvSpPr>
+        <p:spPr/>
+        <p:txBody>
+          <a:bodyPr/>
+          <a:lstStyle/>
+          <a:p>
+            <a:fld id="{C76E115C-33BC-45ED-8DBD-F9FA6141D6D2}" type="slidenum">
+              <a:rPr lang="en-US" smtClean="0"/>
+              <a:t>6</a:t>
+            </a:fld>
+            <a:endParaRPr lang="en-US"/>
+          </a:p>
+        </p:txBody>
+      </p:sp>
     </p:spTree>
     <p:extLst>
       <p:ext uri="{BB962C8B-B14F-4D97-AF65-F5344CB8AC3E}">
@@ -7526,6 +11149,13 @@
   <p:clrMapOvr>
     <a:masterClrMapping/>
   </p:clrMapOvr>
+  <p:timing>
+    <p:tnLst>
+      <p:par>
+        <p:cTn id="1" dur="indefinite" restart="never" nodeType="tmRoot"/>
+      </p:par>
+    </p:tnLst>
+  </p:timing>
 </p:sld>
 </file>
 
@@ -7563,8 +11193,21 @@
           <a:p>
             <a:r>
               <a:rPr lang="en-US" dirty="0"/>
-              <a:t>Make Sense of Word Senses</a:t>
-            </a:r>
+              <a:t>Make </a:t>
+            </a:r>
+            <a:r>
+              <a:rPr lang="en-US" dirty="0" smtClean="0"/>
+              <a:t>sense </a:t>
+            </a:r>
+            <a:r>
+              <a:rPr lang="en-US" dirty="0"/>
+              <a:t>of </a:t>
+            </a:r>
+            <a:r>
+              <a:rPr lang="en-US" dirty="0" smtClean="0"/>
+              <a:t>word senses</a:t>
+            </a:r>
+            <a:endParaRPr lang="en-US" dirty="0"/>
           </a:p>
         </p:txBody>
       </p:sp>
@@ -7670,7 +11313,15 @@
           <a:p>
             <a:r>
               <a:rPr lang="en-US" sz="2800" dirty="0" smtClean="0"/>
-              <a:t>bank = financial institution           or        river bank</a:t>
+              <a:t>bank = financial institution         </a:t>
+            </a:r>
+            <a:r>
+              <a:rPr lang="en-US" sz="2800" dirty="0" smtClean="0"/>
+              <a:t>or        </a:t>
+            </a:r>
+            <a:r>
+              <a:rPr lang="en-US" sz="2800" dirty="0" smtClean="0"/>
+              <a:t>river bank</a:t>
             </a:r>
             <a:endParaRPr lang="en-US" sz="2800" dirty="0"/>
           </a:p>
@@ -7717,6 +11368,75 @@
           </a:extLst>
         </p:spPr>
       </p:pic>
+      <p:sp>
+        <p:nvSpPr>
+          <p:cNvPr id="6" name="Date Placeholder 5"/>
+          <p:cNvSpPr>
+            <a:spLocks noGrp="1"/>
+          </p:cNvSpPr>
+          <p:nvPr>
+            <p:ph type="dt" sz="half" idx="10"/>
+          </p:nvPr>
+        </p:nvSpPr>
+        <p:spPr/>
+        <p:txBody>
+          <a:bodyPr/>
+          <a:lstStyle/>
+          <a:p>
+            <a:r>
+              <a:rPr lang="en-US" smtClean="0"/>
+              <a:t>CS@UVa</a:t>
+            </a:r>
+            <a:endParaRPr lang="en-US"/>
+          </a:p>
+        </p:txBody>
+      </p:sp>
+      <p:sp>
+        <p:nvSpPr>
+          <p:cNvPr id="7" name="Footer Placeholder 6"/>
+          <p:cNvSpPr>
+            <a:spLocks noGrp="1"/>
+          </p:cNvSpPr>
+          <p:nvPr>
+            <p:ph type="ftr" sz="quarter" idx="11"/>
+          </p:nvPr>
+        </p:nvSpPr>
+        <p:spPr/>
+        <p:txBody>
+          <a:bodyPr/>
+          <a:lstStyle/>
+          <a:p>
+            <a:r>
+              <a:rPr lang="en-US" smtClean="0"/>
+              <a:t>CS 6501: Text Mining</a:t>
+            </a:r>
+            <a:endParaRPr lang="en-US"/>
+          </a:p>
+        </p:txBody>
+      </p:sp>
+      <p:sp>
+        <p:nvSpPr>
+          <p:cNvPr id="8" name="Slide Number Placeholder 7"/>
+          <p:cNvSpPr>
+            <a:spLocks noGrp="1"/>
+          </p:cNvSpPr>
+          <p:nvPr>
+            <p:ph type="sldNum" sz="quarter" idx="12"/>
+          </p:nvPr>
+        </p:nvSpPr>
+        <p:spPr/>
+        <p:txBody>
+          <a:bodyPr/>
+          <a:lstStyle/>
+          <a:p>
+            <a:fld id="{C76E115C-33BC-45ED-8DBD-F9FA6141D6D2}" type="slidenum">
+              <a:rPr lang="en-US" smtClean="0"/>
+              <a:t>7</a:t>
+            </a:fld>
+            <a:endParaRPr lang="en-US"/>
+          </a:p>
+        </p:txBody>
+      </p:sp>
     </p:spTree>
     <p:extLst>
       <p:ext uri="{BB962C8B-B14F-4D97-AF65-F5344CB8AC3E}">
@@ -7727,6 +11447,13 @@
   <p:clrMapOvr>
     <a:masterClrMapping/>
   </p:clrMapOvr>
+  <p:timing>
+    <p:tnLst>
+      <p:par>
+        <p:cTn id="1" dur="indefinite" restart="never" nodeType="tmRoot"/>
+      </p:par>
+    </p:tnLst>
+  </p:timing>
 </p:sld>
 </file>
 
@@ -7768,7 +11495,11 @@
             </a:r>
             <a:r>
               <a:rPr lang="en-US" dirty="0" smtClean="0"/>
-              <a:t>between Senses</a:t>
+              <a:t>between </a:t>
+            </a:r>
+            <a:r>
+              <a:rPr lang="en-US" dirty="0" smtClean="0"/>
+              <a:t>senses</a:t>
             </a:r>
             <a:endParaRPr lang="en-US" dirty="0"/>
           </a:p>
@@ -7909,6 +11640,75 @@
           </a:p>
           <a:p>
             <a:endParaRPr lang="en-US" dirty="0"/>
+          </a:p>
+        </p:txBody>
+      </p:sp>
+      <p:sp>
+        <p:nvSpPr>
+          <p:cNvPr id="4" name="Date Placeholder 3"/>
+          <p:cNvSpPr>
+            <a:spLocks noGrp="1"/>
+          </p:cNvSpPr>
+          <p:nvPr>
+            <p:ph type="dt" sz="half" idx="10"/>
+          </p:nvPr>
+        </p:nvSpPr>
+        <p:spPr/>
+        <p:txBody>
+          <a:bodyPr/>
+          <a:lstStyle/>
+          <a:p>
+            <a:r>
+              <a:rPr lang="en-US" smtClean="0"/>
+              <a:t>CS@UVa</a:t>
+            </a:r>
+            <a:endParaRPr lang="en-US"/>
+          </a:p>
+        </p:txBody>
+      </p:sp>
+      <p:sp>
+        <p:nvSpPr>
+          <p:cNvPr id="5" name="Footer Placeholder 4"/>
+          <p:cNvSpPr>
+            <a:spLocks noGrp="1"/>
+          </p:cNvSpPr>
+          <p:nvPr>
+            <p:ph type="ftr" sz="quarter" idx="11"/>
+          </p:nvPr>
+        </p:nvSpPr>
+        <p:spPr/>
+        <p:txBody>
+          <a:bodyPr/>
+          <a:lstStyle/>
+          <a:p>
+            <a:r>
+              <a:rPr lang="en-US" smtClean="0"/>
+              <a:t>CS 6501: Text Mining</a:t>
+            </a:r>
+            <a:endParaRPr lang="en-US"/>
+          </a:p>
+        </p:txBody>
+      </p:sp>
+      <p:sp>
+        <p:nvSpPr>
+          <p:cNvPr id="6" name="Slide Number Placeholder 5"/>
+          <p:cNvSpPr>
+            <a:spLocks noGrp="1"/>
+          </p:cNvSpPr>
+          <p:nvPr>
+            <p:ph type="sldNum" sz="quarter" idx="12"/>
+          </p:nvPr>
+        </p:nvSpPr>
+        <p:spPr/>
+        <p:txBody>
+          <a:bodyPr/>
+          <a:lstStyle/>
+          <a:p>
+            <a:fld id="{C76E115C-33BC-45ED-8DBD-F9FA6141D6D2}" type="slidenum">
+              <a:rPr lang="en-US" smtClean="0"/>
+              <a:t>8</a:t>
+            </a:fld>
+            <a:endParaRPr lang="en-US"/>
           </a:p>
         </p:txBody>
       </p:sp>
@@ -7922,6 +11722,209 @@
   <p:clrMapOvr>
     <a:masterClrMapping/>
   </p:clrMapOvr>
+  <p:timing>
+    <p:tnLst>
+      <p:par>
+        <p:cTn id="1" dur="indefinite" restart="never" nodeType="tmRoot">
+          <p:childTnLst>
+            <p:seq concurrent="1" nextAc="seek">
+              <p:cTn id="2" dur="indefinite" nodeType="mainSeq">
+                <p:childTnLst>
+                  <p:par>
+                    <p:cTn id="3" fill="hold">
+                      <p:stCondLst>
+                        <p:cond delay="indefinite"/>
+                      </p:stCondLst>
+                      <p:childTnLst>
+                        <p:par>
+                          <p:cTn id="4" fill="hold">
+                            <p:stCondLst>
+                              <p:cond delay="0"/>
+                            </p:stCondLst>
+                            <p:childTnLst>
+                              <p:par>
+                                <p:cTn id="5" presetID="1" presetClass="entr" presetSubtype="0" fill="hold" nodeType="clickEffect">
+                                  <p:stCondLst>
+                                    <p:cond delay="0"/>
+                                  </p:stCondLst>
+                                  <p:childTnLst>
+                                    <p:set>
+                                      <p:cBhvr>
+                                        <p:cTn id="6" dur="1" fill="hold">
+                                          <p:stCondLst>
+                                            <p:cond delay="0"/>
+                                          </p:stCondLst>
+                                        </p:cTn>
+                                        <p:tgtEl>
+                                          <p:spTgt spid="3">
+                                            <p:txEl>
+                                              <p:pRg st="5" end="5"/>
+                                            </p:txEl>
+                                          </p:spTgt>
+                                        </p:tgtEl>
+                                        <p:attrNameLst>
+                                          <p:attrName>style.visibility</p:attrName>
+                                        </p:attrNameLst>
+                                      </p:cBhvr>
+                                      <p:to>
+                                        <p:strVal val="visible"/>
+                                      </p:to>
+                                    </p:set>
+                                  </p:childTnLst>
+                                </p:cTn>
+                              </p:par>
+                              <p:par>
+                                <p:cTn id="7" presetID="1" presetClass="entr" presetSubtype="0" fill="hold" nodeType="withEffect">
+                                  <p:stCondLst>
+                                    <p:cond delay="0"/>
+                                  </p:stCondLst>
+                                  <p:childTnLst>
+                                    <p:set>
+                                      <p:cBhvr>
+                                        <p:cTn id="8" dur="1" fill="hold">
+                                          <p:stCondLst>
+                                            <p:cond delay="0"/>
+                                          </p:stCondLst>
+                                        </p:cTn>
+                                        <p:tgtEl>
+                                          <p:spTgt spid="3">
+                                            <p:txEl>
+                                              <p:pRg st="6" end="6"/>
+                                            </p:txEl>
+                                          </p:spTgt>
+                                        </p:tgtEl>
+                                        <p:attrNameLst>
+                                          <p:attrName>style.visibility</p:attrName>
+                                        </p:attrNameLst>
+                                      </p:cBhvr>
+                                      <p:to>
+                                        <p:strVal val="visible"/>
+                                      </p:to>
+                                    </p:set>
+                                  </p:childTnLst>
+                                </p:cTn>
+                              </p:par>
+                              <p:par>
+                                <p:cTn id="9" presetID="1" presetClass="entr" presetSubtype="0" fill="hold" nodeType="withEffect">
+                                  <p:stCondLst>
+                                    <p:cond delay="0"/>
+                                  </p:stCondLst>
+                                  <p:childTnLst>
+                                    <p:set>
+                                      <p:cBhvr>
+                                        <p:cTn id="10" dur="1" fill="hold">
+                                          <p:stCondLst>
+                                            <p:cond delay="0"/>
+                                          </p:stCondLst>
+                                        </p:cTn>
+                                        <p:tgtEl>
+                                          <p:spTgt spid="3">
+                                            <p:txEl>
+                                              <p:pRg st="7" end="7"/>
+                                            </p:txEl>
+                                          </p:spTgt>
+                                        </p:tgtEl>
+                                        <p:attrNameLst>
+                                          <p:attrName>style.visibility</p:attrName>
+                                        </p:attrNameLst>
+                                      </p:cBhvr>
+                                      <p:to>
+                                        <p:strVal val="visible"/>
+                                      </p:to>
+                                    </p:set>
+                                  </p:childTnLst>
+                                </p:cTn>
+                              </p:par>
+                              <p:par>
+                                <p:cTn id="11" presetID="1" presetClass="entr" presetSubtype="0" fill="hold" nodeType="withEffect">
+                                  <p:stCondLst>
+                                    <p:cond delay="0"/>
+                                  </p:stCondLst>
+                                  <p:childTnLst>
+                                    <p:set>
+                                      <p:cBhvr>
+                                        <p:cTn id="12" dur="1" fill="hold">
+                                          <p:stCondLst>
+                                            <p:cond delay="0"/>
+                                          </p:stCondLst>
+                                        </p:cTn>
+                                        <p:tgtEl>
+                                          <p:spTgt spid="3">
+                                            <p:txEl>
+                                              <p:pRg st="8" end="8"/>
+                                            </p:txEl>
+                                          </p:spTgt>
+                                        </p:tgtEl>
+                                        <p:attrNameLst>
+                                          <p:attrName>style.visibility</p:attrName>
+                                        </p:attrNameLst>
+                                      </p:cBhvr>
+                                      <p:to>
+                                        <p:strVal val="visible"/>
+                                      </p:to>
+                                    </p:set>
+                                  </p:childTnLst>
+                                </p:cTn>
+                              </p:par>
+                              <p:par>
+                                <p:cTn id="13" presetID="1" presetClass="entr" presetSubtype="0" fill="hold" nodeType="withEffect">
+                                  <p:stCondLst>
+                                    <p:cond delay="0"/>
+                                  </p:stCondLst>
+                                  <p:childTnLst>
+                                    <p:set>
+                                      <p:cBhvr>
+                                        <p:cTn id="14" dur="1" fill="hold">
+                                          <p:stCondLst>
+                                            <p:cond delay="0"/>
+                                          </p:stCondLst>
+                                        </p:cTn>
+                                        <p:tgtEl>
+                                          <p:spTgt spid="3">
+                                            <p:txEl>
+                                              <p:pRg st="9" end="9"/>
+                                            </p:txEl>
+                                          </p:spTgt>
+                                        </p:tgtEl>
+                                        <p:attrNameLst>
+                                          <p:attrName>style.visibility</p:attrName>
+                                        </p:attrNameLst>
+                                      </p:cBhvr>
+                                      <p:to>
+                                        <p:strVal val="visible"/>
+                                      </p:to>
+                                    </p:set>
+                                  </p:childTnLst>
+                                </p:cTn>
+                              </p:par>
+                            </p:childTnLst>
+                          </p:cTn>
+                        </p:par>
+                      </p:childTnLst>
+                    </p:cTn>
+                  </p:par>
+                </p:childTnLst>
+              </p:cTn>
+              <p:prevCondLst>
+                <p:cond evt="onPrev" delay="0">
+                  <p:tgtEl>
+                    <p:sldTgt/>
+                  </p:tgtEl>
+                </p:cond>
+              </p:prevCondLst>
+              <p:nextCondLst>
+                <p:cond evt="onNext" delay="0">
+                  <p:tgtEl>
+                    <p:sldTgt/>
+                  </p:tgtEl>
+                </p:cond>
+              </p:nextCondLst>
+            </p:seq>
+          </p:childTnLst>
+        </p:cTn>
+      </p:par>
+    </p:tnLst>
+  </p:timing>
 </p:sld>
 </file>
 
@@ -8115,6 +12118,75 @@
               <a:t>/hyponym</a:t>
             </a:r>
             <a:endParaRPr lang="en-US" dirty="0"/>
+          </a:p>
+        </p:txBody>
+      </p:sp>
+      <p:sp>
+        <p:nvSpPr>
+          <p:cNvPr id="4" name="Date Placeholder 3"/>
+          <p:cNvSpPr>
+            <a:spLocks noGrp="1"/>
+          </p:cNvSpPr>
+          <p:nvPr>
+            <p:ph type="dt" sz="half" idx="10"/>
+          </p:nvPr>
+        </p:nvSpPr>
+        <p:spPr/>
+        <p:txBody>
+          <a:bodyPr/>
+          <a:lstStyle/>
+          <a:p>
+            <a:r>
+              <a:rPr lang="en-US" smtClean="0"/>
+              <a:t>CS@UVa</a:t>
+            </a:r>
+            <a:endParaRPr lang="en-US"/>
+          </a:p>
+        </p:txBody>
+      </p:sp>
+      <p:sp>
+        <p:nvSpPr>
+          <p:cNvPr id="5" name="Footer Placeholder 4"/>
+          <p:cNvSpPr>
+            <a:spLocks noGrp="1"/>
+          </p:cNvSpPr>
+          <p:nvPr>
+            <p:ph type="ftr" sz="quarter" idx="11"/>
+          </p:nvPr>
+        </p:nvSpPr>
+        <p:spPr/>
+        <p:txBody>
+          <a:bodyPr/>
+          <a:lstStyle/>
+          <a:p>
+            <a:r>
+              <a:rPr lang="en-US" smtClean="0"/>
+              <a:t>CS 6501: Text Mining</a:t>
+            </a:r>
+            <a:endParaRPr lang="en-US"/>
+          </a:p>
+        </p:txBody>
+      </p:sp>
+      <p:sp>
+        <p:nvSpPr>
+          <p:cNvPr id="6" name="Slide Number Placeholder 5"/>
+          <p:cNvSpPr>
+            <a:spLocks noGrp="1"/>
+          </p:cNvSpPr>
+          <p:nvPr>
+            <p:ph type="sldNum" sz="quarter" idx="12"/>
+          </p:nvPr>
+        </p:nvSpPr>
+        <p:spPr/>
+        <p:txBody>
+          <a:bodyPr/>
+          <a:lstStyle/>
+          <a:p>
+            <a:fld id="{C76E115C-33BC-45ED-8DBD-F9FA6141D6D2}" type="slidenum">
+              <a:rPr lang="en-US" smtClean="0"/>
+              <a:t>9</a:t>
+            </a:fld>
+            <a:endParaRPr lang="en-US"/>
           </a:p>
         </p:txBody>
       </p:sp>
@@ -8426,4 +12498,265 @@
     </a:ext>
   </a:extLst>
 </a:theme>
+</file>
+
+<file path=ppt/theme/theme2.xml><?xml version="1.0" encoding="utf-8"?>
+<a:theme xmlns:a="http://schemas.openxmlformats.org/drawingml/2006/main" name="Office Theme">
+  <a:themeElements>
+    <a:clrScheme name="Office">
+      <a:dk1>
+        <a:sysClr val="windowText" lastClr="000000"/>
+      </a:dk1>
+      <a:lt1>
+        <a:sysClr val="window" lastClr="FFFFFF"/>
+      </a:lt1>
+      <a:dk2>
+        <a:srgbClr val="44546A"/>
+      </a:dk2>
+      <a:lt2>
+        <a:srgbClr val="E7E6E6"/>
+      </a:lt2>
+      <a:accent1>
+        <a:srgbClr val="5B9BD5"/>
+      </a:accent1>
+      <a:accent2>
+        <a:srgbClr val="ED7D31"/>
+      </a:accent2>
+      <a:accent3>
+        <a:srgbClr val="A5A5A5"/>
+      </a:accent3>
+      <a:accent4>
+        <a:srgbClr val="FFC000"/>
+      </a:accent4>
+      <a:accent5>
+        <a:srgbClr val="4472C4"/>
+      </a:accent5>
+      <a:accent6>
+        <a:srgbClr val="70AD47"/>
+      </a:accent6>
+      <a:hlink>
+        <a:srgbClr val="0563C1"/>
+      </a:hlink>
+      <a:folHlink>
+        <a:srgbClr val="954F72"/>
+      </a:folHlink>
+    </a:clrScheme>
+    <a:fontScheme name="Office">
+      <a:majorFont>
+        <a:latin typeface="Calibri Light" panose="020F0302020204030204"/>
+        <a:ea typeface=""/>
+        <a:cs typeface=""/>
+        <a:font script="Jpan" typeface="ＭＳ Ｐゴシック"/>
+        <a:font script="Hang" typeface="맑은 고딕"/>
+        <a:font script="Hans" typeface="宋体"/>
+        <a:font script="Hant" typeface="新細明體"/>
+        <a:font script="Arab" typeface="Times New Roman"/>
+        <a:font script="Hebr" typeface="Times New Roman"/>
+        <a:font script="Thai" typeface="Angsana New"/>
+        <a:font script="Ethi" typeface="Nyala"/>
+        <a:font script="Beng" typeface="Vrinda"/>
+        <a:font script="Gujr" typeface="Shruti"/>
+        <a:font script="Khmr" typeface="MoolBoran"/>
+        <a:font script="Knda" typeface="Tunga"/>
+        <a:font script="Guru" typeface="Raavi"/>
+        <a:font script="Cans" typeface="Euphemia"/>
+        <a:font script="Cher" typeface="Plantagenet Cherokee"/>
+        <a:font script="Yiii" typeface="Microsoft Yi Baiti"/>
+        <a:font script="Tibt" typeface="Microsoft Himalaya"/>
+        <a:font script="Thaa" typeface="MV Boli"/>
+        <a:font script="Deva" typeface="Mangal"/>
+        <a:font script="Telu" typeface="Gautami"/>
+        <a:font script="Taml" typeface="Latha"/>
+        <a:font script="Syrc" typeface="Estrangelo Edessa"/>
+        <a:font script="Orya" typeface="Kalinga"/>
+        <a:font script="Mlym" typeface="Kartika"/>
+        <a:font script="Laoo" typeface="DokChampa"/>
+        <a:font script="Sinh" typeface="Iskoola Pota"/>
+        <a:font script="Mong" typeface="Mongolian Baiti"/>
+        <a:font script="Viet" typeface="Times New Roman"/>
+        <a:font script="Uigh" typeface="Microsoft Uighur"/>
+        <a:font script="Geor" typeface="Sylfaen"/>
+      </a:majorFont>
+      <a:minorFont>
+        <a:latin typeface="Calibri" panose="020F0502020204030204"/>
+        <a:ea typeface=""/>
+        <a:cs typeface=""/>
+        <a:font script="Jpan" typeface="ＭＳ Ｐゴシック"/>
+        <a:font script="Hang" typeface="맑은 고딕"/>
+        <a:font script="Hans" typeface="宋体"/>
+        <a:font script="Hant" typeface="新細明體"/>
+        <a:font script="Arab" typeface="Arial"/>
+        <a:font script="Hebr" typeface="Arial"/>
+        <a:font script="Thai" typeface="Cordia New"/>
+        <a:font script="Ethi" typeface="Nyala"/>
+        <a:font script="Beng" typeface="Vrinda"/>
+        <a:font script="Gujr" typeface="Shruti"/>
+        <a:font script="Khmr" typeface="DaunPenh"/>
+        <a:font script="Knda" typeface="Tunga"/>
+        <a:font script="Guru" typeface="Raavi"/>
+        <a:font script="Cans" typeface="Euphemia"/>
+        <a:font script="Cher" typeface="Plantagenet Cherokee"/>
+        <a:font script="Yiii" typeface="Microsoft Yi Baiti"/>
+        <a:font script="Tibt" typeface="Microsoft Himalaya"/>
+        <a:font script="Thaa" typeface="MV Boli"/>
+        <a:font script="Deva" typeface="Mangal"/>
+        <a:font script="Telu" typeface="Gautami"/>
+        <a:font script="Taml" typeface="Latha"/>
+        <a:font script="Syrc" typeface="Estrangelo Edessa"/>
+        <a:font script="Orya" typeface="Kalinga"/>
+        <a:font script="Mlym" typeface="Kartika"/>
+        <a:font script="Laoo" typeface="DokChampa"/>
+        <a:font script="Sinh" typeface="Iskoola Pota"/>
+        <a:font script="Mong" typeface="Mongolian Baiti"/>
+        <a:font script="Viet" typeface="Arial"/>
+        <a:font script="Uigh" typeface="Microsoft Uighur"/>
+        <a:font script="Geor" typeface="Sylfaen"/>
+      </a:minorFont>
+    </a:fontScheme>
+    <a:fmtScheme name="Office">
+      <a:fillStyleLst>
+        <a:solidFill>
+          <a:schemeClr val="phClr"/>
+        </a:solidFill>
+        <a:gradFill rotWithShape="1">
+          <a:gsLst>
+            <a:gs pos="0">
+              <a:schemeClr val="phClr">
+                <a:lumMod val="110000"/>
+                <a:satMod val="105000"/>
+                <a:tint val="67000"/>
+              </a:schemeClr>
+            </a:gs>
+            <a:gs pos="50000">
+              <a:schemeClr val="phClr">
+                <a:lumMod val="105000"/>
+                <a:satMod val="103000"/>
+                <a:tint val="73000"/>
+              </a:schemeClr>
+            </a:gs>
+            <a:gs pos="100000">
+              <a:schemeClr val="phClr">
+                <a:lumMod val="105000"/>
+                <a:satMod val="109000"/>
+                <a:tint val="81000"/>
+              </a:schemeClr>
+            </a:gs>
+          </a:gsLst>
+          <a:lin ang="5400000" scaled="0"/>
+        </a:gradFill>
+        <a:gradFill rotWithShape="1">
+          <a:gsLst>
+            <a:gs pos="0">
+              <a:schemeClr val="phClr">
+                <a:satMod val="103000"/>
+                <a:lumMod val="102000"/>
+                <a:tint val="94000"/>
+              </a:schemeClr>
+            </a:gs>
+            <a:gs pos="50000">
+              <a:schemeClr val="phClr">
+                <a:satMod val="110000"/>
+                <a:lumMod val="100000"/>
+                <a:shade val="100000"/>
+              </a:schemeClr>
+            </a:gs>
+            <a:gs pos="100000">
+              <a:schemeClr val="phClr">
+                <a:lumMod val="99000"/>
+                <a:satMod val="120000"/>
+                <a:shade val="78000"/>
+              </a:schemeClr>
+            </a:gs>
+          </a:gsLst>
+          <a:lin ang="5400000" scaled="0"/>
+        </a:gradFill>
+      </a:fillStyleLst>
+      <a:lnStyleLst>
+        <a:ln w="6350" cap="flat" cmpd="sng" algn="ctr">
+          <a:solidFill>
+            <a:schemeClr val="phClr"/>
+          </a:solidFill>
+          <a:prstDash val="solid"/>
+          <a:miter lim="800000"/>
+        </a:ln>
+        <a:ln w="12700" cap="flat" cmpd="sng" algn="ctr">
+          <a:solidFill>
+            <a:schemeClr val="phClr"/>
+          </a:solidFill>
+          <a:prstDash val="solid"/>
+          <a:miter lim="800000"/>
+        </a:ln>
+        <a:ln w="19050" cap="flat" cmpd="sng" algn="ctr">
+          <a:solidFill>
+            <a:schemeClr val="phClr"/>
+          </a:solidFill>
+          <a:prstDash val="solid"/>
+          <a:miter lim="800000"/>
+        </a:ln>
+      </a:lnStyleLst>
+      <a:effectStyleLst>
+        <a:effectStyle>
+          <a:effectLst/>
+        </a:effectStyle>
+        <a:effectStyle>
+          <a:effectLst/>
+        </a:effectStyle>
+        <a:effectStyle>
+          <a:effectLst>
+            <a:outerShdw blurRad="57150" dist="19050" dir="5400000" algn="ctr" rotWithShape="0">
+              <a:srgbClr val="000000">
+                <a:alpha val="63000"/>
+              </a:srgbClr>
+            </a:outerShdw>
+          </a:effectLst>
+        </a:effectStyle>
+      </a:effectStyleLst>
+      <a:bgFillStyleLst>
+        <a:solidFill>
+          <a:schemeClr val="phClr"/>
+        </a:solidFill>
+        <a:solidFill>
+          <a:schemeClr val="phClr">
+            <a:tint val="95000"/>
+            <a:satMod val="170000"/>
+          </a:schemeClr>
+        </a:solidFill>
+        <a:gradFill rotWithShape="1">
+          <a:gsLst>
+            <a:gs pos="0">
+              <a:schemeClr val="phClr">
+                <a:tint val="93000"/>
+                <a:satMod val="150000"/>
+                <a:shade val="98000"/>
+                <a:lumMod val="102000"/>
+              </a:schemeClr>
+            </a:gs>
+            <a:gs pos="50000">
+              <a:schemeClr val="phClr">
+                <a:tint val="98000"/>
+                <a:satMod val="130000"/>
+                <a:shade val="90000"/>
+                <a:lumMod val="103000"/>
+              </a:schemeClr>
+            </a:gs>
+            <a:gs pos="100000">
+              <a:schemeClr val="phClr">
+                <a:shade val="63000"/>
+                <a:satMod val="120000"/>
+              </a:schemeClr>
+            </a:gs>
+          </a:gsLst>
+          <a:lin ang="5400000" scaled="0"/>
+        </a:gradFill>
+      </a:bgFillStyleLst>
+    </a:fmtScheme>
+  </a:themeElements>
+  <a:objectDefaults/>
+  <a:extraClrSchemeLst/>
+  <a:extLst>
+    <a:ext uri="{05A4C25C-085E-4340-85A3-A5531E510DB2}">
+      <thm15:themeFamily xmlns:thm15="http://schemas.microsoft.com/office/thememl/2012/main" name="Office Theme" id="{62F939B6-93AF-4DB8-9C6B-D6C7DFDC589F}" vid="{4A3C46E8-61CC-4603-A589-7422A47A8E4A}"/>
+    </a:ext>
+  </a:extLst>
+</a:theme>
 </file>
--- a/docs/LexicalSemanticsWordSenses.pptx
+++ b/docs/LexicalSemanticsWordSenses.pptx
@@ -5,7 +5,7 @@
     <p:sldMasterId id="2147483660" r:id="rId1"/>
   </p:sldMasterIdLst>
   <p:notesMasterIdLst>
-    <p:notesMasterId r:id="rId32"/>
+    <p:notesMasterId r:id="rId34"/>
   </p:notesMasterIdLst>
   <p:sldIdLst>
     <p:sldId id="256" r:id="rId2"/>
@@ -26,18 +26,20 @@
     <p:sldId id="270" r:id="rId17"/>
     <p:sldId id="271" r:id="rId18"/>
     <p:sldId id="280" r:id="rId19"/>
-    <p:sldId id="281" r:id="rId20"/>
-    <p:sldId id="282" r:id="rId21"/>
-    <p:sldId id="283" r:id="rId22"/>
-    <p:sldId id="284" r:id="rId23"/>
-    <p:sldId id="272" r:id="rId24"/>
-    <p:sldId id="273" r:id="rId25"/>
-    <p:sldId id="274" r:id="rId26"/>
-    <p:sldId id="275" r:id="rId27"/>
-    <p:sldId id="276" r:id="rId28"/>
-    <p:sldId id="277" r:id="rId29"/>
-    <p:sldId id="285" r:id="rId30"/>
-    <p:sldId id="286" r:id="rId31"/>
+    <p:sldId id="287" r:id="rId20"/>
+    <p:sldId id="288" r:id="rId21"/>
+    <p:sldId id="281" r:id="rId22"/>
+    <p:sldId id="282" r:id="rId23"/>
+    <p:sldId id="283" r:id="rId24"/>
+    <p:sldId id="284" r:id="rId25"/>
+    <p:sldId id="272" r:id="rId26"/>
+    <p:sldId id="273" r:id="rId27"/>
+    <p:sldId id="274" r:id="rId28"/>
+    <p:sldId id="275" r:id="rId29"/>
+    <p:sldId id="276" r:id="rId30"/>
+    <p:sldId id="277" r:id="rId31"/>
+    <p:sldId id="285" r:id="rId32"/>
+    <p:sldId id="286" r:id="rId33"/>
   </p:sldIdLst>
   <p:sldSz cx="9144000" cy="6858000" type="screen4x3"/>
   <p:notesSz cx="6858000" cy="9144000"/>
@@ -237,7 +239,7 @@
           <a:p>
             <a:fld id="{A7E72C35-2EF5-46FA-B31D-735D5F06BB33}" type="datetimeFigureOut">
               <a:rPr lang="en-US" smtClean="0"/>
-              <a:t>2/18/2015</a:t>
+              <a:t>2/23/2015</a:t>
             </a:fld>
             <a:endParaRPr lang="en-US"/>
           </a:p>
@@ -7675,6 +7677,704 @@
         </p:nvSpPr>
         <p:spPr/>
         <p:txBody>
+          <a:bodyPr>
+            <a:normAutofit/>
+          </a:bodyPr>
+          <a:lstStyle/>
+          <a:p>
+            <a:r>
+              <a:rPr lang="en-US" dirty="0" smtClean="0"/>
+              <a:t>Recap: </a:t>
+            </a:r>
+            <a:r>
+              <a:rPr lang="en-US" dirty="0"/>
+              <a:t>Lexical </a:t>
+            </a:r>
+            <a:r>
+              <a:rPr lang="en-US" dirty="0" smtClean="0"/>
+              <a:t>semantics</a:t>
+            </a:r>
+            <a:endParaRPr lang="en-US" dirty="0"/>
+          </a:p>
+        </p:txBody>
+      </p:sp>
+      <p:sp>
+        <p:nvSpPr>
+          <p:cNvPr id="3" name="Content Placeholder 2"/>
+          <p:cNvSpPr>
+            <a:spLocks noGrp="1"/>
+          </p:cNvSpPr>
+          <p:nvPr>
+            <p:ph idx="1"/>
+          </p:nvPr>
+        </p:nvSpPr>
+        <p:spPr/>
+        <p:txBody>
+          <a:bodyPr/>
+          <a:lstStyle/>
+          <a:p>
+            <a:pPr marL="342900" lvl="1" indent="-342900">
+              <a:buFont typeface="Arial" panose="020B0604020202020204" pitchFamily="34" charset="0"/>
+              <a:buChar char="•"/>
+            </a:pPr>
+            <a:r>
+              <a:rPr lang="en-US" sz="3200" dirty="0"/>
+              <a:t>Meaning of words</a:t>
+            </a:r>
+          </a:p>
+          <a:p>
+            <a:pPr lvl="1"/>
+            <a:r>
+              <a:rPr lang="en-US" dirty="0" smtClean="0"/>
+              <a:t>Within a word</a:t>
+            </a:r>
+          </a:p>
+          <a:p>
+            <a:pPr lvl="2"/>
+            <a:r>
+              <a:rPr lang="en-US" dirty="0" smtClean="0"/>
+              <a:t>Polysemy and homonyms  </a:t>
+            </a:r>
+          </a:p>
+          <a:p>
+            <a:pPr lvl="1"/>
+            <a:r>
+              <a:rPr lang="en-US" dirty="0" smtClean="0"/>
+              <a:t>Between words</a:t>
+            </a:r>
+          </a:p>
+          <a:p>
+            <a:pPr lvl="2"/>
+            <a:r>
+              <a:rPr lang="en-US" dirty="0" smtClean="0"/>
+              <a:t>Symmetric relations</a:t>
+            </a:r>
+          </a:p>
+          <a:p>
+            <a:pPr lvl="3"/>
+            <a:r>
+              <a:rPr lang="en-US" dirty="0" smtClean="0"/>
+              <a:t>Synonyms and antonyms</a:t>
+            </a:r>
+          </a:p>
+          <a:p>
+            <a:pPr lvl="2"/>
+            <a:r>
+              <a:rPr lang="en-US" dirty="0" smtClean="0"/>
+              <a:t>Hierarchical relations</a:t>
+            </a:r>
+          </a:p>
+          <a:p>
+            <a:pPr lvl="3"/>
+            <a:r>
+              <a:rPr lang="en-US" dirty="0" err="1"/>
+              <a:t>Hypernyms</a:t>
+            </a:r>
+            <a:r>
+              <a:rPr lang="en-US" dirty="0"/>
+              <a:t> and </a:t>
+            </a:r>
+            <a:r>
+              <a:rPr lang="en-US" dirty="0" smtClean="0"/>
+              <a:t>hyponyms</a:t>
+            </a:r>
+          </a:p>
+          <a:p>
+            <a:pPr lvl="3"/>
+            <a:r>
+              <a:rPr lang="en-US" dirty="0" err="1"/>
+              <a:t>Holonyms</a:t>
+            </a:r>
+            <a:r>
+              <a:rPr lang="en-US" dirty="0"/>
+              <a:t> and </a:t>
+            </a:r>
+            <a:r>
+              <a:rPr lang="en-US" dirty="0" err="1"/>
+              <a:t>meronyms</a:t>
+            </a:r>
+            <a:endParaRPr lang="en-US" dirty="0" smtClean="0"/>
+          </a:p>
+          <a:p>
+            <a:pPr lvl="3"/>
+            <a:endParaRPr lang="en-US" dirty="0" smtClean="0"/>
+          </a:p>
+          <a:p>
+            <a:pPr lvl="3"/>
+            <a:endParaRPr lang="en-US" dirty="0" smtClean="0"/>
+          </a:p>
+          <a:p>
+            <a:pPr lvl="3"/>
+            <a:endParaRPr lang="en-US" dirty="0"/>
+          </a:p>
+        </p:txBody>
+      </p:sp>
+      <p:sp>
+        <p:nvSpPr>
+          <p:cNvPr id="4" name="Date Placeholder 3"/>
+          <p:cNvSpPr>
+            <a:spLocks noGrp="1"/>
+          </p:cNvSpPr>
+          <p:nvPr>
+            <p:ph type="dt" sz="half" idx="10"/>
+          </p:nvPr>
+        </p:nvSpPr>
+        <p:spPr/>
+        <p:txBody>
+          <a:bodyPr/>
+          <a:lstStyle/>
+          <a:p>
+            <a:r>
+              <a:rPr lang="en-US" smtClean="0"/>
+              <a:t>CS@UVa</a:t>
+            </a:r>
+            <a:endParaRPr lang="en-US"/>
+          </a:p>
+        </p:txBody>
+      </p:sp>
+      <p:sp>
+        <p:nvSpPr>
+          <p:cNvPr id="5" name="Footer Placeholder 4"/>
+          <p:cNvSpPr>
+            <a:spLocks noGrp="1"/>
+          </p:cNvSpPr>
+          <p:nvPr>
+            <p:ph type="ftr" sz="quarter" idx="11"/>
+          </p:nvPr>
+        </p:nvSpPr>
+        <p:spPr/>
+        <p:txBody>
+          <a:bodyPr/>
+          <a:lstStyle/>
+          <a:p>
+            <a:r>
+              <a:rPr lang="en-US" smtClean="0"/>
+              <a:t>CS 6501: Text Mining</a:t>
+            </a:r>
+            <a:endParaRPr lang="en-US"/>
+          </a:p>
+        </p:txBody>
+      </p:sp>
+      <p:sp>
+        <p:nvSpPr>
+          <p:cNvPr id="6" name="Slide Number Placeholder 5"/>
+          <p:cNvSpPr>
+            <a:spLocks noGrp="1"/>
+          </p:cNvSpPr>
+          <p:nvPr>
+            <p:ph type="sldNum" sz="quarter" idx="12"/>
+          </p:nvPr>
+        </p:nvSpPr>
+        <p:spPr/>
+        <p:txBody>
+          <a:bodyPr/>
+          <a:lstStyle/>
+          <a:p>
+            <a:fld id="{C76E115C-33BC-45ED-8DBD-F9FA6141D6D2}" type="slidenum">
+              <a:rPr lang="en-US" smtClean="0"/>
+              <a:t>19</a:t>
+            </a:fld>
+            <a:endParaRPr lang="en-US"/>
+          </a:p>
+        </p:txBody>
+      </p:sp>
+    </p:spTree>
+    <p:extLst>
+      <p:ext uri="{BB962C8B-B14F-4D97-AF65-F5344CB8AC3E}">
+        <p14:creationId xmlns:p14="http://schemas.microsoft.com/office/powerpoint/2010/main" val="2088681087"/>
+      </p:ext>
+    </p:extLst>
+  </p:cSld>
+  <p:clrMapOvr>
+    <a:masterClrMapping/>
+  </p:clrMapOvr>
+</p:sld>
+</file>
+
+<file path=ppt/slides/slide2.xml><?xml version="1.0" encoding="utf-8"?>
+<p:sld xmlns:a="http://schemas.openxmlformats.org/drawingml/2006/main" xmlns:r="http://schemas.openxmlformats.org/officeDocument/2006/relationships" xmlns:p="http://schemas.openxmlformats.org/presentationml/2006/main">
+  <p:cSld>
+    <p:spTree>
+      <p:nvGrpSpPr>
+        <p:cNvPr id="1" name=""/>
+        <p:cNvGrpSpPr/>
+        <p:nvPr/>
+      </p:nvGrpSpPr>
+      <p:grpSpPr>
+        <a:xfrm>
+          <a:off x="0" y="0"/>
+          <a:ext cx="0" cy="0"/>
+          <a:chOff x="0" y="0"/>
+          <a:chExt cx="0" cy="0"/>
+        </a:xfrm>
+      </p:grpSpPr>
+      <p:sp>
+        <p:nvSpPr>
+          <p:cNvPr id="6" name="Title 5"/>
+          <p:cNvSpPr>
+            <a:spLocks noGrp="1"/>
+          </p:cNvSpPr>
+          <p:nvPr>
+            <p:ph type="title"/>
+          </p:nvPr>
+        </p:nvSpPr>
+        <p:spPr/>
+        <p:txBody>
+          <a:bodyPr/>
+          <a:lstStyle/>
+          <a:p>
+            <a:r>
+              <a:rPr lang="en-US" dirty="0" smtClean="0"/>
+              <a:t>Today’s lecture</a:t>
+            </a:r>
+            <a:endParaRPr lang="en-US" dirty="0"/>
+          </a:p>
+        </p:txBody>
+      </p:sp>
+      <p:sp>
+        <p:nvSpPr>
+          <p:cNvPr id="7" name="Content Placeholder 6"/>
+          <p:cNvSpPr>
+            <a:spLocks noGrp="1"/>
+          </p:cNvSpPr>
+          <p:nvPr>
+            <p:ph idx="1"/>
+          </p:nvPr>
+        </p:nvSpPr>
+        <p:spPr/>
+        <p:txBody>
+          <a:bodyPr>
+            <a:normAutofit lnSpcReduction="10000"/>
+          </a:bodyPr>
+          <a:lstStyle/>
+          <a:p>
+            <a:pPr marL="514350" indent="-514350">
+              <a:buFont typeface="+mj-lt"/>
+              <a:buAutoNum type="arabicPeriod"/>
+            </a:pPr>
+            <a:r>
+              <a:rPr lang="en-US" dirty="0" smtClean="0"/>
+              <a:t>Lexical semantics</a:t>
+            </a:r>
+          </a:p>
+          <a:p>
+            <a:pPr lvl="1"/>
+            <a:r>
+              <a:rPr lang="en-US" dirty="0" smtClean="0"/>
+              <a:t>Meaning of words</a:t>
+            </a:r>
+          </a:p>
+          <a:p>
+            <a:pPr lvl="1"/>
+            <a:r>
+              <a:rPr lang="en-US" dirty="0" smtClean="0"/>
+              <a:t>Relation between different meanings</a:t>
+            </a:r>
+          </a:p>
+          <a:p>
+            <a:pPr marL="514350" indent="-514350">
+              <a:buFont typeface="+mj-lt"/>
+              <a:buAutoNum type="arabicPeriod"/>
+            </a:pPr>
+            <a:r>
+              <a:rPr lang="en-US" dirty="0" smtClean="0"/>
+              <a:t>WordNet</a:t>
+            </a:r>
+          </a:p>
+          <a:p>
+            <a:pPr marL="804863" lvl="1" indent="-347663"/>
+            <a:r>
+              <a:rPr lang="en-US" dirty="0" smtClean="0"/>
+              <a:t>An ontology structure of word senses</a:t>
+            </a:r>
+          </a:p>
+          <a:p>
+            <a:pPr marL="804863" lvl="1" indent="-347663"/>
+            <a:r>
+              <a:rPr lang="en-US" dirty="0" smtClean="0"/>
+              <a:t>Similarity between words</a:t>
+            </a:r>
+          </a:p>
+          <a:p>
+            <a:pPr marL="571500" indent="-514350">
+              <a:buFont typeface="+mj-lt"/>
+              <a:buAutoNum type="arabicPeriod"/>
+            </a:pPr>
+            <a:r>
+              <a:rPr lang="en-US" dirty="0" smtClean="0"/>
+              <a:t>Distributional semantics</a:t>
+            </a:r>
+          </a:p>
+          <a:p>
+            <a:pPr marL="804863" lvl="1" indent="-347663"/>
+            <a:r>
+              <a:rPr lang="en-US" dirty="0" smtClean="0"/>
+              <a:t>Similarity between words</a:t>
+            </a:r>
+          </a:p>
+          <a:p>
+            <a:pPr marL="804863" lvl="1" indent="-347663"/>
+            <a:r>
+              <a:rPr lang="en-US" dirty="0" smtClean="0"/>
+              <a:t>Word sense disambiguation</a:t>
+            </a:r>
+            <a:endParaRPr lang="en-US" dirty="0"/>
+          </a:p>
+        </p:txBody>
+      </p:sp>
+      <p:sp>
+        <p:nvSpPr>
+          <p:cNvPr id="3" name="Date Placeholder 2"/>
+          <p:cNvSpPr>
+            <a:spLocks noGrp="1"/>
+          </p:cNvSpPr>
+          <p:nvPr>
+            <p:ph type="dt" sz="half" idx="10"/>
+          </p:nvPr>
+        </p:nvSpPr>
+        <p:spPr/>
+        <p:txBody>
+          <a:bodyPr/>
+          <a:lstStyle/>
+          <a:p>
+            <a:r>
+              <a:rPr lang="en-US" smtClean="0"/>
+              <a:t>CS@UVa</a:t>
+            </a:r>
+            <a:endParaRPr lang="en-US"/>
+          </a:p>
+        </p:txBody>
+      </p:sp>
+      <p:sp>
+        <p:nvSpPr>
+          <p:cNvPr id="4" name="Footer Placeholder 3"/>
+          <p:cNvSpPr>
+            <a:spLocks noGrp="1"/>
+          </p:cNvSpPr>
+          <p:nvPr>
+            <p:ph type="ftr" sz="quarter" idx="11"/>
+          </p:nvPr>
+        </p:nvSpPr>
+        <p:spPr/>
+        <p:txBody>
+          <a:bodyPr/>
+          <a:lstStyle/>
+          <a:p>
+            <a:r>
+              <a:rPr lang="en-US" smtClean="0"/>
+              <a:t>CS 6501: Text Mining</a:t>
+            </a:r>
+            <a:endParaRPr lang="en-US"/>
+          </a:p>
+        </p:txBody>
+      </p:sp>
+      <p:sp>
+        <p:nvSpPr>
+          <p:cNvPr id="5" name="Slide Number Placeholder 4"/>
+          <p:cNvSpPr>
+            <a:spLocks noGrp="1"/>
+          </p:cNvSpPr>
+          <p:nvPr>
+            <p:ph type="sldNum" sz="quarter" idx="12"/>
+          </p:nvPr>
+        </p:nvSpPr>
+        <p:spPr/>
+        <p:txBody>
+          <a:bodyPr/>
+          <a:lstStyle/>
+          <a:p>
+            <a:fld id="{2A9F8BE9-47C8-4C45-B88F-68A848B0515F}" type="slidenum">
+              <a:rPr lang="en-US" smtClean="0"/>
+              <a:t>2</a:t>
+            </a:fld>
+            <a:endParaRPr lang="en-US"/>
+          </a:p>
+        </p:txBody>
+      </p:sp>
+    </p:spTree>
+    <p:extLst>
+      <p:ext uri="{BB962C8B-B14F-4D97-AF65-F5344CB8AC3E}">
+        <p14:creationId xmlns:p14="http://schemas.microsoft.com/office/powerpoint/2010/main" val="1086884370"/>
+      </p:ext>
+    </p:extLst>
+  </p:cSld>
+  <p:clrMapOvr>
+    <a:masterClrMapping/>
+  </p:clrMapOvr>
+  <p:timing>
+    <p:tnLst>
+      <p:par>
+        <p:cTn id="1" dur="indefinite" restart="never" nodeType="tmRoot"/>
+      </p:par>
+    </p:tnLst>
+  </p:timing>
+</p:sld>
+</file>
+
+<file path=ppt/slides/slide20.xml><?xml version="1.0" encoding="utf-8"?>
+<p:sld xmlns:a="http://schemas.openxmlformats.org/drawingml/2006/main" xmlns:r="http://schemas.openxmlformats.org/officeDocument/2006/relationships" xmlns:p="http://schemas.openxmlformats.org/presentationml/2006/main">
+  <p:cSld>
+    <p:spTree>
+      <p:nvGrpSpPr>
+        <p:cNvPr id="1" name=""/>
+        <p:cNvGrpSpPr/>
+        <p:nvPr/>
+      </p:nvGrpSpPr>
+      <p:grpSpPr>
+        <a:xfrm>
+          <a:off x="0" y="0"/>
+          <a:ext cx="0" cy="0"/>
+          <a:chOff x="0" y="0"/>
+          <a:chExt cx="0" cy="0"/>
+        </a:xfrm>
+      </p:grpSpPr>
+      <p:sp>
+        <p:nvSpPr>
+          <p:cNvPr id="2" name="Title 1"/>
+          <p:cNvSpPr>
+            <a:spLocks noGrp="1"/>
+          </p:cNvSpPr>
+          <p:nvPr>
+            <p:ph type="title"/>
+          </p:nvPr>
+        </p:nvSpPr>
+        <p:spPr/>
+        <p:txBody>
+          <a:bodyPr>
+            <a:normAutofit/>
+          </a:bodyPr>
+          <a:lstStyle/>
+          <a:p>
+            <a:r>
+              <a:rPr lang="en-US" dirty="0" smtClean="0"/>
+              <a:t>Recap: WordNet</a:t>
+            </a:r>
+            <a:endParaRPr lang="en-US" dirty="0"/>
+          </a:p>
+        </p:txBody>
+      </p:sp>
+      <p:sp>
+        <p:nvSpPr>
+          <p:cNvPr id="3" name="Content Placeholder 2"/>
+          <p:cNvSpPr>
+            <a:spLocks noGrp="1"/>
+          </p:cNvSpPr>
+          <p:nvPr>
+            <p:ph idx="1"/>
+          </p:nvPr>
+        </p:nvSpPr>
+        <p:spPr/>
+        <p:txBody>
+          <a:bodyPr/>
+          <a:lstStyle/>
+          <a:p>
+            <a:pPr marL="404813" indent="-347663"/>
+            <a:r>
+              <a:rPr lang="en-US" sz="3600" dirty="0"/>
+              <a:t>An ontology structure of word </a:t>
+            </a:r>
+            <a:r>
+              <a:rPr lang="en-US" sz="3600" dirty="0" smtClean="0"/>
+              <a:t>senses</a:t>
+            </a:r>
+          </a:p>
+          <a:p>
+            <a:pPr marL="804863" lvl="1" indent="-347663"/>
+            <a:r>
+              <a:rPr lang="en-US" dirty="0" smtClean="0"/>
+              <a:t>Nodes on the graph: </a:t>
+            </a:r>
+            <a:r>
+              <a:rPr lang="en-US" dirty="0"/>
+              <a:t>synonym </a:t>
+            </a:r>
+            <a:r>
+              <a:rPr lang="en-US" dirty="0" smtClean="0"/>
+              <a:t>sets</a:t>
+            </a:r>
+          </a:p>
+          <a:p>
+            <a:pPr marL="804863" lvl="1" indent="-347663"/>
+            <a:r>
+              <a:rPr lang="en-US" dirty="0"/>
+              <a:t>Conceptual-semantic relations</a:t>
+            </a:r>
+          </a:p>
+          <a:p>
+            <a:pPr marL="804863" lvl="1" indent="-347663"/>
+            <a:r>
+              <a:rPr lang="en-US" dirty="0" smtClean="0"/>
+              <a:t>Similarity</a:t>
+            </a:r>
+          </a:p>
+          <a:p>
+            <a:pPr marL="1204913" lvl="2" indent="-347663"/>
+            <a:r>
+              <a:rPr lang="en-US" dirty="0"/>
+              <a:t>Shortest path between two </a:t>
+            </a:r>
+            <a:r>
+              <a:rPr lang="en-US" dirty="0" smtClean="0"/>
+              <a:t>concepts</a:t>
+            </a:r>
+          </a:p>
+          <a:p>
+            <a:pPr marL="1204913" lvl="2" indent="-347663"/>
+            <a:r>
+              <a:rPr lang="en-US" dirty="0"/>
+              <a:t>Path length to the root node from the least common </a:t>
+            </a:r>
+            <a:r>
+              <a:rPr lang="en-US" dirty="0" err="1"/>
+              <a:t>subsumer</a:t>
+            </a:r>
+            <a:r>
+              <a:rPr lang="en-US" dirty="0"/>
+              <a:t> (LCS) of the two concepts </a:t>
+            </a:r>
+            <a:endParaRPr lang="en-US" dirty="0" smtClean="0"/>
+          </a:p>
+          <a:p>
+            <a:pPr marL="1204913" lvl="2" indent="-347663"/>
+            <a:endParaRPr lang="en-US" dirty="0" smtClean="0"/>
+          </a:p>
+          <a:p>
+            <a:pPr marL="1204913" lvl="2" indent="-347663"/>
+            <a:endParaRPr lang="en-US" dirty="0" smtClean="0"/>
+          </a:p>
+          <a:p>
+            <a:pPr marL="804863" lvl="1" indent="-347663"/>
+            <a:endParaRPr lang="en-US" dirty="0" smtClean="0"/>
+          </a:p>
+          <a:p>
+            <a:pPr marL="804863" lvl="1" indent="-347663"/>
+            <a:endParaRPr lang="en-US" dirty="0"/>
+          </a:p>
+          <a:p>
+            <a:pPr lvl="3"/>
+            <a:endParaRPr lang="en-US" dirty="0" smtClean="0"/>
+          </a:p>
+          <a:p>
+            <a:pPr lvl="3"/>
+            <a:endParaRPr lang="en-US" dirty="0" smtClean="0"/>
+          </a:p>
+          <a:p>
+            <a:pPr lvl="3"/>
+            <a:endParaRPr lang="en-US" dirty="0"/>
+          </a:p>
+        </p:txBody>
+      </p:sp>
+      <p:sp>
+        <p:nvSpPr>
+          <p:cNvPr id="4" name="Date Placeholder 3"/>
+          <p:cNvSpPr>
+            <a:spLocks noGrp="1"/>
+          </p:cNvSpPr>
+          <p:nvPr>
+            <p:ph type="dt" sz="half" idx="10"/>
+          </p:nvPr>
+        </p:nvSpPr>
+        <p:spPr/>
+        <p:txBody>
+          <a:bodyPr/>
+          <a:lstStyle/>
+          <a:p>
+            <a:r>
+              <a:rPr lang="en-US" smtClean="0"/>
+              <a:t>CS@UVa</a:t>
+            </a:r>
+            <a:endParaRPr lang="en-US"/>
+          </a:p>
+        </p:txBody>
+      </p:sp>
+      <p:sp>
+        <p:nvSpPr>
+          <p:cNvPr id="5" name="Footer Placeholder 4"/>
+          <p:cNvSpPr>
+            <a:spLocks noGrp="1"/>
+          </p:cNvSpPr>
+          <p:nvPr>
+            <p:ph type="ftr" sz="quarter" idx="11"/>
+          </p:nvPr>
+        </p:nvSpPr>
+        <p:spPr/>
+        <p:txBody>
+          <a:bodyPr/>
+          <a:lstStyle/>
+          <a:p>
+            <a:r>
+              <a:rPr lang="en-US" smtClean="0"/>
+              <a:t>CS 6501: Text Mining</a:t>
+            </a:r>
+            <a:endParaRPr lang="en-US"/>
+          </a:p>
+        </p:txBody>
+      </p:sp>
+      <p:sp>
+        <p:nvSpPr>
+          <p:cNvPr id="6" name="Slide Number Placeholder 5"/>
+          <p:cNvSpPr>
+            <a:spLocks noGrp="1"/>
+          </p:cNvSpPr>
+          <p:nvPr>
+            <p:ph type="sldNum" sz="quarter" idx="12"/>
+          </p:nvPr>
+        </p:nvSpPr>
+        <p:spPr/>
+        <p:txBody>
+          <a:bodyPr/>
+          <a:lstStyle/>
+          <a:p>
+            <a:fld id="{C76E115C-33BC-45ED-8DBD-F9FA6141D6D2}" type="slidenum">
+              <a:rPr lang="en-US" smtClean="0"/>
+              <a:t>20</a:t>
+            </a:fld>
+            <a:endParaRPr lang="en-US"/>
+          </a:p>
+        </p:txBody>
+      </p:sp>
+    </p:spTree>
+    <p:extLst>
+      <p:ext uri="{BB962C8B-B14F-4D97-AF65-F5344CB8AC3E}">
+        <p14:creationId xmlns:p14="http://schemas.microsoft.com/office/powerpoint/2010/main" val="1405440498"/>
+      </p:ext>
+    </p:extLst>
+  </p:cSld>
+  <p:clrMapOvr>
+    <a:masterClrMapping/>
+  </p:clrMapOvr>
+</p:sld>
+</file>
+
+<file path=ppt/slides/slide21.xml><?xml version="1.0" encoding="utf-8"?>
+<p:sld xmlns:a="http://schemas.openxmlformats.org/drawingml/2006/main" xmlns:r="http://schemas.openxmlformats.org/officeDocument/2006/relationships" xmlns:p="http://schemas.openxmlformats.org/presentationml/2006/main">
+  <p:cSld>
+    <p:spTree>
+      <p:nvGrpSpPr>
+        <p:cNvPr id="1" name=""/>
+        <p:cNvGrpSpPr/>
+        <p:nvPr/>
+      </p:nvGrpSpPr>
+      <p:grpSpPr>
+        <a:xfrm>
+          <a:off x="0" y="0"/>
+          <a:ext cx="0" cy="0"/>
+          <a:chOff x="0" y="0"/>
+          <a:chExt cx="0" cy="0"/>
+        </a:xfrm>
+      </p:grpSpPr>
+      <p:sp>
+        <p:nvSpPr>
+          <p:cNvPr id="2" name="Title 1"/>
+          <p:cNvSpPr>
+            <a:spLocks noGrp="1"/>
+          </p:cNvSpPr>
+          <p:nvPr>
+            <p:ph type="title"/>
+          </p:nvPr>
+        </p:nvSpPr>
+        <p:spPr/>
+        <p:txBody>
           <a:bodyPr/>
           <a:lstStyle/>
           <a:p>
@@ -8014,7 +8714,7 @@
           <a:p>
             <a:fld id="{C76E115C-33BC-45ED-8DBD-F9FA6141D6D2}" type="slidenum">
               <a:rPr lang="en-US" smtClean="0"/>
-              <a:t>19</a:t>
+              <a:t>21</a:t>
             </a:fld>
             <a:endParaRPr lang="en-US"/>
           </a:p>
@@ -8388,7 +9088,7 @@
 </p:sld>
 </file>
 
-<file path=ppt/slides/slide2.xml><?xml version="1.0" encoding="utf-8"?>
+<file path=ppt/slides/slide22.xml><?xml version="1.0" encoding="utf-8"?>
 <p:sld xmlns:a="http://schemas.openxmlformats.org/drawingml/2006/main" xmlns:r="http://schemas.openxmlformats.org/officeDocument/2006/relationships" xmlns:p="http://schemas.openxmlformats.org/presentationml/2006/main">
   <p:cSld>
     <p:spTree>
@@ -8407,226 +9107,6 @@
       </p:grpSpPr>
       <p:sp>
         <p:nvSpPr>
-          <p:cNvPr id="6" name="Title 5"/>
-          <p:cNvSpPr>
-            <a:spLocks noGrp="1"/>
-          </p:cNvSpPr>
-          <p:nvPr>
-            <p:ph type="title"/>
-          </p:nvPr>
-        </p:nvSpPr>
-        <p:spPr/>
-        <p:txBody>
-          <a:bodyPr/>
-          <a:lstStyle/>
-          <a:p>
-            <a:r>
-              <a:rPr lang="en-US" dirty="0" smtClean="0"/>
-              <a:t>Today’s lecture</a:t>
-            </a:r>
-            <a:endParaRPr lang="en-US" dirty="0"/>
-          </a:p>
-        </p:txBody>
-      </p:sp>
-      <p:sp>
-        <p:nvSpPr>
-          <p:cNvPr id="7" name="Content Placeholder 6"/>
-          <p:cNvSpPr>
-            <a:spLocks noGrp="1"/>
-          </p:cNvSpPr>
-          <p:nvPr>
-            <p:ph idx="1"/>
-          </p:nvPr>
-        </p:nvSpPr>
-        <p:spPr/>
-        <p:txBody>
-          <a:bodyPr>
-            <a:normAutofit lnSpcReduction="10000"/>
-          </a:bodyPr>
-          <a:lstStyle/>
-          <a:p>
-            <a:pPr marL="514350" indent="-514350">
-              <a:buFont typeface="+mj-lt"/>
-              <a:buAutoNum type="arabicPeriod"/>
-            </a:pPr>
-            <a:r>
-              <a:rPr lang="en-US" dirty="0" smtClean="0"/>
-              <a:t>Lexical semantics</a:t>
-            </a:r>
-          </a:p>
-          <a:p>
-            <a:pPr lvl="1"/>
-            <a:r>
-              <a:rPr lang="en-US" dirty="0" smtClean="0"/>
-              <a:t>Meaning of words</a:t>
-            </a:r>
-          </a:p>
-          <a:p>
-            <a:pPr lvl="1"/>
-            <a:r>
-              <a:rPr lang="en-US" dirty="0" smtClean="0"/>
-              <a:t>Relation between different meanings</a:t>
-            </a:r>
-          </a:p>
-          <a:p>
-            <a:pPr marL="514350" indent="-514350">
-              <a:buFont typeface="+mj-lt"/>
-              <a:buAutoNum type="arabicPeriod"/>
-            </a:pPr>
-            <a:r>
-              <a:rPr lang="en-US" dirty="0" smtClean="0"/>
-              <a:t>WordNet</a:t>
-            </a:r>
-          </a:p>
-          <a:p>
-            <a:pPr marL="804863" lvl="1" indent="-347663"/>
-            <a:r>
-              <a:rPr lang="en-US" dirty="0" smtClean="0"/>
-              <a:t>An ontology structure of word senses</a:t>
-            </a:r>
-          </a:p>
-          <a:p>
-            <a:pPr marL="804863" lvl="1" indent="-347663"/>
-            <a:r>
-              <a:rPr lang="en-US" dirty="0" smtClean="0"/>
-              <a:t>Similarity between words</a:t>
-            </a:r>
-          </a:p>
-          <a:p>
-            <a:pPr marL="571500" indent="-514350">
-              <a:buFont typeface="+mj-lt"/>
-              <a:buAutoNum type="arabicPeriod"/>
-            </a:pPr>
-            <a:r>
-              <a:rPr lang="en-US" dirty="0" smtClean="0"/>
-              <a:t>Distributional semantics</a:t>
-            </a:r>
-          </a:p>
-          <a:p>
-            <a:pPr marL="804863" lvl="1" indent="-347663"/>
-            <a:r>
-              <a:rPr lang="en-US" dirty="0" smtClean="0"/>
-              <a:t>Similarity between words</a:t>
-            </a:r>
-          </a:p>
-          <a:p>
-            <a:pPr marL="804863" lvl="1" indent="-347663"/>
-            <a:r>
-              <a:rPr lang="en-US" dirty="0" smtClean="0"/>
-              <a:t>Word sense disambiguation</a:t>
-            </a:r>
-            <a:endParaRPr lang="en-US" dirty="0"/>
-          </a:p>
-        </p:txBody>
-      </p:sp>
-      <p:sp>
-        <p:nvSpPr>
-          <p:cNvPr id="3" name="Date Placeholder 2"/>
-          <p:cNvSpPr>
-            <a:spLocks noGrp="1"/>
-          </p:cNvSpPr>
-          <p:nvPr>
-            <p:ph type="dt" sz="half" idx="10"/>
-          </p:nvPr>
-        </p:nvSpPr>
-        <p:spPr/>
-        <p:txBody>
-          <a:bodyPr/>
-          <a:lstStyle/>
-          <a:p>
-            <a:r>
-              <a:rPr lang="en-US" smtClean="0"/>
-              <a:t>CS@UVa</a:t>
-            </a:r>
-            <a:endParaRPr lang="en-US"/>
-          </a:p>
-        </p:txBody>
-      </p:sp>
-      <p:sp>
-        <p:nvSpPr>
-          <p:cNvPr id="4" name="Footer Placeholder 3"/>
-          <p:cNvSpPr>
-            <a:spLocks noGrp="1"/>
-          </p:cNvSpPr>
-          <p:nvPr>
-            <p:ph type="ftr" sz="quarter" idx="11"/>
-          </p:nvPr>
-        </p:nvSpPr>
-        <p:spPr/>
-        <p:txBody>
-          <a:bodyPr/>
-          <a:lstStyle/>
-          <a:p>
-            <a:r>
-              <a:rPr lang="en-US" smtClean="0"/>
-              <a:t>CS 6501: Text Mining</a:t>
-            </a:r>
-            <a:endParaRPr lang="en-US"/>
-          </a:p>
-        </p:txBody>
-      </p:sp>
-      <p:sp>
-        <p:nvSpPr>
-          <p:cNvPr id="5" name="Slide Number Placeholder 4"/>
-          <p:cNvSpPr>
-            <a:spLocks noGrp="1"/>
-          </p:cNvSpPr>
-          <p:nvPr>
-            <p:ph type="sldNum" sz="quarter" idx="12"/>
-          </p:nvPr>
-        </p:nvSpPr>
-        <p:spPr/>
-        <p:txBody>
-          <a:bodyPr/>
-          <a:lstStyle/>
-          <a:p>
-            <a:fld id="{2A9F8BE9-47C8-4C45-B88F-68A848B0515F}" type="slidenum">
-              <a:rPr lang="en-US" smtClean="0"/>
-              <a:t>2</a:t>
-            </a:fld>
-            <a:endParaRPr lang="en-US"/>
-          </a:p>
-        </p:txBody>
-      </p:sp>
-    </p:spTree>
-    <p:extLst>
-      <p:ext uri="{BB962C8B-B14F-4D97-AF65-F5344CB8AC3E}">
-        <p14:creationId xmlns:p14="http://schemas.microsoft.com/office/powerpoint/2010/main" val="1086884370"/>
-      </p:ext>
-    </p:extLst>
-  </p:cSld>
-  <p:clrMapOvr>
-    <a:masterClrMapping/>
-  </p:clrMapOvr>
-  <p:timing>
-    <p:tnLst>
-      <p:par>
-        <p:cTn id="1" dur="indefinite" restart="never" nodeType="tmRoot"/>
-      </p:par>
-    </p:tnLst>
-  </p:timing>
-</p:sld>
-</file>
-
-<file path=ppt/slides/slide20.xml><?xml version="1.0" encoding="utf-8"?>
-<p:sld xmlns:a="http://schemas.openxmlformats.org/drawingml/2006/main" xmlns:r="http://schemas.openxmlformats.org/officeDocument/2006/relationships" xmlns:p="http://schemas.openxmlformats.org/presentationml/2006/main">
-  <p:cSld>
-    <p:spTree>
-      <p:nvGrpSpPr>
-        <p:cNvPr id="1" name=""/>
-        <p:cNvGrpSpPr/>
-        <p:nvPr/>
-      </p:nvGrpSpPr>
-      <p:grpSpPr>
-        <a:xfrm>
-          <a:off x="0" y="0"/>
-          <a:ext cx="0" cy="0"/>
-          <a:chOff x="0" y="0"/>
-          <a:chExt cx="0" cy="0"/>
-        </a:xfrm>
-      </p:grpSpPr>
-      <p:sp>
-        <p:nvSpPr>
           <p:cNvPr id="2" name="Title 1"/>
           <p:cNvSpPr>
             <a:spLocks noGrp="1"/>
@@ -8648,8 +9128,8 @@
           </a:p>
         </p:txBody>
       </p:sp>
-      <mc:AlternateContent xmlns:mc="http://schemas.openxmlformats.org/markup-compatibility/2006" xmlns:a14="http://schemas.microsoft.com/office/drawing/2010/main">
-        <mc:Choice Requires="a14">
+      <mc:AlternateContent xmlns:mc="http://schemas.openxmlformats.org/markup-compatibility/2006">
+        <mc:Choice xmlns:a14="http://schemas.microsoft.com/office/drawing/2010/main" Requires="a14">
           <p:sp>
             <p:nvSpPr>
               <p:cNvPr id="3" name="Content Placeholder 2"/>
@@ -8870,7 +9350,15 @@
                 </a:r>
                 <a:r>
                   <a:rPr lang="en-US" dirty="0" smtClean="0"/>
-                  <a:t>the corpus but too frequent (i.e., avoid </a:t>
+                  <a:t>the corpus but </a:t>
+                </a:r>
+                <a:r>
+                  <a:rPr lang="en-US" dirty="0" smtClean="0"/>
+                  <a:t>not too </a:t>
+                </a:r>
+                <a:r>
+                  <a:rPr lang="en-US" dirty="0" smtClean="0"/>
+                  <a:t>frequent (i.e., avoid </a:t>
                 </a:r>
                 <a:r>
                   <a:rPr lang="en-US" dirty="0" err="1" smtClean="0"/>
@@ -9007,7 +9495,7 @@
             </p:txBody>
           </p:sp>
         </mc:Choice>
-        <mc:Fallback xmlns="">
+        <mc:Fallback>
           <p:sp>
             <p:nvSpPr>
               <p:cNvPr id="3" name="Content Placeholder 2"/>
@@ -9108,7 +9596,7 @@
           <a:p>
             <a:fld id="{C76E115C-33BC-45ED-8DBD-F9FA6141D6D2}" type="slidenum">
               <a:rPr lang="en-US" smtClean="0"/>
-              <a:t>20</a:t>
+              <a:t>22</a:t>
             </a:fld>
             <a:endParaRPr lang="en-US"/>
           </a:p>
@@ -9642,7 +10130,7 @@
 </p:sld>
 </file>
 
-<file path=ppt/slides/slide21.xml><?xml version="1.0" encoding="utf-8"?>
+<file path=ppt/slides/slide23.xml><?xml version="1.0" encoding="utf-8"?>
 <p:sld xmlns:a="http://schemas.openxmlformats.org/drawingml/2006/main" xmlns:r="http://schemas.openxmlformats.org/officeDocument/2006/relationships" xmlns:p="http://schemas.openxmlformats.org/presentationml/2006/main">
   <p:cSld>
     <p:spTree>
@@ -10094,7 +10582,7 @@
           <a:p>
             <a:fld id="{C76E115C-33BC-45ED-8DBD-F9FA6141D6D2}" type="slidenum">
               <a:rPr lang="en-US" smtClean="0"/>
-              <a:t>21</a:t>
+              <a:t>23</a:t>
             </a:fld>
             <a:endParaRPr lang="en-US"/>
           </a:p>
@@ -10161,7 +10649,7 @@
 </p:sld>
 </file>
 
-<file path=ppt/slides/slide22.xml><?xml version="1.0" encoding="utf-8"?>
+<file path=ppt/slides/slide24.xml><?xml version="1.0" encoding="utf-8"?>
 <p:sld xmlns:a="http://schemas.openxmlformats.org/drawingml/2006/main" xmlns:r="http://schemas.openxmlformats.org/officeDocument/2006/relationships" xmlns:p="http://schemas.openxmlformats.org/presentationml/2006/main">
   <p:cSld>
     <p:spTree>
@@ -10568,7 +11056,7 @@
           <a:p>
             <a:fld id="{C76E115C-33BC-45ED-8DBD-F9FA6141D6D2}" type="slidenum">
               <a:rPr lang="en-US" smtClean="0"/>
-              <a:t>22</a:t>
+              <a:t>24</a:t>
             </a:fld>
             <a:endParaRPr lang="en-US"/>
           </a:p>
@@ -10588,36 +11076,106 @@
             <a:chExt cx="2582334" cy="1080514"/>
           </a:xfrm>
         </p:grpSpPr>
-        <p:sp>
-          <p:nvSpPr>
-            <p:cNvPr id="9" name="TextBox 8"/>
-            <p:cNvSpPr txBox="1"/>
-            <p:nvPr/>
-          </p:nvSpPr>
-          <p:spPr>
-            <a:xfrm>
-              <a:off x="1375833" y="3863183"/>
-              <a:ext cx="2582334" cy="646331"/>
-            </a:xfrm>
-            <a:prstGeom prst="rect">
-              <a:avLst/>
-            </a:prstGeom>
-            <a:noFill/>
-          </p:spPr>
-          <p:txBody>
-            <a:bodyPr wrap="square" rtlCol="0">
-              <a:spAutoFit/>
-            </a:bodyPr>
-            <a:lstStyle/>
-            <a:p>
-              <a:r>
-                <a:rPr lang="en-US" i="1" dirty="0" smtClean="0"/>
-                <a:t>How often w and c co-occur inside a window</a:t>
-              </a:r>
-              <a:endParaRPr lang="en-US" i="1" dirty="0"/>
-            </a:p>
-          </p:txBody>
-        </p:sp>
+        <mc:AlternateContent xmlns:mc="http://schemas.openxmlformats.org/markup-compatibility/2006">
+          <mc:Choice xmlns:a14="http://schemas.microsoft.com/office/drawing/2010/main" Requires="a14">
+            <p:sp>
+              <p:nvSpPr>
+                <p:cNvPr id="9" name="TextBox 8"/>
+                <p:cNvSpPr txBox="1"/>
+                <p:nvPr/>
+              </p:nvSpPr>
+              <p:spPr>
+                <a:xfrm>
+                  <a:off x="1375833" y="3863183"/>
+                  <a:ext cx="2582334" cy="646331"/>
+                </a:xfrm>
+                <a:prstGeom prst="rect">
+                  <a:avLst/>
+                </a:prstGeom>
+                <a:noFill/>
+              </p:spPr>
+              <p:txBody>
+                <a:bodyPr wrap="square" rtlCol="0">
+                  <a:spAutoFit/>
+                </a:bodyPr>
+                <a:lstStyle/>
+                <a:p>
+                  <a:r>
+                    <a:rPr lang="en-US" i="1" dirty="0" smtClean="0"/>
+                    <a:t>How often </a:t>
+                  </a:r>
+                  <a14:m>
+                    <m:oMath xmlns:m="http://schemas.openxmlformats.org/officeDocument/2006/math">
+                      <m:r>
+                        <a:rPr lang="en-US" i="1" dirty="0" smtClean="0">
+                          <a:latin typeface="Cambria Math" panose="02040503050406030204" pitchFamily="18" charset="0"/>
+                        </a:rPr>
+                        <m:t>𝑤</m:t>
+                      </m:r>
+                    </m:oMath>
+                  </a14:m>
+                  <a:r>
+                    <a:rPr lang="en-US" i="1" dirty="0" smtClean="0"/>
+                    <a:t> and </a:t>
+                  </a:r>
+                  <a14:m>
+                    <m:oMath xmlns:m="http://schemas.openxmlformats.org/officeDocument/2006/math">
+                      <m:r>
+                        <a:rPr lang="en-US" i="1" dirty="0" smtClean="0">
+                          <a:latin typeface="Cambria Math" panose="02040503050406030204" pitchFamily="18" charset="0"/>
+                        </a:rPr>
+                        <m:t>𝑐</m:t>
+                      </m:r>
+                    </m:oMath>
+                  </a14:m>
+                  <a:r>
+                    <a:rPr lang="en-US" i="1" dirty="0" smtClean="0"/>
+                    <a:t> co-occur inside a window</a:t>
+                  </a:r>
+                  <a:endParaRPr lang="en-US" i="1" dirty="0"/>
+                </a:p>
+              </p:txBody>
+            </p:sp>
+          </mc:Choice>
+          <mc:Fallback>
+            <p:sp>
+              <p:nvSpPr>
+                <p:cNvPr id="9" name="TextBox 8"/>
+                <p:cNvSpPr txBox="1">
+                  <a:spLocks noRot="1" noChangeAspect="1" noMove="1" noResize="1" noEditPoints="1" noAdjustHandles="1" noChangeArrowheads="1" noChangeShapeType="1" noTextEdit="1"/>
+                </p:cNvSpPr>
+                <p:nvPr/>
+              </p:nvSpPr>
+              <p:spPr>
+                <a:xfrm>
+                  <a:off x="1375833" y="3863183"/>
+                  <a:ext cx="2582334" cy="646331"/>
+                </a:xfrm>
+                <a:prstGeom prst="rect">
+                  <a:avLst/>
+                </a:prstGeom>
+                <a:blipFill rotWithShape="0">
+                  <a:blip r:embed="rId3"/>
+                  <a:stretch>
+                    <a:fillRect l="-2128" t="-5660" b="-14151"/>
+                  </a:stretch>
+                </a:blipFill>
+              </p:spPr>
+              <p:txBody>
+                <a:bodyPr/>
+                <a:lstStyle/>
+                <a:p>
+                  <a:r>
+                    <a:rPr lang="en-US">
+                      <a:noFill/>
+                    </a:rPr>
+                    <a:t> </a:t>
+                  </a:r>
+                </a:p>
+              </p:txBody>
+            </p:sp>
+          </mc:Fallback>
+        </mc:AlternateContent>
         <p:cxnSp>
           <p:nvCxnSpPr>
             <p:cNvPr id="11" name="Straight Arrow Connector 10"/>
@@ -10671,36 +11229,92 @@
             <a:chExt cx="2082801" cy="744248"/>
           </a:xfrm>
         </p:grpSpPr>
-        <p:sp>
-          <p:nvSpPr>
-            <p:cNvPr id="7" name="TextBox 6"/>
-            <p:cNvSpPr txBox="1"/>
-            <p:nvPr/>
-          </p:nvSpPr>
-          <p:spPr>
-            <a:xfrm>
-              <a:off x="3786714" y="3863183"/>
-              <a:ext cx="2082801" cy="369332"/>
-            </a:xfrm>
-            <a:prstGeom prst="rect">
-              <a:avLst/>
-            </a:prstGeom>
-            <a:noFill/>
-          </p:spPr>
-          <p:txBody>
-            <a:bodyPr wrap="square" rtlCol="0">
-              <a:spAutoFit/>
-            </a:bodyPr>
-            <a:lstStyle/>
-            <a:p>
-              <a:r>
-                <a:rPr lang="en-US" dirty="0" smtClean="0"/>
-                <a:t>How often w occurs</a:t>
-              </a:r>
-              <a:endParaRPr lang="en-US" dirty="0"/>
-            </a:p>
-          </p:txBody>
-        </p:sp>
+        <mc:AlternateContent xmlns:mc="http://schemas.openxmlformats.org/markup-compatibility/2006">
+          <mc:Choice xmlns:a14="http://schemas.microsoft.com/office/drawing/2010/main" Requires="a14">
+            <p:sp>
+              <p:nvSpPr>
+                <p:cNvPr id="7" name="TextBox 6"/>
+                <p:cNvSpPr txBox="1"/>
+                <p:nvPr/>
+              </p:nvSpPr>
+              <p:spPr>
+                <a:xfrm>
+                  <a:off x="3786714" y="3863183"/>
+                  <a:ext cx="2082801" cy="369332"/>
+                </a:xfrm>
+                <a:prstGeom prst="rect">
+                  <a:avLst/>
+                </a:prstGeom>
+                <a:noFill/>
+              </p:spPr>
+              <p:txBody>
+                <a:bodyPr wrap="square" rtlCol="0">
+                  <a:spAutoFit/>
+                </a:bodyPr>
+                <a:lstStyle/>
+                <a:p>
+                  <a:r>
+                    <a:rPr lang="en-US" dirty="0" smtClean="0"/>
+                    <a:t>How often </a:t>
+                  </a:r>
+                  <a14:m>
+                    <m:oMath xmlns:m="http://schemas.openxmlformats.org/officeDocument/2006/math">
+                      <m:r>
+                        <a:rPr lang="en-US" i="1" dirty="0" smtClean="0">
+                          <a:latin typeface="Cambria Math" panose="02040503050406030204" pitchFamily="18" charset="0"/>
+                        </a:rPr>
+                        <m:t>𝑤</m:t>
+                      </m:r>
+                    </m:oMath>
+                  </a14:m>
+                  <a:r>
+                    <a:rPr lang="en-US" dirty="0" smtClean="0"/>
+                    <a:t> occurs</a:t>
+                  </a:r>
+                  <a:endParaRPr lang="en-US" dirty="0"/>
+                </a:p>
+              </p:txBody>
+            </p:sp>
+          </mc:Choice>
+          <mc:Fallback>
+            <p:sp>
+              <p:nvSpPr>
+                <p:cNvPr id="7" name="TextBox 6"/>
+                <p:cNvSpPr txBox="1">
+                  <a:spLocks noRot="1" noChangeAspect="1" noMove="1" noResize="1" noEditPoints="1" noAdjustHandles="1" noChangeArrowheads="1" noChangeShapeType="1" noTextEdit="1"/>
+                </p:cNvSpPr>
+                <p:nvPr/>
+              </p:nvSpPr>
+              <p:spPr>
+                <a:xfrm>
+                  <a:off x="3786714" y="3863183"/>
+                  <a:ext cx="2082801" cy="369332"/>
+                </a:xfrm>
+                <a:prstGeom prst="rect">
+                  <a:avLst/>
+                </a:prstGeom>
+                <a:blipFill rotWithShape="0">
+                  <a:blip r:embed="rId4"/>
+                  <a:stretch>
+                    <a:fillRect l="-2632" t="-10000" r="-585" b="-26667"/>
+                  </a:stretch>
+                </a:blipFill>
+              </p:spPr>
+              <p:txBody>
+                <a:bodyPr/>
+                <a:lstStyle/>
+                <a:p>
+                  <a:r>
+                    <a:rPr lang="en-US">
+                      <a:noFill/>
+                    </a:rPr>
+                    <a:t> </a:t>
+                  </a:r>
+                </a:p>
+              </p:txBody>
+            </p:sp>
+          </mc:Fallback>
+        </mc:AlternateContent>
         <p:cxnSp>
           <p:nvCxnSpPr>
             <p:cNvPr id="12" name="Straight Arrow Connector 11"/>
@@ -10754,36 +11368,92 @@
             <a:chExt cx="2082801" cy="744248"/>
           </a:xfrm>
         </p:grpSpPr>
-        <p:sp>
-          <p:nvSpPr>
-            <p:cNvPr id="8" name="TextBox 7"/>
-            <p:cNvSpPr txBox="1"/>
-            <p:nvPr/>
-          </p:nvSpPr>
-          <p:spPr>
-            <a:xfrm>
-              <a:off x="5867399" y="3863183"/>
-              <a:ext cx="2082801" cy="369332"/>
-            </a:xfrm>
-            <a:prstGeom prst="rect">
-              <a:avLst/>
-            </a:prstGeom>
-            <a:noFill/>
-          </p:spPr>
-          <p:txBody>
-            <a:bodyPr wrap="square" rtlCol="0">
-              <a:spAutoFit/>
-            </a:bodyPr>
-            <a:lstStyle/>
-            <a:p>
-              <a:r>
-                <a:rPr lang="en-US" dirty="0" smtClean="0"/>
-                <a:t>How often c occurs</a:t>
-              </a:r>
-              <a:endParaRPr lang="en-US" dirty="0"/>
-            </a:p>
-          </p:txBody>
-        </p:sp>
+        <mc:AlternateContent xmlns:mc="http://schemas.openxmlformats.org/markup-compatibility/2006">
+          <mc:Choice xmlns:a14="http://schemas.microsoft.com/office/drawing/2010/main" Requires="a14">
+            <p:sp>
+              <p:nvSpPr>
+                <p:cNvPr id="8" name="TextBox 7"/>
+                <p:cNvSpPr txBox="1"/>
+                <p:nvPr/>
+              </p:nvSpPr>
+              <p:spPr>
+                <a:xfrm>
+                  <a:off x="5867399" y="3863183"/>
+                  <a:ext cx="2082801" cy="369332"/>
+                </a:xfrm>
+                <a:prstGeom prst="rect">
+                  <a:avLst/>
+                </a:prstGeom>
+                <a:noFill/>
+              </p:spPr>
+              <p:txBody>
+                <a:bodyPr wrap="square" rtlCol="0">
+                  <a:spAutoFit/>
+                </a:bodyPr>
+                <a:lstStyle/>
+                <a:p>
+                  <a:r>
+                    <a:rPr lang="en-US" dirty="0" smtClean="0"/>
+                    <a:t>How often </a:t>
+                  </a:r>
+                  <a14:m>
+                    <m:oMath xmlns:m="http://schemas.openxmlformats.org/officeDocument/2006/math">
+                      <m:r>
+                        <a:rPr lang="en-US" i="1" dirty="0" smtClean="0">
+                          <a:latin typeface="Cambria Math" panose="02040503050406030204" pitchFamily="18" charset="0"/>
+                        </a:rPr>
+                        <m:t>𝑐</m:t>
+                      </m:r>
+                    </m:oMath>
+                  </a14:m>
+                  <a:r>
+                    <a:rPr lang="en-US" dirty="0" smtClean="0"/>
+                    <a:t> occurs</a:t>
+                  </a:r>
+                  <a:endParaRPr lang="en-US" dirty="0"/>
+                </a:p>
+              </p:txBody>
+            </p:sp>
+          </mc:Choice>
+          <mc:Fallback>
+            <p:sp>
+              <p:nvSpPr>
+                <p:cNvPr id="8" name="TextBox 7"/>
+                <p:cNvSpPr txBox="1">
+                  <a:spLocks noRot="1" noChangeAspect="1" noMove="1" noResize="1" noEditPoints="1" noAdjustHandles="1" noChangeArrowheads="1" noChangeShapeType="1" noTextEdit="1"/>
+                </p:cNvSpPr>
+                <p:nvPr/>
+              </p:nvSpPr>
+              <p:spPr>
+                <a:xfrm>
+                  <a:off x="5867399" y="3863183"/>
+                  <a:ext cx="2082801" cy="369332"/>
+                </a:xfrm>
+                <a:prstGeom prst="rect">
+                  <a:avLst/>
+                </a:prstGeom>
+                <a:blipFill rotWithShape="0">
+                  <a:blip r:embed="rId5"/>
+                  <a:stretch>
+                    <a:fillRect l="-2339" t="-10000" b="-26667"/>
+                  </a:stretch>
+                </a:blipFill>
+              </p:spPr>
+              <p:txBody>
+                <a:bodyPr/>
+                <a:lstStyle/>
+                <a:p>
+                  <a:r>
+                    <a:rPr lang="en-US">
+                      <a:noFill/>
+                    </a:rPr>
+                    <a:t> </a:t>
+                  </a:r>
+                </a:p>
+              </p:txBody>
+            </p:sp>
+          </mc:Fallback>
+        </mc:AlternateContent>
         <p:cxnSp>
           <p:nvCxnSpPr>
             <p:cNvPr id="16" name="Straight Arrow Connector 15"/>
@@ -11274,7 +11944,7 @@
 </p:sld>
 </file>
 
-<file path=ppt/slides/slide23.xml><?xml version="1.0" encoding="utf-8"?>
+<file path=ppt/slides/slide25.xml><?xml version="1.0" encoding="utf-8"?>
 <p:sld xmlns:a="http://schemas.openxmlformats.org/drawingml/2006/main" xmlns:r="http://schemas.openxmlformats.org/officeDocument/2006/relationships" xmlns:p="http://schemas.openxmlformats.org/presentationml/2006/main">
   <p:cSld>
     <p:spTree>
@@ -11415,7 +12085,15 @@
           <a:p>
             <a:r>
               <a:rPr lang="en-US" dirty="0"/>
-              <a:t>Word Sense Disambiguation (WSD</a:t>
+              <a:t>Word </a:t>
+            </a:r>
+            <a:r>
+              <a:rPr lang="en-US" dirty="0" smtClean="0"/>
+              <a:t>sense disambiguation </a:t>
+            </a:r>
+            <a:r>
+              <a:rPr lang="en-US" dirty="0"/>
+              <a:t>(WSD</a:t>
             </a:r>
             <a:r>
               <a:rPr lang="en-US" dirty="0" smtClean="0"/>
@@ -11435,7 +12113,15 @@
             </a:r>
             <a:r>
               <a:rPr lang="en-US" dirty="0"/>
-              <a:t>context (assuming a fixed inventory of word senses)</a:t>
+              <a:t>context (assuming a </a:t>
+            </a:r>
+            <a:r>
+              <a:rPr lang="en-US" u="sng" dirty="0"/>
+              <a:t>fixed</a:t>
+            </a:r>
+            <a:r>
+              <a:rPr lang="en-US" dirty="0"/>
+              <a:t> inventory of word senses)</a:t>
             </a:r>
           </a:p>
         </p:txBody>
@@ -11567,7 +12253,7 @@
           <a:p>
             <a:fld id="{C76E115C-33BC-45ED-8DBD-F9FA6141D6D2}" type="slidenum">
               <a:rPr lang="en-US" smtClean="0"/>
-              <a:t>23</a:t>
+              <a:t>25</a:t>
             </a:fld>
             <a:endParaRPr lang="en-US"/>
           </a:p>
@@ -11790,7 +12476,7 @@
 </p:sld>
 </file>
 
-<file path=ppt/slides/slide24.xml><?xml version="1.0" encoding="utf-8"?>
+<file path=ppt/slides/slide26.xml><?xml version="1.0" encoding="utf-8"?>
 <p:sld xmlns:a="http://schemas.openxmlformats.org/drawingml/2006/main" xmlns:r="http://schemas.openxmlformats.org/officeDocument/2006/relationships" xmlns:p="http://schemas.openxmlformats.org/presentationml/2006/main">
   <p:cSld>
     <p:spTree>
@@ -12075,7 +12761,7 @@
           <a:p>
             <a:fld id="{C76E115C-33BC-45ED-8DBD-F9FA6141D6D2}" type="slidenum">
               <a:rPr lang="en-US" smtClean="0"/>
-              <a:t>24</a:t>
+              <a:t>26</a:t>
             </a:fld>
             <a:endParaRPr lang="en-US"/>
           </a:p>
@@ -12101,7 +12787,7 @@
 </p:sld>
 </file>
 
-<file path=ppt/slides/slide25.xml><?xml version="1.0" encoding="utf-8"?>
+<file path=ppt/slides/slide27.xml><?xml version="1.0" encoding="utf-8"?>
 <p:sld xmlns:a="http://schemas.openxmlformats.org/drawingml/2006/main" xmlns:r="http://schemas.openxmlformats.org/officeDocument/2006/relationships" xmlns:p="http://schemas.openxmlformats.org/presentationml/2006/main">
   <p:cSld>
     <p:spTree>
@@ -12234,8 +12920,12 @@
               <a:t>the dictionary sense whose gloss and examples </a:t>
             </a:r>
             <a:r>
-              <a:rPr lang="en-US" dirty="0" smtClean="0"/>
-              <a:t>are most </a:t>
+              <a:rPr lang="en-US" smtClean="0"/>
+              <a:t>are </a:t>
+            </a:r>
+            <a:r>
+              <a:rPr lang="en-US" smtClean="0"/>
+              <a:t>the most </a:t>
             </a:r>
             <a:r>
               <a:rPr lang="en-US" b="1" dirty="0"/>
@@ -12327,7 +13017,7 @@
           <a:p>
             <a:fld id="{C76E115C-33BC-45ED-8DBD-F9FA6141D6D2}" type="slidenum">
               <a:rPr lang="en-US" smtClean="0"/>
-              <a:t>25</a:t>
+              <a:t>27</a:t>
             </a:fld>
             <a:endParaRPr lang="en-US"/>
           </a:p>
@@ -12342,9 +13032,9 @@
         <p:grpSpPr>
           <a:xfrm>
             <a:off x="4258733" y="2116667"/>
-            <a:ext cx="2294467" cy="400110"/>
+            <a:ext cx="2700867" cy="400110"/>
             <a:chOff x="4258733" y="2116667"/>
-            <a:chExt cx="2294467" cy="400110"/>
+            <a:chExt cx="2700867" cy="400110"/>
           </a:xfrm>
         </p:grpSpPr>
         <p:sp>
@@ -12356,7 +13046,7 @@
           <p:spPr>
             <a:xfrm>
               <a:off x="4885267" y="2116667"/>
-              <a:ext cx="1667933" cy="400110"/>
+              <a:ext cx="2074333" cy="400110"/>
             </a:xfrm>
             <a:prstGeom prst="rect">
               <a:avLst/>
@@ -12375,7 +13065,7 @@
                     <a:srgbClr val="FF0000"/>
                   </a:solidFill>
                 </a:rPr>
-                <a:t>context</a:t>
+                <a:t>context words</a:t>
               </a:r>
               <a:endParaRPr lang="en-US" sz="2000" dirty="0">
                 <a:solidFill>
@@ -12592,7 +13282,7 @@
 </p:sld>
 </file>
 
-<file path=ppt/slides/slide26.xml><?xml version="1.0" encoding="utf-8"?>
+<file path=ppt/slides/slide28.xml><?xml version="1.0" encoding="utf-8"?>
 <p:sld xmlns:a="http://schemas.openxmlformats.org/drawingml/2006/main" xmlns:r="http://schemas.openxmlformats.org/officeDocument/2006/relationships" xmlns:p="http://schemas.openxmlformats.org/presentationml/2006/main">
   <p:cSld>
     <p:spTree>
@@ -13273,7 +13963,7 @@
           <a:p>
             <a:fld id="{C76E115C-33BC-45ED-8DBD-F9FA6141D6D2}" type="slidenum">
               <a:rPr lang="en-US" smtClean="0"/>
-              <a:t>26</a:t>
+              <a:t>28</a:t>
             </a:fld>
             <a:endParaRPr lang="en-US"/>
           </a:p>
@@ -13416,554 +14106,6 @@
 </p:sld>
 </file>
 
-<file path=ppt/slides/slide27.xml><?xml version="1.0" encoding="utf-8"?>
-<p:sld xmlns:a="http://schemas.openxmlformats.org/drawingml/2006/main" xmlns:r="http://schemas.openxmlformats.org/officeDocument/2006/relationships" xmlns:p="http://schemas.openxmlformats.org/presentationml/2006/main">
-  <p:cSld>
-    <p:spTree>
-      <p:nvGrpSpPr>
-        <p:cNvPr id="1" name=""/>
-        <p:cNvGrpSpPr/>
-        <p:nvPr/>
-      </p:nvGrpSpPr>
-      <p:grpSpPr>
-        <a:xfrm>
-          <a:off x="0" y="0"/>
-          <a:ext cx="0" cy="0"/>
-          <a:chOff x="0" y="0"/>
-          <a:chExt cx="0" cy="0"/>
-        </a:xfrm>
-      </p:grpSpPr>
-      <p:sp>
-        <p:nvSpPr>
-          <p:cNvPr id="3" name="Title 2"/>
-          <p:cNvSpPr>
-            <a:spLocks noGrp="1"/>
-          </p:cNvSpPr>
-          <p:nvPr>
-            <p:ph type="title"/>
-          </p:nvPr>
-        </p:nvSpPr>
-        <p:spPr/>
-        <p:txBody>
-          <a:bodyPr/>
-          <a:lstStyle/>
-          <a:p>
-            <a:r>
-              <a:rPr lang="en-US" dirty="0"/>
-              <a:t>Signature of </a:t>
-            </a:r>
-            <a:r>
-              <a:rPr lang="en-US" dirty="0" smtClean="0"/>
-              <a:t>target word</a:t>
-            </a:r>
-            <a:endParaRPr lang="en-US" dirty="0"/>
-          </a:p>
-        </p:txBody>
-      </p:sp>
-      <p:sp>
-        <p:nvSpPr>
-          <p:cNvPr id="4" name="Content Placeholder 3"/>
-          <p:cNvSpPr>
-            <a:spLocks noGrp="1"/>
-          </p:cNvSpPr>
-          <p:nvPr>
-            <p:ph idx="1"/>
-          </p:nvPr>
-        </p:nvSpPr>
-        <p:spPr>
-          <a:xfrm>
-            <a:off x="457200" y="2172677"/>
-            <a:ext cx="8229600" cy="3953488"/>
-          </a:xfrm>
-        </p:spPr>
-        <p:txBody>
-          <a:bodyPr>
-            <a:normAutofit/>
-          </a:bodyPr>
-          <a:lstStyle/>
-          <a:p>
-            <a:r>
-              <a:rPr lang="en-US" dirty="0"/>
-              <a:t>Simplified </a:t>
-            </a:r>
-            <a:r>
-              <a:rPr lang="en-US" dirty="0" err="1" smtClean="0"/>
-              <a:t>Lesk</a:t>
-            </a:r>
-            <a:r>
-              <a:rPr lang="en-US" dirty="0" smtClean="0"/>
-              <a:t> </a:t>
-            </a:r>
-          </a:p>
-          <a:p>
-            <a:pPr lvl="1"/>
-            <a:r>
-              <a:rPr lang="en-US" dirty="0" smtClean="0"/>
-              <a:t>Words </a:t>
-            </a:r>
-            <a:r>
-              <a:rPr lang="en-US" dirty="0"/>
-              <a:t>in </a:t>
-            </a:r>
-            <a:r>
-              <a:rPr lang="en-US" dirty="0" smtClean="0"/>
-              <a:t>context</a:t>
-            </a:r>
-          </a:p>
-          <a:p>
-            <a:pPr lvl="1"/>
-            <a:r>
-              <a:rPr lang="en-US" i="1" dirty="0" smtClean="0"/>
-              <a:t>Signature(</a:t>
-            </a:r>
-            <a:r>
-              <a:rPr lang="en-US" i="1" dirty="0" smtClean="0">
-                <a:solidFill>
-                  <a:srgbClr val="00B050"/>
-                </a:solidFill>
-              </a:rPr>
-              <a:t>bank</a:t>
-            </a:r>
-            <a:r>
-              <a:rPr lang="en-US" i="1" dirty="0" smtClean="0"/>
-              <a:t>) = </a:t>
-            </a:r>
-            <a:r>
-              <a:rPr lang="en-US" i="1" dirty="0"/>
-              <a:t>{</a:t>
-            </a:r>
-            <a:r>
-              <a:rPr lang="en-US" i="1" dirty="0">
-                <a:solidFill>
-                  <a:srgbClr val="00B050"/>
-                </a:solidFill>
-              </a:rPr>
-              <a:t>refuse, give, loan</a:t>
-            </a:r>
-            <a:r>
-              <a:rPr lang="en-US" i="1" dirty="0" smtClean="0"/>
-              <a:t>}</a:t>
-            </a:r>
-          </a:p>
-          <a:p>
-            <a:r>
-              <a:rPr lang="en-US" dirty="0"/>
-              <a:t>Original </a:t>
-            </a:r>
-            <a:r>
-              <a:rPr lang="en-US" dirty="0" err="1" smtClean="0"/>
-              <a:t>Lesk</a:t>
-            </a:r>
-            <a:endParaRPr lang="en-US" dirty="0"/>
-          </a:p>
-          <a:p>
-            <a:pPr lvl="1"/>
-            <a:r>
-              <a:rPr lang="en-US" dirty="0" smtClean="0"/>
-              <a:t>Augmented </a:t>
-            </a:r>
-            <a:r>
-              <a:rPr lang="en-US" dirty="0"/>
-              <a:t>signature of the target </a:t>
-            </a:r>
-            <a:r>
-              <a:rPr lang="en-US" dirty="0" smtClean="0"/>
-              <a:t>word</a:t>
-            </a:r>
-          </a:p>
-          <a:p>
-            <a:pPr lvl="1"/>
-            <a:r>
-              <a:rPr lang="en-US" i="1" dirty="0"/>
-              <a:t>Signature(</a:t>
-            </a:r>
-            <a:r>
-              <a:rPr lang="en-US" i="1" dirty="0">
-                <a:solidFill>
-                  <a:srgbClr val="00B050"/>
-                </a:solidFill>
-              </a:rPr>
-              <a:t>bank</a:t>
-            </a:r>
-            <a:r>
-              <a:rPr lang="en-US" i="1" dirty="0"/>
-              <a:t>) = {</a:t>
-            </a:r>
-            <a:r>
-              <a:rPr lang="en-US" b="1" i="1" dirty="0" smtClean="0">
-                <a:solidFill>
-                  <a:srgbClr val="00B050"/>
-                </a:solidFill>
-              </a:rPr>
-              <a:t>refuse</a:t>
-            </a:r>
-            <a:r>
-              <a:rPr lang="en-US" i="1" dirty="0">
-                <a:solidFill>
-                  <a:srgbClr val="00B050"/>
-                </a:solidFill>
-              </a:rPr>
-              <a:t>, reject, request,... , </a:t>
-            </a:r>
-            <a:r>
-              <a:rPr lang="en-US" b="1" i="1" dirty="0">
-                <a:solidFill>
-                  <a:srgbClr val="00B050"/>
-                </a:solidFill>
-              </a:rPr>
-              <a:t>give</a:t>
-            </a:r>
-            <a:r>
-              <a:rPr lang="en-US" i="1" dirty="0">
-                <a:solidFill>
-                  <a:srgbClr val="00B050"/>
-                </a:solidFill>
-              </a:rPr>
-              <a:t>, gift, donate,... </a:t>
-            </a:r>
-            <a:r>
-              <a:rPr lang="en-US" b="1" i="1" dirty="0">
-                <a:solidFill>
-                  <a:srgbClr val="00B050"/>
-                </a:solidFill>
-              </a:rPr>
-              <a:t>loan</a:t>
-            </a:r>
-            <a:r>
-              <a:rPr lang="en-US" i="1" dirty="0">
-                <a:solidFill>
-                  <a:srgbClr val="00B050"/>
-                </a:solidFill>
-              </a:rPr>
-              <a:t>, </a:t>
-            </a:r>
-            <a:r>
-              <a:rPr lang="en-US" i="1" dirty="0" smtClean="0">
-                <a:solidFill>
-                  <a:srgbClr val="00B050"/>
-                </a:solidFill>
-              </a:rPr>
-              <a:t>money, borrow</a:t>
-            </a:r>
-            <a:r>
-              <a:rPr lang="en-US" i="1" dirty="0">
-                <a:solidFill>
-                  <a:srgbClr val="00B050"/>
-                </a:solidFill>
-              </a:rPr>
-              <a:t>,...</a:t>
-            </a:r>
-            <a:r>
-              <a:rPr lang="en-US" i="1" dirty="0"/>
-              <a:t>}</a:t>
-            </a:r>
-          </a:p>
-        </p:txBody>
-      </p:sp>
-      <p:sp>
-        <p:nvSpPr>
-          <p:cNvPr id="5" name="Rectangle 4"/>
-          <p:cNvSpPr/>
-          <p:nvPr/>
-        </p:nvSpPr>
-        <p:spPr>
-          <a:xfrm>
-            <a:off x="1750939" y="1417638"/>
-            <a:ext cx="5642122" cy="523220"/>
-          </a:xfrm>
-          <a:prstGeom prst="rect">
-            <a:avLst/>
-          </a:prstGeom>
-        </p:spPr>
-        <p:txBody>
-          <a:bodyPr wrap="none">
-            <a:spAutoFit/>
-          </a:bodyPr>
-          <a:lstStyle/>
-          <a:p>
-            <a:r>
-              <a:rPr lang="en-US" sz="2800" i="1" dirty="0" smtClean="0"/>
-              <a:t>“The </a:t>
-            </a:r>
-            <a:r>
-              <a:rPr lang="en-US" sz="2800" i="1" dirty="0" smtClean="0">
-                <a:solidFill>
-                  <a:srgbClr val="00B050"/>
-                </a:solidFill>
-              </a:rPr>
-              <a:t>bank</a:t>
-            </a:r>
-            <a:r>
-              <a:rPr lang="en-US" sz="2800" i="1" dirty="0" smtClean="0"/>
-              <a:t> refused to give me a loan.”</a:t>
-            </a:r>
-            <a:endParaRPr lang="en-US" sz="2800" i="1" dirty="0"/>
-          </a:p>
-        </p:txBody>
-      </p:sp>
-      <p:sp>
-        <p:nvSpPr>
-          <p:cNvPr id="2" name="Date Placeholder 1"/>
-          <p:cNvSpPr>
-            <a:spLocks noGrp="1"/>
-          </p:cNvSpPr>
-          <p:nvPr>
-            <p:ph type="dt" sz="half" idx="10"/>
-          </p:nvPr>
-        </p:nvSpPr>
-        <p:spPr/>
-        <p:txBody>
-          <a:bodyPr/>
-          <a:lstStyle/>
-          <a:p>
-            <a:r>
-              <a:rPr lang="en-US" smtClean="0"/>
-              <a:t>CS@UVa</a:t>
-            </a:r>
-            <a:endParaRPr lang="en-US"/>
-          </a:p>
-        </p:txBody>
-      </p:sp>
-      <p:sp>
-        <p:nvSpPr>
-          <p:cNvPr id="6" name="Footer Placeholder 5"/>
-          <p:cNvSpPr>
-            <a:spLocks noGrp="1"/>
-          </p:cNvSpPr>
-          <p:nvPr>
-            <p:ph type="ftr" sz="quarter" idx="11"/>
-          </p:nvPr>
-        </p:nvSpPr>
-        <p:spPr/>
-        <p:txBody>
-          <a:bodyPr/>
-          <a:lstStyle/>
-          <a:p>
-            <a:r>
-              <a:rPr lang="en-US" smtClean="0"/>
-              <a:t>CS 6501: Text Mining</a:t>
-            </a:r>
-            <a:endParaRPr lang="en-US"/>
-          </a:p>
-        </p:txBody>
-      </p:sp>
-      <p:sp>
-        <p:nvSpPr>
-          <p:cNvPr id="7" name="Slide Number Placeholder 6"/>
-          <p:cNvSpPr>
-            <a:spLocks noGrp="1"/>
-          </p:cNvSpPr>
-          <p:nvPr>
-            <p:ph type="sldNum" sz="quarter" idx="12"/>
-          </p:nvPr>
-        </p:nvSpPr>
-        <p:spPr/>
-        <p:txBody>
-          <a:bodyPr/>
-          <a:lstStyle/>
-          <a:p>
-            <a:fld id="{C76E115C-33BC-45ED-8DBD-F9FA6141D6D2}" type="slidenum">
-              <a:rPr lang="en-US" smtClean="0"/>
-              <a:t>27</a:t>
-            </a:fld>
-            <a:endParaRPr lang="en-US"/>
-          </a:p>
-        </p:txBody>
-      </p:sp>
-    </p:spTree>
-    <p:extLst>
-      <p:ext uri="{BB962C8B-B14F-4D97-AF65-F5344CB8AC3E}">
-        <p14:creationId xmlns:p14="http://schemas.microsoft.com/office/powerpoint/2010/main" val="1907906652"/>
-      </p:ext>
-    </p:extLst>
-  </p:cSld>
-  <p:clrMapOvr>
-    <a:masterClrMapping/>
-  </p:clrMapOvr>
-  <p:timing>
-    <p:tnLst>
-      <p:par>
-        <p:cTn id="1" dur="indefinite" restart="never" nodeType="tmRoot"/>
-      </p:par>
-    </p:tnLst>
-  </p:timing>
-</p:sld>
-</file>
-
-<file path=ppt/slides/slide28.xml><?xml version="1.0" encoding="utf-8"?>
-<p:sld xmlns:a="http://schemas.openxmlformats.org/drawingml/2006/main" xmlns:r="http://schemas.openxmlformats.org/officeDocument/2006/relationships" xmlns:p="http://schemas.openxmlformats.org/presentationml/2006/main">
-  <p:cSld>
-    <p:spTree>
-      <p:nvGrpSpPr>
-        <p:cNvPr id="1" name=""/>
-        <p:cNvGrpSpPr/>
-        <p:nvPr/>
-      </p:nvGrpSpPr>
-      <p:grpSpPr>
-        <a:xfrm>
-          <a:off x="0" y="0"/>
-          <a:ext cx="0" cy="0"/>
-          <a:chOff x="0" y="0"/>
-          <a:chExt cx="0" cy="0"/>
-        </a:xfrm>
-      </p:grpSpPr>
-      <p:sp>
-        <p:nvSpPr>
-          <p:cNvPr id="2" name="Title 1"/>
-          <p:cNvSpPr>
-            <a:spLocks noGrp="1"/>
-          </p:cNvSpPr>
-          <p:nvPr>
-            <p:ph type="title"/>
-          </p:nvPr>
-        </p:nvSpPr>
-        <p:spPr/>
-        <p:txBody>
-          <a:bodyPr/>
-          <a:lstStyle/>
-          <a:p>
-            <a:r>
-              <a:rPr lang="en-US" dirty="0" smtClean="0"/>
-              <a:t>Learning-based Methods</a:t>
-            </a:r>
-            <a:endParaRPr lang="en-US" dirty="0"/>
-          </a:p>
-        </p:txBody>
-      </p:sp>
-      <p:sp>
-        <p:nvSpPr>
-          <p:cNvPr id="3" name="Content Placeholder 2"/>
-          <p:cNvSpPr>
-            <a:spLocks noGrp="1"/>
-          </p:cNvSpPr>
-          <p:nvPr>
-            <p:ph idx="1"/>
-          </p:nvPr>
-        </p:nvSpPr>
-        <p:spPr/>
-        <p:txBody>
-          <a:bodyPr/>
-          <a:lstStyle/>
-          <a:p>
-            <a:r>
-              <a:rPr lang="en-US" dirty="0" smtClean="0"/>
-              <a:t>Will be discussed in </a:t>
-            </a:r>
-            <a:r>
-              <a:rPr lang="en-US" dirty="0"/>
-              <a:t>the lecture of “Text Categorization</a:t>
-            </a:r>
-            <a:r>
-              <a:rPr lang="en-US" dirty="0" smtClean="0"/>
-              <a:t>”</a:t>
-            </a:r>
-          </a:p>
-          <a:p>
-            <a:pPr lvl="1"/>
-            <a:r>
-              <a:rPr lang="en-US" dirty="0" smtClean="0"/>
-              <a:t>Basically treat each sense as an independent class label</a:t>
-            </a:r>
-          </a:p>
-          <a:p>
-            <a:pPr lvl="1"/>
-            <a:r>
-              <a:rPr lang="en-US" dirty="0" smtClean="0"/>
-              <a:t>Construct classifiers to assign each instance with context into the classes/senses</a:t>
-            </a:r>
-            <a:endParaRPr lang="en-US" dirty="0"/>
-          </a:p>
-        </p:txBody>
-      </p:sp>
-      <p:sp>
-        <p:nvSpPr>
-          <p:cNvPr id="4" name="Date Placeholder 3"/>
-          <p:cNvSpPr>
-            <a:spLocks noGrp="1"/>
-          </p:cNvSpPr>
-          <p:nvPr>
-            <p:ph type="dt" sz="half" idx="10"/>
-          </p:nvPr>
-        </p:nvSpPr>
-        <p:spPr/>
-        <p:txBody>
-          <a:bodyPr/>
-          <a:lstStyle/>
-          <a:p>
-            <a:r>
-              <a:rPr lang="en-US" smtClean="0"/>
-              <a:t>CS@UVa</a:t>
-            </a:r>
-            <a:endParaRPr lang="en-US"/>
-          </a:p>
-        </p:txBody>
-      </p:sp>
-      <p:sp>
-        <p:nvSpPr>
-          <p:cNvPr id="5" name="Footer Placeholder 4"/>
-          <p:cNvSpPr>
-            <a:spLocks noGrp="1"/>
-          </p:cNvSpPr>
-          <p:nvPr>
-            <p:ph type="ftr" sz="quarter" idx="11"/>
-          </p:nvPr>
-        </p:nvSpPr>
-        <p:spPr/>
-        <p:txBody>
-          <a:bodyPr/>
-          <a:lstStyle/>
-          <a:p>
-            <a:r>
-              <a:rPr lang="en-US" smtClean="0"/>
-              <a:t>CS 6501: Text Mining</a:t>
-            </a:r>
-            <a:endParaRPr lang="en-US"/>
-          </a:p>
-        </p:txBody>
-      </p:sp>
-      <p:sp>
-        <p:nvSpPr>
-          <p:cNvPr id="6" name="Slide Number Placeholder 5"/>
-          <p:cNvSpPr>
-            <a:spLocks noGrp="1"/>
-          </p:cNvSpPr>
-          <p:nvPr>
-            <p:ph type="sldNum" sz="quarter" idx="12"/>
-          </p:nvPr>
-        </p:nvSpPr>
-        <p:spPr/>
-        <p:txBody>
-          <a:bodyPr/>
-          <a:lstStyle/>
-          <a:p>
-            <a:fld id="{C76E115C-33BC-45ED-8DBD-F9FA6141D6D2}" type="slidenum">
-              <a:rPr lang="en-US" smtClean="0"/>
-              <a:t>28</a:t>
-            </a:fld>
-            <a:endParaRPr lang="en-US"/>
-          </a:p>
-        </p:txBody>
-      </p:sp>
-    </p:spTree>
-    <p:extLst>
-      <p:ext uri="{BB962C8B-B14F-4D97-AF65-F5344CB8AC3E}">
-        <p14:creationId xmlns:p14="http://schemas.microsoft.com/office/powerpoint/2010/main" val="1992504655"/>
-      </p:ext>
-    </p:extLst>
-  </p:cSld>
-  <p:clrMapOvr>
-    <a:masterClrMapping/>
-  </p:clrMapOvr>
-  <p:timing>
-    <p:tnLst>
-      <p:par>
-        <p:cTn id="1" dur="indefinite" restart="never" nodeType="tmRoot"/>
-      </p:par>
-    </p:tnLst>
-  </p:timing>
-</p:sld>
-</file>
-
 <file path=ppt/slides/slide29.xml><?xml version="1.0" encoding="utf-8"?>
 <p:sld xmlns:a="http://schemas.openxmlformats.org/drawingml/2006/main" xmlns:r="http://schemas.openxmlformats.org/officeDocument/2006/relationships" xmlns:p="http://schemas.openxmlformats.org/presentationml/2006/main">
   <p:cSld>
@@ -13983,7 +14125,7 @@
       </p:grpSpPr>
       <p:sp>
         <p:nvSpPr>
-          <p:cNvPr id="2" name="Title 1"/>
+          <p:cNvPr id="3" name="Title 2"/>
           <p:cNvSpPr>
             <a:spLocks noGrp="1"/>
           </p:cNvSpPr>
@@ -13997,8 +14139,12 @@
           <a:lstStyle/>
           <a:p>
             <a:r>
+              <a:rPr lang="en-US" dirty="0"/>
+              <a:t>Signature of </a:t>
+            </a:r>
+            <a:r>
               <a:rPr lang="en-US" dirty="0" smtClean="0"/>
-              <a:t>What you should know</a:t>
+              <a:t>target word</a:t>
             </a:r>
             <a:endParaRPr lang="en-US" dirty="0"/>
           </a:p>
@@ -14006,7 +14152,7 @@
       </p:sp>
       <p:sp>
         <p:nvSpPr>
-          <p:cNvPr id="3" name="Content Placeholder 2"/>
+          <p:cNvPr id="4" name="Content Placeholder 3"/>
           <p:cNvSpPr>
             <a:spLocks noGrp="1"/>
           </p:cNvSpPr>
@@ -14014,64 +14160,268 @@
             <p:ph idx="1"/>
           </p:nvPr>
         </p:nvSpPr>
+        <p:spPr>
+          <a:xfrm>
+            <a:off x="457200" y="2172677"/>
+            <a:ext cx="8229600" cy="3953488"/>
+          </a:xfrm>
+        </p:spPr>
+        <p:txBody>
+          <a:bodyPr>
+            <a:normAutofit/>
+          </a:bodyPr>
+          <a:lstStyle/>
+          <a:p>
+            <a:r>
+              <a:rPr lang="en-US" dirty="0"/>
+              <a:t>Simplified </a:t>
+            </a:r>
+            <a:r>
+              <a:rPr lang="en-US" dirty="0" err="1" smtClean="0"/>
+              <a:t>Lesk</a:t>
+            </a:r>
+            <a:r>
+              <a:rPr lang="en-US" dirty="0" smtClean="0"/>
+              <a:t> </a:t>
+            </a:r>
+          </a:p>
+          <a:p>
+            <a:pPr lvl="1"/>
+            <a:r>
+              <a:rPr lang="en-US" dirty="0" smtClean="0"/>
+              <a:t>Words </a:t>
+            </a:r>
+            <a:r>
+              <a:rPr lang="en-US" dirty="0"/>
+              <a:t>in </a:t>
+            </a:r>
+            <a:r>
+              <a:rPr lang="en-US" dirty="0" smtClean="0"/>
+              <a:t>context</a:t>
+            </a:r>
+          </a:p>
+          <a:p>
+            <a:pPr lvl="1"/>
+            <a:r>
+              <a:rPr lang="en-US" i="1" dirty="0" smtClean="0"/>
+              <a:t>Signature(</a:t>
+            </a:r>
+            <a:r>
+              <a:rPr lang="en-US" i="1" dirty="0" smtClean="0">
+                <a:solidFill>
+                  <a:srgbClr val="00B050"/>
+                </a:solidFill>
+              </a:rPr>
+              <a:t>bank</a:t>
+            </a:r>
+            <a:r>
+              <a:rPr lang="en-US" i="1" dirty="0" smtClean="0"/>
+              <a:t>) = </a:t>
+            </a:r>
+            <a:r>
+              <a:rPr lang="en-US" i="1" dirty="0"/>
+              <a:t>{</a:t>
+            </a:r>
+            <a:r>
+              <a:rPr lang="en-US" i="1" dirty="0">
+                <a:solidFill>
+                  <a:srgbClr val="00B050"/>
+                </a:solidFill>
+              </a:rPr>
+              <a:t>refuse, give, loan</a:t>
+            </a:r>
+            <a:r>
+              <a:rPr lang="en-US" i="1" dirty="0" smtClean="0"/>
+              <a:t>}</a:t>
+            </a:r>
+          </a:p>
+          <a:p>
+            <a:r>
+              <a:rPr lang="en-US" dirty="0"/>
+              <a:t>Original </a:t>
+            </a:r>
+            <a:r>
+              <a:rPr lang="en-US" dirty="0" err="1" smtClean="0"/>
+              <a:t>Lesk</a:t>
+            </a:r>
+            <a:endParaRPr lang="en-US" dirty="0"/>
+          </a:p>
+          <a:p>
+            <a:pPr lvl="1"/>
+            <a:r>
+              <a:rPr lang="en-US" dirty="0" smtClean="0"/>
+              <a:t>Augmented </a:t>
+            </a:r>
+            <a:r>
+              <a:rPr lang="en-US" dirty="0"/>
+              <a:t>signature of the target </a:t>
+            </a:r>
+            <a:r>
+              <a:rPr lang="en-US" dirty="0" smtClean="0"/>
+              <a:t>word</a:t>
+            </a:r>
+          </a:p>
+          <a:p>
+            <a:pPr lvl="1"/>
+            <a:r>
+              <a:rPr lang="en-US" i="1" dirty="0"/>
+              <a:t>Signature(</a:t>
+            </a:r>
+            <a:r>
+              <a:rPr lang="en-US" i="1" dirty="0">
+                <a:solidFill>
+                  <a:srgbClr val="00B050"/>
+                </a:solidFill>
+              </a:rPr>
+              <a:t>bank</a:t>
+            </a:r>
+            <a:r>
+              <a:rPr lang="en-US" i="1" dirty="0"/>
+              <a:t>) = {</a:t>
+            </a:r>
+            <a:r>
+              <a:rPr lang="en-US" b="1" i="1" dirty="0" smtClean="0">
+                <a:solidFill>
+                  <a:srgbClr val="00B050"/>
+                </a:solidFill>
+              </a:rPr>
+              <a:t>refuse</a:t>
+            </a:r>
+            <a:r>
+              <a:rPr lang="en-US" i="1" dirty="0">
+                <a:solidFill>
+                  <a:srgbClr val="00B050"/>
+                </a:solidFill>
+              </a:rPr>
+              <a:t>, reject, request,... , </a:t>
+            </a:r>
+            <a:r>
+              <a:rPr lang="en-US" b="1" i="1" dirty="0">
+                <a:solidFill>
+                  <a:srgbClr val="00B050"/>
+                </a:solidFill>
+              </a:rPr>
+              <a:t>give</a:t>
+            </a:r>
+            <a:r>
+              <a:rPr lang="en-US" i="1" dirty="0">
+                <a:solidFill>
+                  <a:srgbClr val="00B050"/>
+                </a:solidFill>
+              </a:rPr>
+              <a:t>, gift, donate,... </a:t>
+            </a:r>
+            <a:r>
+              <a:rPr lang="en-US" b="1" i="1" dirty="0">
+                <a:solidFill>
+                  <a:srgbClr val="00B050"/>
+                </a:solidFill>
+              </a:rPr>
+              <a:t>loan</a:t>
+            </a:r>
+            <a:r>
+              <a:rPr lang="en-US" i="1" dirty="0">
+                <a:solidFill>
+                  <a:srgbClr val="00B050"/>
+                </a:solidFill>
+              </a:rPr>
+              <a:t>, </a:t>
+            </a:r>
+            <a:r>
+              <a:rPr lang="en-US" i="1" dirty="0" smtClean="0">
+                <a:solidFill>
+                  <a:srgbClr val="00B050"/>
+                </a:solidFill>
+              </a:rPr>
+              <a:t>money, borrow</a:t>
+            </a:r>
+            <a:r>
+              <a:rPr lang="en-US" i="1" dirty="0">
+                <a:solidFill>
+                  <a:srgbClr val="00B050"/>
+                </a:solidFill>
+              </a:rPr>
+              <a:t>,...</a:t>
+            </a:r>
+            <a:r>
+              <a:rPr lang="en-US" i="1" dirty="0"/>
+              <a:t>}</a:t>
+            </a:r>
+          </a:p>
+        </p:txBody>
+      </p:sp>
+      <p:sp>
+        <p:nvSpPr>
+          <p:cNvPr id="5" name="Rectangle 4"/>
+          <p:cNvSpPr/>
+          <p:nvPr/>
+        </p:nvSpPr>
+        <p:spPr>
+          <a:xfrm>
+            <a:off x="1750939" y="1417638"/>
+            <a:ext cx="5642122" cy="523220"/>
+          </a:xfrm>
+          <a:prstGeom prst="rect">
+            <a:avLst/>
+          </a:prstGeom>
+        </p:spPr>
+        <p:txBody>
+          <a:bodyPr wrap="none">
+            <a:spAutoFit/>
+          </a:bodyPr>
+          <a:lstStyle/>
+          <a:p>
+            <a:r>
+              <a:rPr lang="en-US" sz="2800" i="1" dirty="0" smtClean="0"/>
+              <a:t>“The </a:t>
+            </a:r>
+            <a:r>
+              <a:rPr lang="en-US" sz="2800" i="1" dirty="0" smtClean="0">
+                <a:solidFill>
+                  <a:srgbClr val="00B050"/>
+                </a:solidFill>
+              </a:rPr>
+              <a:t>bank</a:t>
+            </a:r>
+            <a:r>
+              <a:rPr lang="en-US" sz="2800" i="1" dirty="0" smtClean="0"/>
+              <a:t> refused to give me a loan.”</a:t>
+            </a:r>
+            <a:endParaRPr lang="en-US" sz="2800" i="1" dirty="0"/>
+          </a:p>
+        </p:txBody>
+      </p:sp>
+      <p:sp>
+        <p:nvSpPr>
+          <p:cNvPr id="2" name="Date Placeholder 1"/>
+          <p:cNvSpPr>
+            <a:spLocks noGrp="1"/>
+          </p:cNvSpPr>
+          <p:nvPr>
+            <p:ph type="dt" sz="half" idx="10"/>
+          </p:nvPr>
+        </p:nvSpPr>
         <p:spPr/>
         <p:txBody>
           <a:bodyPr/>
           <a:lstStyle/>
           <a:p>
             <a:r>
-              <a:rPr lang="en-US" dirty="0"/>
-              <a:t>Lexical semantics</a:t>
-            </a:r>
-          </a:p>
-          <a:p>
-            <a:pPr lvl="1"/>
-            <a:r>
-              <a:rPr lang="en-US" dirty="0" smtClean="0"/>
-              <a:t>Relationship between words</a:t>
-            </a:r>
-          </a:p>
-          <a:p>
-            <a:pPr lvl="1"/>
-            <a:r>
-              <a:rPr lang="en-US" dirty="0" smtClean="0"/>
-              <a:t>WordNet</a:t>
-            </a:r>
-          </a:p>
-          <a:p>
-            <a:r>
-              <a:rPr lang="en-US" dirty="0" smtClean="0"/>
-              <a:t>Distributional semantics</a:t>
-            </a:r>
-          </a:p>
-          <a:p>
-            <a:pPr lvl="1"/>
-            <a:r>
-              <a:rPr lang="en-US" dirty="0" smtClean="0"/>
-              <a:t>Similarity between words</a:t>
-            </a:r>
-          </a:p>
-          <a:p>
-            <a:pPr lvl="1"/>
-            <a:r>
-              <a:rPr lang="en-US" dirty="0" smtClean="0"/>
-              <a:t>Word sense </a:t>
-            </a:r>
-            <a:r>
-              <a:rPr lang="en-US" dirty="0"/>
-              <a:t>disambiguation</a:t>
-            </a:r>
-          </a:p>
-        </p:txBody>
-      </p:sp>
-      <p:sp>
-        <p:nvSpPr>
-          <p:cNvPr id="4" name="Date Placeholder 3"/>
-          <p:cNvSpPr>
-            <a:spLocks noGrp="1"/>
-          </p:cNvSpPr>
-          <p:nvPr>
-            <p:ph type="dt" sz="half" idx="10"/>
+              <a:rPr lang="en-US" smtClean="0"/>
+              <a:t>CS@UVa</a:t>
+            </a:r>
+            <a:endParaRPr lang="en-US"/>
+          </a:p>
+        </p:txBody>
+      </p:sp>
+      <p:sp>
+        <p:nvSpPr>
+          <p:cNvPr id="6" name="Footer Placeholder 5"/>
+          <p:cNvSpPr>
+            <a:spLocks noGrp="1"/>
+          </p:cNvSpPr>
+          <p:nvPr>
+            <p:ph type="ftr" sz="quarter" idx="11"/>
           </p:nvPr>
         </p:nvSpPr>
         <p:spPr/>
@@ -14081,7 +14431,7 @@
           <a:p>
             <a:r>
               <a:rPr lang="en-US" smtClean="0"/>
-              <a:t>CS@UVa</a:t>
+              <a:t>CS 6501: Text Mining</a:t>
             </a:r>
             <a:endParaRPr lang="en-US"/>
           </a:p>
@@ -14089,30 +14439,7 @@
       </p:sp>
       <p:sp>
         <p:nvSpPr>
-          <p:cNvPr id="5" name="Footer Placeholder 4"/>
-          <p:cNvSpPr>
-            <a:spLocks noGrp="1"/>
-          </p:cNvSpPr>
-          <p:nvPr>
-            <p:ph type="ftr" sz="quarter" idx="11"/>
-          </p:nvPr>
-        </p:nvSpPr>
-        <p:spPr/>
-        <p:txBody>
-          <a:bodyPr/>
-          <a:lstStyle/>
-          <a:p>
-            <a:r>
-              <a:rPr lang="en-US" smtClean="0"/>
-              <a:t>CS 6501: Text Mining</a:t>
-            </a:r>
-            <a:endParaRPr lang="en-US"/>
-          </a:p>
-        </p:txBody>
-      </p:sp>
-      <p:sp>
-        <p:nvSpPr>
-          <p:cNvPr id="6" name="Slide Number Placeholder 5"/>
+          <p:cNvPr id="7" name="Slide Number Placeholder 6"/>
           <p:cNvSpPr>
             <a:spLocks noGrp="1"/>
           </p:cNvSpPr>
@@ -14136,7 +14463,7 @@
     </p:spTree>
     <p:extLst>
       <p:ext uri="{BB962C8B-B14F-4D97-AF65-F5344CB8AC3E}">
-        <p14:creationId xmlns:p14="http://schemas.microsoft.com/office/powerpoint/2010/main" val="1510921326"/>
+        <p14:creationId xmlns:p14="http://schemas.microsoft.com/office/powerpoint/2010/main" val="1907906652"/>
       </p:ext>
     </p:extLst>
   </p:cSld>
@@ -14790,6 +15117,369 @@
           <a:lstStyle/>
           <a:p>
             <a:r>
+              <a:rPr lang="en-US" dirty="0" smtClean="0"/>
+              <a:t>Learning-based Methods</a:t>
+            </a:r>
+            <a:endParaRPr lang="en-US" dirty="0"/>
+          </a:p>
+        </p:txBody>
+      </p:sp>
+      <p:sp>
+        <p:nvSpPr>
+          <p:cNvPr id="3" name="Content Placeholder 2"/>
+          <p:cNvSpPr>
+            <a:spLocks noGrp="1"/>
+          </p:cNvSpPr>
+          <p:nvPr>
+            <p:ph idx="1"/>
+          </p:nvPr>
+        </p:nvSpPr>
+        <p:spPr/>
+        <p:txBody>
+          <a:bodyPr/>
+          <a:lstStyle/>
+          <a:p>
+            <a:r>
+              <a:rPr lang="en-US" dirty="0" smtClean="0"/>
+              <a:t>Will be discussed in </a:t>
+            </a:r>
+            <a:r>
+              <a:rPr lang="en-US" dirty="0"/>
+              <a:t>the lecture of “Text Categorization</a:t>
+            </a:r>
+            <a:r>
+              <a:rPr lang="en-US" dirty="0" smtClean="0"/>
+              <a:t>”</a:t>
+            </a:r>
+          </a:p>
+          <a:p>
+            <a:pPr lvl="1"/>
+            <a:r>
+              <a:rPr lang="en-US" dirty="0" smtClean="0"/>
+              <a:t>Basically treat each sense as an independent class label</a:t>
+            </a:r>
+          </a:p>
+          <a:p>
+            <a:pPr lvl="1"/>
+            <a:r>
+              <a:rPr lang="en-US" dirty="0" smtClean="0"/>
+              <a:t>Construct classifiers to assign each instance with context into the classes/senses</a:t>
+            </a:r>
+            <a:endParaRPr lang="en-US" dirty="0"/>
+          </a:p>
+        </p:txBody>
+      </p:sp>
+      <p:sp>
+        <p:nvSpPr>
+          <p:cNvPr id="4" name="Date Placeholder 3"/>
+          <p:cNvSpPr>
+            <a:spLocks noGrp="1"/>
+          </p:cNvSpPr>
+          <p:nvPr>
+            <p:ph type="dt" sz="half" idx="10"/>
+          </p:nvPr>
+        </p:nvSpPr>
+        <p:spPr/>
+        <p:txBody>
+          <a:bodyPr/>
+          <a:lstStyle/>
+          <a:p>
+            <a:r>
+              <a:rPr lang="en-US" smtClean="0"/>
+              <a:t>CS@UVa</a:t>
+            </a:r>
+            <a:endParaRPr lang="en-US"/>
+          </a:p>
+        </p:txBody>
+      </p:sp>
+      <p:sp>
+        <p:nvSpPr>
+          <p:cNvPr id="5" name="Footer Placeholder 4"/>
+          <p:cNvSpPr>
+            <a:spLocks noGrp="1"/>
+          </p:cNvSpPr>
+          <p:nvPr>
+            <p:ph type="ftr" sz="quarter" idx="11"/>
+          </p:nvPr>
+        </p:nvSpPr>
+        <p:spPr/>
+        <p:txBody>
+          <a:bodyPr/>
+          <a:lstStyle/>
+          <a:p>
+            <a:r>
+              <a:rPr lang="en-US" smtClean="0"/>
+              <a:t>CS 6501: Text Mining</a:t>
+            </a:r>
+            <a:endParaRPr lang="en-US"/>
+          </a:p>
+        </p:txBody>
+      </p:sp>
+      <p:sp>
+        <p:nvSpPr>
+          <p:cNvPr id="6" name="Slide Number Placeholder 5"/>
+          <p:cNvSpPr>
+            <a:spLocks noGrp="1"/>
+          </p:cNvSpPr>
+          <p:nvPr>
+            <p:ph type="sldNum" sz="quarter" idx="12"/>
+          </p:nvPr>
+        </p:nvSpPr>
+        <p:spPr/>
+        <p:txBody>
+          <a:bodyPr/>
+          <a:lstStyle/>
+          <a:p>
+            <a:fld id="{C76E115C-33BC-45ED-8DBD-F9FA6141D6D2}" type="slidenum">
+              <a:rPr lang="en-US" smtClean="0"/>
+              <a:t>30</a:t>
+            </a:fld>
+            <a:endParaRPr lang="en-US"/>
+          </a:p>
+        </p:txBody>
+      </p:sp>
+    </p:spTree>
+    <p:extLst>
+      <p:ext uri="{BB962C8B-B14F-4D97-AF65-F5344CB8AC3E}">
+        <p14:creationId xmlns:p14="http://schemas.microsoft.com/office/powerpoint/2010/main" val="1992504655"/>
+      </p:ext>
+    </p:extLst>
+  </p:cSld>
+  <p:clrMapOvr>
+    <a:masterClrMapping/>
+  </p:clrMapOvr>
+  <p:timing>
+    <p:tnLst>
+      <p:par>
+        <p:cTn id="1" dur="indefinite" restart="never" nodeType="tmRoot"/>
+      </p:par>
+    </p:tnLst>
+  </p:timing>
+</p:sld>
+</file>
+
+<file path=ppt/slides/slide31.xml><?xml version="1.0" encoding="utf-8"?>
+<p:sld xmlns:a="http://schemas.openxmlformats.org/drawingml/2006/main" xmlns:r="http://schemas.openxmlformats.org/officeDocument/2006/relationships" xmlns:p="http://schemas.openxmlformats.org/presentationml/2006/main">
+  <p:cSld>
+    <p:spTree>
+      <p:nvGrpSpPr>
+        <p:cNvPr id="1" name=""/>
+        <p:cNvGrpSpPr/>
+        <p:nvPr/>
+      </p:nvGrpSpPr>
+      <p:grpSpPr>
+        <a:xfrm>
+          <a:off x="0" y="0"/>
+          <a:ext cx="0" cy="0"/>
+          <a:chOff x="0" y="0"/>
+          <a:chExt cx="0" cy="0"/>
+        </a:xfrm>
+      </p:grpSpPr>
+      <p:sp>
+        <p:nvSpPr>
+          <p:cNvPr id="2" name="Title 1"/>
+          <p:cNvSpPr>
+            <a:spLocks noGrp="1"/>
+          </p:cNvSpPr>
+          <p:nvPr>
+            <p:ph type="title"/>
+          </p:nvPr>
+        </p:nvSpPr>
+        <p:spPr/>
+        <p:txBody>
+          <a:bodyPr/>
+          <a:lstStyle/>
+          <a:p>
+            <a:r>
+              <a:rPr lang="en-US" dirty="0" smtClean="0"/>
+              <a:t>What you should know</a:t>
+            </a:r>
+            <a:endParaRPr lang="en-US" dirty="0"/>
+          </a:p>
+        </p:txBody>
+      </p:sp>
+      <p:sp>
+        <p:nvSpPr>
+          <p:cNvPr id="3" name="Content Placeholder 2"/>
+          <p:cNvSpPr>
+            <a:spLocks noGrp="1"/>
+          </p:cNvSpPr>
+          <p:nvPr>
+            <p:ph idx="1"/>
+          </p:nvPr>
+        </p:nvSpPr>
+        <p:spPr/>
+        <p:txBody>
+          <a:bodyPr/>
+          <a:lstStyle/>
+          <a:p>
+            <a:r>
+              <a:rPr lang="en-US" dirty="0"/>
+              <a:t>Lexical semantics</a:t>
+            </a:r>
+          </a:p>
+          <a:p>
+            <a:pPr lvl="1"/>
+            <a:r>
+              <a:rPr lang="en-US" dirty="0" smtClean="0"/>
+              <a:t>Relationship between words</a:t>
+            </a:r>
+          </a:p>
+          <a:p>
+            <a:pPr lvl="1"/>
+            <a:r>
+              <a:rPr lang="en-US" dirty="0" smtClean="0"/>
+              <a:t>WordNet</a:t>
+            </a:r>
+          </a:p>
+          <a:p>
+            <a:r>
+              <a:rPr lang="en-US" dirty="0" smtClean="0"/>
+              <a:t>Distributional semantics</a:t>
+            </a:r>
+          </a:p>
+          <a:p>
+            <a:pPr lvl="1"/>
+            <a:r>
+              <a:rPr lang="en-US" dirty="0" smtClean="0"/>
+              <a:t>Similarity between words</a:t>
+            </a:r>
+          </a:p>
+          <a:p>
+            <a:pPr lvl="1"/>
+            <a:r>
+              <a:rPr lang="en-US" dirty="0" smtClean="0"/>
+              <a:t>Word sense </a:t>
+            </a:r>
+            <a:r>
+              <a:rPr lang="en-US" dirty="0"/>
+              <a:t>disambiguation</a:t>
+            </a:r>
+          </a:p>
+        </p:txBody>
+      </p:sp>
+      <p:sp>
+        <p:nvSpPr>
+          <p:cNvPr id="4" name="Date Placeholder 3"/>
+          <p:cNvSpPr>
+            <a:spLocks noGrp="1"/>
+          </p:cNvSpPr>
+          <p:nvPr>
+            <p:ph type="dt" sz="half" idx="10"/>
+          </p:nvPr>
+        </p:nvSpPr>
+        <p:spPr/>
+        <p:txBody>
+          <a:bodyPr/>
+          <a:lstStyle/>
+          <a:p>
+            <a:r>
+              <a:rPr lang="en-US" smtClean="0"/>
+              <a:t>CS@UVa</a:t>
+            </a:r>
+            <a:endParaRPr lang="en-US"/>
+          </a:p>
+        </p:txBody>
+      </p:sp>
+      <p:sp>
+        <p:nvSpPr>
+          <p:cNvPr id="5" name="Footer Placeholder 4"/>
+          <p:cNvSpPr>
+            <a:spLocks noGrp="1"/>
+          </p:cNvSpPr>
+          <p:nvPr>
+            <p:ph type="ftr" sz="quarter" idx="11"/>
+          </p:nvPr>
+        </p:nvSpPr>
+        <p:spPr/>
+        <p:txBody>
+          <a:bodyPr/>
+          <a:lstStyle/>
+          <a:p>
+            <a:r>
+              <a:rPr lang="en-US" smtClean="0"/>
+              <a:t>CS 6501: Text Mining</a:t>
+            </a:r>
+            <a:endParaRPr lang="en-US"/>
+          </a:p>
+        </p:txBody>
+      </p:sp>
+      <p:sp>
+        <p:nvSpPr>
+          <p:cNvPr id="6" name="Slide Number Placeholder 5"/>
+          <p:cNvSpPr>
+            <a:spLocks noGrp="1"/>
+          </p:cNvSpPr>
+          <p:nvPr>
+            <p:ph type="sldNum" sz="quarter" idx="12"/>
+          </p:nvPr>
+        </p:nvSpPr>
+        <p:spPr/>
+        <p:txBody>
+          <a:bodyPr/>
+          <a:lstStyle/>
+          <a:p>
+            <a:fld id="{C76E115C-33BC-45ED-8DBD-F9FA6141D6D2}" type="slidenum">
+              <a:rPr lang="en-US" smtClean="0"/>
+              <a:t>31</a:t>
+            </a:fld>
+            <a:endParaRPr lang="en-US"/>
+          </a:p>
+        </p:txBody>
+      </p:sp>
+    </p:spTree>
+    <p:extLst>
+      <p:ext uri="{BB962C8B-B14F-4D97-AF65-F5344CB8AC3E}">
+        <p14:creationId xmlns:p14="http://schemas.microsoft.com/office/powerpoint/2010/main" val="1510921326"/>
+      </p:ext>
+    </p:extLst>
+  </p:cSld>
+  <p:clrMapOvr>
+    <a:masterClrMapping/>
+  </p:clrMapOvr>
+  <p:timing>
+    <p:tnLst>
+      <p:par>
+        <p:cTn id="1" dur="indefinite" restart="never" nodeType="tmRoot"/>
+      </p:par>
+    </p:tnLst>
+  </p:timing>
+</p:sld>
+</file>
+
+<file path=ppt/slides/slide32.xml><?xml version="1.0" encoding="utf-8"?>
+<p:sld xmlns:a="http://schemas.openxmlformats.org/drawingml/2006/main" xmlns:r="http://schemas.openxmlformats.org/officeDocument/2006/relationships" xmlns:p="http://schemas.openxmlformats.org/presentationml/2006/main">
+  <p:cSld>
+    <p:spTree>
+      <p:nvGrpSpPr>
+        <p:cNvPr id="1" name=""/>
+        <p:cNvGrpSpPr/>
+        <p:nvPr/>
+      </p:nvGrpSpPr>
+      <p:grpSpPr>
+        <a:xfrm>
+          <a:off x="0" y="0"/>
+          <a:ext cx="0" cy="0"/>
+          <a:chOff x="0" y="0"/>
+          <a:chExt cx="0" cy="0"/>
+        </a:xfrm>
+      </p:grpSpPr>
+      <p:sp>
+        <p:nvSpPr>
+          <p:cNvPr id="2" name="Title 1"/>
+          <p:cNvSpPr>
+            <a:spLocks noGrp="1"/>
+          </p:cNvSpPr>
+          <p:nvPr>
+            <p:ph type="title"/>
+          </p:nvPr>
+        </p:nvSpPr>
+        <p:spPr/>
+        <p:txBody>
+          <a:bodyPr/>
+          <a:lstStyle/>
+          <a:p>
+            <a:r>
               <a:rPr lang="en-US" dirty="0"/>
               <a:t>Today’s reading</a:t>
             </a:r>
@@ -14819,7 +15509,6 @@
               <a:rPr lang="en-US" dirty="0" smtClean="0"/>
               <a:t>Processing</a:t>
             </a:r>
-            <a:endParaRPr lang="en-US" dirty="0" smtClean="0"/>
           </a:p>
           <a:p>
             <a:pPr lvl="1"/>
@@ -14907,7 +15596,7 @@
           <a:p>
             <a:fld id="{C76E115C-33BC-45ED-8DBD-F9FA6141D6D2}" type="slidenum">
               <a:rPr lang="en-US" smtClean="0"/>
-              <a:t>30</a:t>
+              <a:t>32</a:t>
             </a:fld>
             <a:endParaRPr lang="en-US"/>
           </a:p>

--- a/docs/LexicalSemanticsWordSenses.pptx
+++ b/docs/LexicalSemanticsWordSenses.pptx
@@ -5,7 +5,7 @@
     <p:sldMasterId id="2147483660" r:id="rId1"/>
   </p:sldMasterIdLst>
   <p:notesMasterIdLst>
-    <p:notesMasterId r:id="rId34"/>
+    <p:notesMasterId r:id="rId32"/>
   </p:notesMasterIdLst>
   <p:sldIdLst>
     <p:sldId id="256" r:id="rId2"/>
@@ -26,20 +26,18 @@
     <p:sldId id="270" r:id="rId17"/>
     <p:sldId id="271" r:id="rId18"/>
     <p:sldId id="280" r:id="rId19"/>
-    <p:sldId id="287" r:id="rId20"/>
-    <p:sldId id="288" r:id="rId21"/>
-    <p:sldId id="281" r:id="rId22"/>
-    <p:sldId id="282" r:id="rId23"/>
-    <p:sldId id="283" r:id="rId24"/>
-    <p:sldId id="284" r:id="rId25"/>
-    <p:sldId id="272" r:id="rId26"/>
-    <p:sldId id="273" r:id="rId27"/>
-    <p:sldId id="274" r:id="rId28"/>
-    <p:sldId id="275" r:id="rId29"/>
-    <p:sldId id="276" r:id="rId30"/>
-    <p:sldId id="277" r:id="rId31"/>
-    <p:sldId id="285" r:id="rId32"/>
-    <p:sldId id="286" r:id="rId33"/>
+    <p:sldId id="281" r:id="rId20"/>
+    <p:sldId id="282" r:id="rId21"/>
+    <p:sldId id="283" r:id="rId22"/>
+    <p:sldId id="284" r:id="rId23"/>
+    <p:sldId id="272" r:id="rId24"/>
+    <p:sldId id="273" r:id="rId25"/>
+    <p:sldId id="274" r:id="rId26"/>
+    <p:sldId id="275" r:id="rId27"/>
+    <p:sldId id="276" r:id="rId28"/>
+    <p:sldId id="277" r:id="rId29"/>
+    <p:sldId id="285" r:id="rId30"/>
+    <p:sldId id="286" r:id="rId31"/>
   </p:sldIdLst>
   <p:sldSz cx="9144000" cy="6858000" type="screen4x3"/>
   <p:notesSz cx="6858000" cy="9144000"/>
@@ -239,7 +237,7 @@
           <a:p>
             <a:fld id="{A7E72C35-2EF5-46FA-B31D-735D5F06BB33}" type="datetimeFigureOut">
               <a:rPr lang="en-US" smtClean="0"/>
-              <a:t>2/23/2015</a:t>
+              <a:t>2/29/2016</a:t>
             </a:fld>
             <a:endParaRPr lang="en-US"/>
           </a:p>
@@ -7677,704 +7675,6 @@
         </p:nvSpPr>
         <p:spPr/>
         <p:txBody>
-          <a:bodyPr>
-            <a:normAutofit/>
-          </a:bodyPr>
-          <a:lstStyle/>
-          <a:p>
-            <a:r>
-              <a:rPr lang="en-US" dirty="0" smtClean="0"/>
-              <a:t>Recap: </a:t>
-            </a:r>
-            <a:r>
-              <a:rPr lang="en-US" dirty="0"/>
-              <a:t>Lexical </a:t>
-            </a:r>
-            <a:r>
-              <a:rPr lang="en-US" dirty="0" smtClean="0"/>
-              <a:t>semantics</a:t>
-            </a:r>
-            <a:endParaRPr lang="en-US" dirty="0"/>
-          </a:p>
-        </p:txBody>
-      </p:sp>
-      <p:sp>
-        <p:nvSpPr>
-          <p:cNvPr id="3" name="Content Placeholder 2"/>
-          <p:cNvSpPr>
-            <a:spLocks noGrp="1"/>
-          </p:cNvSpPr>
-          <p:nvPr>
-            <p:ph idx="1"/>
-          </p:nvPr>
-        </p:nvSpPr>
-        <p:spPr/>
-        <p:txBody>
-          <a:bodyPr/>
-          <a:lstStyle/>
-          <a:p>
-            <a:pPr marL="342900" lvl="1" indent="-342900">
-              <a:buFont typeface="Arial" panose="020B0604020202020204" pitchFamily="34" charset="0"/>
-              <a:buChar char="•"/>
-            </a:pPr>
-            <a:r>
-              <a:rPr lang="en-US" sz="3200" dirty="0"/>
-              <a:t>Meaning of words</a:t>
-            </a:r>
-          </a:p>
-          <a:p>
-            <a:pPr lvl="1"/>
-            <a:r>
-              <a:rPr lang="en-US" dirty="0" smtClean="0"/>
-              <a:t>Within a word</a:t>
-            </a:r>
-          </a:p>
-          <a:p>
-            <a:pPr lvl="2"/>
-            <a:r>
-              <a:rPr lang="en-US" dirty="0" smtClean="0"/>
-              <a:t>Polysemy and homonyms  </a:t>
-            </a:r>
-          </a:p>
-          <a:p>
-            <a:pPr lvl="1"/>
-            <a:r>
-              <a:rPr lang="en-US" dirty="0" smtClean="0"/>
-              <a:t>Between words</a:t>
-            </a:r>
-          </a:p>
-          <a:p>
-            <a:pPr lvl="2"/>
-            <a:r>
-              <a:rPr lang="en-US" dirty="0" smtClean="0"/>
-              <a:t>Symmetric relations</a:t>
-            </a:r>
-          </a:p>
-          <a:p>
-            <a:pPr lvl="3"/>
-            <a:r>
-              <a:rPr lang="en-US" dirty="0" smtClean="0"/>
-              <a:t>Synonyms and antonyms</a:t>
-            </a:r>
-          </a:p>
-          <a:p>
-            <a:pPr lvl="2"/>
-            <a:r>
-              <a:rPr lang="en-US" dirty="0" smtClean="0"/>
-              <a:t>Hierarchical relations</a:t>
-            </a:r>
-          </a:p>
-          <a:p>
-            <a:pPr lvl="3"/>
-            <a:r>
-              <a:rPr lang="en-US" dirty="0" err="1"/>
-              <a:t>Hypernyms</a:t>
-            </a:r>
-            <a:r>
-              <a:rPr lang="en-US" dirty="0"/>
-              <a:t> and </a:t>
-            </a:r>
-            <a:r>
-              <a:rPr lang="en-US" dirty="0" smtClean="0"/>
-              <a:t>hyponyms</a:t>
-            </a:r>
-          </a:p>
-          <a:p>
-            <a:pPr lvl="3"/>
-            <a:r>
-              <a:rPr lang="en-US" dirty="0" err="1"/>
-              <a:t>Holonyms</a:t>
-            </a:r>
-            <a:r>
-              <a:rPr lang="en-US" dirty="0"/>
-              <a:t> and </a:t>
-            </a:r>
-            <a:r>
-              <a:rPr lang="en-US" dirty="0" err="1"/>
-              <a:t>meronyms</a:t>
-            </a:r>
-            <a:endParaRPr lang="en-US" dirty="0" smtClean="0"/>
-          </a:p>
-          <a:p>
-            <a:pPr lvl="3"/>
-            <a:endParaRPr lang="en-US" dirty="0" smtClean="0"/>
-          </a:p>
-          <a:p>
-            <a:pPr lvl="3"/>
-            <a:endParaRPr lang="en-US" dirty="0" smtClean="0"/>
-          </a:p>
-          <a:p>
-            <a:pPr lvl="3"/>
-            <a:endParaRPr lang="en-US" dirty="0"/>
-          </a:p>
-        </p:txBody>
-      </p:sp>
-      <p:sp>
-        <p:nvSpPr>
-          <p:cNvPr id="4" name="Date Placeholder 3"/>
-          <p:cNvSpPr>
-            <a:spLocks noGrp="1"/>
-          </p:cNvSpPr>
-          <p:nvPr>
-            <p:ph type="dt" sz="half" idx="10"/>
-          </p:nvPr>
-        </p:nvSpPr>
-        <p:spPr/>
-        <p:txBody>
-          <a:bodyPr/>
-          <a:lstStyle/>
-          <a:p>
-            <a:r>
-              <a:rPr lang="en-US" smtClean="0"/>
-              <a:t>CS@UVa</a:t>
-            </a:r>
-            <a:endParaRPr lang="en-US"/>
-          </a:p>
-        </p:txBody>
-      </p:sp>
-      <p:sp>
-        <p:nvSpPr>
-          <p:cNvPr id="5" name="Footer Placeholder 4"/>
-          <p:cNvSpPr>
-            <a:spLocks noGrp="1"/>
-          </p:cNvSpPr>
-          <p:nvPr>
-            <p:ph type="ftr" sz="quarter" idx="11"/>
-          </p:nvPr>
-        </p:nvSpPr>
-        <p:spPr/>
-        <p:txBody>
-          <a:bodyPr/>
-          <a:lstStyle/>
-          <a:p>
-            <a:r>
-              <a:rPr lang="en-US" smtClean="0"/>
-              <a:t>CS 6501: Text Mining</a:t>
-            </a:r>
-            <a:endParaRPr lang="en-US"/>
-          </a:p>
-        </p:txBody>
-      </p:sp>
-      <p:sp>
-        <p:nvSpPr>
-          <p:cNvPr id="6" name="Slide Number Placeholder 5"/>
-          <p:cNvSpPr>
-            <a:spLocks noGrp="1"/>
-          </p:cNvSpPr>
-          <p:nvPr>
-            <p:ph type="sldNum" sz="quarter" idx="12"/>
-          </p:nvPr>
-        </p:nvSpPr>
-        <p:spPr/>
-        <p:txBody>
-          <a:bodyPr/>
-          <a:lstStyle/>
-          <a:p>
-            <a:fld id="{C76E115C-33BC-45ED-8DBD-F9FA6141D6D2}" type="slidenum">
-              <a:rPr lang="en-US" smtClean="0"/>
-              <a:t>19</a:t>
-            </a:fld>
-            <a:endParaRPr lang="en-US"/>
-          </a:p>
-        </p:txBody>
-      </p:sp>
-    </p:spTree>
-    <p:extLst>
-      <p:ext uri="{BB962C8B-B14F-4D97-AF65-F5344CB8AC3E}">
-        <p14:creationId xmlns:p14="http://schemas.microsoft.com/office/powerpoint/2010/main" val="2088681087"/>
-      </p:ext>
-    </p:extLst>
-  </p:cSld>
-  <p:clrMapOvr>
-    <a:masterClrMapping/>
-  </p:clrMapOvr>
-</p:sld>
-</file>
-
-<file path=ppt/slides/slide2.xml><?xml version="1.0" encoding="utf-8"?>
-<p:sld xmlns:a="http://schemas.openxmlformats.org/drawingml/2006/main" xmlns:r="http://schemas.openxmlformats.org/officeDocument/2006/relationships" xmlns:p="http://schemas.openxmlformats.org/presentationml/2006/main">
-  <p:cSld>
-    <p:spTree>
-      <p:nvGrpSpPr>
-        <p:cNvPr id="1" name=""/>
-        <p:cNvGrpSpPr/>
-        <p:nvPr/>
-      </p:nvGrpSpPr>
-      <p:grpSpPr>
-        <a:xfrm>
-          <a:off x="0" y="0"/>
-          <a:ext cx="0" cy="0"/>
-          <a:chOff x="0" y="0"/>
-          <a:chExt cx="0" cy="0"/>
-        </a:xfrm>
-      </p:grpSpPr>
-      <p:sp>
-        <p:nvSpPr>
-          <p:cNvPr id="6" name="Title 5"/>
-          <p:cNvSpPr>
-            <a:spLocks noGrp="1"/>
-          </p:cNvSpPr>
-          <p:nvPr>
-            <p:ph type="title"/>
-          </p:nvPr>
-        </p:nvSpPr>
-        <p:spPr/>
-        <p:txBody>
-          <a:bodyPr/>
-          <a:lstStyle/>
-          <a:p>
-            <a:r>
-              <a:rPr lang="en-US" dirty="0" smtClean="0"/>
-              <a:t>Today’s lecture</a:t>
-            </a:r>
-            <a:endParaRPr lang="en-US" dirty="0"/>
-          </a:p>
-        </p:txBody>
-      </p:sp>
-      <p:sp>
-        <p:nvSpPr>
-          <p:cNvPr id="7" name="Content Placeholder 6"/>
-          <p:cNvSpPr>
-            <a:spLocks noGrp="1"/>
-          </p:cNvSpPr>
-          <p:nvPr>
-            <p:ph idx="1"/>
-          </p:nvPr>
-        </p:nvSpPr>
-        <p:spPr/>
-        <p:txBody>
-          <a:bodyPr>
-            <a:normAutofit lnSpcReduction="10000"/>
-          </a:bodyPr>
-          <a:lstStyle/>
-          <a:p>
-            <a:pPr marL="514350" indent="-514350">
-              <a:buFont typeface="+mj-lt"/>
-              <a:buAutoNum type="arabicPeriod"/>
-            </a:pPr>
-            <a:r>
-              <a:rPr lang="en-US" dirty="0" smtClean="0"/>
-              <a:t>Lexical semantics</a:t>
-            </a:r>
-          </a:p>
-          <a:p>
-            <a:pPr lvl="1"/>
-            <a:r>
-              <a:rPr lang="en-US" dirty="0" smtClean="0"/>
-              <a:t>Meaning of words</a:t>
-            </a:r>
-          </a:p>
-          <a:p>
-            <a:pPr lvl="1"/>
-            <a:r>
-              <a:rPr lang="en-US" dirty="0" smtClean="0"/>
-              <a:t>Relation between different meanings</a:t>
-            </a:r>
-          </a:p>
-          <a:p>
-            <a:pPr marL="514350" indent="-514350">
-              <a:buFont typeface="+mj-lt"/>
-              <a:buAutoNum type="arabicPeriod"/>
-            </a:pPr>
-            <a:r>
-              <a:rPr lang="en-US" dirty="0" smtClean="0"/>
-              <a:t>WordNet</a:t>
-            </a:r>
-          </a:p>
-          <a:p>
-            <a:pPr marL="804863" lvl="1" indent="-347663"/>
-            <a:r>
-              <a:rPr lang="en-US" dirty="0" smtClean="0"/>
-              <a:t>An ontology structure of word senses</a:t>
-            </a:r>
-          </a:p>
-          <a:p>
-            <a:pPr marL="804863" lvl="1" indent="-347663"/>
-            <a:r>
-              <a:rPr lang="en-US" dirty="0" smtClean="0"/>
-              <a:t>Similarity between words</a:t>
-            </a:r>
-          </a:p>
-          <a:p>
-            <a:pPr marL="571500" indent="-514350">
-              <a:buFont typeface="+mj-lt"/>
-              <a:buAutoNum type="arabicPeriod"/>
-            </a:pPr>
-            <a:r>
-              <a:rPr lang="en-US" dirty="0" smtClean="0"/>
-              <a:t>Distributional semantics</a:t>
-            </a:r>
-          </a:p>
-          <a:p>
-            <a:pPr marL="804863" lvl="1" indent="-347663"/>
-            <a:r>
-              <a:rPr lang="en-US" dirty="0" smtClean="0"/>
-              <a:t>Similarity between words</a:t>
-            </a:r>
-          </a:p>
-          <a:p>
-            <a:pPr marL="804863" lvl="1" indent="-347663"/>
-            <a:r>
-              <a:rPr lang="en-US" dirty="0" smtClean="0"/>
-              <a:t>Word sense disambiguation</a:t>
-            </a:r>
-            <a:endParaRPr lang="en-US" dirty="0"/>
-          </a:p>
-        </p:txBody>
-      </p:sp>
-      <p:sp>
-        <p:nvSpPr>
-          <p:cNvPr id="3" name="Date Placeholder 2"/>
-          <p:cNvSpPr>
-            <a:spLocks noGrp="1"/>
-          </p:cNvSpPr>
-          <p:nvPr>
-            <p:ph type="dt" sz="half" idx="10"/>
-          </p:nvPr>
-        </p:nvSpPr>
-        <p:spPr/>
-        <p:txBody>
-          <a:bodyPr/>
-          <a:lstStyle/>
-          <a:p>
-            <a:r>
-              <a:rPr lang="en-US" smtClean="0"/>
-              <a:t>CS@UVa</a:t>
-            </a:r>
-            <a:endParaRPr lang="en-US"/>
-          </a:p>
-        </p:txBody>
-      </p:sp>
-      <p:sp>
-        <p:nvSpPr>
-          <p:cNvPr id="4" name="Footer Placeholder 3"/>
-          <p:cNvSpPr>
-            <a:spLocks noGrp="1"/>
-          </p:cNvSpPr>
-          <p:nvPr>
-            <p:ph type="ftr" sz="quarter" idx="11"/>
-          </p:nvPr>
-        </p:nvSpPr>
-        <p:spPr/>
-        <p:txBody>
-          <a:bodyPr/>
-          <a:lstStyle/>
-          <a:p>
-            <a:r>
-              <a:rPr lang="en-US" smtClean="0"/>
-              <a:t>CS 6501: Text Mining</a:t>
-            </a:r>
-            <a:endParaRPr lang="en-US"/>
-          </a:p>
-        </p:txBody>
-      </p:sp>
-      <p:sp>
-        <p:nvSpPr>
-          <p:cNvPr id="5" name="Slide Number Placeholder 4"/>
-          <p:cNvSpPr>
-            <a:spLocks noGrp="1"/>
-          </p:cNvSpPr>
-          <p:nvPr>
-            <p:ph type="sldNum" sz="quarter" idx="12"/>
-          </p:nvPr>
-        </p:nvSpPr>
-        <p:spPr/>
-        <p:txBody>
-          <a:bodyPr/>
-          <a:lstStyle/>
-          <a:p>
-            <a:fld id="{2A9F8BE9-47C8-4C45-B88F-68A848B0515F}" type="slidenum">
-              <a:rPr lang="en-US" smtClean="0"/>
-              <a:t>2</a:t>
-            </a:fld>
-            <a:endParaRPr lang="en-US"/>
-          </a:p>
-        </p:txBody>
-      </p:sp>
-    </p:spTree>
-    <p:extLst>
-      <p:ext uri="{BB962C8B-B14F-4D97-AF65-F5344CB8AC3E}">
-        <p14:creationId xmlns:p14="http://schemas.microsoft.com/office/powerpoint/2010/main" val="1086884370"/>
-      </p:ext>
-    </p:extLst>
-  </p:cSld>
-  <p:clrMapOvr>
-    <a:masterClrMapping/>
-  </p:clrMapOvr>
-  <p:timing>
-    <p:tnLst>
-      <p:par>
-        <p:cTn id="1" dur="indefinite" restart="never" nodeType="tmRoot"/>
-      </p:par>
-    </p:tnLst>
-  </p:timing>
-</p:sld>
-</file>
-
-<file path=ppt/slides/slide20.xml><?xml version="1.0" encoding="utf-8"?>
-<p:sld xmlns:a="http://schemas.openxmlformats.org/drawingml/2006/main" xmlns:r="http://schemas.openxmlformats.org/officeDocument/2006/relationships" xmlns:p="http://schemas.openxmlformats.org/presentationml/2006/main">
-  <p:cSld>
-    <p:spTree>
-      <p:nvGrpSpPr>
-        <p:cNvPr id="1" name=""/>
-        <p:cNvGrpSpPr/>
-        <p:nvPr/>
-      </p:nvGrpSpPr>
-      <p:grpSpPr>
-        <a:xfrm>
-          <a:off x="0" y="0"/>
-          <a:ext cx="0" cy="0"/>
-          <a:chOff x="0" y="0"/>
-          <a:chExt cx="0" cy="0"/>
-        </a:xfrm>
-      </p:grpSpPr>
-      <p:sp>
-        <p:nvSpPr>
-          <p:cNvPr id="2" name="Title 1"/>
-          <p:cNvSpPr>
-            <a:spLocks noGrp="1"/>
-          </p:cNvSpPr>
-          <p:nvPr>
-            <p:ph type="title"/>
-          </p:nvPr>
-        </p:nvSpPr>
-        <p:spPr/>
-        <p:txBody>
-          <a:bodyPr>
-            <a:normAutofit/>
-          </a:bodyPr>
-          <a:lstStyle/>
-          <a:p>
-            <a:r>
-              <a:rPr lang="en-US" dirty="0" smtClean="0"/>
-              <a:t>Recap: WordNet</a:t>
-            </a:r>
-            <a:endParaRPr lang="en-US" dirty="0"/>
-          </a:p>
-        </p:txBody>
-      </p:sp>
-      <p:sp>
-        <p:nvSpPr>
-          <p:cNvPr id="3" name="Content Placeholder 2"/>
-          <p:cNvSpPr>
-            <a:spLocks noGrp="1"/>
-          </p:cNvSpPr>
-          <p:nvPr>
-            <p:ph idx="1"/>
-          </p:nvPr>
-        </p:nvSpPr>
-        <p:spPr/>
-        <p:txBody>
-          <a:bodyPr/>
-          <a:lstStyle/>
-          <a:p>
-            <a:pPr marL="404813" indent="-347663"/>
-            <a:r>
-              <a:rPr lang="en-US" sz="3600" dirty="0"/>
-              <a:t>An ontology structure of word </a:t>
-            </a:r>
-            <a:r>
-              <a:rPr lang="en-US" sz="3600" dirty="0" smtClean="0"/>
-              <a:t>senses</a:t>
-            </a:r>
-          </a:p>
-          <a:p>
-            <a:pPr marL="804863" lvl="1" indent="-347663"/>
-            <a:r>
-              <a:rPr lang="en-US" dirty="0" smtClean="0"/>
-              <a:t>Nodes on the graph: </a:t>
-            </a:r>
-            <a:r>
-              <a:rPr lang="en-US" dirty="0"/>
-              <a:t>synonym </a:t>
-            </a:r>
-            <a:r>
-              <a:rPr lang="en-US" dirty="0" smtClean="0"/>
-              <a:t>sets</a:t>
-            </a:r>
-          </a:p>
-          <a:p>
-            <a:pPr marL="804863" lvl="1" indent="-347663"/>
-            <a:r>
-              <a:rPr lang="en-US" dirty="0"/>
-              <a:t>Conceptual-semantic relations</a:t>
-            </a:r>
-          </a:p>
-          <a:p>
-            <a:pPr marL="804863" lvl="1" indent="-347663"/>
-            <a:r>
-              <a:rPr lang="en-US" dirty="0" smtClean="0"/>
-              <a:t>Similarity</a:t>
-            </a:r>
-          </a:p>
-          <a:p>
-            <a:pPr marL="1204913" lvl="2" indent="-347663"/>
-            <a:r>
-              <a:rPr lang="en-US" dirty="0"/>
-              <a:t>Shortest path between two </a:t>
-            </a:r>
-            <a:r>
-              <a:rPr lang="en-US" dirty="0" smtClean="0"/>
-              <a:t>concepts</a:t>
-            </a:r>
-          </a:p>
-          <a:p>
-            <a:pPr marL="1204913" lvl="2" indent="-347663"/>
-            <a:r>
-              <a:rPr lang="en-US" dirty="0"/>
-              <a:t>Path length to the root node from the least common </a:t>
-            </a:r>
-            <a:r>
-              <a:rPr lang="en-US" dirty="0" err="1"/>
-              <a:t>subsumer</a:t>
-            </a:r>
-            <a:r>
-              <a:rPr lang="en-US" dirty="0"/>
-              <a:t> (LCS) of the two concepts </a:t>
-            </a:r>
-            <a:endParaRPr lang="en-US" dirty="0" smtClean="0"/>
-          </a:p>
-          <a:p>
-            <a:pPr marL="1204913" lvl="2" indent="-347663"/>
-            <a:endParaRPr lang="en-US" dirty="0" smtClean="0"/>
-          </a:p>
-          <a:p>
-            <a:pPr marL="1204913" lvl="2" indent="-347663"/>
-            <a:endParaRPr lang="en-US" dirty="0" smtClean="0"/>
-          </a:p>
-          <a:p>
-            <a:pPr marL="804863" lvl="1" indent="-347663"/>
-            <a:endParaRPr lang="en-US" dirty="0" smtClean="0"/>
-          </a:p>
-          <a:p>
-            <a:pPr marL="804863" lvl="1" indent="-347663"/>
-            <a:endParaRPr lang="en-US" dirty="0"/>
-          </a:p>
-          <a:p>
-            <a:pPr lvl="3"/>
-            <a:endParaRPr lang="en-US" dirty="0" smtClean="0"/>
-          </a:p>
-          <a:p>
-            <a:pPr lvl="3"/>
-            <a:endParaRPr lang="en-US" dirty="0" smtClean="0"/>
-          </a:p>
-          <a:p>
-            <a:pPr lvl="3"/>
-            <a:endParaRPr lang="en-US" dirty="0"/>
-          </a:p>
-        </p:txBody>
-      </p:sp>
-      <p:sp>
-        <p:nvSpPr>
-          <p:cNvPr id="4" name="Date Placeholder 3"/>
-          <p:cNvSpPr>
-            <a:spLocks noGrp="1"/>
-          </p:cNvSpPr>
-          <p:nvPr>
-            <p:ph type="dt" sz="half" idx="10"/>
-          </p:nvPr>
-        </p:nvSpPr>
-        <p:spPr/>
-        <p:txBody>
-          <a:bodyPr/>
-          <a:lstStyle/>
-          <a:p>
-            <a:r>
-              <a:rPr lang="en-US" smtClean="0"/>
-              <a:t>CS@UVa</a:t>
-            </a:r>
-            <a:endParaRPr lang="en-US"/>
-          </a:p>
-        </p:txBody>
-      </p:sp>
-      <p:sp>
-        <p:nvSpPr>
-          <p:cNvPr id="5" name="Footer Placeholder 4"/>
-          <p:cNvSpPr>
-            <a:spLocks noGrp="1"/>
-          </p:cNvSpPr>
-          <p:nvPr>
-            <p:ph type="ftr" sz="quarter" idx="11"/>
-          </p:nvPr>
-        </p:nvSpPr>
-        <p:spPr/>
-        <p:txBody>
-          <a:bodyPr/>
-          <a:lstStyle/>
-          <a:p>
-            <a:r>
-              <a:rPr lang="en-US" smtClean="0"/>
-              <a:t>CS 6501: Text Mining</a:t>
-            </a:r>
-            <a:endParaRPr lang="en-US"/>
-          </a:p>
-        </p:txBody>
-      </p:sp>
-      <p:sp>
-        <p:nvSpPr>
-          <p:cNvPr id="6" name="Slide Number Placeholder 5"/>
-          <p:cNvSpPr>
-            <a:spLocks noGrp="1"/>
-          </p:cNvSpPr>
-          <p:nvPr>
-            <p:ph type="sldNum" sz="quarter" idx="12"/>
-          </p:nvPr>
-        </p:nvSpPr>
-        <p:spPr/>
-        <p:txBody>
-          <a:bodyPr/>
-          <a:lstStyle/>
-          <a:p>
-            <a:fld id="{C76E115C-33BC-45ED-8DBD-F9FA6141D6D2}" type="slidenum">
-              <a:rPr lang="en-US" smtClean="0"/>
-              <a:t>20</a:t>
-            </a:fld>
-            <a:endParaRPr lang="en-US"/>
-          </a:p>
-        </p:txBody>
-      </p:sp>
-    </p:spTree>
-    <p:extLst>
-      <p:ext uri="{BB962C8B-B14F-4D97-AF65-F5344CB8AC3E}">
-        <p14:creationId xmlns:p14="http://schemas.microsoft.com/office/powerpoint/2010/main" val="1405440498"/>
-      </p:ext>
-    </p:extLst>
-  </p:cSld>
-  <p:clrMapOvr>
-    <a:masterClrMapping/>
-  </p:clrMapOvr>
-</p:sld>
-</file>
-
-<file path=ppt/slides/slide21.xml><?xml version="1.0" encoding="utf-8"?>
-<p:sld xmlns:a="http://schemas.openxmlformats.org/drawingml/2006/main" xmlns:r="http://schemas.openxmlformats.org/officeDocument/2006/relationships" xmlns:p="http://schemas.openxmlformats.org/presentationml/2006/main">
-  <p:cSld>
-    <p:spTree>
-      <p:nvGrpSpPr>
-        <p:cNvPr id="1" name=""/>
-        <p:cNvGrpSpPr/>
-        <p:nvPr/>
-      </p:nvGrpSpPr>
-      <p:grpSpPr>
-        <a:xfrm>
-          <a:off x="0" y="0"/>
-          <a:ext cx="0" cy="0"/>
-          <a:chOff x="0" y="0"/>
-          <a:chExt cx="0" cy="0"/>
-        </a:xfrm>
-      </p:grpSpPr>
-      <p:sp>
-        <p:nvSpPr>
-          <p:cNvPr id="2" name="Title 1"/>
-          <p:cNvSpPr>
-            <a:spLocks noGrp="1"/>
-          </p:cNvSpPr>
-          <p:nvPr>
-            <p:ph type="title"/>
-          </p:nvPr>
-        </p:nvSpPr>
-        <p:spPr/>
-        <p:txBody>
           <a:bodyPr/>
           <a:lstStyle/>
           <a:p>
@@ -8714,7 +8014,7 @@
           <a:p>
             <a:fld id="{C76E115C-33BC-45ED-8DBD-F9FA6141D6D2}" type="slidenum">
               <a:rPr lang="en-US" smtClean="0"/>
-              <a:t>21</a:t>
+              <a:t>19</a:t>
             </a:fld>
             <a:endParaRPr lang="en-US"/>
           </a:p>
@@ -9088,7 +8388,7 @@
 </p:sld>
 </file>
 
-<file path=ppt/slides/slide22.xml><?xml version="1.0" encoding="utf-8"?>
+<file path=ppt/slides/slide2.xml><?xml version="1.0" encoding="utf-8"?>
 <p:sld xmlns:a="http://schemas.openxmlformats.org/drawingml/2006/main" xmlns:r="http://schemas.openxmlformats.org/officeDocument/2006/relationships" xmlns:p="http://schemas.openxmlformats.org/presentationml/2006/main">
   <p:cSld>
     <p:spTree>
@@ -9107,6 +8407,226 @@
       </p:grpSpPr>
       <p:sp>
         <p:nvSpPr>
+          <p:cNvPr id="6" name="Title 5"/>
+          <p:cNvSpPr>
+            <a:spLocks noGrp="1"/>
+          </p:cNvSpPr>
+          <p:nvPr>
+            <p:ph type="title"/>
+          </p:nvPr>
+        </p:nvSpPr>
+        <p:spPr/>
+        <p:txBody>
+          <a:bodyPr/>
+          <a:lstStyle/>
+          <a:p>
+            <a:r>
+              <a:rPr lang="en-US" dirty="0" smtClean="0"/>
+              <a:t>Today’s lecture</a:t>
+            </a:r>
+            <a:endParaRPr lang="en-US" dirty="0"/>
+          </a:p>
+        </p:txBody>
+      </p:sp>
+      <p:sp>
+        <p:nvSpPr>
+          <p:cNvPr id="7" name="Content Placeholder 6"/>
+          <p:cNvSpPr>
+            <a:spLocks noGrp="1"/>
+          </p:cNvSpPr>
+          <p:nvPr>
+            <p:ph idx="1"/>
+          </p:nvPr>
+        </p:nvSpPr>
+        <p:spPr/>
+        <p:txBody>
+          <a:bodyPr>
+            <a:normAutofit lnSpcReduction="10000"/>
+          </a:bodyPr>
+          <a:lstStyle/>
+          <a:p>
+            <a:pPr marL="514350" indent="-514350">
+              <a:buFont typeface="+mj-lt"/>
+              <a:buAutoNum type="arabicPeriod"/>
+            </a:pPr>
+            <a:r>
+              <a:rPr lang="en-US" dirty="0" smtClean="0"/>
+              <a:t>Lexical semantics</a:t>
+            </a:r>
+          </a:p>
+          <a:p>
+            <a:pPr lvl="1"/>
+            <a:r>
+              <a:rPr lang="en-US" dirty="0" smtClean="0"/>
+              <a:t>Meaning of words</a:t>
+            </a:r>
+          </a:p>
+          <a:p>
+            <a:pPr lvl="1"/>
+            <a:r>
+              <a:rPr lang="en-US" dirty="0" smtClean="0"/>
+              <a:t>Relation between different meanings</a:t>
+            </a:r>
+          </a:p>
+          <a:p>
+            <a:pPr marL="514350" indent="-514350">
+              <a:buFont typeface="+mj-lt"/>
+              <a:buAutoNum type="arabicPeriod"/>
+            </a:pPr>
+            <a:r>
+              <a:rPr lang="en-US" dirty="0" smtClean="0"/>
+              <a:t>WordNet</a:t>
+            </a:r>
+          </a:p>
+          <a:p>
+            <a:pPr marL="804863" lvl="1" indent="-347663"/>
+            <a:r>
+              <a:rPr lang="en-US" dirty="0" smtClean="0"/>
+              <a:t>An ontology structure of word senses</a:t>
+            </a:r>
+          </a:p>
+          <a:p>
+            <a:pPr marL="804863" lvl="1" indent="-347663"/>
+            <a:r>
+              <a:rPr lang="en-US" dirty="0" smtClean="0"/>
+              <a:t>Similarity between words</a:t>
+            </a:r>
+          </a:p>
+          <a:p>
+            <a:pPr marL="571500" indent="-514350">
+              <a:buFont typeface="+mj-lt"/>
+              <a:buAutoNum type="arabicPeriod"/>
+            </a:pPr>
+            <a:r>
+              <a:rPr lang="en-US" dirty="0" smtClean="0"/>
+              <a:t>Distributional semantics</a:t>
+            </a:r>
+          </a:p>
+          <a:p>
+            <a:pPr marL="804863" lvl="1" indent="-347663"/>
+            <a:r>
+              <a:rPr lang="en-US" dirty="0" smtClean="0"/>
+              <a:t>Similarity between words</a:t>
+            </a:r>
+          </a:p>
+          <a:p>
+            <a:pPr marL="804863" lvl="1" indent="-347663"/>
+            <a:r>
+              <a:rPr lang="en-US" dirty="0" smtClean="0"/>
+              <a:t>Word sense disambiguation</a:t>
+            </a:r>
+            <a:endParaRPr lang="en-US" dirty="0"/>
+          </a:p>
+        </p:txBody>
+      </p:sp>
+      <p:sp>
+        <p:nvSpPr>
+          <p:cNvPr id="3" name="Date Placeholder 2"/>
+          <p:cNvSpPr>
+            <a:spLocks noGrp="1"/>
+          </p:cNvSpPr>
+          <p:nvPr>
+            <p:ph type="dt" sz="half" idx="10"/>
+          </p:nvPr>
+        </p:nvSpPr>
+        <p:spPr/>
+        <p:txBody>
+          <a:bodyPr/>
+          <a:lstStyle/>
+          <a:p>
+            <a:r>
+              <a:rPr lang="en-US" smtClean="0"/>
+              <a:t>CS@UVa</a:t>
+            </a:r>
+            <a:endParaRPr lang="en-US"/>
+          </a:p>
+        </p:txBody>
+      </p:sp>
+      <p:sp>
+        <p:nvSpPr>
+          <p:cNvPr id="4" name="Footer Placeholder 3"/>
+          <p:cNvSpPr>
+            <a:spLocks noGrp="1"/>
+          </p:cNvSpPr>
+          <p:nvPr>
+            <p:ph type="ftr" sz="quarter" idx="11"/>
+          </p:nvPr>
+        </p:nvSpPr>
+        <p:spPr/>
+        <p:txBody>
+          <a:bodyPr/>
+          <a:lstStyle/>
+          <a:p>
+            <a:r>
+              <a:rPr lang="en-US" smtClean="0"/>
+              <a:t>CS 6501: Text Mining</a:t>
+            </a:r>
+            <a:endParaRPr lang="en-US"/>
+          </a:p>
+        </p:txBody>
+      </p:sp>
+      <p:sp>
+        <p:nvSpPr>
+          <p:cNvPr id="5" name="Slide Number Placeholder 4"/>
+          <p:cNvSpPr>
+            <a:spLocks noGrp="1"/>
+          </p:cNvSpPr>
+          <p:nvPr>
+            <p:ph type="sldNum" sz="quarter" idx="12"/>
+          </p:nvPr>
+        </p:nvSpPr>
+        <p:spPr/>
+        <p:txBody>
+          <a:bodyPr/>
+          <a:lstStyle/>
+          <a:p>
+            <a:fld id="{2A9F8BE9-47C8-4C45-B88F-68A848B0515F}" type="slidenum">
+              <a:rPr lang="en-US" smtClean="0"/>
+              <a:t>2</a:t>
+            </a:fld>
+            <a:endParaRPr lang="en-US"/>
+          </a:p>
+        </p:txBody>
+      </p:sp>
+    </p:spTree>
+    <p:extLst>
+      <p:ext uri="{BB962C8B-B14F-4D97-AF65-F5344CB8AC3E}">
+        <p14:creationId xmlns:p14="http://schemas.microsoft.com/office/powerpoint/2010/main" val="1086884370"/>
+      </p:ext>
+    </p:extLst>
+  </p:cSld>
+  <p:clrMapOvr>
+    <a:masterClrMapping/>
+  </p:clrMapOvr>
+  <p:timing>
+    <p:tnLst>
+      <p:par>
+        <p:cTn id="1" dur="indefinite" restart="never" nodeType="tmRoot"/>
+      </p:par>
+    </p:tnLst>
+  </p:timing>
+</p:sld>
+</file>
+
+<file path=ppt/slides/slide20.xml><?xml version="1.0" encoding="utf-8"?>
+<p:sld xmlns:a="http://schemas.openxmlformats.org/drawingml/2006/main" xmlns:r="http://schemas.openxmlformats.org/officeDocument/2006/relationships" xmlns:p="http://schemas.openxmlformats.org/presentationml/2006/main">
+  <p:cSld>
+    <p:spTree>
+      <p:nvGrpSpPr>
+        <p:cNvPr id="1" name=""/>
+        <p:cNvGrpSpPr/>
+        <p:nvPr/>
+      </p:nvGrpSpPr>
+      <p:grpSpPr>
+        <a:xfrm>
+          <a:off x="0" y="0"/>
+          <a:ext cx="0" cy="0"/>
+          <a:chOff x="0" y="0"/>
+          <a:chExt cx="0" cy="0"/>
+        </a:xfrm>
+      </p:grpSpPr>
+      <p:sp>
+        <p:nvSpPr>
           <p:cNvPr id="2" name="Title 1"/>
           <p:cNvSpPr>
             <a:spLocks noGrp="1"/>
@@ -9128,8 +8648,8 @@
           </a:p>
         </p:txBody>
       </p:sp>
-      <mc:AlternateContent xmlns:mc="http://schemas.openxmlformats.org/markup-compatibility/2006">
-        <mc:Choice xmlns:a14="http://schemas.microsoft.com/office/drawing/2010/main" Requires="a14">
+      <mc:AlternateContent xmlns:mc="http://schemas.openxmlformats.org/markup-compatibility/2006" xmlns:a14="http://schemas.microsoft.com/office/drawing/2010/main">
+        <mc:Choice Requires="a14">
           <p:sp>
             <p:nvSpPr>
               <p:cNvPr id="3" name="Content Placeholder 2"/>
@@ -9350,15 +8870,7 @@
                 </a:r>
                 <a:r>
                   <a:rPr lang="en-US" dirty="0" smtClean="0"/>
-                  <a:t>the corpus but </a:t>
-                </a:r>
-                <a:r>
-                  <a:rPr lang="en-US" dirty="0" smtClean="0"/>
-                  <a:t>not too </a:t>
-                </a:r>
-                <a:r>
-                  <a:rPr lang="en-US" dirty="0" smtClean="0"/>
-                  <a:t>frequent (i.e., avoid </a:t>
+                  <a:t>the corpus but not too frequent (i.e., avoid </a:t>
                 </a:r>
                 <a:r>
                   <a:rPr lang="en-US" dirty="0" err="1" smtClean="0"/>
@@ -9495,7 +9007,7 @@
             </p:txBody>
           </p:sp>
         </mc:Choice>
-        <mc:Fallback>
+        <mc:Fallback xmlns="">
           <p:sp>
             <p:nvSpPr>
               <p:cNvPr id="3" name="Content Placeholder 2"/>
@@ -9596,7 +9108,7 @@
           <a:p>
             <a:fld id="{C76E115C-33BC-45ED-8DBD-F9FA6141D6D2}" type="slidenum">
               <a:rPr lang="en-US" smtClean="0"/>
-              <a:t>22</a:t>
+              <a:t>20</a:t>
             </a:fld>
             <a:endParaRPr lang="en-US"/>
           </a:p>
@@ -10130,7 +9642,7 @@
 </p:sld>
 </file>
 
-<file path=ppt/slides/slide23.xml><?xml version="1.0" encoding="utf-8"?>
+<file path=ppt/slides/slide21.xml><?xml version="1.0" encoding="utf-8"?>
 <p:sld xmlns:a="http://schemas.openxmlformats.org/drawingml/2006/main" xmlns:r="http://schemas.openxmlformats.org/officeDocument/2006/relationships" xmlns:p="http://schemas.openxmlformats.org/presentationml/2006/main">
   <p:cSld>
     <p:spTree>
@@ -10582,7 +10094,7 @@
           <a:p>
             <a:fld id="{C76E115C-33BC-45ED-8DBD-F9FA6141D6D2}" type="slidenum">
               <a:rPr lang="en-US" smtClean="0"/>
-              <a:t>23</a:t>
+              <a:t>21</a:t>
             </a:fld>
             <a:endParaRPr lang="en-US"/>
           </a:p>
@@ -10649,7 +10161,7 @@
 </p:sld>
 </file>
 
-<file path=ppt/slides/slide24.xml><?xml version="1.0" encoding="utf-8"?>
+<file path=ppt/slides/slide22.xml><?xml version="1.0" encoding="utf-8"?>
 <p:sld xmlns:a="http://schemas.openxmlformats.org/drawingml/2006/main" xmlns:r="http://schemas.openxmlformats.org/officeDocument/2006/relationships" xmlns:p="http://schemas.openxmlformats.org/presentationml/2006/main">
   <p:cSld>
     <p:spTree>
@@ -11056,7 +10568,7 @@
           <a:p>
             <a:fld id="{C76E115C-33BC-45ED-8DBD-F9FA6141D6D2}" type="slidenum">
               <a:rPr lang="en-US" smtClean="0"/>
-              <a:t>24</a:t>
+              <a:t>22</a:t>
             </a:fld>
             <a:endParaRPr lang="en-US"/>
           </a:p>
@@ -11076,8 +10588,8 @@
             <a:chExt cx="2582334" cy="1080514"/>
           </a:xfrm>
         </p:grpSpPr>
-        <mc:AlternateContent xmlns:mc="http://schemas.openxmlformats.org/markup-compatibility/2006">
-          <mc:Choice xmlns:a14="http://schemas.microsoft.com/office/drawing/2010/main" Requires="a14">
+        <mc:AlternateContent xmlns:mc="http://schemas.openxmlformats.org/markup-compatibility/2006" xmlns:a14="http://schemas.microsoft.com/office/drawing/2010/main">
+          <mc:Choice Requires="a14">
             <p:sp>
               <p:nvSpPr>
                 <p:cNvPr id="9" name="TextBox 8"/>
@@ -11137,7 +10649,7 @@
               </p:txBody>
             </p:sp>
           </mc:Choice>
-          <mc:Fallback>
+          <mc:Fallback xmlns="">
             <p:sp>
               <p:nvSpPr>
                 <p:cNvPr id="9" name="TextBox 8"/>
@@ -11229,8 +10741,8 @@
             <a:chExt cx="2082801" cy="744248"/>
           </a:xfrm>
         </p:grpSpPr>
-        <mc:AlternateContent xmlns:mc="http://schemas.openxmlformats.org/markup-compatibility/2006">
-          <mc:Choice xmlns:a14="http://schemas.microsoft.com/office/drawing/2010/main" Requires="a14">
+        <mc:AlternateContent xmlns:mc="http://schemas.openxmlformats.org/markup-compatibility/2006" xmlns:a14="http://schemas.microsoft.com/office/drawing/2010/main">
+          <mc:Choice Requires="a14">
             <p:sp>
               <p:nvSpPr>
                 <p:cNvPr id="7" name="TextBox 6"/>
@@ -11276,7 +10788,7 @@
               </p:txBody>
             </p:sp>
           </mc:Choice>
-          <mc:Fallback>
+          <mc:Fallback xmlns="">
             <p:sp>
               <p:nvSpPr>
                 <p:cNvPr id="7" name="TextBox 6"/>
@@ -11368,8 +10880,8 @@
             <a:chExt cx="2082801" cy="744248"/>
           </a:xfrm>
         </p:grpSpPr>
-        <mc:AlternateContent xmlns:mc="http://schemas.openxmlformats.org/markup-compatibility/2006">
-          <mc:Choice xmlns:a14="http://schemas.microsoft.com/office/drawing/2010/main" Requires="a14">
+        <mc:AlternateContent xmlns:mc="http://schemas.openxmlformats.org/markup-compatibility/2006" xmlns:a14="http://schemas.microsoft.com/office/drawing/2010/main">
+          <mc:Choice Requires="a14">
             <p:sp>
               <p:nvSpPr>
                 <p:cNvPr id="8" name="TextBox 7"/>
@@ -11415,7 +10927,7 @@
               </p:txBody>
             </p:sp>
           </mc:Choice>
-          <mc:Fallback>
+          <mc:Fallback xmlns="">
             <p:sp>
               <p:nvSpPr>
                 <p:cNvPr id="8" name="TextBox 7"/>
@@ -11944,7 +11456,7 @@
 </p:sld>
 </file>
 
-<file path=ppt/slides/slide25.xml><?xml version="1.0" encoding="utf-8"?>
+<file path=ppt/slides/slide23.xml><?xml version="1.0" encoding="utf-8"?>
 <p:sld xmlns:a="http://schemas.openxmlformats.org/drawingml/2006/main" xmlns:r="http://schemas.openxmlformats.org/officeDocument/2006/relationships" xmlns:p="http://schemas.openxmlformats.org/presentationml/2006/main">
   <p:cSld>
     <p:spTree>
@@ -12253,7 +11765,7 @@
           <a:p>
             <a:fld id="{C76E115C-33BC-45ED-8DBD-F9FA6141D6D2}" type="slidenum">
               <a:rPr lang="en-US" smtClean="0"/>
-              <a:t>25</a:t>
+              <a:t>23</a:t>
             </a:fld>
             <a:endParaRPr lang="en-US"/>
           </a:p>
@@ -12476,7 +11988,7 @@
 </p:sld>
 </file>
 
-<file path=ppt/slides/slide26.xml><?xml version="1.0" encoding="utf-8"?>
+<file path=ppt/slides/slide24.xml><?xml version="1.0" encoding="utf-8"?>
 <p:sld xmlns:a="http://schemas.openxmlformats.org/drawingml/2006/main" xmlns:r="http://schemas.openxmlformats.org/officeDocument/2006/relationships" xmlns:p="http://schemas.openxmlformats.org/presentationml/2006/main">
   <p:cSld>
     <p:spTree>
@@ -12761,7 +12273,7 @@
           <a:p>
             <a:fld id="{C76E115C-33BC-45ED-8DBD-F9FA6141D6D2}" type="slidenum">
               <a:rPr lang="en-US" smtClean="0"/>
-              <a:t>26</a:t>
+              <a:t>24</a:t>
             </a:fld>
             <a:endParaRPr lang="en-US"/>
           </a:p>
@@ -12787,7 +12299,7 @@
 </p:sld>
 </file>
 
-<file path=ppt/slides/slide27.xml><?xml version="1.0" encoding="utf-8"?>
+<file path=ppt/slides/slide25.xml><?xml version="1.0" encoding="utf-8"?>
 <p:sld xmlns:a="http://schemas.openxmlformats.org/drawingml/2006/main" xmlns:r="http://schemas.openxmlformats.org/officeDocument/2006/relationships" xmlns:p="http://schemas.openxmlformats.org/presentationml/2006/main">
   <p:cSld>
     <p:spTree>
@@ -12921,11 +12433,7 @@
             </a:r>
             <a:r>
               <a:rPr lang="en-US" smtClean="0"/>
-              <a:t>are </a:t>
-            </a:r>
-            <a:r>
-              <a:rPr lang="en-US" smtClean="0"/>
-              <a:t>the most </a:t>
+              <a:t>are the most </a:t>
             </a:r>
             <a:r>
               <a:rPr lang="en-US" b="1" dirty="0"/>
@@ -13017,7 +12525,7 @@
           <a:p>
             <a:fld id="{C76E115C-33BC-45ED-8DBD-F9FA6141D6D2}" type="slidenum">
               <a:rPr lang="en-US" smtClean="0"/>
-              <a:t>27</a:t>
+              <a:t>25</a:t>
             </a:fld>
             <a:endParaRPr lang="en-US"/>
           </a:p>
@@ -13282,7 +12790,7 @@
 </p:sld>
 </file>
 
-<file path=ppt/slides/slide28.xml><?xml version="1.0" encoding="utf-8"?>
+<file path=ppt/slides/slide26.xml><?xml version="1.0" encoding="utf-8"?>
 <p:sld xmlns:a="http://schemas.openxmlformats.org/drawingml/2006/main" xmlns:r="http://schemas.openxmlformats.org/officeDocument/2006/relationships" xmlns:p="http://schemas.openxmlformats.org/presentationml/2006/main">
   <p:cSld>
     <p:spTree>
@@ -13963,7 +13471,7 @@
           <a:p>
             <a:fld id="{C76E115C-33BC-45ED-8DBD-F9FA6141D6D2}" type="slidenum">
               <a:rPr lang="en-US" smtClean="0"/>
-              <a:t>28</a:t>
+              <a:t>26</a:t>
             </a:fld>
             <a:endParaRPr lang="en-US"/>
           </a:p>
@@ -14106,6 +13614,554 @@
 </p:sld>
 </file>
 
+<file path=ppt/slides/slide27.xml><?xml version="1.0" encoding="utf-8"?>
+<p:sld xmlns:a="http://schemas.openxmlformats.org/drawingml/2006/main" xmlns:r="http://schemas.openxmlformats.org/officeDocument/2006/relationships" xmlns:p="http://schemas.openxmlformats.org/presentationml/2006/main">
+  <p:cSld>
+    <p:spTree>
+      <p:nvGrpSpPr>
+        <p:cNvPr id="1" name=""/>
+        <p:cNvGrpSpPr/>
+        <p:nvPr/>
+      </p:nvGrpSpPr>
+      <p:grpSpPr>
+        <a:xfrm>
+          <a:off x="0" y="0"/>
+          <a:ext cx="0" cy="0"/>
+          <a:chOff x="0" y="0"/>
+          <a:chExt cx="0" cy="0"/>
+        </a:xfrm>
+      </p:grpSpPr>
+      <p:sp>
+        <p:nvSpPr>
+          <p:cNvPr id="3" name="Title 2"/>
+          <p:cNvSpPr>
+            <a:spLocks noGrp="1"/>
+          </p:cNvSpPr>
+          <p:nvPr>
+            <p:ph type="title"/>
+          </p:nvPr>
+        </p:nvSpPr>
+        <p:spPr/>
+        <p:txBody>
+          <a:bodyPr/>
+          <a:lstStyle/>
+          <a:p>
+            <a:r>
+              <a:rPr lang="en-US" dirty="0"/>
+              <a:t>Signature of </a:t>
+            </a:r>
+            <a:r>
+              <a:rPr lang="en-US" dirty="0" smtClean="0"/>
+              <a:t>target word</a:t>
+            </a:r>
+            <a:endParaRPr lang="en-US" dirty="0"/>
+          </a:p>
+        </p:txBody>
+      </p:sp>
+      <p:sp>
+        <p:nvSpPr>
+          <p:cNvPr id="4" name="Content Placeholder 3"/>
+          <p:cNvSpPr>
+            <a:spLocks noGrp="1"/>
+          </p:cNvSpPr>
+          <p:nvPr>
+            <p:ph idx="1"/>
+          </p:nvPr>
+        </p:nvSpPr>
+        <p:spPr>
+          <a:xfrm>
+            <a:off x="457200" y="2172677"/>
+            <a:ext cx="8229600" cy="3953488"/>
+          </a:xfrm>
+        </p:spPr>
+        <p:txBody>
+          <a:bodyPr>
+            <a:normAutofit/>
+          </a:bodyPr>
+          <a:lstStyle/>
+          <a:p>
+            <a:r>
+              <a:rPr lang="en-US" dirty="0"/>
+              <a:t>Simplified </a:t>
+            </a:r>
+            <a:r>
+              <a:rPr lang="en-US" dirty="0" err="1" smtClean="0"/>
+              <a:t>Lesk</a:t>
+            </a:r>
+            <a:r>
+              <a:rPr lang="en-US" dirty="0" smtClean="0"/>
+              <a:t> </a:t>
+            </a:r>
+          </a:p>
+          <a:p>
+            <a:pPr lvl="1"/>
+            <a:r>
+              <a:rPr lang="en-US" dirty="0" smtClean="0"/>
+              <a:t>Words </a:t>
+            </a:r>
+            <a:r>
+              <a:rPr lang="en-US" dirty="0"/>
+              <a:t>in </a:t>
+            </a:r>
+            <a:r>
+              <a:rPr lang="en-US" dirty="0" smtClean="0"/>
+              <a:t>context</a:t>
+            </a:r>
+          </a:p>
+          <a:p>
+            <a:pPr lvl="1"/>
+            <a:r>
+              <a:rPr lang="en-US" i="1" dirty="0" smtClean="0"/>
+              <a:t>Signature(</a:t>
+            </a:r>
+            <a:r>
+              <a:rPr lang="en-US" i="1" dirty="0" smtClean="0">
+                <a:solidFill>
+                  <a:srgbClr val="00B050"/>
+                </a:solidFill>
+              </a:rPr>
+              <a:t>bank</a:t>
+            </a:r>
+            <a:r>
+              <a:rPr lang="en-US" i="1" dirty="0" smtClean="0"/>
+              <a:t>) = </a:t>
+            </a:r>
+            <a:r>
+              <a:rPr lang="en-US" i="1" dirty="0"/>
+              <a:t>{</a:t>
+            </a:r>
+            <a:r>
+              <a:rPr lang="en-US" i="1" dirty="0">
+                <a:solidFill>
+                  <a:srgbClr val="00B050"/>
+                </a:solidFill>
+              </a:rPr>
+              <a:t>refuse, give, loan</a:t>
+            </a:r>
+            <a:r>
+              <a:rPr lang="en-US" i="1" dirty="0" smtClean="0"/>
+              <a:t>}</a:t>
+            </a:r>
+          </a:p>
+          <a:p>
+            <a:r>
+              <a:rPr lang="en-US" dirty="0"/>
+              <a:t>Original </a:t>
+            </a:r>
+            <a:r>
+              <a:rPr lang="en-US" dirty="0" err="1" smtClean="0"/>
+              <a:t>Lesk</a:t>
+            </a:r>
+            <a:endParaRPr lang="en-US" dirty="0"/>
+          </a:p>
+          <a:p>
+            <a:pPr lvl="1"/>
+            <a:r>
+              <a:rPr lang="en-US" dirty="0" smtClean="0"/>
+              <a:t>Augmented </a:t>
+            </a:r>
+            <a:r>
+              <a:rPr lang="en-US" dirty="0"/>
+              <a:t>signature of the target </a:t>
+            </a:r>
+            <a:r>
+              <a:rPr lang="en-US" dirty="0" smtClean="0"/>
+              <a:t>word</a:t>
+            </a:r>
+          </a:p>
+          <a:p>
+            <a:pPr lvl="1"/>
+            <a:r>
+              <a:rPr lang="en-US" i="1" dirty="0"/>
+              <a:t>Signature(</a:t>
+            </a:r>
+            <a:r>
+              <a:rPr lang="en-US" i="1" dirty="0">
+                <a:solidFill>
+                  <a:srgbClr val="00B050"/>
+                </a:solidFill>
+              </a:rPr>
+              <a:t>bank</a:t>
+            </a:r>
+            <a:r>
+              <a:rPr lang="en-US" i="1" dirty="0"/>
+              <a:t>) = {</a:t>
+            </a:r>
+            <a:r>
+              <a:rPr lang="en-US" b="1" i="1" dirty="0" smtClean="0">
+                <a:solidFill>
+                  <a:srgbClr val="00B050"/>
+                </a:solidFill>
+              </a:rPr>
+              <a:t>refuse</a:t>
+            </a:r>
+            <a:r>
+              <a:rPr lang="en-US" i="1" dirty="0">
+                <a:solidFill>
+                  <a:srgbClr val="00B050"/>
+                </a:solidFill>
+              </a:rPr>
+              <a:t>, reject, request,... , </a:t>
+            </a:r>
+            <a:r>
+              <a:rPr lang="en-US" b="1" i="1" dirty="0">
+                <a:solidFill>
+                  <a:srgbClr val="00B050"/>
+                </a:solidFill>
+              </a:rPr>
+              <a:t>give</a:t>
+            </a:r>
+            <a:r>
+              <a:rPr lang="en-US" i="1" dirty="0">
+                <a:solidFill>
+                  <a:srgbClr val="00B050"/>
+                </a:solidFill>
+              </a:rPr>
+              <a:t>, gift, donate,... </a:t>
+            </a:r>
+            <a:r>
+              <a:rPr lang="en-US" b="1" i="1" dirty="0">
+                <a:solidFill>
+                  <a:srgbClr val="00B050"/>
+                </a:solidFill>
+              </a:rPr>
+              <a:t>loan</a:t>
+            </a:r>
+            <a:r>
+              <a:rPr lang="en-US" i="1" dirty="0">
+                <a:solidFill>
+                  <a:srgbClr val="00B050"/>
+                </a:solidFill>
+              </a:rPr>
+              <a:t>, </a:t>
+            </a:r>
+            <a:r>
+              <a:rPr lang="en-US" i="1" dirty="0" smtClean="0">
+                <a:solidFill>
+                  <a:srgbClr val="00B050"/>
+                </a:solidFill>
+              </a:rPr>
+              <a:t>money, borrow</a:t>
+            </a:r>
+            <a:r>
+              <a:rPr lang="en-US" i="1" dirty="0">
+                <a:solidFill>
+                  <a:srgbClr val="00B050"/>
+                </a:solidFill>
+              </a:rPr>
+              <a:t>,...</a:t>
+            </a:r>
+            <a:r>
+              <a:rPr lang="en-US" i="1" dirty="0"/>
+              <a:t>}</a:t>
+            </a:r>
+          </a:p>
+        </p:txBody>
+      </p:sp>
+      <p:sp>
+        <p:nvSpPr>
+          <p:cNvPr id="5" name="Rectangle 4"/>
+          <p:cNvSpPr/>
+          <p:nvPr/>
+        </p:nvSpPr>
+        <p:spPr>
+          <a:xfrm>
+            <a:off x="1750939" y="1417638"/>
+            <a:ext cx="5642122" cy="523220"/>
+          </a:xfrm>
+          <a:prstGeom prst="rect">
+            <a:avLst/>
+          </a:prstGeom>
+        </p:spPr>
+        <p:txBody>
+          <a:bodyPr wrap="none">
+            <a:spAutoFit/>
+          </a:bodyPr>
+          <a:lstStyle/>
+          <a:p>
+            <a:r>
+              <a:rPr lang="en-US" sz="2800" i="1" dirty="0" smtClean="0"/>
+              <a:t>“The </a:t>
+            </a:r>
+            <a:r>
+              <a:rPr lang="en-US" sz="2800" i="1" dirty="0" smtClean="0">
+                <a:solidFill>
+                  <a:srgbClr val="00B050"/>
+                </a:solidFill>
+              </a:rPr>
+              <a:t>bank</a:t>
+            </a:r>
+            <a:r>
+              <a:rPr lang="en-US" sz="2800" i="1" dirty="0" smtClean="0"/>
+              <a:t> refused to give me a loan.”</a:t>
+            </a:r>
+            <a:endParaRPr lang="en-US" sz="2800" i="1" dirty="0"/>
+          </a:p>
+        </p:txBody>
+      </p:sp>
+      <p:sp>
+        <p:nvSpPr>
+          <p:cNvPr id="2" name="Date Placeholder 1"/>
+          <p:cNvSpPr>
+            <a:spLocks noGrp="1"/>
+          </p:cNvSpPr>
+          <p:nvPr>
+            <p:ph type="dt" sz="half" idx="10"/>
+          </p:nvPr>
+        </p:nvSpPr>
+        <p:spPr/>
+        <p:txBody>
+          <a:bodyPr/>
+          <a:lstStyle/>
+          <a:p>
+            <a:r>
+              <a:rPr lang="en-US" smtClean="0"/>
+              <a:t>CS@UVa</a:t>
+            </a:r>
+            <a:endParaRPr lang="en-US"/>
+          </a:p>
+        </p:txBody>
+      </p:sp>
+      <p:sp>
+        <p:nvSpPr>
+          <p:cNvPr id="6" name="Footer Placeholder 5"/>
+          <p:cNvSpPr>
+            <a:spLocks noGrp="1"/>
+          </p:cNvSpPr>
+          <p:nvPr>
+            <p:ph type="ftr" sz="quarter" idx="11"/>
+          </p:nvPr>
+        </p:nvSpPr>
+        <p:spPr/>
+        <p:txBody>
+          <a:bodyPr/>
+          <a:lstStyle/>
+          <a:p>
+            <a:r>
+              <a:rPr lang="en-US" smtClean="0"/>
+              <a:t>CS 6501: Text Mining</a:t>
+            </a:r>
+            <a:endParaRPr lang="en-US"/>
+          </a:p>
+        </p:txBody>
+      </p:sp>
+      <p:sp>
+        <p:nvSpPr>
+          <p:cNvPr id="7" name="Slide Number Placeholder 6"/>
+          <p:cNvSpPr>
+            <a:spLocks noGrp="1"/>
+          </p:cNvSpPr>
+          <p:nvPr>
+            <p:ph type="sldNum" sz="quarter" idx="12"/>
+          </p:nvPr>
+        </p:nvSpPr>
+        <p:spPr/>
+        <p:txBody>
+          <a:bodyPr/>
+          <a:lstStyle/>
+          <a:p>
+            <a:fld id="{C76E115C-33BC-45ED-8DBD-F9FA6141D6D2}" type="slidenum">
+              <a:rPr lang="en-US" smtClean="0"/>
+              <a:t>27</a:t>
+            </a:fld>
+            <a:endParaRPr lang="en-US"/>
+          </a:p>
+        </p:txBody>
+      </p:sp>
+    </p:spTree>
+    <p:extLst>
+      <p:ext uri="{BB962C8B-B14F-4D97-AF65-F5344CB8AC3E}">
+        <p14:creationId xmlns:p14="http://schemas.microsoft.com/office/powerpoint/2010/main" val="1907906652"/>
+      </p:ext>
+    </p:extLst>
+  </p:cSld>
+  <p:clrMapOvr>
+    <a:masterClrMapping/>
+  </p:clrMapOvr>
+  <p:timing>
+    <p:tnLst>
+      <p:par>
+        <p:cTn id="1" dur="indefinite" restart="never" nodeType="tmRoot"/>
+      </p:par>
+    </p:tnLst>
+  </p:timing>
+</p:sld>
+</file>
+
+<file path=ppt/slides/slide28.xml><?xml version="1.0" encoding="utf-8"?>
+<p:sld xmlns:a="http://schemas.openxmlformats.org/drawingml/2006/main" xmlns:r="http://schemas.openxmlformats.org/officeDocument/2006/relationships" xmlns:p="http://schemas.openxmlformats.org/presentationml/2006/main">
+  <p:cSld>
+    <p:spTree>
+      <p:nvGrpSpPr>
+        <p:cNvPr id="1" name=""/>
+        <p:cNvGrpSpPr/>
+        <p:nvPr/>
+      </p:nvGrpSpPr>
+      <p:grpSpPr>
+        <a:xfrm>
+          <a:off x="0" y="0"/>
+          <a:ext cx="0" cy="0"/>
+          <a:chOff x="0" y="0"/>
+          <a:chExt cx="0" cy="0"/>
+        </a:xfrm>
+      </p:grpSpPr>
+      <p:sp>
+        <p:nvSpPr>
+          <p:cNvPr id="2" name="Title 1"/>
+          <p:cNvSpPr>
+            <a:spLocks noGrp="1"/>
+          </p:cNvSpPr>
+          <p:nvPr>
+            <p:ph type="title"/>
+          </p:nvPr>
+        </p:nvSpPr>
+        <p:spPr/>
+        <p:txBody>
+          <a:bodyPr/>
+          <a:lstStyle/>
+          <a:p>
+            <a:r>
+              <a:rPr lang="en-US" dirty="0" smtClean="0"/>
+              <a:t>Learning-based Methods</a:t>
+            </a:r>
+            <a:endParaRPr lang="en-US" dirty="0"/>
+          </a:p>
+        </p:txBody>
+      </p:sp>
+      <p:sp>
+        <p:nvSpPr>
+          <p:cNvPr id="3" name="Content Placeholder 2"/>
+          <p:cNvSpPr>
+            <a:spLocks noGrp="1"/>
+          </p:cNvSpPr>
+          <p:nvPr>
+            <p:ph idx="1"/>
+          </p:nvPr>
+        </p:nvSpPr>
+        <p:spPr/>
+        <p:txBody>
+          <a:bodyPr/>
+          <a:lstStyle/>
+          <a:p>
+            <a:r>
+              <a:rPr lang="en-US" dirty="0" smtClean="0"/>
+              <a:t>Will be discussed in </a:t>
+            </a:r>
+            <a:r>
+              <a:rPr lang="en-US" dirty="0"/>
+              <a:t>the lecture of “Text Categorization</a:t>
+            </a:r>
+            <a:r>
+              <a:rPr lang="en-US" dirty="0" smtClean="0"/>
+              <a:t>”</a:t>
+            </a:r>
+          </a:p>
+          <a:p>
+            <a:pPr lvl="1"/>
+            <a:r>
+              <a:rPr lang="en-US" dirty="0" smtClean="0"/>
+              <a:t>Basically treat each sense as an independent class label</a:t>
+            </a:r>
+          </a:p>
+          <a:p>
+            <a:pPr lvl="1"/>
+            <a:r>
+              <a:rPr lang="en-US" dirty="0" smtClean="0"/>
+              <a:t>Construct classifiers to assign each instance with context into the classes/senses</a:t>
+            </a:r>
+            <a:endParaRPr lang="en-US" dirty="0"/>
+          </a:p>
+        </p:txBody>
+      </p:sp>
+      <p:sp>
+        <p:nvSpPr>
+          <p:cNvPr id="4" name="Date Placeholder 3"/>
+          <p:cNvSpPr>
+            <a:spLocks noGrp="1"/>
+          </p:cNvSpPr>
+          <p:nvPr>
+            <p:ph type="dt" sz="half" idx="10"/>
+          </p:nvPr>
+        </p:nvSpPr>
+        <p:spPr/>
+        <p:txBody>
+          <a:bodyPr/>
+          <a:lstStyle/>
+          <a:p>
+            <a:r>
+              <a:rPr lang="en-US" smtClean="0"/>
+              <a:t>CS@UVa</a:t>
+            </a:r>
+            <a:endParaRPr lang="en-US"/>
+          </a:p>
+        </p:txBody>
+      </p:sp>
+      <p:sp>
+        <p:nvSpPr>
+          <p:cNvPr id="5" name="Footer Placeholder 4"/>
+          <p:cNvSpPr>
+            <a:spLocks noGrp="1"/>
+          </p:cNvSpPr>
+          <p:nvPr>
+            <p:ph type="ftr" sz="quarter" idx="11"/>
+          </p:nvPr>
+        </p:nvSpPr>
+        <p:spPr/>
+        <p:txBody>
+          <a:bodyPr/>
+          <a:lstStyle/>
+          <a:p>
+            <a:r>
+              <a:rPr lang="en-US" smtClean="0"/>
+              <a:t>CS 6501: Text Mining</a:t>
+            </a:r>
+            <a:endParaRPr lang="en-US"/>
+          </a:p>
+        </p:txBody>
+      </p:sp>
+      <p:sp>
+        <p:nvSpPr>
+          <p:cNvPr id="6" name="Slide Number Placeholder 5"/>
+          <p:cNvSpPr>
+            <a:spLocks noGrp="1"/>
+          </p:cNvSpPr>
+          <p:nvPr>
+            <p:ph type="sldNum" sz="quarter" idx="12"/>
+          </p:nvPr>
+        </p:nvSpPr>
+        <p:spPr/>
+        <p:txBody>
+          <a:bodyPr/>
+          <a:lstStyle/>
+          <a:p>
+            <a:fld id="{C76E115C-33BC-45ED-8DBD-F9FA6141D6D2}" type="slidenum">
+              <a:rPr lang="en-US" smtClean="0"/>
+              <a:t>28</a:t>
+            </a:fld>
+            <a:endParaRPr lang="en-US"/>
+          </a:p>
+        </p:txBody>
+      </p:sp>
+    </p:spTree>
+    <p:extLst>
+      <p:ext uri="{BB962C8B-B14F-4D97-AF65-F5344CB8AC3E}">
+        <p14:creationId xmlns:p14="http://schemas.microsoft.com/office/powerpoint/2010/main" val="1992504655"/>
+      </p:ext>
+    </p:extLst>
+  </p:cSld>
+  <p:clrMapOvr>
+    <a:masterClrMapping/>
+  </p:clrMapOvr>
+  <p:timing>
+    <p:tnLst>
+      <p:par>
+        <p:cTn id="1" dur="indefinite" restart="never" nodeType="tmRoot"/>
+      </p:par>
+    </p:tnLst>
+  </p:timing>
+</p:sld>
+</file>
+
 <file path=ppt/slides/slide29.xml><?xml version="1.0" encoding="utf-8"?>
 <p:sld xmlns:a="http://schemas.openxmlformats.org/drawingml/2006/main" xmlns:r="http://schemas.openxmlformats.org/officeDocument/2006/relationships" xmlns:p="http://schemas.openxmlformats.org/presentationml/2006/main">
   <p:cSld>
@@ -14125,7 +14181,7 @@
       </p:grpSpPr>
       <p:sp>
         <p:nvSpPr>
-          <p:cNvPr id="3" name="Title 2"/>
+          <p:cNvPr id="2" name="Title 1"/>
           <p:cNvSpPr>
             <a:spLocks noGrp="1"/>
           </p:cNvSpPr>
@@ -14139,261 +14195,76 @@
           <a:lstStyle/>
           <a:p>
             <a:r>
+              <a:rPr lang="en-US" dirty="0" smtClean="0"/>
+              <a:t>What you should know</a:t>
+            </a:r>
+            <a:endParaRPr lang="en-US" dirty="0"/>
+          </a:p>
+        </p:txBody>
+      </p:sp>
+      <p:sp>
+        <p:nvSpPr>
+          <p:cNvPr id="3" name="Content Placeholder 2"/>
+          <p:cNvSpPr>
+            <a:spLocks noGrp="1"/>
+          </p:cNvSpPr>
+          <p:nvPr>
+            <p:ph idx="1"/>
+          </p:nvPr>
+        </p:nvSpPr>
+        <p:spPr/>
+        <p:txBody>
+          <a:bodyPr/>
+          <a:lstStyle/>
+          <a:p>
+            <a:r>
               <a:rPr lang="en-US" dirty="0"/>
-              <a:t>Signature of </a:t>
-            </a:r>
+              <a:t>Lexical semantics</a:t>
+            </a:r>
+          </a:p>
+          <a:p>
+            <a:pPr lvl="1"/>
             <a:r>
               <a:rPr lang="en-US" dirty="0" smtClean="0"/>
-              <a:t>target word</a:t>
-            </a:r>
-            <a:endParaRPr lang="en-US" dirty="0"/>
-          </a:p>
-        </p:txBody>
-      </p:sp>
-      <p:sp>
-        <p:nvSpPr>
-          <p:cNvPr id="4" name="Content Placeholder 3"/>
-          <p:cNvSpPr>
-            <a:spLocks noGrp="1"/>
-          </p:cNvSpPr>
-          <p:nvPr>
-            <p:ph idx="1"/>
-          </p:nvPr>
-        </p:nvSpPr>
-        <p:spPr>
-          <a:xfrm>
-            <a:off x="457200" y="2172677"/>
-            <a:ext cx="8229600" cy="3953488"/>
-          </a:xfrm>
-        </p:spPr>
-        <p:txBody>
-          <a:bodyPr>
-            <a:normAutofit/>
-          </a:bodyPr>
-          <a:lstStyle/>
-          <a:p>
+              <a:t>Relationship between words</a:t>
+            </a:r>
+          </a:p>
+          <a:p>
+            <a:pPr lvl="1"/>
+            <a:r>
+              <a:rPr lang="en-US" dirty="0" smtClean="0"/>
+              <a:t>WordNet</a:t>
+            </a:r>
+          </a:p>
+          <a:p>
+            <a:r>
+              <a:rPr lang="en-US" dirty="0" smtClean="0"/>
+              <a:t>Distributional semantics</a:t>
+            </a:r>
+          </a:p>
+          <a:p>
+            <a:pPr lvl="1"/>
+            <a:r>
+              <a:rPr lang="en-US" dirty="0" smtClean="0"/>
+              <a:t>Similarity between words</a:t>
+            </a:r>
+          </a:p>
+          <a:p>
+            <a:pPr lvl="1"/>
+            <a:r>
+              <a:rPr lang="en-US" dirty="0" smtClean="0"/>
+              <a:t>Word sense </a:t>
+            </a:r>
             <a:r>
               <a:rPr lang="en-US" dirty="0"/>
-              <a:t>Simplified </a:t>
-            </a:r>
-            <a:r>
-              <a:rPr lang="en-US" dirty="0" err="1" smtClean="0"/>
-              <a:t>Lesk</a:t>
-            </a:r>
-            <a:r>
-              <a:rPr lang="en-US" dirty="0" smtClean="0"/>
-              <a:t> </a:t>
-            </a:r>
-          </a:p>
-          <a:p>
-            <a:pPr lvl="1"/>
-            <a:r>
-              <a:rPr lang="en-US" dirty="0" smtClean="0"/>
-              <a:t>Words </a:t>
-            </a:r>
-            <a:r>
-              <a:rPr lang="en-US" dirty="0"/>
-              <a:t>in </a:t>
-            </a:r>
-            <a:r>
-              <a:rPr lang="en-US" dirty="0" smtClean="0"/>
-              <a:t>context</a:t>
-            </a:r>
-          </a:p>
-          <a:p>
-            <a:pPr lvl="1"/>
-            <a:r>
-              <a:rPr lang="en-US" i="1" dirty="0" smtClean="0"/>
-              <a:t>Signature(</a:t>
-            </a:r>
-            <a:r>
-              <a:rPr lang="en-US" i="1" dirty="0" smtClean="0">
-                <a:solidFill>
-                  <a:srgbClr val="00B050"/>
-                </a:solidFill>
-              </a:rPr>
-              <a:t>bank</a:t>
-            </a:r>
-            <a:r>
-              <a:rPr lang="en-US" i="1" dirty="0" smtClean="0"/>
-              <a:t>) = </a:t>
-            </a:r>
-            <a:r>
-              <a:rPr lang="en-US" i="1" dirty="0"/>
-              <a:t>{</a:t>
-            </a:r>
-            <a:r>
-              <a:rPr lang="en-US" i="1" dirty="0">
-                <a:solidFill>
-                  <a:srgbClr val="00B050"/>
-                </a:solidFill>
-              </a:rPr>
-              <a:t>refuse, give, loan</a:t>
-            </a:r>
-            <a:r>
-              <a:rPr lang="en-US" i="1" dirty="0" smtClean="0"/>
-              <a:t>}</a:t>
-            </a:r>
-          </a:p>
-          <a:p>
-            <a:r>
-              <a:rPr lang="en-US" dirty="0"/>
-              <a:t>Original </a:t>
-            </a:r>
-            <a:r>
-              <a:rPr lang="en-US" dirty="0" err="1" smtClean="0"/>
-              <a:t>Lesk</a:t>
-            </a:r>
-            <a:endParaRPr lang="en-US" dirty="0"/>
-          </a:p>
-          <a:p>
-            <a:pPr lvl="1"/>
-            <a:r>
-              <a:rPr lang="en-US" dirty="0" smtClean="0"/>
-              <a:t>Augmented </a:t>
-            </a:r>
-            <a:r>
-              <a:rPr lang="en-US" dirty="0"/>
-              <a:t>signature of the target </a:t>
-            </a:r>
-            <a:r>
-              <a:rPr lang="en-US" dirty="0" smtClean="0"/>
-              <a:t>word</a:t>
-            </a:r>
-          </a:p>
-          <a:p>
-            <a:pPr lvl="1"/>
-            <a:r>
-              <a:rPr lang="en-US" i="1" dirty="0"/>
-              <a:t>Signature(</a:t>
-            </a:r>
-            <a:r>
-              <a:rPr lang="en-US" i="1" dirty="0">
-                <a:solidFill>
-                  <a:srgbClr val="00B050"/>
-                </a:solidFill>
-              </a:rPr>
-              <a:t>bank</a:t>
-            </a:r>
-            <a:r>
-              <a:rPr lang="en-US" i="1" dirty="0"/>
-              <a:t>) = {</a:t>
-            </a:r>
-            <a:r>
-              <a:rPr lang="en-US" b="1" i="1" dirty="0" smtClean="0">
-                <a:solidFill>
-                  <a:srgbClr val="00B050"/>
-                </a:solidFill>
-              </a:rPr>
-              <a:t>refuse</a:t>
-            </a:r>
-            <a:r>
-              <a:rPr lang="en-US" i="1" dirty="0">
-                <a:solidFill>
-                  <a:srgbClr val="00B050"/>
-                </a:solidFill>
-              </a:rPr>
-              <a:t>, reject, request,... , </a:t>
-            </a:r>
-            <a:r>
-              <a:rPr lang="en-US" b="1" i="1" dirty="0">
-                <a:solidFill>
-                  <a:srgbClr val="00B050"/>
-                </a:solidFill>
-              </a:rPr>
-              <a:t>give</a:t>
-            </a:r>
-            <a:r>
-              <a:rPr lang="en-US" i="1" dirty="0">
-                <a:solidFill>
-                  <a:srgbClr val="00B050"/>
-                </a:solidFill>
-              </a:rPr>
-              <a:t>, gift, donate,... </a:t>
-            </a:r>
-            <a:r>
-              <a:rPr lang="en-US" b="1" i="1" dirty="0">
-                <a:solidFill>
-                  <a:srgbClr val="00B050"/>
-                </a:solidFill>
-              </a:rPr>
-              <a:t>loan</a:t>
-            </a:r>
-            <a:r>
-              <a:rPr lang="en-US" i="1" dirty="0">
-                <a:solidFill>
-                  <a:srgbClr val="00B050"/>
-                </a:solidFill>
-              </a:rPr>
-              <a:t>, </a:t>
-            </a:r>
-            <a:r>
-              <a:rPr lang="en-US" i="1" dirty="0" smtClean="0">
-                <a:solidFill>
-                  <a:srgbClr val="00B050"/>
-                </a:solidFill>
-              </a:rPr>
-              <a:t>money, borrow</a:t>
-            </a:r>
-            <a:r>
-              <a:rPr lang="en-US" i="1" dirty="0">
-                <a:solidFill>
-                  <a:srgbClr val="00B050"/>
-                </a:solidFill>
-              </a:rPr>
-              <a:t>,...</a:t>
-            </a:r>
-            <a:r>
-              <a:rPr lang="en-US" i="1" dirty="0"/>
-              <a:t>}</a:t>
-            </a:r>
-          </a:p>
-        </p:txBody>
-      </p:sp>
-      <p:sp>
-        <p:nvSpPr>
-          <p:cNvPr id="5" name="Rectangle 4"/>
-          <p:cNvSpPr/>
-          <p:nvPr/>
-        </p:nvSpPr>
-        <p:spPr>
-          <a:xfrm>
-            <a:off x="1750939" y="1417638"/>
-            <a:ext cx="5642122" cy="523220"/>
-          </a:xfrm>
-          <a:prstGeom prst="rect">
-            <a:avLst/>
-          </a:prstGeom>
-        </p:spPr>
-        <p:txBody>
-          <a:bodyPr wrap="none">
-            <a:spAutoFit/>
-          </a:bodyPr>
-          <a:lstStyle/>
-          <a:p>
-            <a:r>
-              <a:rPr lang="en-US" sz="2800" i="1" dirty="0" smtClean="0"/>
-              <a:t>“The </a:t>
-            </a:r>
-            <a:r>
-              <a:rPr lang="en-US" sz="2800" i="1" dirty="0" smtClean="0">
-                <a:solidFill>
-                  <a:srgbClr val="00B050"/>
-                </a:solidFill>
-              </a:rPr>
-              <a:t>bank</a:t>
-            </a:r>
-            <a:r>
-              <a:rPr lang="en-US" sz="2800" i="1" dirty="0" smtClean="0"/>
-              <a:t> refused to give me a loan.”</a:t>
-            </a:r>
-            <a:endParaRPr lang="en-US" sz="2800" i="1" dirty="0"/>
-          </a:p>
-        </p:txBody>
-      </p:sp>
-      <p:sp>
-        <p:nvSpPr>
-          <p:cNvPr id="2" name="Date Placeholder 1"/>
+              <a:t>disambiguation</a:t>
+            </a:r>
+          </a:p>
+        </p:txBody>
+      </p:sp>
+      <p:sp>
+        <p:nvSpPr>
+          <p:cNvPr id="4" name="Date Placeholder 3"/>
           <p:cNvSpPr>
             <a:spLocks noGrp="1"/>
           </p:cNvSpPr>
@@ -14416,7 +14287,7 @@
       </p:sp>
       <p:sp>
         <p:nvSpPr>
-          <p:cNvPr id="6" name="Footer Placeholder 5"/>
+          <p:cNvPr id="5" name="Footer Placeholder 4"/>
           <p:cNvSpPr>
             <a:spLocks noGrp="1"/>
           </p:cNvSpPr>
@@ -14439,7 +14310,7 @@
       </p:sp>
       <p:sp>
         <p:nvSpPr>
-          <p:cNvPr id="7" name="Slide Number Placeholder 6"/>
+          <p:cNvPr id="6" name="Slide Number Placeholder 5"/>
           <p:cNvSpPr>
             <a:spLocks noGrp="1"/>
           </p:cNvSpPr>
@@ -14463,7 +14334,7 @@
     </p:spTree>
     <p:extLst>
       <p:ext uri="{BB962C8B-B14F-4D97-AF65-F5344CB8AC3E}">
-        <p14:creationId xmlns:p14="http://schemas.microsoft.com/office/powerpoint/2010/main" val="1907906652"/>
+        <p14:creationId xmlns:p14="http://schemas.microsoft.com/office/powerpoint/2010/main" val="1510921326"/>
       </p:ext>
     </p:extLst>
   </p:cSld>
@@ -15117,369 +14988,6 @@
           <a:lstStyle/>
           <a:p>
             <a:r>
-              <a:rPr lang="en-US" dirty="0" smtClean="0"/>
-              <a:t>Learning-based Methods</a:t>
-            </a:r>
-            <a:endParaRPr lang="en-US" dirty="0"/>
-          </a:p>
-        </p:txBody>
-      </p:sp>
-      <p:sp>
-        <p:nvSpPr>
-          <p:cNvPr id="3" name="Content Placeholder 2"/>
-          <p:cNvSpPr>
-            <a:spLocks noGrp="1"/>
-          </p:cNvSpPr>
-          <p:nvPr>
-            <p:ph idx="1"/>
-          </p:nvPr>
-        </p:nvSpPr>
-        <p:spPr/>
-        <p:txBody>
-          <a:bodyPr/>
-          <a:lstStyle/>
-          <a:p>
-            <a:r>
-              <a:rPr lang="en-US" dirty="0" smtClean="0"/>
-              <a:t>Will be discussed in </a:t>
-            </a:r>
-            <a:r>
-              <a:rPr lang="en-US" dirty="0"/>
-              <a:t>the lecture of “Text Categorization</a:t>
-            </a:r>
-            <a:r>
-              <a:rPr lang="en-US" dirty="0" smtClean="0"/>
-              <a:t>”</a:t>
-            </a:r>
-          </a:p>
-          <a:p>
-            <a:pPr lvl="1"/>
-            <a:r>
-              <a:rPr lang="en-US" dirty="0" smtClean="0"/>
-              <a:t>Basically treat each sense as an independent class label</a:t>
-            </a:r>
-          </a:p>
-          <a:p>
-            <a:pPr lvl="1"/>
-            <a:r>
-              <a:rPr lang="en-US" dirty="0" smtClean="0"/>
-              <a:t>Construct classifiers to assign each instance with context into the classes/senses</a:t>
-            </a:r>
-            <a:endParaRPr lang="en-US" dirty="0"/>
-          </a:p>
-        </p:txBody>
-      </p:sp>
-      <p:sp>
-        <p:nvSpPr>
-          <p:cNvPr id="4" name="Date Placeholder 3"/>
-          <p:cNvSpPr>
-            <a:spLocks noGrp="1"/>
-          </p:cNvSpPr>
-          <p:nvPr>
-            <p:ph type="dt" sz="half" idx="10"/>
-          </p:nvPr>
-        </p:nvSpPr>
-        <p:spPr/>
-        <p:txBody>
-          <a:bodyPr/>
-          <a:lstStyle/>
-          <a:p>
-            <a:r>
-              <a:rPr lang="en-US" smtClean="0"/>
-              <a:t>CS@UVa</a:t>
-            </a:r>
-            <a:endParaRPr lang="en-US"/>
-          </a:p>
-        </p:txBody>
-      </p:sp>
-      <p:sp>
-        <p:nvSpPr>
-          <p:cNvPr id="5" name="Footer Placeholder 4"/>
-          <p:cNvSpPr>
-            <a:spLocks noGrp="1"/>
-          </p:cNvSpPr>
-          <p:nvPr>
-            <p:ph type="ftr" sz="quarter" idx="11"/>
-          </p:nvPr>
-        </p:nvSpPr>
-        <p:spPr/>
-        <p:txBody>
-          <a:bodyPr/>
-          <a:lstStyle/>
-          <a:p>
-            <a:r>
-              <a:rPr lang="en-US" smtClean="0"/>
-              <a:t>CS 6501: Text Mining</a:t>
-            </a:r>
-            <a:endParaRPr lang="en-US"/>
-          </a:p>
-        </p:txBody>
-      </p:sp>
-      <p:sp>
-        <p:nvSpPr>
-          <p:cNvPr id="6" name="Slide Number Placeholder 5"/>
-          <p:cNvSpPr>
-            <a:spLocks noGrp="1"/>
-          </p:cNvSpPr>
-          <p:nvPr>
-            <p:ph type="sldNum" sz="quarter" idx="12"/>
-          </p:nvPr>
-        </p:nvSpPr>
-        <p:spPr/>
-        <p:txBody>
-          <a:bodyPr/>
-          <a:lstStyle/>
-          <a:p>
-            <a:fld id="{C76E115C-33BC-45ED-8DBD-F9FA6141D6D2}" type="slidenum">
-              <a:rPr lang="en-US" smtClean="0"/>
-              <a:t>30</a:t>
-            </a:fld>
-            <a:endParaRPr lang="en-US"/>
-          </a:p>
-        </p:txBody>
-      </p:sp>
-    </p:spTree>
-    <p:extLst>
-      <p:ext uri="{BB962C8B-B14F-4D97-AF65-F5344CB8AC3E}">
-        <p14:creationId xmlns:p14="http://schemas.microsoft.com/office/powerpoint/2010/main" val="1992504655"/>
-      </p:ext>
-    </p:extLst>
-  </p:cSld>
-  <p:clrMapOvr>
-    <a:masterClrMapping/>
-  </p:clrMapOvr>
-  <p:timing>
-    <p:tnLst>
-      <p:par>
-        <p:cTn id="1" dur="indefinite" restart="never" nodeType="tmRoot"/>
-      </p:par>
-    </p:tnLst>
-  </p:timing>
-</p:sld>
-</file>
-
-<file path=ppt/slides/slide31.xml><?xml version="1.0" encoding="utf-8"?>
-<p:sld xmlns:a="http://schemas.openxmlformats.org/drawingml/2006/main" xmlns:r="http://schemas.openxmlformats.org/officeDocument/2006/relationships" xmlns:p="http://schemas.openxmlformats.org/presentationml/2006/main">
-  <p:cSld>
-    <p:spTree>
-      <p:nvGrpSpPr>
-        <p:cNvPr id="1" name=""/>
-        <p:cNvGrpSpPr/>
-        <p:nvPr/>
-      </p:nvGrpSpPr>
-      <p:grpSpPr>
-        <a:xfrm>
-          <a:off x="0" y="0"/>
-          <a:ext cx="0" cy="0"/>
-          <a:chOff x="0" y="0"/>
-          <a:chExt cx="0" cy="0"/>
-        </a:xfrm>
-      </p:grpSpPr>
-      <p:sp>
-        <p:nvSpPr>
-          <p:cNvPr id="2" name="Title 1"/>
-          <p:cNvSpPr>
-            <a:spLocks noGrp="1"/>
-          </p:cNvSpPr>
-          <p:nvPr>
-            <p:ph type="title"/>
-          </p:nvPr>
-        </p:nvSpPr>
-        <p:spPr/>
-        <p:txBody>
-          <a:bodyPr/>
-          <a:lstStyle/>
-          <a:p>
-            <a:r>
-              <a:rPr lang="en-US" dirty="0" smtClean="0"/>
-              <a:t>What you should know</a:t>
-            </a:r>
-            <a:endParaRPr lang="en-US" dirty="0"/>
-          </a:p>
-        </p:txBody>
-      </p:sp>
-      <p:sp>
-        <p:nvSpPr>
-          <p:cNvPr id="3" name="Content Placeholder 2"/>
-          <p:cNvSpPr>
-            <a:spLocks noGrp="1"/>
-          </p:cNvSpPr>
-          <p:nvPr>
-            <p:ph idx="1"/>
-          </p:nvPr>
-        </p:nvSpPr>
-        <p:spPr/>
-        <p:txBody>
-          <a:bodyPr/>
-          <a:lstStyle/>
-          <a:p>
-            <a:r>
-              <a:rPr lang="en-US" dirty="0"/>
-              <a:t>Lexical semantics</a:t>
-            </a:r>
-          </a:p>
-          <a:p>
-            <a:pPr lvl="1"/>
-            <a:r>
-              <a:rPr lang="en-US" dirty="0" smtClean="0"/>
-              <a:t>Relationship between words</a:t>
-            </a:r>
-          </a:p>
-          <a:p>
-            <a:pPr lvl="1"/>
-            <a:r>
-              <a:rPr lang="en-US" dirty="0" smtClean="0"/>
-              <a:t>WordNet</a:t>
-            </a:r>
-          </a:p>
-          <a:p>
-            <a:r>
-              <a:rPr lang="en-US" dirty="0" smtClean="0"/>
-              <a:t>Distributional semantics</a:t>
-            </a:r>
-          </a:p>
-          <a:p>
-            <a:pPr lvl="1"/>
-            <a:r>
-              <a:rPr lang="en-US" dirty="0" smtClean="0"/>
-              <a:t>Similarity between words</a:t>
-            </a:r>
-          </a:p>
-          <a:p>
-            <a:pPr lvl="1"/>
-            <a:r>
-              <a:rPr lang="en-US" dirty="0" smtClean="0"/>
-              <a:t>Word sense </a:t>
-            </a:r>
-            <a:r>
-              <a:rPr lang="en-US" dirty="0"/>
-              <a:t>disambiguation</a:t>
-            </a:r>
-          </a:p>
-        </p:txBody>
-      </p:sp>
-      <p:sp>
-        <p:nvSpPr>
-          <p:cNvPr id="4" name="Date Placeholder 3"/>
-          <p:cNvSpPr>
-            <a:spLocks noGrp="1"/>
-          </p:cNvSpPr>
-          <p:nvPr>
-            <p:ph type="dt" sz="half" idx="10"/>
-          </p:nvPr>
-        </p:nvSpPr>
-        <p:spPr/>
-        <p:txBody>
-          <a:bodyPr/>
-          <a:lstStyle/>
-          <a:p>
-            <a:r>
-              <a:rPr lang="en-US" smtClean="0"/>
-              <a:t>CS@UVa</a:t>
-            </a:r>
-            <a:endParaRPr lang="en-US"/>
-          </a:p>
-        </p:txBody>
-      </p:sp>
-      <p:sp>
-        <p:nvSpPr>
-          <p:cNvPr id="5" name="Footer Placeholder 4"/>
-          <p:cNvSpPr>
-            <a:spLocks noGrp="1"/>
-          </p:cNvSpPr>
-          <p:nvPr>
-            <p:ph type="ftr" sz="quarter" idx="11"/>
-          </p:nvPr>
-        </p:nvSpPr>
-        <p:spPr/>
-        <p:txBody>
-          <a:bodyPr/>
-          <a:lstStyle/>
-          <a:p>
-            <a:r>
-              <a:rPr lang="en-US" smtClean="0"/>
-              <a:t>CS 6501: Text Mining</a:t>
-            </a:r>
-            <a:endParaRPr lang="en-US"/>
-          </a:p>
-        </p:txBody>
-      </p:sp>
-      <p:sp>
-        <p:nvSpPr>
-          <p:cNvPr id="6" name="Slide Number Placeholder 5"/>
-          <p:cNvSpPr>
-            <a:spLocks noGrp="1"/>
-          </p:cNvSpPr>
-          <p:nvPr>
-            <p:ph type="sldNum" sz="quarter" idx="12"/>
-          </p:nvPr>
-        </p:nvSpPr>
-        <p:spPr/>
-        <p:txBody>
-          <a:bodyPr/>
-          <a:lstStyle/>
-          <a:p>
-            <a:fld id="{C76E115C-33BC-45ED-8DBD-F9FA6141D6D2}" type="slidenum">
-              <a:rPr lang="en-US" smtClean="0"/>
-              <a:t>31</a:t>
-            </a:fld>
-            <a:endParaRPr lang="en-US"/>
-          </a:p>
-        </p:txBody>
-      </p:sp>
-    </p:spTree>
-    <p:extLst>
-      <p:ext uri="{BB962C8B-B14F-4D97-AF65-F5344CB8AC3E}">
-        <p14:creationId xmlns:p14="http://schemas.microsoft.com/office/powerpoint/2010/main" val="1510921326"/>
-      </p:ext>
-    </p:extLst>
-  </p:cSld>
-  <p:clrMapOvr>
-    <a:masterClrMapping/>
-  </p:clrMapOvr>
-  <p:timing>
-    <p:tnLst>
-      <p:par>
-        <p:cTn id="1" dur="indefinite" restart="never" nodeType="tmRoot"/>
-      </p:par>
-    </p:tnLst>
-  </p:timing>
-</p:sld>
-</file>
-
-<file path=ppt/slides/slide32.xml><?xml version="1.0" encoding="utf-8"?>
-<p:sld xmlns:a="http://schemas.openxmlformats.org/drawingml/2006/main" xmlns:r="http://schemas.openxmlformats.org/officeDocument/2006/relationships" xmlns:p="http://schemas.openxmlformats.org/presentationml/2006/main">
-  <p:cSld>
-    <p:spTree>
-      <p:nvGrpSpPr>
-        <p:cNvPr id="1" name=""/>
-        <p:cNvGrpSpPr/>
-        <p:nvPr/>
-      </p:nvGrpSpPr>
-      <p:grpSpPr>
-        <a:xfrm>
-          <a:off x="0" y="0"/>
-          <a:ext cx="0" cy="0"/>
-          <a:chOff x="0" y="0"/>
-          <a:chExt cx="0" cy="0"/>
-        </a:xfrm>
-      </p:grpSpPr>
-      <p:sp>
-        <p:nvSpPr>
-          <p:cNvPr id="2" name="Title 1"/>
-          <p:cNvSpPr>
-            <a:spLocks noGrp="1"/>
-          </p:cNvSpPr>
-          <p:nvPr>
-            <p:ph type="title"/>
-          </p:nvPr>
-        </p:nvSpPr>
-        <p:spPr/>
-        <p:txBody>
-          <a:bodyPr/>
-          <a:lstStyle/>
-          <a:p>
-            <a:r>
               <a:rPr lang="en-US" dirty="0"/>
               <a:t>Today’s reading</a:t>
             </a:r>
@@ -15596,7 +15104,7 @@
           <a:p>
             <a:fld id="{C76E115C-33BC-45ED-8DBD-F9FA6141D6D2}" type="slidenum">
               <a:rPr lang="en-US" smtClean="0"/>
-              <a:t>32</a:t>
+              <a:t>30</a:t>
             </a:fld>
             <a:endParaRPr lang="en-US"/>
           </a:p>

--- a/docs/LexicalSemanticsWordSenses.pptx
+++ b/docs/LexicalSemanticsWordSenses.pptx
@@ -5,7 +5,7 @@
     <p:sldMasterId id="2147483660" r:id="rId1"/>
   </p:sldMasterIdLst>
   <p:notesMasterIdLst>
-    <p:notesMasterId r:id="rId32"/>
+    <p:notesMasterId r:id="rId35"/>
   </p:notesMasterIdLst>
   <p:sldIdLst>
     <p:sldId id="256" r:id="rId2"/>
@@ -25,19 +25,22 @@
     <p:sldId id="269" r:id="rId16"/>
     <p:sldId id="270" r:id="rId17"/>
     <p:sldId id="271" r:id="rId18"/>
-    <p:sldId id="280" r:id="rId19"/>
-    <p:sldId id="281" r:id="rId20"/>
-    <p:sldId id="282" r:id="rId21"/>
-    <p:sldId id="283" r:id="rId22"/>
-    <p:sldId id="284" r:id="rId23"/>
-    <p:sldId id="272" r:id="rId24"/>
-    <p:sldId id="273" r:id="rId25"/>
-    <p:sldId id="274" r:id="rId26"/>
-    <p:sldId id="275" r:id="rId27"/>
-    <p:sldId id="276" r:id="rId28"/>
-    <p:sldId id="277" r:id="rId29"/>
-    <p:sldId id="285" r:id="rId30"/>
-    <p:sldId id="286" r:id="rId31"/>
+    <p:sldId id="287" r:id="rId19"/>
+    <p:sldId id="288" r:id="rId20"/>
+    <p:sldId id="289" r:id="rId21"/>
+    <p:sldId id="280" r:id="rId22"/>
+    <p:sldId id="281" r:id="rId23"/>
+    <p:sldId id="282" r:id="rId24"/>
+    <p:sldId id="283" r:id="rId25"/>
+    <p:sldId id="284" r:id="rId26"/>
+    <p:sldId id="272" r:id="rId27"/>
+    <p:sldId id="273" r:id="rId28"/>
+    <p:sldId id="274" r:id="rId29"/>
+    <p:sldId id="275" r:id="rId30"/>
+    <p:sldId id="276" r:id="rId31"/>
+    <p:sldId id="277" r:id="rId32"/>
+    <p:sldId id="285" r:id="rId33"/>
+    <p:sldId id="286" r:id="rId34"/>
   </p:sldIdLst>
   <p:sldSz cx="9144000" cy="6858000" type="screen4x3"/>
   <p:notesSz cx="6858000" cy="9144000"/>
@@ -237,7 +240,7 @@
           <a:p>
             <a:fld id="{A7E72C35-2EF5-46FA-B31D-735D5F06BB33}" type="datetimeFigureOut">
               <a:rPr lang="en-US" smtClean="0"/>
-              <a:t>2/29/2016</a:t>
+              <a:t>3/2/2016</a:t>
             </a:fld>
             <a:endParaRPr lang="en-US"/>
           </a:p>
@@ -7322,6 +7325,2062 @@
       </p:grpSpPr>
       <p:sp>
         <p:nvSpPr>
+          <p:cNvPr id="2" name="Title 1"/>
+          <p:cNvSpPr>
+            <a:spLocks noGrp="1"/>
+          </p:cNvSpPr>
+          <p:nvPr>
+            <p:ph type="title"/>
+          </p:nvPr>
+        </p:nvSpPr>
+        <p:spPr/>
+        <p:txBody>
+          <a:bodyPr/>
+          <a:lstStyle/>
+          <a:p>
+            <a:r>
+              <a:rPr lang="en-US" dirty="0" smtClean="0"/>
+              <a:t>Recap: WordNet</a:t>
+            </a:r>
+            <a:endParaRPr lang="en-US" dirty="0"/>
+          </a:p>
+        </p:txBody>
+      </p:sp>
+      <p:sp>
+        <p:nvSpPr>
+          <p:cNvPr id="3" name="Content Placeholder 2"/>
+          <p:cNvSpPr>
+            <a:spLocks noGrp="1"/>
+          </p:cNvSpPr>
+          <p:nvPr>
+            <p:ph idx="1"/>
+          </p:nvPr>
+        </p:nvSpPr>
+        <p:spPr/>
+        <p:txBody>
+          <a:bodyPr>
+            <a:normAutofit fontScale="92500" lnSpcReduction="20000"/>
+          </a:bodyPr>
+          <a:lstStyle/>
+          <a:p>
+            <a:r>
+              <a:rPr lang="en-US" dirty="0" smtClean="0"/>
+              <a:t>A very </a:t>
+            </a:r>
+            <a:r>
+              <a:rPr lang="en-US" dirty="0"/>
+              <a:t>large lexical database of English:</a:t>
+            </a:r>
+          </a:p>
+          <a:p>
+            <a:pPr lvl="1"/>
+            <a:r>
+              <a:rPr lang="en-US" dirty="0" smtClean="0"/>
+              <a:t>117K </a:t>
+            </a:r>
+            <a:r>
+              <a:rPr lang="en-US" dirty="0"/>
+              <a:t>nouns, 11K verbs, 22K adjectives, 4.5K </a:t>
+            </a:r>
+            <a:r>
+              <a:rPr lang="en-US" dirty="0" smtClean="0"/>
+              <a:t>adverbs</a:t>
+            </a:r>
+          </a:p>
+          <a:p>
+            <a:r>
+              <a:rPr lang="en-US" dirty="0"/>
+              <a:t>Word senses grouped into synonym sets (“</a:t>
+            </a:r>
+            <a:r>
+              <a:rPr lang="en-US" dirty="0" err="1"/>
+              <a:t>synsets</a:t>
+            </a:r>
+            <a:r>
+              <a:rPr lang="en-US" dirty="0" smtClean="0"/>
+              <a:t>”) linked </a:t>
+            </a:r>
+            <a:r>
+              <a:rPr lang="en-US" dirty="0"/>
+              <a:t>into a conceptual-semantic hierarchy</a:t>
+            </a:r>
+          </a:p>
+          <a:p>
+            <a:pPr lvl="1"/>
+            <a:r>
+              <a:rPr lang="en-US" dirty="0" smtClean="0"/>
+              <a:t>82K </a:t>
+            </a:r>
+            <a:r>
+              <a:rPr lang="en-US" dirty="0"/>
+              <a:t>noun </a:t>
+            </a:r>
+            <a:r>
+              <a:rPr lang="en-US" dirty="0" err="1"/>
+              <a:t>synsets</a:t>
+            </a:r>
+            <a:r>
+              <a:rPr lang="en-US" dirty="0"/>
+              <a:t>, 13K verb </a:t>
+            </a:r>
+            <a:r>
+              <a:rPr lang="en-US" dirty="0" err="1"/>
+              <a:t>synsets</a:t>
+            </a:r>
+            <a:r>
+              <a:rPr lang="en-US" dirty="0"/>
+              <a:t>, </a:t>
+            </a:r>
+            <a:r>
+              <a:rPr lang="en-US" dirty="0" smtClean="0"/>
+              <a:t>18K adjectives </a:t>
+            </a:r>
+            <a:r>
+              <a:rPr lang="en-US" dirty="0" err="1"/>
+              <a:t>synsets</a:t>
+            </a:r>
+            <a:r>
+              <a:rPr lang="en-US" dirty="0"/>
+              <a:t>, </a:t>
+            </a:r>
+            <a:r>
+              <a:rPr lang="en-US" dirty="0" smtClean="0"/>
+              <a:t>3.6K adverb </a:t>
+            </a:r>
+            <a:r>
+              <a:rPr lang="en-US" dirty="0" err="1"/>
+              <a:t>synsets</a:t>
+            </a:r>
+            <a:endParaRPr lang="en-US" dirty="0"/>
+          </a:p>
+          <a:p>
+            <a:pPr lvl="1"/>
+            <a:r>
+              <a:rPr lang="en-US" dirty="0"/>
+              <a:t>Avg. # of senses: </a:t>
+            </a:r>
+            <a:r>
+              <a:rPr lang="en-US" dirty="0" smtClean="0"/>
+              <a:t>1.23/noun, 2.16/verb, 1.41/</a:t>
+            </a:r>
+            <a:r>
+              <a:rPr lang="en-US" dirty="0" err="1" smtClean="0"/>
+              <a:t>adj</a:t>
+            </a:r>
+            <a:r>
+              <a:rPr lang="en-US" dirty="0"/>
+              <a:t>, </a:t>
+            </a:r>
+            <a:r>
+              <a:rPr lang="en-US" dirty="0" smtClean="0"/>
+              <a:t>1.24/adverb</a:t>
+            </a:r>
+          </a:p>
+          <a:p>
+            <a:r>
+              <a:rPr lang="en-US" dirty="0"/>
+              <a:t>Conceptual-semantic </a:t>
+            </a:r>
+            <a:r>
+              <a:rPr lang="en-US" dirty="0" smtClean="0"/>
+              <a:t>relations</a:t>
+            </a:r>
+          </a:p>
+          <a:p>
+            <a:pPr lvl="1"/>
+            <a:r>
+              <a:rPr lang="en-US" dirty="0" err="1" smtClean="0"/>
+              <a:t>hypernym</a:t>
+            </a:r>
+            <a:r>
+              <a:rPr lang="en-US" dirty="0" smtClean="0"/>
+              <a:t>/hyponym</a:t>
+            </a:r>
+            <a:endParaRPr lang="en-US" dirty="0"/>
+          </a:p>
+        </p:txBody>
+      </p:sp>
+      <p:sp>
+        <p:nvSpPr>
+          <p:cNvPr id="4" name="Date Placeholder 3"/>
+          <p:cNvSpPr>
+            <a:spLocks noGrp="1"/>
+          </p:cNvSpPr>
+          <p:nvPr>
+            <p:ph type="dt" sz="half" idx="10"/>
+          </p:nvPr>
+        </p:nvSpPr>
+        <p:spPr/>
+        <p:txBody>
+          <a:bodyPr/>
+          <a:lstStyle/>
+          <a:p>
+            <a:r>
+              <a:rPr lang="en-US" smtClean="0"/>
+              <a:t>CS@UVa</a:t>
+            </a:r>
+            <a:endParaRPr lang="en-US"/>
+          </a:p>
+        </p:txBody>
+      </p:sp>
+      <p:sp>
+        <p:nvSpPr>
+          <p:cNvPr id="5" name="Footer Placeholder 4"/>
+          <p:cNvSpPr>
+            <a:spLocks noGrp="1"/>
+          </p:cNvSpPr>
+          <p:nvPr>
+            <p:ph type="ftr" sz="quarter" idx="11"/>
+          </p:nvPr>
+        </p:nvSpPr>
+        <p:spPr/>
+        <p:txBody>
+          <a:bodyPr/>
+          <a:lstStyle/>
+          <a:p>
+            <a:r>
+              <a:rPr lang="en-US" smtClean="0"/>
+              <a:t>CS 6501: Text Mining</a:t>
+            </a:r>
+            <a:endParaRPr lang="en-US"/>
+          </a:p>
+        </p:txBody>
+      </p:sp>
+      <p:sp>
+        <p:nvSpPr>
+          <p:cNvPr id="6" name="Slide Number Placeholder 5"/>
+          <p:cNvSpPr>
+            <a:spLocks noGrp="1"/>
+          </p:cNvSpPr>
+          <p:nvPr>
+            <p:ph type="sldNum" sz="quarter" idx="12"/>
+          </p:nvPr>
+        </p:nvSpPr>
+        <p:spPr/>
+        <p:txBody>
+          <a:bodyPr/>
+          <a:lstStyle/>
+          <a:p>
+            <a:fld id="{C76E115C-33BC-45ED-8DBD-F9FA6141D6D2}" type="slidenum">
+              <a:rPr lang="en-US" smtClean="0"/>
+              <a:t>18</a:t>
+            </a:fld>
+            <a:endParaRPr lang="en-US"/>
+          </a:p>
+        </p:txBody>
+      </p:sp>
+      <p:sp>
+        <p:nvSpPr>
+          <p:cNvPr id="7" name="TextBox 6"/>
+          <p:cNvSpPr txBox="1"/>
+          <p:nvPr/>
+        </p:nvSpPr>
+        <p:spPr>
+          <a:xfrm>
+            <a:off x="6553201" y="724495"/>
+            <a:ext cx="2933700" cy="923330"/>
+          </a:xfrm>
+          <a:prstGeom prst="rect">
+            <a:avLst/>
+          </a:prstGeom>
+          <a:noFill/>
+        </p:spPr>
+        <p:txBody>
+          <a:bodyPr wrap="square" rtlCol="0">
+            <a:spAutoFit/>
+          </a:bodyPr>
+          <a:lstStyle/>
+          <a:p>
+            <a:r>
+              <a:rPr lang="en-US" i="1" dirty="0">
+                <a:solidFill>
+                  <a:srgbClr val="FF0000"/>
+                </a:solidFill>
+              </a:rPr>
+              <a:t>George Miller, Cognitive Science Laboratory of Princeton University, 1985</a:t>
+            </a:r>
+          </a:p>
+        </p:txBody>
+      </p:sp>
+    </p:spTree>
+    <p:extLst>
+      <p:ext uri="{BB962C8B-B14F-4D97-AF65-F5344CB8AC3E}">
+        <p14:creationId xmlns:p14="http://schemas.microsoft.com/office/powerpoint/2010/main" val="3562064682"/>
+      </p:ext>
+    </p:extLst>
+  </p:cSld>
+  <p:clrMapOvr>
+    <a:masterClrMapping/>
+  </p:clrMapOvr>
+  <p:timing>
+    <p:tnLst>
+      <p:par>
+        <p:cTn id="1" dur="indefinite" restart="never" nodeType="tmRoot">
+          <p:childTnLst>
+            <p:seq concurrent="1" nextAc="seek">
+              <p:cTn id="2" dur="indefinite" nodeType="mainSeq">
+                <p:childTnLst>
+                  <p:par>
+                    <p:cTn id="3" fill="hold">
+                      <p:stCondLst>
+                        <p:cond delay="indefinite"/>
+                      </p:stCondLst>
+                      <p:childTnLst>
+                        <p:par>
+                          <p:cTn id="4" fill="hold">
+                            <p:stCondLst>
+                              <p:cond delay="0"/>
+                            </p:stCondLst>
+                            <p:childTnLst>
+                              <p:par>
+                                <p:cTn id="5" presetID="1" presetClass="entr" presetSubtype="0" fill="hold" grpId="0" nodeType="clickEffect">
+                                  <p:stCondLst>
+                                    <p:cond delay="0"/>
+                                  </p:stCondLst>
+                                  <p:childTnLst>
+                                    <p:set>
+                                      <p:cBhvr>
+                                        <p:cTn id="6" dur="1" fill="hold">
+                                          <p:stCondLst>
+                                            <p:cond delay="0"/>
+                                          </p:stCondLst>
+                                        </p:cTn>
+                                        <p:tgtEl>
+                                          <p:spTgt spid="7"/>
+                                        </p:tgtEl>
+                                        <p:attrNameLst>
+                                          <p:attrName>style.visibility</p:attrName>
+                                        </p:attrNameLst>
+                                      </p:cBhvr>
+                                      <p:to>
+                                        <p:strVal val="visible"/>
+                                      </p:to>
+                                    </p:set>
+                                  </p:childTnLst>
+                                </p:cTn>
+                              </p:par>
+                            </p:childTnLst>
+                          </p:cTn>
+                        </p:par>
+                      </p:childTnLst>
+                    </p:cTn>
+                  </p:par>
+                </p:childTnLst>
+              </p:cTn>
+              <p:prevCondLst>
+                <p:cond evt="onPrev" delay="0">
+                  <p:tgtEl>
+                    <p:sldTgt/>
+                  </p:tgtEl>
+                </p:cond>
+              </p:prevCondLst>
+              <p:nextCondLst>
+                <p:cond evt="onNext" delay="0">
+                  <p:tgtEl>
+                    <p:sldTgt/>
+                  </p:tgtEl>
+                </p:cond>
+              </p:nextCondLst>
+            </p:seq>
+          </p:childTnLst>
+        </p:cTn>
+      </p:par>
+    </p:tnLst>
+    <p:bldLst>
+      <p:bldP spid="7" grpId="0"/>
+    </p:bldLst>
+  </p:timing>
+</p:sld>
+</file>
+
+<file path=ppt/slides/slide19.xml><?xml version="1.0" encoding="utf-8"?>
+<p:sld xmlns:a="http://schemas.openxmlformats.org/drawingml/2006/main" xmlns:r="http://schemas.openxmlformats.org/officeDocument/2006/relationships" xmlns:p="http://schemas.openxmlformats.org/presentationml/2006/main">
+  <p:cSld>
+    <p:spTree>
+      <p:nvGrpSpPr>
+        <p:cNvPr id="1" name=""/>
+        <p:cNvGrpSpPr/>
+        <p:nvPr/>
+      </p:nvGrpSpPr>
+      <p:grpSpPr>
+        <a:xfrm>
+          <a:off x="0" y="0"/>
+          <a:ext cx="0" cy="0"/>
+          <a:chOff x="0" y="0"/>
+          <a:chExt cx="0" cy="0"/>
+        </a:xfrm>
+      </p:grpSpPr>
+      <p:sp>
+        <p:nvSpPr>
+          <p:cNvPr id="2" name="Title 1"/>
+          <p:cNvSpPr>
+            <a:spLocks noGrp="1"/>
+          </p:cNvSpPr>
+          <p:nvPr>
+            <p:ph type="title"/>
+          </p:nvPr>
+        </p:nvSpPr>
+        <p:spPr/>
+        <p:txBody>
+          <a:bodyPr>
+            <a:normAutofit fontScale="90000"/>
+          </a:bodyPr>
+          <a:lstStyle/>
+          <a:p>
+            <a:r>
+              <a:rPr lang="en-US" dirty="0" smtClean="0"/>
+              <a:t>Recap: Hierarchical </a:t>
+            </a:r>
+            <a:r>
+              <a:rPr lang="en-US" dirty="0" err="1" smtClean="0"/>
+              <a:t>synset</a:t>
+            </a:r>
+            <a:r>
+              <a:rPr lang="en-US" dirty="0" smtClean="0"/>
+              <a:t> relations</a:t>
+            </a:r>
+            <a:r>
+              <a:rPr lang="en-US" dirty="0"/>
+              <a:t>: </a:t>
+            </a:r>
+            <a:r>
+              <a:rPr lang="en-US" dirty="0" smtClean="0"/>
+              <a:t>nouns</a:t>
+            </a:r>
+            <a:endParaRPr lang="en-US" dirty="0"/>
+          </a:p>
+        </p:txBody>
+      </p:sp>
+      <p:sp>
+        <p:nvSpPr>
+          <p:cNvPr id="3" name="Content Placeholder 2"/>
+          <p:cNvSpPr>
+            <a:spLocks noGrp="1"/>
+          </p:cNvSpPr>
+          <p:nvPr>
+            <p:ph idx="1"/>
+          </p:nvPr>
+        </p:nvSpPr>
+        <p:spPr/>
+        <p:txBody>
+          <a:bodyPr>
+            <a:normAutofit fontScale="77500" lnSpcReduction="20000"/>
+          </a:bodyPr>
+          <a:lstStyle/>
+          <a:p>
+            <a:r>
+              <a:rPr lang="en-US" b="1" dirty="0" err="1"/>
+              <a:t>Hypernym</a:t>
+            </a:r>
+            <a:r>
+              <a:rPr lang="en-US" b="1" dirty="0"/>
+              <a:t>/hyponym</a:t>
+            </a:r>
+            <a:r>
+              <a:rPr lang="en-US" dirty="0"/>
+              <a:t> (between concepts)</a:t>
+            </a:r>
+          </a:p>
+          <a:p>
+            <a:pPr lvl="1"/>
+            <a:r>
+              <a:rPr lang="en-US" dirty="0"/>
+              <a:t>The more general ‘meal’ is a </a:t>
+            </a:r>
+            <a:r>
+              <a:rPr lang="en-US" dirty="0" err="1"/>
+              <a:t>hypernym</a:t>
+            </a:r>
+            <a:r>
+              <a:rPr lang="en-US" dirty="0"/>
+              <a:t> of the more specific ‘breakfast’</a:t>
+            </a:r>
+          </a:p>
+          <a:p>
+            <a:r>
+              <a:rPr lang="en-US" b="1" dirty="0"/>
+              <a:t>Instance </a:t>
+            </a:r>
+            <a:r>
+              <a:rPr lang="en-US" b="1" dirty="0" err="1"/>
+              <a:t>hypernym</a:t>
+            </a:r>
+            <a:r>
+              <a:rPr lang="en-US" b="1" dirty="0"/>
+              <a:t>/hyponym </a:t>
+            </a:r>
+            <a:r>
+              <a:rPr lang="en-US" dirty="0"/>
+              <a:t>(between concepts and instances)</a:t>
+            </a:r>
+          </a:p>
+          <a:p>
+            <a:pPr lvl="1"/>
+            <a:r>
+              <a:rPr lang="en-US" dirty="0"/>
+              <a:t>Austen is an instance hyponym of author</a:t>
+            </a:r>
+          </a:p>
+          <a:p>
+            <a:r>
+              <a:rPr lang="en-US" b="1" dirty="0"/>
+              <a:t>Member </a:t>
+            </a:r>
+            <a:r>
+              <a:rPr lang="en-US" b="1" dirty="0" err="1"/>
+              <a:t>holonym</a:t>
+            </a:r>
+            <a:r>
+              <a:rPr lang="en-US" b="1" dirty="0"/>
+              <a:t>/</a:t>
+            </a:r>
+            <a:r>
+              <a:rPr lang="en-US" b="1" dirty="0" err="1"/>
+              <a:t>meronym</a:t>
+            </a:r>
+            <a:r>
+              <a:rPr lang="en-US" b="1" dirty="0"/>
+              <a:t> </a:t>
+            </a:r>
+            <a:r>
+              <a:rPr lang="en-US" dirty="0"/>
+              <a:t>(groups and members)</a:t>
+            </a:r>
+          </a:p>
+          <a:p>
+            <a:pPr lvl="1"/>
+            <a:r>
+              <a:rPr lang="en-US" dirty="0"/>
+              <a:t>professor is a member </a:t>
+            </a:r>
+            <a:r>
+              <a:rPr lang="en-US" dirty="0" err="1"/>
+              <a:t>meronym</a:t>
+            </a:r>
+            <a:r>
+              <a:rPr lang="en-US" dirty="0"/>
+              <a:t> of (a university’s) faculty</a:t>
+            </a:r>
+          </a:p>
+          <a:p>
+            <a:r>
+              <a:rPr lang="en-US" b="1" dirty="0"/>
+              <a:t>Part </a:t>
+            </a:r>
+            <a:r>
+              <a:rPr lang="en-US" b="1" dirty="0" err="1"/>
+              <a:t>holonym</a:t>
+            </a:r>
+            <a:r>
+              <a:rPr lang="en-US" b="1" dirty="0"/>
+              <a:t>/</a:t>
+            </a:r>
+            <a:r>
+              <a:rPr lang="en-US" b="1" dirty="0" err="1"/>
+              <a:t>meronym</a:t>
+            </a:r>
+            <a:r>
+              <a:rPr lang="en-US" b="1" dirty="0"/>
+              <a:t> </a:t>
+            </a:r>
+            <a:r>
+              <a:rPr lang="en-US" dirty="0"/>
+              <a:t>(wholes and parts)</a:t>
+            </a:r>
+          </a:p>
+          <a:p>
+            <a:pPr lvl="1"/>
+            <a:r>
+              <a:rPr lang="en-US" dirty="0"/>
+              <a:t>wheel is a part </a:t>
+            </a:r>
+            <a:r>
+              <a:rPr lang="en-US" dirty="0" err="1"/>
+              <a:t>meronym</a:t>
+            </a:r>
+            <a:r>
+              <a:rPr lang="en-US" dirty="0"/>
+              <a:t> of (is a part of) car.</a:t>
+            </a:r>
+          </a:p>
+          <a:p>
+            <a:r>
+              <a:rPr lang="en-US" b="1" dirty="0"/>
+              <a:t>Substance </a:t>
+            </a:r>
+            <a:r>
+              <a:rPr lang="en-US" b="1" dirty="0" err="1"/>
+              <a:t>meronym</a:t>
+            </a:r>
+            <a:r>
+              <a:rPr lang="en-US" b="1" dirty="0"/>
+              <a:t>/</a:t>
+            </a:r>
+            <a:r>
+              <a:rPr lang="en-US" b="1" dirty="0" err="1"/>
+              <a:t>holonym</a:t>
+            </a:r>
+            <a:r>
+              <a:rPr lang="en-US" b="1" dirty="0"/>
+              <a:t> </a:t>
+            </a:r>
+            <a:r>
+              <a:rPr lang="en-US" dirty="0"/>
+              <a:t>(substances and components)</a:t>
+            </a:r>
+          </a:p>
+          <a:p>
+            <a:pPr lvl="1"/>
+            <a:r>
+              <a:rPr lang="en-US" dirty="0"/>
+              <a:t>flour is a substance </a:t>
+            </a:r>
+            <a:r>
+              <a:rPr lang="en-US" dirty="0" err="1"/>
+              <a:t>meronym</a:t>
+            </a:r>
+            <a:r>
+              <a:rPr lang="en-US" dirty="0"/>
+              <a:t> of (is made of) bread</a:t>
+            </a:r>
+          </a:p>
+        </p:txBody>
+      </p:sp>
+      <p:sp>
+        <p:nvSpPr>
+          <p:cNvPr id="4" name="Date Placeholder 3"/>
+          <p:cNvSpPr>
+            <a:spLocks noGrp="1"/>
+          </p:cNvSpPr>
+          <p:nvPr>
+            <p:ph type="dt" sz="half" idx="10"/>
+          </p:nvPr>
+        </p:nvSpPr>
+        <p:spPr/>
+        <p:txBody>
+          <a:bodyPr/>
+          <a:lstStyle/>
+          <a:p>
+            <a:r>
+              <a:rPr lang="en-US" smtClean="0"/>
+              <a:t>CS@UVa</a:t>
+            </a:r>
+            <a:endParaRPr lang="en-US"/>
+          </a:p>
+        </p:txBody>
+      </p:sp>
+      <p:sp>
+        <p:nvSpPr>
+          <p:cNvPr id="5" name="Footer Placeholder 4"/>
+          <p:cNvSpPr>
+            <a:spLocks noGrp="1"/>
+          </p:cNvSpPr>
+          <p:nvPr>
+            <p:ph type="ftr" sz="quarter" idx="11"/>
+          </p:nvPr>
+        </p:nvSpPr>
+        <p:spPr/>
+        <p:txBody>
+          <a:bodyPr/>
+          <a:lstStyle/>
+          <a:p>
+            <a:r>
+              <a:rPr lang="en-US" smtClean="0"/>
+              <a:t>CS 6501: Text Mining</a:t>
+            </a:r>
+            <a:endParaRPr lang="en-US"/>
+          </a:p>
+        </p:txBody>
+      </p:sp>
+      <p:sp>
+        <p:nvSpPr>
+          <p:cNvPr id="6" name="Slide Number Placeholder 5"/>
+          <p:cNvSpPr>
+            <a:spLocks noGrp="1"/>
+          </p:cNvSpPr>
+          <p:nvPr>
+            <p:ph type="sldNum" sz="quarter" idx="12"/>
+          </p:nvPr>
+        </p:nvSpPr>
+        <p:spPr/>
+        <p:txBody>
+          <a:bodyPr/>
+          <a:lstStyle/>
+          <a:p>
+            <a:fld id="{C76E115C-33BC-45ED-8DBD-F9FA6141D6D2}" type="slidenum">
+              <a:rPr lang="en-US" smtClean="0"/>
+              <a:t>19</a:t>
+            </a:fld>
+            <a:endParaRPr lang="en-US"/>
+          </a:p>
+        </p:txBody>
+      </p:sp>
+      <p:grpSp>
+        <p:nvGrpSpPr>
+          <p:cNvPr id="12" name="Group 11"/>
+          <p:cNvGrpSpPr/>
+          <p:nvPr/>
+        </p:nvGrpSpPr>
+        <p:grpSpPr>
+          <a:xfrm>
+            <a:off x="1921934" y="2924201"/>
+            <a:ext cx="4705101" cy="369332"/>
+            <a:chOff x="1921934" y="2924201"/>
+            <a:chExt cx="4705101" cy="369332"/>
+          </a:xfrm>
+        </p:grpSpPr>
+        <p:sp>
+          <p:nvSpPr>
+            <p:cNvPr id="7" name="Rectangle 6"/>
+            <p:cNvSpPr/>
+            <p:nvPr/>
+          </p:nvSpPr>
+          <p:spPr>
+            <a:xfrm>
+              <a:off x="2618565" y="2924201"/>
+              <a:ext cx="4008470" cy="369332"/>
+            </a:xfrm>
+            <a:prstGeom prst="rect">
+              <a:avLst/>
+            </a:prstGeom>
+          </p:spPr>
+          <p:txBody>
+            <a:bodyPr wrap="none">
+              <a:spAutoFit/>
+            </a:bodyPr>
+            <a:lstStyle/>
+            <a:p>
+              <a:r>
+                <a:rPr lang="en-US" i="1" dirty="0" smtClean="0">
+                  <a:solidFill>
+                    <a:srgbClr val="FF0000"/>
+                  </a:solidFill>
+                </a:rPr>
+                <a:t>Jane Austen, 1775–1817</a:t>
+              </a:r>
+              <a:r>
+                <a:rPr lang="en-US" i="1" dirty="0">
+                  <a:solidFill>
+                    <a:srgbClr val="FF0000"/>
+                  </a:solidFill>
+                </a:rPr>
+                <a:t>, English novelist</a:t>
+              </a:r>
+            </a:p>
+          </p:txBody>
+        </p:sp>
+        <p:cxnSp>
+          <p:nvCxnSpPr>
+            <p:cNvPr id="9" name="Straight Arrow Connector 8"/>
+            <p:cNvCxnSpPr/>
+            <p:nvPr/>
+          </p:nvCxnSpPr>
+          <p:spPr>
+            <a:xfrm flipH="1">
+              <a:off x="1921934" y="3108867"/>
+              <a:ext cx="668866" cy="184666"/>
+            </a:xfrm>
+            <a:prstGeom prst="straightConnector1">
+              <a:avLst/>
+            </a:prstGeom>
+            <a:ln w="12700">
+              <a:solidFill>
+                <a:srgbClr val="FF0000"/>
+              </a:solidFill>
+              <a:tailEnd type="triangle"/>
+            </a:ln>
+          </p:spPr>
+          <p:style>
+            <a:lnRef idx="1">
+              <a:schemeClr val="accent1"/>
+            </a:lnRef>
+            <a:fillRef idx="0">
+              <a:schemeClr val="accent1"/>
+            </a:fillRef>
+            <a:effectRef idx="0">
+              <a:schemeClr val="accent1"/>
+            </a:effectRef>
+            <a:fontRef idx="minor">
+              <a:schemeClr val="tx1"/>
+            </a:fontRef>
+          </p:style>
+        </p:cxnSp>
+      </p:grpSp>
+    </p:spTree>
+    <p:extLst>
+      <p:ext uri="{BB962C8B-B14F-4D97-AF65-F5344CB8AC3E}">
+        <p14:creationId xmlns:p14="http://schemas.microsoft.com/office/powerpoint/2010/main" val="2505310696"/>
+      </p:ext>
+    </p:extLst>
+  </p:cSld>
+  <p:clrMapOvr>
+    <a:masterClrMapping/>
+  </p:clrMapOvr>
+  <p:timing>
+    <p:tnLst>
+      <p:par>
+        <p:cTn id="1" dur="indefinite" restart="never" nodeType="tmRoot">
+          <p:childTnLst>
+            <p:seq concurrent="1" nextAc="seek">
+              <p:cTn id="2" dur="indefinite" nodeType="mainSeq">
+                <p:childTnLst>
+                  <p:par>
+                    <p:cTn id="3" fill="hold">
+                      <p:stCondLst>
+                        <p:cond delay="indefinite"/>
+                      </p:stCondLst>
+                      <p:childTnLst>
+                        <p:par>
+                          <p:cTn id="4" fill="hold">
+                            <p:stCondLst>
+                              <p:cond delay="0"/>
+                            </p:stCondLst>
+                            <p:childTnLst>
+                              <p:par>
+                                <p:cTn id="5" presetID="1" presetClass="entr" presetSubtype="0" fill="hold" nodeType="clickEffect">
+                                  <p:stCondLst>
+                                    <p:cond delay="0"/>
+                                  </p:stCondLst>
+                                  <p:childTnLst>
+                                    <p:set>
+                                      <p:cBhvr>
+                                        <p:cTn id="6" dur="1" fill="hold">
+                                          <p:stCondLst>
+                                            <p:cond delay="0"/>
+                                          </p:stCondLst>
+                                        </p:cTn>
+                                        <p:tgtEl>
+                                          <p:spTgt spid="3">
+                                            <p:txEl>
+                                              <p:pRg st="2" end="2"/>
+                                            </p:txEl>
+                                          </p:spTgt>
+                                        </p:tgtEl>
+                                        <p:attrNameLst>
+                                          <p:attrName>style.visibility</p:attrName>
+                                        </p:attrNameLst>
+                                      </p:cBhvr>
+                                      <p:to>
+                                        <p:strVal val="visible"/>
+                                      </p:to>
+                                    </p:set>
+                                  </p:childTnLst>
+                                </p:cTn>
+                              </p:par>
+                              <p:par>
+                                <p:cTn id="7" presetID="1" presetClass="entr" presetSubtype="0" fill="hold" nodeType="withEffect">
+                                  <p:stCondLst>
+                                    <p:cond delay="0"/>
+                                  </p:stCondLst>
+                                  <p:childTnLst>
+                                    <p:set>
+                                      <p:cBhvr>
+                                        <p:cTn id="8" dur="1" fill="hold">
+                                          <p:stCondLst>
+                                            <p:cond delay="0"/>
+                                          </p:stCondLst>
+                                        </p:cTn>
+                                        <p:tgtEl>
+                                          <p:spTgt spid="3">
+                                            <p:txEl>
+                                              <p:pRg st="3" end="3"/>
+                                            </p:txEl>
+                                          </p:spTgt>
+                                        </p:tgtEl>
+                                        <p:attrNameLst>
+                                          <p:attrName>style.visibility</p:attrName>
+                                        </p:attrNameLst>
+                                      </p:cBhvr>
+                                      <p:to>
+                                        <p:strVal val="visible"/>
+                                      </p:to>
+                                    </p:set>
+                                  </p:childTnLst>
+                                </p:cTn>
+                              </p:par>
+                            </p:childTnLst>
+                          </p:cTn>
+                        </p:par>
+                      </p:childTnLst>
+                    </p:cTn>
+                  </p:par>
+                  <p:par>
+                    <p:cTn id="9" fill="hold">
+                      <p:stCondLst>
+                        <p:cond delay="indefinite"/>
+                      </p:stCondLst>
+                      <p:childTnLst>
+                        <p:par>
+                          <p:cTn id="10" fill="hold">
+                            <p:stCondLst>
+                              <p:cond delay="0"/>
+                            </p:stCondLst>
+                            <p:childTnLst>
+                              <p:par>
+                                <p:cTn id="11" presetID="1" presetClass="entr" presetSubtype="0" fill="hold" nodeType="clickEffect">
+                                  <p:stCondLst>
+                                    <p:cond delay="0"/>
+                                  </p:stCondLst>
+                                  <p:childTnLst>
+                                    <p:set>
+                                      <p:cBhvr>
+                                        <p:cTn id="12" dur="1" fill="hold">
+                                          <p:stCondLst>
+                                            <p:cond delay="0"/>
+                                          </p:stCondLst>
+                                        </p:cTn>
+                                        <p:tgtEl>
+                                          <p:spTgt spid="12"/>
+                                        </p:tgtEl>
+                                        <p:attrNameLst>
+                                          <p:attrName>style.visibility</p:attrName>
+                                        </p:attrNameLst>
+                                      </p:cBhvr>
+                                      <p:to>
+                                        <p:strVal val="visible"/>
+                                      </p:to>
+                                    </p:set>
+                                  </p:childTnLst>
+                                </p:cTn>
+                              </p:par>
+                            </p:childTnLst>
+                          </p:cTn>
+                        </p:par>
+                      </p:childTnLst>
+                    </p:cTn>
+                  </p:par>
+                  <p:par>
+                    <p:cTn id="13" fill="hold">
+                      <p:stCondLst>
+                        <p:cond delay="indefinite"/>
+                      </p:stCondLst>
+                      <p:childTnLst>
+                        <p:par>
+                          <p:cTn id="14" fill="hold">
+                            <p:stCondLst>
+                              <p:cond delay="0"/>
+                            </p:stCondLst>
+                            <p:childTnLst>
+                              <p:par>
+                                <p:cTn id="15" presetID="1" presetClass="entr" presetSubtype="0" fill="hold" nodeType="clickEffect">
+                                  <p:stCondLst>
+                                    <p:cond delay="0"/>
+                                  </p:stCondLst>
+                                  <p:childTnLst>
+                                    <p:set>
+                                      <p:cBhvr>
+                                        <p:cTn id="16" dur="1" fill="hold">
+                                          <p:stCondLst>
+                                            <p:cond delay="0"/>
+                                          </p:stCondLst>
+                                        </p:cTn>
+                                        <p:tgtEl>
+                                          <p:spTgt spid="3">
+                                            <p:txEl>
+                                              <p:pRg st="4" end="4"/>
+                                            </p:txEl>
+                                          </p:spTgt>
+                                        </p:tgtEl>
+                                        <p:attrNameLst>
+                                          <p:attrName>style.visibility</p:attrName>
+                                        </p:attrNameLst>
+                                      </p:cBhvr>
+                                      <p:to>
+                                        <p:strVal val="visible"/>
+                                      </p:to>
+                                    </p:set>
+                                  </p:childTnLst>
+                                </p:cTn>
+                              </p:par>
+                              <p:par>
+                                <p:cTn id="17" presetID="1" presetClass="entr" presetSubtype="0" fill="hold" nodeType="withEffect">
+                                  <p:stCondLst>
+                                    <p:cond delay="0"/>
+                                  </p:stCondLst>
+                                  <p:childTnLst>
+                                    <p:set>
+                                      <p:cBhvr>
+                                        <p:cTn id="18" dur="1" fill="hold">
+                                          <p:stCondLst>
+                                            <p:cond delay="0"/>
+                                          </p:stCondLst>
+                                        </p:cTn>
+                                        <p:tgtEl>
+                                          <p:spTgt spid="3">
+                                            <p:txEl>
+                                              <p:pRg st="5" end="5"/>
+                                            </p:txEl>
+                                          </p:spTgt>
+                                        </p:tgtEl>
+                                        <p:attrNameLst>
+                                          <p:attrName>style.visibility</p:attrName>
+                                        </p:attrNameLst>
+                                      </p:cBhvr>
+                                      <p:to>
+                                        <p:strVal val="visible"/>
+                                      </p:to>
+                                    </p:set>
+                                  </p:childTnLst>
+                                </p:cTn>
+                              </p:par>
+                            </p:childTnLst>
+                          </p:cTn>
+                        </p:par>
+                      </p:childTnLst>
+                    </p:cTn>
+                  </p:par>
+                  <p:par>
+                    <p:cTn id="19" fill="hold">
+                      <p:stCondLst>
+                        <p:cond delay="indefinite"/>
+                      </p:stCondLst>
+                      <p:childTnLst>
+                        <p:par>
+                          <p:cTn id="20" fill="hold">
+                            <p:stCondLst>
+                              <p:cond delay="0"/>
+                            </p:stCondLst>
+                            <p:childTnLst>
+                              <p:par>
+                                <p:cTn id="21" presetID="1" presetClass="entr" presetSubtype="0" fill="hold" nodeType="clickEffect">
+                                  <p:stCondLst>
+                                    <p:cond delay="0"/>
+                                  </p:stCondLst>
+                                  <p:childTnLst>
+                                    <p:set>
+                                      <p:cBhvr>
+                                        <p:cTn id="22" dur="1" fill="hold">
+                                          <p:stCondLst>
+                                            <p:cond delay="0"/>
+                                          </p:stCondLst>
+                                        </p:cTn>
+                                        <p:tgtEl>
+                                          <p:spTgt spid="3">
+                                            <p:txEl>
+                                              <p:pRg st="6" end="6"/>
+                                            </p:txEl>
+                                          </p:spTgt>
+                                        </p:tgtEl>
+                                        <p:attrNameLst>
+                                          <p:attrName>style.visibility</p:attrName>
+                                        </p:attrNameLst>
+                                      </p:cBhvr>
+                                      <p:to>
+                                        <p:strVal val="visible"/>
+                                      </p:to>
+                                    </p:set>
+                                  </p:childTnLst>
+                                </p:cTn>
+                              </p:par>
+                              <p:par>
+                                <p:cTn id="23" presetID="1" presetClass="entr" presetSubtype="0" fill="hold" nodeType="withEffect">
+                                  <p:stCondLst>
+                                    <p:cond delay="0"/>
+                                  </p:stCondLst>
+                                  <p:childTnLst>
+                                    <p:set>
+                                      <p:cBhvr>
+                                        <p:cTn id="24" dur="1" fill="hold">
+                                          <p:stCondLst>
+                                            <p:cond delay="0"/>
+                                          </p:stCondLst>
+                                        </p:cTn>
+                                        <p:tgtEl>
+                                          <p:spTgt spid="3">
+                                            <p:txEl>
+                                              <p:pRg st="7" end="7"/>
+                                            </p:txEl>
+                                          </p:spTgt>
+                                        </p:tgtEl>
+                                        <p:attrNameLst>
+                                          <p:attrName>style.visibility</p:attrName>
+                                        </p:attrNameLst>
+                                      </p:cBhvr>
+                                      <p:to>
+                                        <p:strVal val="visible"/>
+                                      </p:to>
+                                    </p:set>
+                                  </p:childTnLst>
+                                </p:cTn>
+                              </p:par>
+                            </p:childTnLst>
+                          </p:cTn>
+                        </p:par>
+                      </p:childTnLst>
+                    </p:cTn>
+                  </p:par>
+                  <p:par>
+                    <p:cTn id="25" fill="hold">
+                      <p:stCondLst>
+                        <p:cond delay="indefinite"/>
+                      </p:stCondLst>
+                      <p:childTnLst>
+                        <p:par>
+                          <p:cTn id="26" fill="hold">
+                            <p:stCondLst>
+                              <p:cond delay="0"/>
+                            </p:stCondLst>
+                            <p:childTnLst>
+                              <p:par>
+                                <p:cTn id="27" presetID="1" presetClass="entr" presetSubtype="0" fill="hold" nodeType="clickEffect">
+                                  <p:stCondLst>
+                                    <p:cond delay="0"/>
+                                  </p:stCondLst>
+                                  <p:childTnLst>
+                                    <p:set>
+                                      <p:cBhvr>
+                                        <p:cTn id="28" dur="1" fill="hold">
+                                          <p:stCondLst>
+                                            <p:cond delay="0"/>
+                                          </p:stCondLst>
+                                        </p:cTn>
+                                        <p:tgtEl>
+                                          <p:spTgt spid="3">
+                                            <p:txEl>
+                                              <p:pRg st="8" end="8"/>
+                                            </p:txEl>
+                                          </p:spTgt>
+                                        </p:tgtEl>
+                                        <p:attrNameLst>
+                                          <p:attrName>style.visibility</p:attrName>
+                                        </p:attrNameLst>
+                                      </p:cBhvr>
+                                      <p:to>
+                                        <p:strVal val="visible"/>
+                                      </p:to>
+                                    </p:set>
+                                  </p:childTnLst>
+                                </p:cTn>
+                              </p:par>
+                              <p:par>
+                                <p:cTn id="29" presetID="1" presetClass="entr" presetSubtype="0" fill="hold" nodeType="withEffect">
+                                  <p:stCondLst>
+                                    <p:cond delay="0"/>
+                                  </p:stCondLst>
+                                  <p:childTnLst>
+                                    <p:set>
+                                      <p:cBhvr>
+                                        <p:cTn id="30" dur="1" fill="hold">
+                                          <p:stCondLst>
+                                            <p:cond delay="0"/>
+                                          </p:stCondLst>
+                                        </p:cTn>
+                                        <p:tgtEl>
+                                          <p:spTgt spid="3">
+                                            <p:txEl>
+                                              <p:pRg st="9" end="9"/>
+                                            </p:txEl>
+                                          </p:spTgt>
+                                        </p:tgtEl>
+                                        <p:attrNameLst>
+                                          <p:attrName>style.visibility</p:attrName>
+                                        </p:attrNameLst>
+                                      </p:cBhvr>
+                                      <p:to>
+                                        <p:strVal val="visible"/>
+                                      </p:to>
+                                    </p:set>
+                                  </p:childTnLst>
+                                </p:cTn>
+                              </p:par>
+                            </p:childTnLst>
+                          </p:cTn>
+                        </p:par>
+                      </p:childTnLst>
+                    </p:cTn>
+                  </p:par>
+                </p:childTnLst>
+              </p:cTn>
+              <p:prevCondLst>
+                <p:cond evt="onPrev" delay="0">
+                  <p:tgtEl>
+                    <p:sldTgt/>
+                  </p:tgtEl>
+                </p:cond>
+              </p:prevCondLst>
+              <p:nextCondLst>
+                <p:cond evt="onNext" delay="0">
+                  <p:tgtEl>
+                    <p:sldTgt/>
+                  </p:tgtEl>
+                </p:cond>
+              </p:nextCondLst>
+            </p:seq>
+          </p:childTnLst>
+        </p:cTn>
+      </p:par>
+    </p:tnLst>
+  </p:timing>
+</p:sld>
+</file>
+
+<file path=ppt/slides/slide2.xml><?xml version="1.0" encoding="utf-8"?>
+<p:sld xmlns:a="http://schemas.openxmlformats.org/drawingml/2006/main" xmlns:r="http://schemas.openxmlformats.org/officeDocument/2006/relationships" xmlns:p="http://schemas.openxmlformats.org/presentationml/2006/main">
+  <p:cSld>
+    <p:spTree>
+      <p:nvGrpSpPr>
+        <p:cNvPr id="1" name=""/>
+        <p:cNvGrpSpPr/>
+        <p:nvPr/>
+      </p:nvGrpSpPr>
+      <p:grpSpPr>
+        <a:xfrm>
+          <a:off x="0" y="0"/>
+          <a:ext cx="0" cy="0"/>
+          <a:chOff x="0" y="0"/>
+          <a:chExt cx="0" cy="0"/>
+        </a:xfrm>
+      </p:grpSpPr>
+      <p:sp>
+        <p:nvSpPr>
+          <p:cNvPr id="6" name="Title 5"/>
+          <p:cNvSpPr>
+            <a:spLocks noGrp="1"/>
+          </p:cNvSpPr>
+          <p:nvPr>
+            <p:ph type="title"/>
+          </p:nvPr>
+        </p:nvSpPr>
+        <p:spPr/>
+        <p:txBody>
+          <a:bodyPr/>
+          <a:lstStyle/>
+          <a:p>
+            <a:r>
+              <a:rPr lang="en-US" dirty="0" smtClean="0"/>
+              <a:t>Today’s lecture</a:t>
+            </a:r>
+            <a:endParaRPr lang="en-US" dirty="0"/>
+          </a:p>
+        </p:txBody>
+      </p:sp>
+      <p:sp>
+        <p:nvSpPr>
+          <p:cNvPr id="7" name="Content Placeholder 6"/>
+          <p:cNvSpPr>
+            <a:spLocks noGrp="1"/>
+          </p:cNvSpPr>
+          <p:nvPr>
+            <p:ph idx="1"/>
+          </p:nvPr>
+        </p:nvSpPr>
+        <p:spPr/>
+        <p:txBody>
+          <a:bodyPr>
+            <a:normAutofit lnSpcReduction="10000"/>
+          </a:bodyPr>
+          <a:lstStyle/>
+          <a:p>
+            <a:pPr marL="514350" indent="-514350">
+              <a:buFont typeface="+mj-lt"/>
+              <a:buAutoNum type="arabicPeriod"/>
+            </a:pPr>
+            <a:r>
+              <a:rPr lang="en-US" dirty="0" smtClean="0"/>
+              <a:t>Lexical semantics</a:t>
+            </a:r>
+          </a:p>
+          <a:p>
+            <a:pPr lvl="1"/>
+            <a:r>
+              <a:rPr lang="en-US" dirty="0" smtClean="0"/>
+              <a:t>Meaning of words</a:t>
+            </a:r>
+          </a:p>
+          <a:p>
+            <a:pPr lvl="1"/>
+            <a:r>
+              <a:rPr lang="en-US" dirty="0" smtClean="0"/>
+              <a:t>Relation between different meanings</a:t>
+            </a:r>
+          </a:p>
+          <a:p>
+            <a:pPr marL="514350" indent="-514350">
+              <a:buFont typeface="+mj-lt"/>
+              <a:buAutoNum type="arabicPeriod"/>
+            </a:pPr>
+            <a:r>
+              <a:rPr lang="en-US" dirty="0" smtClean="0"/>
+              <a:t>WordNet</a:t>
+            </a:r>
+          </a:p>
+          <a:p>
+            <a:pPr marL="804863" lvl="1" indent="-347663"/>
+            <a:r>
+              <a:rPr lang="en-US" dirty="0" smtClean="0"/>
+              <a:t>An ontology structure of word senses</a:t>
+            </a:r>
+          </a:p>
+          <a:p>
+            <a:pPr marL="804863" lvl="1" indent="-347663"/>
+            <a:r>
+              <a:rPr lang="en-US" dirty="0" smtClean="0"/>
+              <a:t>Similarity between words</a:t>
+            </a:r>
+          </a:p>
+          <a:p>
+            <a:pPr marL="571500" indent="-514350">
+              <a:buFont typeface="+mj-lt"/>
+              <a:buAutoNum type="arabicPeriod"/>
+            </a:pPr>
+            <a:r>
+              <a:rPr lang="en-US" dirty="0" smtClean="0"/>
+              <a:t>Distributional semantics</a:t>
+            </a:r>
+          </a:p>
+          <a:p>
+            <a:pPr marL="804863" lvl="1" indent="-347663"/>
+            <a:r>
+              <a:rPr lang="en-US" dirty="0" smtClean="0"/>
+              <a:t>Similarity between words</a:t>
+            </a:r>
+          </a:p>
+          <a:p>
+            <a:pPr marL="804863" lvl="1" indent="-347663"/>
+            <a:r>
+              <a:rPr lang="en-US" dirty="0" smtClean="0"/>
+              <a:t>Word sense disambiguation</a:t>
+            </a:r>
+            <a:endParaRPr lang="en-US" dirty="0"/>
+          </a:p>
+        </p:txBody>
+      </p:sp>
+      <p:sp>
+        <p:nvSpPr>
+          <p:cNvPr id="3" name="Date Placeholder 2"/>
+          <p:cNvSpPr>
+            <a:spLocks noGrp="1"/>
+          </p:cNvSpPr>
+          <p:nvPr>
+            <p:ph type="dt" sz="half" idx="10"/>
+          </p:nvPr>
+        </p:nvSpPr>
+        <p:spPr/>
+        <p:txBody>
+          <a:bodyPr/>
+          <a:lstStyle/>
+          <a:p>
+            <a:r>
+              <a:rPr lang="en-US" smtClean="0"/>
+              <a:t>CS@UVa</a:t>
+            </a:r>
+            <a:endParaRPr lang="en-US"/>
+          </a:p>
+        </p:txBody>
+      </p:sp>
+      <p:sp>
+        <p:nvSpPr>
+          <p:cNvPr id="4" name="Footer Placeholder 3"/>
+          <p:cNvSpPr>
+            <a:spLocks noGrp="1"/>
+          </p:cNvSpPr>
+          <p:nvPr>
+            <p:ph type="ftr" sz="quarter" idx="11"/>
+          </p:nvPr>
+        </p:nvSpPr>
+        <p:spPr/>
+        <p:txBody>
+          <a:bodyPr/>
+          <a:lstStyle/>
+          <a:p>
+            <a:r>
+              <a:rPr lang="en-US" smtClean="0"/>
+              <a:t>CS 6501: Text Mining</a:t>
+            </a:r>
+            <a:endParaRPr lang="en-US"/>
+          </a:p>
+        </p:txBody>
+      </p:sp>
+      <p:sp>
+        <p:nvSpPr>
+          <p:cNvPr id="5" name="Slide Number Placeholder 4"/>
+          <p:cNvSpPr>
+            <a:spLocks noGrp="1"/>
+          </p:cNvSpPr>
+          <p:nvPr>
+            <p:ph type="sldNum" sz="quarter" idx="12"/>
+          </p:nvPr>
+        </p:nvSpPr>
+        <p:spPr/>
+        <p:txBody>
+          <a:bodyPr/>
+          <a:lstStyle/>
+          <a:p>
+            <a:fld id="{2A9F8BE9-47C8-4C45-B88F-68A848B0515F}" type="slidenum">
+              <a:rPr lang="en-US" smtClean="0"/>
+              <a:t>2</a:t>
+            </a:fld>
+            <a:endParaRPr lang="en-US"/>
+          </a:p>
+        </p:txBody>
+      </p:sp>
+    </p:spTree>
+    <p:extLst>
+      <p:ext uri="{BB962C8B-B14F-4D97-AF65-F5344CB8AC3E}">
+        <p14:creationId xmlns:p14="http://schemas.microsoft.com/office/powerpoint/2010/main" val="1086884370"/>
+      </p:ext>
+    </p:extLst>
+  </p:cSld>
+  <p:clrMapOvr>
+    <a:masterClrMapping/>
+  </p:clrMapOvr>
+  <p:timing>
+    <p:tnLst>
+      <p:par>
+        <p:cTn id="1" dur="indefinite" restart="never" nodeType="tmRoot"/>
+      </p:par>
+    </p:tnLst>
+  </p:timing>
+</p:sld>
+</file>
+
+<file path=ppt/slides/slide20.xml><?xml version="1.0" encoding="utf-8"?>
+<p:sld xmlns:a="http://schemas.openxmlformats.org/drawingml/2006/main" xmlns:r="http://schemas.openxmlformats.org/officeDocument/2006/relationships" xmlns:p="http://schemas.openxmlformats.org/presentationml/2006/main">
+  <p:cSld>
+    <p:spTree>
+      <p:nvGrpSpPr>
+        <p:cNvPr id="1" name=""/>
+        <p:cNvGrpSpPr/>
+        <p:nvPr/>
+      </p:nvGrpSpPr>
+      <p:grpSpPr>
+        <a:xfrm>
+          <a:off x="0" y="0"/>
+          <a:ext cx="0" cy="0"/>
+          <a:chOff x="0" y="0"/>
+          <a:chExt cx="0" cy="0"/>
+        </a:xfrm>
+      </p:grpSpPr>
+      <p:sp>
+        <p:nvSpPr>
+          <p:cNvPr id="2" name="Title 1"/>
+          <p:cNvSpPr>
+            <a:spLocks noGrp="1"/>
+          </p:cNvSpPr>
+          <p:nvPr>
+            <p:ph type="title"/>
+          </p:nvPr>
+        </p:nvSpPr>
+        <p:spPr/>
+        <p:txBody>
+          <a:bodyPr/>
+          <a:lstStyle/>
+          <a:p>
+            <a:r>
+              <a:rPr lang="en-US" dirty="0" smtClean="0"/>
+              <a:t>Recap: WordNet </a:t>
+            </a:r>
+            <a:r>
+              <a:rPr lang="en-US" dirty="0" smtClean="0"/>
+              <a:t>similarity</a:t>
+            </a:r>
+            <a:endParaRPr lang="en-US" dirty="0"/>
+          </a:p>
+        </p:txBody>
+      </p:sp>
+      <p:sp>
+        <p:nvSpPr>
+          <p:cNvPr id="3" name="Content Placeholder 2"/>
+          <p:cNvSpPr>
+            <a:spLocks noGrp="1"/>
+          </p:cNvSpPr>
+          <p:nvPr>
+            <p:ph idx="1"/>
+          </p:nvPr>
+        </p:nvSpPr>
+        <p:spPr/>
+        <p:txBody>
+          <a:bodyPr/>
+          <a:lstStyle/>
+          <a:p>
+            <a:r>
+              <a:rPr lang="en-US" dirty="0" smtClean="0"/>
+              <a:t>Path based similarity measure between words</a:t>
+            </a:r>
+          </a:p>
+          <a:p>
+            <a:pPr lvl="1"/>
+            <a:r>
+              <a:rPr lang="en-US" dirty="0" smtClean="0"/>
+              <a:t>Shortest </a:t>
+            </a:r>
+            <a:r>
+              <a:rPr lang="en-US" dirty="0"/>
+              <a:t>path between two concepts (Leacock &amp; </a:t>
+            </a:r>
+            <a:r>
+              <a:rPr lang="en-US" dirty="0" err="1"/>
+              <a:t>Chodorow</a:t>
+            </a:r>
+            <a:r>
+              <a:rPr lang="en-US" dirty="0"/>
+              <a:t> 1998</a:t>
+            </a:r>
+            <a:r>
+              <a:rPr lang="en-US" dirty="0" smtClean="0"/>
+              <a:t>)</a:t>
+            </a:r>
+          </a:p>
+          <a:p>
+            <a:pPr lvl="2"/>
+            <a:r>
+              <a:rPr lang="en-US" dirty="0" err="1" smtClean="0"/>
+              <a:t>sim</a:t>
+            </a:r>
+            <a:r>
+              <a:rPr lang="en-US" dirty="0" smtClean="0"/>
+              <a:t> = 1/|shortest path|</a:t>
+            </a:r>
+          </a:p>
+          <a:p>
+            <a:pPr lvl="1"/>
+            <a:r>
+              <a:rPr lang="en-US" dirty="0"/>
+              <a:t>P</a:t>
+            </a:r>
+            <a:r>
+              <a:rPr lang="en-US" dirty="0" smtClean="0"/>
+              <a:t>ath </a:t>
+            </a:r>
+            <a:r>
+              <a:rPr lang="en-US" dirty="0"/>
+              <a:t>length to the root node from the least common </a:t>
+            </a:r>
+            <a:r>
+              <a:rPr lang="en-US" dirty="0" err="1"/>
+              <a:t>subsumer</a:t>
+            </a:r>
+            <a:r>
+              <a:rPr lang="en-US" dirty="0"/>
+              <a:t> (LCS) of the two </a:t>
+            </a:r>
+            <a:r>
+              <a:rPr lang="en-US" dirty="0" smtClean="0"/>
+              <a:t>concepts </a:t>
+            </a:r>
+            <a:r>
+              <a:rPr lang="en-US" dirty="0"/>
+              <a:t>(Wu </a:t>
+            </a:r>
+            <a:r>
+              <a:rPr lang="en-US" dirty="0" smtClean="0"/>
+              <a:t>&amp; Palmer </a:t>
+            </a:r>
+            <a:r>
+              <a:rPr lang="en-US" dirty="0"/>
+              <a:t>1994</a:t>
+            </a:r>
+            <a:r>
+              <a:rPr lang="en-US" dirty="0" smtClean="0"/>
+              <a:t>)</a:t>
+            </a:r>
+          </a:p>
+          <a:p>
+            <a:pPr lvl="2"/>
+            <a:r>
+              <a:rPr lang="en-US" dirty="0" err="1" smtClean="0"/>
+              <a:t>sim</a:t>
+            </a:r>
+            <a:r>
+              <a:rPr lang="en-US" dirty="0" smtClean="0"/>
+              <a:t> = 2*depth(LCS)/(depth(w</a:t>
+            </a:r>
+            <a:r>
+              <a:rPr lang="en-US" baseline="-25000" dirty="0" smtClean="0"/>
+              <a:t>1</a:t>
+            </a:r>
+            <a:r>
+              <a:rPr lang="en-US" dirty="0" smtClean="0"/>
+              <a:t>)+depth(w</a:t>
+            </a:r>
+            <a:r>
+              <a:rPr lang="en-US" baseline="-25000" dirty="0" smtClean="0"/>
+              <a:t>2</a:t>
+            </a:r>
+            <a:r>
+              <a:rPr lang="en-US" dirty="0" smtClean="0"/>
+              <a:t>))</a:t>
+            </a:r>
+          </a:p>
+          <a:p>
+            <a:r>
+              <a:rPr lang="en-US" dirty="0">
+                <a:hlinkClick r:id="rId2"/>
+              </a:rPr>
+              <a:t>http://wn-similarity.sourceforge.net/</a:t>
+            </a:r>
+            <a:endParaRPr lang="en-US" dirty="0"/>
+          </a:p>
+        </p:txBody>
+      </p:sp>
+      <p:sp>
+        <p:nvSpPr>
+          <p:cNvPr id="4" name="Date Placeholder 3"/>
+          <p:cNvSpPr>
+            <a:spLocks noGrp="1"/>
+          </p:cNvSpPr>
+          <p:nvPr>
+            <p:ph type="dt" sz="half" idx="10"/>
+          </p:nvPr>
+        </p:nvSpPr>
+        <p:spPr/>
+        <p:txBody>
+          <a:bodyPr/>
+          <a:lstStyle/>
+          <a:p>
+            <a:r>
+              <a:rPr lang="en-US" smtClean="0"/>
+              <a:t>CS@UVa</a:t>
+            </a:r>
+            <a:endParaRPr lang="en-US"/>
+          </a:p>
+        </p:txBody>
+      </p:sp>
+      <p:sp>
+        <p:nvSpPr>
+          <p:cNvPr id="5" name="Footer Placeholder 4"/>
+          <p:cNvSpPr>
+            <a:spLocks noGrp="1"/>
+          </p:cNvSpPr>
+          <p:nvPr>
+            <p:ph type="ftr" sz="quarter" idx="11"/>
+          </p:nvPr>
+        </p:nvSpPr>
+        <p:spPr/>
+        <p:txBody>
+          <a:bodyPr/>
+          <a:lstStyle/>
+          <a:p>
+            <a:r>
+              <a:rPr lang="en-US" smtClean="0"/>
+              <a:t>CS 6501: Text Mining</a:t>
+            </a:r>
+            <a:endParaRPr lang="en-US"/>
+          </a:p>
+        </p:txBody>
+      </p:sp>
+      <p:sp>
+        <p:nvSpPr>
+          <p:cNvPr id="6" name="Slide Number Placeholder 5"/>
+          <p:cNvSpPr>
+            <a:spLocks noGrp="1"/>
+          </p:cNvSpPr>
+          <p:nvPr>
+            <p:ph type="sldNum" sz="quarter" idx="12"/>
+          </p:nvPr>
+        </p:nvSpPr>
+        <p:spPr/>
+        <p:txBody>
+          <a:bodyPr/>
+          <a:lstStyle/>
+          <a:p>
+            <a:fld id="{C76E115C-33BC-45ED-8DBD-F9FA6141D6D2}" type="slidenum">
+              <a:rPr lang="en-US" smtClean="0"/>
+              <a:t>20</a:t>
+            </a:fld>
+            <a:endParaRPr lang="en-US"/>
+          </a:p>
+        </p:txBody>
+      </p:sp>
+      <p:grpSp>
+        <p:nvGrpSpPr>
+          <p:cNvPr id="11" name="Group 10"/>
+          <p:cNvGrpSpPr/>
+          <p:nvPr/>
+        </p:nvGrpSpPr>
+        <p:grpSpPr>
+          <a:xfrm>
+            <a:off x="4004734" y="4365829"/>
+            <a:ext cx="3843866" cy="646331"/>
+            <a:chOff x="4021667" y="3976362"/>
+            <a:chExt cx="3843866" cy="646331"/>
+          </a:xfrm>
+        </p:grpSpPr>
+        <p:sp>
+          <p:nvSpPr>
+            <p:cNvPr id="8" name="Rectangle 7"/>
+            <p:cNvSpPr/>
+            <p:nvPr/>
+          </p:nvSpPr>
+          <p:spPr>
+            <a:xfrm>
+              <a:off x="4572000" y="3976362"/>
+              <a:ext cx="3293533" cy="646331"/>
+            </a:xfrm>
+            <a:prstGeom prst="rect">
+              <a:avLst/>
+            </a:prstGeom>
+          </p:spPr>
+          <p:txBody>
+            <a:bodyPr wrap="square">
+              <a:spAutoFit/>
+            </a:bodyPr>
+            <a:lstStyle/>
+            <a:p>
+              <a:r>
+                <a:rPr lang="en-US" i="1" dirty="0">
+                  <a:solidFill>
+                    <a:srgbClr val="FF0000"/>
+                  </a:solidFill>
+                </a:rPr>
+                <a:t>the most specific concept which is an ancestor of both A and B.</a:t>
+              </a:r>
+            </a:p>
+          </p:txBody>
+        </p:sp>
+        <p:cxnSp>
+          <p:nvCxnSpPr>
+            <p:cNvPr id="10" name="Straight Arrow Connector 9"/>
+            <p:cNvCxnSpPr/>
+            <p:nvPr/>
+          </p:nvCxnSpPr>
+          <p:spPr>
+            <a:xfrm flipH="1" flipV="1">
+              <a:off x="4021667" y="3976362"/>
+              <a:ext cx="550333" cy="323165"/>
+            </a:xfrm>
+            <a:prstGeom prst="straightConnector1">
+              <a:avLst/>
+            </a:prstGeom>
+            <a:ln w="19050">
+              <a:solidFill>
+                <a:srgbClr val="FF0000"/>
+              </a:solidFill>
+              <a:tailEnd type="triangle"/>
+            </a:ln>
+          </p:spPr>
+          <p:style>
+            <a:lnRef idx="1">
+              <a:schemeClr val="accent1"/>
+            </a:lnRef>
+            <a:fillRef idx="0">
+              <a:schemeClr val="accent1"/>
+            </a:fillRef>
+            <a:effectRef idx="0">
+              <a:schemeClr val="accent1"/>
+            </a:effectRef>
+            <a:fontRef idx="minor">
+              <a:schemeClr val="tx1"/>
+            </a:fontRef>
+          </p:style>
+        </p:cxnSp>
+      </p:grpSp>
+    </p:spTree>
+    <p:extLst>
+      <p:ext uri="{BB962C8B-B14F-4D97-AF65-F5344CB8AC3E}">
+        <p14:creationId xmlns:p14="http://schemas.microsoft.com/office/powerpoint/2010/main" val="268393255"/>
+      </p:ext>
+    </p:extLst>
+  </p:cSld>
+  <p:clrMapOvr>
+    <a:masterClrMapping/>
+  </p:clrMapOvr>
+  <p:timing>
+    <p:tnLst>
+      <p:par>
+        <p:cTn id="1" dur="indefinite" restart="never" nodeType="tmRoot">
+          <p:childTnLst>
+            <p:seq concurrent="1" nextAc="seek">
+              <p:cTn id="2" dur="indefinite" nodeType="mainSeq">
+                <p:childTnLst>
+                  <p:par>
+                    <p:cTn id="3" fill="hold">
+                      <p:stCondLst>
+                        <p:cond delay="indefinite"/>
+                      </p:stCondLst>
+                      <p:childTnLst>
+                        <p:par>
+                          <p:cTn id="4" fill="hold">
+                            <p:stCondLst>
+                              <p:cond delay="0"/>
+                            </p:stCondLst>
+                            <p:childTnLst>
+                              <p:par>
+                                <p:cTn id="5" presetID="1" presetClass="entr" presetSubtype="0" fill="hold" nodeType="clickEffect">
+                                  <p:stCondLst>
+                                    <p:cond delay="0"/>
+                                  </p:stCondLst>
+                                  <p:childTnLst>
+                                    <p:set>
+                                      <p:cBhvr>
+                                        <p:cTn id="6" dur="1" fill="hold">
+                                          <p:stCondLst>
+                                            <p:cond delay="0"/>
+                                          </p:stCondLst>
+                                        </p:cTn>
+                                        <p:tgtEl>
+                                          <p:spTgt spid="3">
+                                            <p:txEl>
+                                              <p:pRg st="1" end="1"/>
+                                            </p:txEl>
+                                          </p:spTgt>
+                                        </p:tgtEl>
+                                        <p:attrNameLst>
+                                          <p:attrName>style.visibility</p:attrName>
+                                        </p:attrNameLst>
+                                      </p:cBhvr>
+                                      <p:to>
+                                        <p:strVal val="visible"/>
+                                      </p:to>
+                                    </p:set>
+                                  </p:childTnLst>
+                                </p:cTn>
+                              </p:par>
+                              <p:par>
+                                <p:cTn id="7" presetID="1" presetClass="entr" presetSubtype="0" fill="hold" nodeType="withEffect">
+                                  <p:stCondLst>
+                                    <p:cond delay="0"/>
+                                  </p:stCondLst>
+                                  <p:childTnLst>
+                                    <p:set>
+                                      <p:cBhvr>
+                                        <p:cTn id="8" dur="1" fill="hold">
+                                          <p:stCondLst>
+                                            <p:cond delay="0"/>
+                                          </p:stCondLst>
+                                        </p:cTn>
+                                        <p:tgtEl>
+                                          <p:spTgt spid="3">
+                                            <p:txEl>
+                                              <p:pRg st="2" end="2"/>
+                                            </p:txEl>
+                                          </p:spTgt>
+                                        </p:tgtEl>
+                                        <p:attrNameLst>
+                                          <p:attrName>style.visibility</p:attrName>
+                                        </p:attrNameLst>
+                                      </p:cBhvr>
+                                      <p:to>
+                                        <p:strVal val="visible"/>
+                                      </p:to>
+                                    </p:set>
+                                  </p:childTnLst>
+                                </p:cTn>
+                              </p:par>
+                            </p:childTnLst>
+                          </p:cTn>
+                        </p:par>
+                      </p:childTnLst>
+                    </p:cTn>
+                  </p:par>
+                  <p:par>
+                    <p:cTn id="9" fill="hold">
+                      <p:stCondLst>
+                        <p:cond delay="indefinite"/>
+                      </p:stCondLst>
+                      <p:childTnLst>
+                        <p:par>
+                          <p:cTn id="10" fill="hold">
+                            <p:stCondLst>
+                              <p:cond delay="0"/>
+                            </p:stCondLst>
+                            <p:childTnLst>
+                              <p:par>
+                                <p:cTn id="11" presetID="1" presetClass="entr" presetSubtype="0" fill="hold" nodeType="clickEffect">
+                                  <p:stCondLst>
+                                    <p:cond delay="0"/>
+                                  </p:stCondLst>
+                                  <p:childTnLst>
+                                    <p:set>
+                                      <p:cBhvr>
+                                        <p:cTn id="12" dur="1" fill="hold">
+                                          <p:stCondLst>
+                                            <p:cond delay="0"/>
+                                          </p:stCondLst>
+                                        </p:cTn>
+                                        <p:tgtEl>
+                                          <p:spTgt spid="3">
+                                            <p:txEl>
+                                              <p:pRg st="3" end="3"/>
+                                            </p:txEl>
+                                          </p:spTgt>
+                                        </p:tgtEl>
+                                        <p:attrNameLst>
+                                          <p:attrName>style.visibility</p:attrName>
+                                        </p:attrNameLst>
+                                      </p:cBhvr>
+                                      <p:to>
+                                        <p:strVal val="visible"/>
+                                      </p:to>
+                                    </p:set>
+                                  </p:childTnLst>
+                                </p:cTn>
+                              </p:par>
+                              <p:par>
+                                <p:cTn id="13" presetID="1" presetClass="entr" presetSubtype="0" fill="hold" nodeType="withEffect">
+                                  <p:stCondLst>
+                                    <p:cond delay="0"/>
+                                  </p:stCondLst>
+                                  <p:childTnLst>
+                                    <p:set>
+                                      <p:cBhvr>
+                                        <p:cTn id="14" dur="1" fill="hold">
+                                          <p:stCondLst>
+                                            <p:cond delay="0"/>
+                                          </p:stCondLst>
+                                        </p:cTn>
+                                        <p:tgtEl>
+                                          <p:spTgt spid="3">
+                                            <p:txEl>
+                                              <p:pRg st="4" end="4"/>
+                                            </p:txEl>
+                                          </p:spTgt>
+                                        </p:tgtEl>
+                                        <p:attrNameLst>
+                                          <p:attrName>style.visibility</p:attrName>
+                                        </p:attrNameLst>
+                                      </p:cBhvr>
+                                      <p:to>
+                                        <p:strVal val="visible"/>
+                                      </p:to>
+                                    </p:set>
+                                  </p:childTnLst>
+                                </p:cTn>
+                              </p:par>
+                            </p:childTnLst>
+                          </p:cTn>
+                        </p:par>
+                      </p:childTnLst>
+                    </p:cTn>
+                  </p:par>
+                  <p:par>
+                    <p:cTn id="15" fill="hold">
+                      <p:stCondLst>
+                        <p:cond delay="indefinite"/>
+                      </p:stCondLst>
+                      <p:childTnLst>
+                        <p:par>
+                          <p:cTn id="16" fill="hold">
+                            <p:stCondLst>
+                              <p:cond delay="0"/>
+                            </p:stCondLst>
+                            <p:childTnLst>
+                              <p:par>
+                                <p:cTn id="17" presetID="1" presetClass="entr" presetSubtype="0" fill="hold" nodeType="clickEffect">
+                                  <p:stCondLst>
+                                    <p:cond delay="0"/>
+                                  </p:stCondLst>
+                                  <p:childTnLst>
+                                    <p:set>
+                                      <p:cBhvr>
+                                        <p:cTn id="18" dur="1" fill="hold">
+                                          <p:stCondLst>
+                                            <p:cond delay="0"/>
+                                          </p:stCondLst>
+                                        </p:cTn>
+                                        <p:tgtEl>
+                                          <p:spTgt spid="11"/>
+                                        </p:tgtEl>
+                                        <p:attrNameLst>
+                                          <p:attrName>style.visibility</p:attrName>
+                                        </p:attrNameLst>
+                                      </p:cBhvr>
+                                      <p:to>
+                                        <p:strVal val="visible"/>
+                                      </p:to>
+                                    </p:set>
+                                  </p:childTnLst>
+                                </p:cTn>
+                              </p:par>
+                            </p:childTnLst>
+                          </p:cTn>
+                        </p:par>
+                      </p:childTnLst>
+                    </p:cTn>
+                  </p:par>
+                  <p:par>
+                    <p:cTn id="19" fill="hold">
+                      <p:stCondLst>
+                        <p:cond delay="indefinite"/>
+                      </p:stCondLst>
+                      <p:childTnLst>
+                        <p:par>
+                          <p:cTn id="20" fill="hold">
+                            <p:stCondLst>
+                              <p:cond delay="0"/>
+                            </p:stCondLst>
+                            <p:childTnLst>
+                              <p:par>
+                                <p:cTn id="21" presetID="1" presetClass="entr" presetSubtype="0" fill="hold" nodeType="clickEffect">
+                                  <p:stCondLst>
+                                    <p:cond delay="0"/>
+                                  </p:stCondLst>
+                                  <p:childTnLst>
+                                    <p:set>
+                                      <p:cBhvr>
+                                        <p:cTn id="22" dur="1" fill="hold">
+                                          <p:stCondLst>
+                                            <p:cond delay="0"/>
+                                          </p:stCondLst>
+                                        </p:cTn>
+                                        <p:tgtEl>
+                                          <p:spTgt spid="3">
+                                            <p:txEl>
+                                              <p:pRg st="5" end="5"/>
+                                            </p:txEl>
+                                          </p:spTgt>
+                                        </p:tgtEl>
+                                        <p:attrNameLst>
+                                          <p:attrName>style.visibility</p:attrName>
+                                        </p:attrNameLst>
+                                      </p:cBhvr>
+                                      <p:to>
+                                        <p:strVal val="visible"/>
+                                      </p:to>
+                                    </p:set>
+                                  </p:childTnLst>
+                                </p:cTn>
+                              </p:par>
+                            </p:childTnLst>
+                          </p:cTn>
+                        </p:par>
+                      </p:childTnLst>
+                    </p:cTn>
+                  </p:par>
+                </p:childTnLst>
+              </p:cTn>
+              <p:prevCondLst>
+                <p:cond evt="onPrev" delay="0">
+                  <p:tgtEl>
+                    <p:sldTgt/>
+                  </p:tgtEl>
+                </p:cond>
+              </p:prevCondLst>
+              <p:nextCondLst>
+                <p:cond evt="onNext" delay="0">
+                  <p:tgtEl>
+                    <p:sldTgt/>
+                  </p:tgtEl>
+                </p:cond>
+              </p:nextCondLst>
+            </p:seq>
+          </p:childTnLst>
+        </p:cTn>
+      </p:par>
+    </p:tnLst>
+  </p:timing>
+</p:sld>
+</file>
+
+<file path=ppt/slides/slide21.xml><?xml version="1.0" encoding="utf-8"?>
+<p:sld xmlns:a="http://schemas.openxmlformats.org/drawingml/2006/main" xmlns:r="http://schemas.openxmlformats.org/officeDocument/2006/relationships" xmlns:p="http://schemas.openxmlformats.org/presentationml/2006/main">
+  <p:cSld>
+    <p:spTree>
+      <p:nvGrpSpPr>
+        <p:cNvPr id="1" name=""/>
+        <p:cNvGrpSpPr/>
+        <p:nvPr/>
+      </p:nvGrpSpPr>
+      <p:grpSpPr>
+        <a:xfrm>
+          <a:off x="0" y="0"/>
+          <a:ext cx="0" cy="0"/>
+          <a:chOff x="0" y="0"/>
+          <a:chExt cx="0" cy="0"/>
+        </a:xfrm>
+      </p:grpSpPr>
+      <p:sp>
+        <p:nvSpPr>
           <p:cNvPr id="6" name="Title 5"/>
           <p:cNvSpPr>
             <a:spLocks noGrp="1"/>
@@ -7548,7 +9607,7 @@
           <a:p>
             <a:fld id="{C76E115C-33BC-45ED-8DBD-F9FA6141D6D2}" type="slidenum">
               <a:rPr lang="en-US" smtClean="0"/>
-              <a:t>18</a:t>
+              <a:t>21</a:t>
             </a:fld>
             <a:endParaRPr lang="en-US"/>
           </a:p>
@@ -7646,7 +9705,7 @@
 </p:sld>
 </file>
 
-<file path=ppt/slides/slide19.xml><?xml version="1.0" encoding="utf-8"?>
+<file path=ppt/slides/slide22.xml><?xml version="1.0" encoding="utf-8"?>
 <p:sld xmlns:a="http://schemas.openxmlformats.org/drawingml/2006/main" xmlns:r="http://schemas.openxmlformats.org/officeDocument/2006/relationships" xmlns:p="http://schemas.openxmlformats.org/presentationml/2006/main">
   <p:cSld>
     <p:spTree>
@@ -8014,7 +10073,7 @@
           <a:p>
             <a:fld id="{C76E115C-33BC-45ED-8DBD-F9FA6141D6D2}" type="slidenum">
               <a:rPr lang="en-US" smtClean="0"/>
-              <a:t>19</a:t>
+              <a:t>22</a:t>
             </a:fld>
             <a:endParaRPr lang="en-US"/>
           </a:p>
@@ -8388,227 +10447,7 @@
 </p:sld>
 </file>
 
-<file path=ppt/slides/slide2.xml><?xml version="1.0" encoding="utf-8"?>
-<p:sld xmlns:a="http://schemas.openxmlformats.org/drawingml/2006/main" xmlns:r="http://schemas.openxmlformats.org/officeDocument/2006/relationships" xmlns:p="http://schemas.openxmlformats.org/presentationml/2006/main">
-  <p:cSld>
-    <p:spTree>
-      <p:nvGrpSpPr>
-        <p:cNvPr id="1" name=""/>
-        <p:cNvGrpSpPr/>
-        <p:nvPr/>
-      </p:nvGrpSpPr>
-      <p:grpSpPr>
-        <a:xfrm>
-          <a:off x="0" y="0"/>
-          <a:ext cx="0" cy="0"/>
-          <a:chOff x="0" y="0"/>
-          <a:chExt cx="0" cy="0"/>
-        </a:xfrm>
-      </p:grpSpPr>
-      <p:sp>
-        <p:nvSpPr>
-          <p:cNvPr id="6" name="Title 5"/>
-          <p:cNvSpPr>
-            <a:spLocks noGrp="1"/>
-          </p:cNvSpPr>
-          <p:nvPr>
-            <p:ph type="title"/>
-          </p:nvPr>
-        </p:nvSpPr>
-        <p:spPr/>
-        <p:txBody>
-          <a:bodyPr/>
-          <a:lstStyle/>
-          <a:p>
-            <a:r>
-              <a:rPr lang="en-US" dirty="0" smtClean="0"/>
-              <a:t>Today’s lecture</a:t>
-            </a:r>
-            <a:endParaRPr lang="en-US" dirty="0"/>
-          </a:p>
-        </p:txBody>
-      </p:sp>
-      <p:sp>
-        <p:nvSpPr>
-          <p:cNvPr id="7" name="Content Placeholder 6"/>
-          <p:cNvSpPr>
-            <a:spLocks noGrp="1"/>
-          </p:cNvSpPr>
-          <p:nvPr>
-            <p:ph idx="1"/>
-          </p:nvPr>
-        </p:nvSpPr>
-        <p:spPr/>
-        <p:txBody>
-          <a:bodyPr>
-            <a:normAutofit lnSpcReduction="10000"/>
-          </a:bodyPr>
-          <a:lstStyle/>
-          <a:p>
-            <a:pPr marL="514350" indent="-514350">
-              <a:buFont typeface="+mj-lt"/>
-              <a:buAutoNum type="arabicPeriod"/>
-            </a:pPr>
-            <a:r>
-              <a:rPr lang="en-US" dirty="0" smtClean="0"/>
-              <a:t>Lexical semantics</a:t>
-            </a:r>
-          </a:p>
-          <a:p>
-            <a:pPr lvl="1"/>
-            <a:r>
-              <a:rPr lang="en-US" dirty="0" smtClean="0"/>
-              <a:t>Meaning of words</a:t>
-            </a:r>
-          </a:p>
-          <a:p>
-            <a:pPr lvl="1"/>
-            <a:r>
-              <a:rPr lang="en-US" dirty="0" smtClean="0"/>
-              <a:t>Relation between different meanings</a:t>
-            </a:r>
-          </a:p>
-          <a:p>
-            <a:pPr marL="514350" indent="-514350">
-              <a:buFont typeface="+mj-lt"/>
-              <a:buAutoNum type="arabicPeriod"/>
-            </a:pPr>
-            <a:r>
-              <a:rPr lang="en-US" dirty="0" smtClean="0"/>
-              <a:t>WordNet</a:t>
-            </a:r>
-          </a:p>
-          <a:p>
-            <a:pPr marL="804863" lvl="1" indent="-347663"/>
-            <a:r>
-              <a:rPr lang="en-US" dirty="0" smtClean="0"/>
-              <a:t>An ontology structure of word senses</a:t>
-            </a:r>
-          </a:p>
-          <a:p>
-            <a:pPr marL="804863" lvl="1" indent="-347663"/>
-            <a:r>
-              <a:rPr lang="en-US" dirty="0" smtClean="0"/>
-              <a:t>Similarity between words</a:t>
-            </a:r>
-          </a:p>
-          <a:p>
-            <a:pPr marL="571500" indent="-514350">
-              <a:buFont typeface="+mj-lt"/>
-              <a:buAutoNum type="arabicPeriod"/>
-            </a:pPr>
-            <a:r>
-              <a:rPr lang="en-US" dirty="0" smtClean="0"/>
-              <a:t>Distributional semantics</a:t>
-            </a:r>
-          </a:p>
-          <a:p>
-            <a:pPr marL="804863" lvl="1" indent="-347663"/>
-            <a:r>
-              <a:rPr lang="en-US" dirty="0" smtClean="0"/>
-              <a:t>Similarity between words</a:t>
-            </a:r>
-          </a:p>
-          <a:p>
-            <a:pPr marL="804863" lvl="1" indent="-347663"/>
-            <a:r>
-              <a:rPr lang="en-US" dirty="0" smtClean="0"/>
-              <a:t>Word sense disambiguation</a:t>
-            </a:r>
-            <a:endParaRPr lang="en-US" dirty="0"/>
-          </a:p>
-        </p:txBody>
-      </p:sp>
-      <p:sp>
-        <p:nvSpPr>
-          <p:cNvPr id="3" name="Date Placeholder 2"/>
-          <p:cNvSpPr>
-            <a:spLocks noGrp="1"/>
-          </p:cNvSpPr>
-          <p:nvPr>
-            <p:ph type="dt" sz="half" idx="10"/>
-          </p:nvPr>
-        </p:nvSpPr>
-        <p:spPr/>
-        <p:txBody>
-          <a:bodyPr/>
-          <a:lstStyle/>
-          <a:p>
-            <a:r>
-              <a:rPr lang="en-US" smtClean="0"/>
-              <a:t>CS@UVa</a:t>
-            </a:r>
-            <a:endParaRPr lang="en-US"/>
-          </a:p>
-        </p:txBody>
-      </p:sp>
-      <p:sp>
-        <p:nvSpPr>
-          <p:cNvPr id="4" name="Footer Placeholder 3"/>
-          <p:cNvSpPr>
-            <a:spLocks noGrp="1"/>
-          </p:cNvSpPr>
-          <p:nvPr>
-            <p:ph type="ftr" sz="quarter" idx="11"/>
-          </p:nvPr>
-        </p:nvSpPr>
-        <p:spPr/>
-        <p:txBody>
-          <a:bodyPr/>
-          <a:lstStyle/>
-          <a:p>
-            <a:r>
-              <a:rPr lang="en-US" smtClean="0"/>
-              <a:t>CS 6501: Text Mining</a:t>
-            </a:r>
-            <a:endParaRPr lang="en-US"/>
-          </a:p>
-        </p:txBody>
-      </p:sp>
-      <p:sp>
-        <p:nvSpPr>
-          <p:cNvPr id="5" name="Slide Number Placeholder 4"/>
-          <p:cNvSpPr>
-            <a:spLocks noGrp="1"/>
-          </p:cNvSpPr>
-          <p:nvPr>
-            <p:ph type="sldNum" sz="quarter" idx="12"/>
-          </p:nvPr>
-        </p:nvSpPr>
-        <p:spPr/>
-        <p:txBody>
-          <a:bodyPr/>
-          <a:lstStyle/>
-          <a:p>
-            <a:fld id="{2A9F8BE9-47C8-4C45-B88F-68A848B0515F}" type="slidenum">
-              <a:rPr lang="en-US" smtClean="0"/>
-              <a:t>2</a:t>
-            </a:fld>
-            <a:endParaRPr lang="en-US"/>
-          </a:p>
-        </p:txBody>
-      </p:sp>
-    </p:spTree>
-    <p:extLst>
-      <p:ext uri="{BB962C8B-B14F-4D97-AF65-F5344CB8AC3E}">
-        <p14:creationId xmlns:p14="http://schemas.microsoft.com/office/powerpoint/2010/main" val="1086884370"/>
-      </p:ext>
-    </p:extLst>
-  </p:cSld>
-  <p:clrMapOvr>
-    <a:masterClrMapping/>
-  </p:clrMapOvr>
-  <p:timing>
-    <p:tnLst>
-      <p:par>
-        <p:cTn id="1" dur="indefinite" restart="never" nodeType="tmRoot"/>
-      </p:par>
-    </p:tnLst>
-  </p:timing>
-</p:sld>
-</file>
-
-<file path=ppt/slides/slide20.xml><?xml version="1.0" encoding="utf-8"?>
+<file path=ppt/slides/slide23.xml><?xml version="1.0" encoding="utf-8"?>
 <p:sld xmlns:a="http://schemas.openxmlformats.org/drawingml/2006/main" xmlns:r="http://schemas.openxmlformats.org/officeDocument/2006/relationships" xmlns:p="http://schemas.openxmlformats.org/presentationml/2006/main">
   <p:cSld>
     <p:spTree>
@@ -9108,7 +10947,7 @@
           <a:p>
             <a:fld id="{C76E115C-33BC-45ED-8DBD-F9FA6141D6D2}" type="slidenum">
               <a:rPr lang="en-US" smtClean="0"/>
-              <a:t>20</a:t>
+              <a:t>23</a:t>
             </a:fld>
             <a:endParaRPr lang="en-US"/>
           </a:p>
@@ -9642,7 +11481,7 @@
 </p:sld>
 </file>
 
-<file path=ppt/slides/slide21.xml><?xml version="1.0" encoding="utf-8"?>
+<file path=ppt/slides/slide24.xml><?xml version="1.0" encoding="utf-8"?>
 <p:sld xmlns:a="http://schemas.openxmlformats.org/drawingml/2006/main" xmlns:r="http://schemas.openxmlformats.org/officeDocument/2006/relationships" xmlns:p="http://schemas.openxmlformats.org/presentationml/2006/main">
   <p:cSld>
     <p:spTree>
@@ -10094,7 +11933,7 @@
           <a:p>
             <a:fld id="{C76E115C-33BC-45ED-8DBD-F9FA6141D6D2}" type="slidenum">
               <a:rPr lang="en-US" smtClean="0"/>
-              <a:t>21</a:t>
+              <a:t>24</a:t>
             </a:fld>
             <a:endParaRPr lang="en-US"/>
           </a:p>
@@ -10161,7 +12000,7 @@
 </p:sld>
 </file>
 
-<file path=ppt/slides/slide22.xml><?xml version="1.0" encoding="utf-8"?>
+<file path=ppt/slides/slide25.xml><?xml version="1.0" encoding="utf-8"?>
 <p:sld xmlns:a="http://schemas.openxmlformats.org/drawingml/2006/main" xmlns:r="http://schemas.openxmlformats.org/officeDocument/2006/relationships" xmlns:p="http://schemas.openxmlformats.org/presentationml/2006/main">
   <p:cSld>
     <p:spTree>
@@ -10568,7 +12407,7 @@
           <a:p>
             <a:fld id="{C76E115C-33BC-45ED-8DBD-F9FA6141D6D2}" type="slidenum">
               <a:rPr lang="en-US" smtClean="0"/>
-              <a:t>22</a:t>
+              <a:t>25</a:t>
             </a:fld>
             <a:endParaRPr lang="en-US"/>
           </a:p>
@@ -11456,7 +13295,7 @@
 </p:sld>
 </file>
 
-<file path=ppt/slides/slide23.xml><?xml version="1.0" encoding="utf-8"?>
+<file path=ppt/slides/slide26.xml><?xml version="1.0" encoding="utf-8"?>
 <p:sld xmlns:a="http://schemas.openxmlformats.org/drawingml/2006/main" xmlns:r="http://schemas.openxmlformats.org/officeDocument/2006/relationships" xmlns:p="http://schemas.openxmlformats.org/presentationml/2006/main">
   <p:cSld>
     <p:spTree>
@@ -11765,7 +13604,7 @@
           <a:p>
             <a:fld id="{C76E115C-33BC-45ED-8DBD-F9FA6141D6D2}" type="slidenum">
               <a:rPr lang="en-US" smtClean="0"/>
-              <a:t>23</a:t>
+              <a:t>26</a:t>
             </a:fld>
             <a:endParaRPr lang="en-US"/>
           </a:p>
@@ -11988,7 +13827,7 @@
 </p:sld>
 </file>
 
-<file path=ppt/slides/slide24.xml><?xml version="1.0" encoding="utf-8"?>
+<file path=ppt/slides/slide27.xml><?xml version="1.0" encoding="utf-8"?>
 <p:sld xmlns:a="http://schemas.openxmlformats.org/drawingml/2006/main" xmlns:r="http://schemas.openxmlformats.org/officeDocument/2006/relationships" xmlns:p="http://schemas.openxmlformats.org/presentationml/2006/main">
   <p:cSld>
     <p:spTree>
@@ -12273,7 +14112,7 @@
           <a:p>
             <a:fld id="{C76E115C-33BC-45ED-8DBD-F9FA6141D6D2}" type="slidenum">
               <a:rPr lang="en-US" smtClean="0"/>
-              <a:t>24</a:t>
+              <a:t>27</a:t>
             </a:fld>
             <a:endParaRPr lang="en-US"/>
           </a:p>
@@ -12299,7 +14138,7 @@
 </p:sld>
 </file>
 
-<file path=ppt/slides/slide25.xml><?xml version="1.0" encoding="utf-8"?>
+<file path=ppt/slides/slide28.xml><?xml version="1.0" encoding="utf-8"?>
 <p:sld xmlns:a="http://schemas.openxmlformats.org/drawingml/2006/main" xmlns:r="http://schemas.openxmlformats.org/officeDocument/2006/relationships" xmlns:p="http://schemas.openxmlformats.org/presentationml/2006/main">
   <p:cSld>
     <p:spTree>
@@ -12525,7 +14364,7 @@
           <a:p>
             <a:fld id="{C76E115C-33BC-45ED-8DBD-F9FA6141D6D2}" type="slidenum">
               <a:rPr lang="en-US" smtClean="0"/>
-              <a:t>25</a:t>
+              <a:t>28</a:t>
             </a:fld>
             <a:endParaRPr lang="en-US"/>
           </a:p>
@@ -12790,7 +14629,7 @@
 </p:sld>
 </file>
 
-<file path=ppt/slides/slide26.xml><?xml version="1.0" encoding="utf-8"?>
+<file path=ppt/slides/slide29.xml><?xml version="1.0" encoding="utf-8"?>
 <p:sld xmlns:a="http://schemas.openxmlformats.org/drawingml/2006/main" xmlns:r="http://schemas.openxmlformats.org/officeDocument/2006/relationships" xmlns:p="http://schemas.openxmlformats.org/presentationml/2006/main">
   <p:cSld>
     <p:spTree>
@@ -13471,7 +15310,7 @@
           <a:p>
             <a:fld id="{C76E115C-33BC-45ED-8DBD-F9FA6141D6D2}" type="slidenum">
               <a:rPr lang="en-US" smtClean="0"/>
-              <a:t>26</a:t>
+              <a:t>29</a:t>
             </a:fld>
             <a:endParaRPr lang="en-US"/>
           </a:p>
@@ -13610,743 +15449,6 @@
       <p:bldP spid="5" grpId="0"/>
       <p:bldP spid="6" grpId="0"/>
     </p:bldLst>
-  </p:timing>
-</p:sld>
-</file>
-
-<file path=ppt/slides/slide27.xml><?xml version="1.0" encoding="utf-8"?>
-<p:sld xmlns:a="http://schemas.openxmlformats.org/drawingml/2006/main" xmlns:r="http://schemas.openxmlformats.org/officeDocument/2006/relationships" xmlns:p="http://schemas.openxmlformats.org/presentationml/2006/main">
-  <p:cSld>
-    <p:spTree>
-      <p:nvGrpSpPr>
-        <p:cNvPr id="1" name=""/>
-        <p:cNvGrpSpPr/>
-        <p:nvPr/>
-      </p:nvGrpSpPr>
-      <p:grpSpPr>
-        <a:xfrm>
-          <a:off x="0" y="0"/>
-          <a:ext cx="0" cy="0"/>
-          <a:chOff x="0" y="0"/>
-          <a:chExt cx="0" cy="0"/>
-        </a:xfrm>
-      </p:grpSpPr>
-      <p:sp>
-        <p:nvSpPr>
-          <p:cNvPr id="3" name="Title 2"/>
-          <p:cNvSpPr>
-            <a:spLocks noGrp="1"/>
-          </p:cNvSpPr>
-          <p:nvPr>
-            <p:ph type="title"/>
-          </p:nvPr>
-        </p:nvSpPr>
-        <p:spPr/>
-        <p:txBody>
-          <a:bodyPr/>
-          <a:lstStyle/>
-          <a:p>
-            <a:r>
-              <a:rPr lang="en-US" dirty="0"/>
-              <a:t>Signature of </a:t>
-            </a:r>
-            <a:r>
-              <a:rPr lang="en-US" dirty="0" smtClean="0"/>
-              <a:t>target word</a:t>
-            </a:r>
-            <a:endParaRPr lang="en-US" dirty="0"/>
-          </a:p>
-        </p:txBody>
-      </p:sp>
-      <p:sp>
-        <p:nvSpPr>
-          <p:cNvPr id="4" name="Content Placeholder 3"/>
-          <p:cNvSpPr>
-            <a:spLocks noGrp="1"/>
-          </p:cNvSpPr>
-          <p:nvPr>
-            <p:ph idx="1"/>
-          </p:nvPr>
-        </p:nvSpPr>
-        <p:spPr>
-          <a:xfrm>
-            <a:off x="457200" y="2172677"/>
-            <a:ext cx="8229600" cy="3953488"/>
-          </a:xfrm>
-        </p:spPr>
-        <p:txBody>
-          <a:bodyPr>
-            <a:normAutofit/>
-          </a:bodyPr>
-          <a:lstStyle/>
-          <a:p>
-            <a:r>
-              <a:rPr lang="en-US" dirty="0"/>
-              <a:t>Simplified </a:t>
-            </a:r>
-            <a:r>
-              <a:rPr lang="en-US" dirty="0" err="1" smtClean="0"/>
-              <a:t>Lesk</a:t>
-            </a:r>
-            <a:r>
-              <a:rPr lang="en-US" dirty="0" smtClean="0"/>
-              <a:t> </a:t>
-            </a:r>
-          </a:p>
-          <a:p>
-            <a:pPr lvl="1"/>
-            <a:r>
-              <a:rPr lang="en-US" dirty="0" smtClean="0"/>
-              <a:t>Words </a:t>
-            </a:r>
-            <a:r>
-              <a:rPr lang="en-US" dirty="0"/>
-              <a:t>in </a:t>
-            </a:r>
-            <a:r>
-              <a:rPr lang="en-US" dirty="0" smtClean="0"/>
-              <a:t>context</a:t>
-            </a:r>
-          </a:p>
-          <a:p>
-            <a:pPr lvl="1"/>
-            <a:r>
-              <a:rPr lang="en-US" i="1" dirty="0" smtClean="0"/>
-              <a:t>Signature(</a:t>
-            </a:r>
-            <a:r>
-              <a:rPr lang="en-US" i="1" dirty="0" smtClean="0">
-                <a:solidFill>
-                  <a:srgbClr val="00B050"/>
-                </a:solidFill>
-              </a:rPr>
-              <a:t>bank</a:t>
-            </a:r>
-            <a:r>
-              <a:rPr lang="en-US" i="1" dirty="0" smtClean="0"/>
-              <a:t>) = </a:t>
-            </a:r>
-            <a:r>
-              <a:rPr lang="en-US" i="1" dirty="0"/>
-              <a:t>{</a:t>
-            </a:r>
-            <a:r>
-              <a:rPr lang="en-US" i="1" dirty="0">
-                <a:solidFill>
-                  <a:srgbClr val="00B050"/>
-                </a:solidFill>
-              </a:rPr>
-              <a:t>refuse, give, loan</a:t>
-            </a:r>
-            <a:r>
-              <a:rPr lang="en-US" i="1" dirty="0" smtClean="0"/>
-              <a:t>}</a:t>
-            </a:r>
-          </a:p>
-          <a:p>
-            <a:r>
-              <a:rPr lang="en-US" dirty="0"/>
-              <a:t>Original </a:t>
-            </a:r>
-            <a:r>
-              <a:rPr lang="en-US" dirty="0" err="1" smtClean="0"/>
-              <a:t>Lesk</a:t>
-            </a:r>
-            <a:endParaRPr lang="en-US" dirty="0"/>
-          </a:p>
-          <a:p>
-            <a:pPr lvl="1"/>
-            <a:r>
-              <a:rPr lang="en-US" dirty="0" smtClean="0"/>
-              <a:t>Augmented </a:t>
-            </a:r>
-            <a:r>
-              <a:rPr lang="en-US" dirty="0"/>
-              <a:t>signature of the target </a:t>
-            </a:r>
-            <a:r>
-              <a:rPr lang="en-US" dirty="0" smtClean="0"/>
-              <a:t>word</a:t>
-            </a:r>
-          </a:p>
-          <a:p>
-            <a:pPr lvl="1"/>
-            <a:r>
-              <a:rPr lang="en-US" i="1" dirty="0"/>
-              <a:t>Signature(</a:t>
-            </a:r>
-            <a:r>
-              <a:rPr lang="en-US" i="1" dirty="0">
-                <a:solidFill>
-                  <a:srgbClr val="00B050"/>
-                </a:solidFill>
-              </a:rPr>
-              <a:t>bank</a:t>
-            </a:r>
-            <a:r>
-              <a:rPr lang="en-US" i="1" dirty="0"/>
-              <a:t>) = {</a:t>
-            </a:r>
-            <a:r>
-              <a:rPr lang="en-US" b="1" i="1" dirty="0" smtClean="0">
-                <a:solidFill>
-                  <a:srgbClr val="00B050"/>
-                </a:solidFill>
-              </a:rPr>
-              <a:t>refuse</a:t>
-            </a:r>
-            <a:r>
-              <a:rPr lang="en-US" i="1" dirty="0">
-                <a:solidFill>
-                  <a:srgbClr val="00B050"/>
-                </a:solidFill>
-              </a:rPr>
-              <a:t>, reject, request,... , </a:t>
-            </a:r>
-            <a:r>
-              <a:rPr lang="en-US" b="1" i="1" dirty="0">
-                <a:solidFill>
-                  <a:srgbClr val="00B050"/>
-                </a:solidFill>
-              </a:rPr>
-              <a:t>give</a:t>
-            </a:r>
-            <a:r>
-              <a:rPr lang="en-US" i="1" dirty="0">
-                <a:solidFill>
-                  <a:srgbClr val="00B050"/>
-                </a:solidFill>
-              </a:rPr>
-              <a:t>, gift, donate,... </a:t>
-            </a:r>
-            <a:r>
-              <a:rPr lang="en-US" b="1" i="1" dirty="0">
-                <a:solidFill>
-                  <a:srgbClr val="00B050"/>
-                </a:solidFill>
-              </a:rPr>
-              <a:t>loan</a:t>
-            </a:r>
-            <a:r>
-              <a:rPr lang="en-US" i="1" dirty="0">
-                <a:solidFill>
-                  <a:srgbClr val="00B050"/>
-                </a:solidFill>
-              </a:rPr>
-              <a:t>, </a:t>
-            </a:r>
-            <a:r>
-              <a:rPr lang="en-US" i="1" dirty="0" smtClean="0">
-                <a:solidFill>
-                  <a:srgbClr val="00B050"/>
-                </a:solidFill>
-              </a:rPr>
-              <a:t>money, borrow</a:t>
-            </a:r>
-            <a:r>
-              <a:rPr lang="en-US" i="1" dirty="0">
-                <a:solidFill>
-                  <a:srgbClr val="00B050"/>
-                </a:solidFill>
-              </a:rPr>
-              <a:t>,...</a:t>
-            </a:r>
-            <a:r>
-              <a:rPr lang="en-US" i="1" dirty="0"/>
-              <a:t>}</a:t>
-            </a:r>
-          </a:p>
-        </p:txBody>
-      </p:sp>
-      <p:sp>
-        <p:nvSpPr>
-          <p:cNvPr id="5" name="Rectangle 4"/>
-          <p:cNvSpPr/>
-          <p:nvPr/>
-        </p:nvSpPr>
-        <p:spPr>
-          <a:xfrm>
-            <a:off x="1750939" y="1417638"/>
-            <a:ext cx="5642122" cy="523220"/>
-          </a:xfrm>
-          <a:prstGeom prst="rect">
-            <a:avLst/>
-          </a:prstGeom>
-        </p:spPr>
-        <p:txBody>
-          <a:bodyPr wrap="none">
-            <a:spAutoFit/>
-          </a:bodyPr>
-          <a:lstStyle/>
-          <a:p>
-            <a:r>
-              <a:rPr lang="en-US" sz="2800" i="1" dirty="0" smtClean="0"/>
-              <a:t>“The </a:t>
-            </a:r>
-            <a:r>
-              <a:rPr lang="en-US" sz="2800" i="1" dirty="0" smtClean="0">
-                <a:solidFill>
-                  <a:srgbClr val="00B050"/>
-                </a:solidFill>
-              </a:rPr>
-              <a:t>bank</a:t>
-            </a:r>
-            <a:r>
-              <a:rPr lang="en-US" sz="2800" i="1" dirty="0" smtClean="0"/>
-              <a:t> refused to give me a loan.”</a:t>
-            </a:r>
-            <a:endParaRPr lang="en-US" sz="2800" i="1" dirty="0"/>
-          </a:p>
-        </p:txBody>
-      </p:sp>
-      <p:sp>
-        <p:nvSpPr>
-          <p:cNvPr id="2" name="Date Placeholder 1"/>
-          <p:cNvSpPr>
-            <a:spLocks noGrp="1"/>
-          </p:cNvSpPr>
-          <p:nvPr>
-            <p:ph type="dt" sz="half" idx="10"/>
-          </p:nvPr>
-        </p:nvSpPr>
-        <p:spPr/>
-        <p:txBody>
-          <a:bodyPr/>
-          <a:lstStyle/>
-          <a:p>
-            <a:r>
-              <a:rPr lang="en-US" smtClean="0"/>
-              <a:t>CS@UVa</a:t>
-            </a:r>
-            <a:endParaRPr lang="en-US"/>
-          </a:p>
-        </p:txBody>
-      </p:sp>
-      <p:sp>
-        <p:nvSpPr>
-          <p:cNvPr id="6" name="Footer Placeholder 5"/>
-          <p:cNvSpPr>
-            <a:spLocks noGrp="1"/>
-          </p:cNvSpPr>
-          <p:nvPr>
-            <p:ph type="ftr" sz="quarter" idx="11"/>
-          </p:nvPr>
-        </p:nvSpPr>
-        <p:spPr/>
-        <p:txBody>
-          <a:bodyPr/>
-          <a:lstStyle/>
-          <a:p>
-            <a:r>
-              <a:rPr lang="en-US" smtClean="0"/>
-              <a:t>CS 6501: Text Mining</a:t>
-            </a:r>
-            <a:endParaRPr lang="en-US"/>
-          </a:p>
-        </p:txBody>
-      </p:sp>
-      <p:sp>
-        <p:nvSpPr>
-          <p:cNvPr id="7" name="Slide Number Placeholder 6"/>
-          <p:cNvSpPr>
-            <a:spLocks noGrp="1"/>
-          </p:cNvSpPr>
-          <p:nvPr>
-            <p:ph type="sldNum" sz="quarter" idx="12"/>
-          </p:nvPr>
-        </p:nvSpPr>
-        <p:spPr/>
-        <p:txBody>
-          <a:bodyPr/>
-          <a:lstStyle/>
-          <a:p>
-            <a:fld id="{C76E115C-33BC-45ED-8DBD-F9FA6141D6D2}" type="slidenum">
-              <a:rPr lang="en-US" smtClean="0"/>
-              <a:t>27</a:t>
-            </a:fld>
-            <a:endParaRPr lang="en-US"/>
-          </a:p>
-        </p:txBody>
-      </p:sp>
-    </p:spTree>
-    <p:extLst>
-      <p:ext uri="{BB962C8B-B14F-4D97-AF65-F5344CB8AC3E}">
-        <p14:creationId xmlns:p14="http://schemas.microsoft.com/office/powerpoint/2010/main" val="1907906652"/>
-      </p:ext>
-    </p:extLst>
-  </p:cSld>
-  <p:clrMapOvr>
-    <a:masterClrMapping/>
-  </p:clrMapOvr>
-  <p:timing>
-    <p:tnLst>
-      <p:par>
-        <p:cTn id="1" dur="indefinite" restart="never" nodeType="tmRoot"/>
-      </p:par>
-    </p:tnLst>
-  </p:timing>
-</p:sld>
-</file>
-
-<file path=ppt/slides/slide28.xml><?xml version="1.0" encoding="utf-8"?>
-<p:sld xmlns:a="http://schemas.openxmlformats.org/drawingml/2006/main" xmlns:r="http://schemas.openxmlformats.org/officeDocument/2006/relationships" xmlns:p="http://schemas.openxmlformats.org/presentationml/2006/main">
-  <p:cSld>
-    <p:spTree>
-      <p:nvGrpSpPr>
-        <p:cNvPr id="1" name=""/>
-        <p:cNvGrpSpPr/>
-        <p:nvPr/>
-      </p:nvGrpSpPr>
-      <p:grpSpPr>
-        <a:xfrm>
-          <a:off x="0" y="0"/>
-          <a:ext cx="0" cy="0"/>
-          <a:chOff x="0" y="0"/>
-          <a:chExt cx="0" cy="0"/>
-        </a:xfrm>
-      </p:grpSpPr>
-      <p:sp>
-        <p:nvSpPr>
-          <p:cNvPr id="2" name="Title 1"/>
-          <p:cNvSpPr>
-            <a:spLocks noGrp="1"/>
-          </p:cNvSpPr>
-          <p:nvPr>
-            <p:ph type="title"/>
-          </p:nvPr>
-        </p:nvSpPr>
-        <p:spPr/>
-        <p:txBody>
-          <a:bodyPr/>
-          <a:lstStyle/>
-          <a:p>
-            <a:r>
-              <a:rPr lang="en-US" dirty="0" smtClean="0"/>
-              <a:t>Learning-based Methods</a:t>
-            </a:r>
-            <a:endParaRPr lang="en-US" dirty="0"/>
-          </a:p>
-        </p:txBody>
-      </p:sp>
-      <p:sp>
-        <p:nvSpPr>
-          <p:cNvPr id="3" name="Content Placeholder 2"/>
-          <p:cNvSpPr>
-            <a:spLocks noGrp="1"/>
-          </p:cNvSpPr>
-          <p:nvPr>
-            <p:ph idx="1"/>
-          </p:nvPr>
-        </p:nvSpPr>
-        <p:spPr/>
-        <p:txBody>
-          <a:bodyPr/>
-          <a:lstStyle/>
-          <a:p>
-            <a:r>
-              <a:rPr lang="en-US" dirty="0" smtClean="0"/>
-              <a:t>Will be discussed in </a:t>
-            </a:r>
-            <a:r>
-              <a:rPr lang="en-US" dirty="0"/>
-              <a:t>the lecture of “Text Categorization</a:t>
-            </a:r>
-            <a:r>
-              <a:rPr lang="en-US" dirty="0" smtClean="0"/>
-              <a:t>”</a:t>
-            </a:r>
-          </a:p>
-          <a:p>
-            <a:pPr lvl="1"/>
-            <a:r>
-              <a:rPr lang="en-US" dirty="0" smtClean="0"/>
-              <a:t>Basically treat each sense as an independent class label</a:t>
-            </a:r>
-          </a:p>
-          <a:p>
-            <a:pPr lvl="1"/>
-            <a:r>
-              <a:rPr lang="en-US" dirty="0" smtClean="0"/>
-              <a:t>Construct classifiers to assign each instance with context into the classes/senses</a:t>
-            </a:r>
-            <a:endParaRPr lang="en-US" dirty="0"/>
-          </a:p>
-        </p:txBody>
-      </p:sp>
-      <p:sp>
-        <p:nvSpPr>
-          <p:cNvPr id="4" name="Date Placeholder 3"/>
-          <p:cNvSpPr>
-            <a:spLocks noGrp="1"/>
-          </p:cNvSpPr>
-          <p:nvPr>
-            <p:ph type="dt" sz="half" idx="10"/>
-          </p:nvPr>
-        </p:nvSpPr>
-        <p:spPr/>
-        <p:txBody>
-          <a:bodyPr/>
-          <a:lstStyle/>
-          <a:p>
-            <a:r>
-              <a:rPr lang="en-US" smtClean="0"/>
-              <a:t>CS@UVa</a:t>
-            </a:r>
-            <a:endParaRPr lang="en-US"/>
-          </a:p>
-        </p:txBody>
-      </p:sp>
-      <p:sp>
-        <p:nvSpPr>
-          <p:cNvPr id="5" name="Footer Placeholder 4"/>
-          <p:cNvSpPr>
-            <a:spLocks noGrp="1"/>
-          </p:cNvSpPr>
-          <p:nvPr>
-            <p:ph type="ftr" sz="quarter" idx="11"/>
-          </p:nvPr>
-        </p:nvSpPr>
-        <p:spPr/>
-        <p:txBody>
-          <a:bodyPr/>
-          <a:lstStyle/>
-          <a:p>
-            <a:r>
-              <a:rPr lang="en-US" smtClean="0"/>
-              <a:t>CS 6501: Text Mining</a:t>
-            </a:r>
-            <a:endParaRPr lang="en-US"/>
-          </a:p>
-        </p:txBody>
-      </p:sp>
-      <p:sp>
-        <p:nvSpPr>
-          <p:cNvPr id="6" name="Slide Number Placeholder 5"/>
-          <p:cNvSpPr>
-            <a:spLocks noGrp="1"/>
-          </p:cNvSpPr>
-          <p:nvPr>
-            <p:ph type="sldNum" sz="quarter" idx="12"/>
-          </p:nvPr>
-        </p:nvSpPr>
-        <p:spPr/>
-        <p:txBody>
-          <a:bodyPr/>
-          <a:lstStyle/>
-          <a:p>
-            <a:fld id="{C76E115C-33BC-45ED-8DBD-F9FA6141D6D2}" type="slidenum">
-              <a:rPr lang="en-US" smtClean="0"/>
-              <a:t>28</a:t>
-            </a:fld>
-            <a:endParaRPr lang="en-US"/>
-          </a:p>
-        </p:txBody>
-      </p:sp>
-    </p:spTree>
-    <p:extLst>
-      <p:ext uri="{BB962C8B-B14F-4D97-AF65-F5344CB8AC3E}">
-        <p14:creationId xmlns:p14="http://schemas.microsoft.com/office/powerpoint/2010/main" val="1992504655"/>
-      </p:ext>
-    </p:extLst>
-  </p:cSld>
-  <p:clrMapOvr>
-    <a:masterClrMapping/>
-  </p:clrMapOvr>
-  <p:timing>
-    <p:tnLst>
-      <p:par>
-        <p:cTn id="1" dur="indefinite" restart="never" nodeType="tmRoot"/>
-      </p:par>
-    </p:tnLst>
-  </p:timing>
-</p:sld>
-</file>
-
-<file path=ppt/slides/slide29.xml><?xml version="1.0" encoding="utf-8"?>
-<p:sld xmlns:a="http://schemas.openxmlformats.org/drawingml/2006/main" xmlns:r="http://schemas.openxmlformats.org/officeDocument/2006/relationships" xmlns:p="http://schemas.openxmlformats.org/presentationml/2006/main">
-  <p:cSld>
-    <p:spTree>
-      <p:nvGrpSpPr>
-        <p:cNvPr id="1" name=""/>
-        <p:cNvGrpSpPr/>
-        <p:nvPr/>
-      </p:nvGrpSpPr>
-      <p:grpSpPr>
-        <a:xfrm>
-          <a:off x="0" y="0"/>
-          <a:ext cx="0" cy="0"/>
-          <a:chOff x="0" y="0"/>
-          <a:chExt cx="0" cy="0"/>
-        </a:xfrm>
-      </p:grpSpPr>
-      <p:sp>
-        <p:nvSpPr>
-          <p:cNvPr id="2" name="Title 1"/>
-          <p:cNvSpPr>
-            <a:spLocks noGrp="1"/>
-          </p:cNvSpPr>
-          <p:nvPr>
-            <p:ph type="title"/>
-          </p:nvPr>
-        </p:nvSpPr>
-        <p:spPr/>
-        <p:txBody>
-          <a:bodyPr/>
-          <a:lstStyle/>
-          <a:p>
-            <a:r>
-              <a:rPr lang="en-US" dirty="0" smtClean="0"/>
-              <a:t>What you should know</a:t>
-            </a:r>
-            <a:endParaRPr lang="en-US" dirty="0"/>
-          </a:p>
-        </p:txBody>
-      </p:sp>
-      <p:sp>
-        <p:nvSpPr>
-          <p:cNvPr id="3" name="Content Placeholder 2"/>
-          <p:cNvSpPr>
-            <a:spLocks noGrp="1"/>
-          </p:cNvSpPr>
-          <p:nvPr>
-            <p:ph idx="1"/>
-          </p:nvPr>
-        </p:nvSpPr>
-        <p:spPr/>
-        <p:txBody>
-          <a:bodyPr/>
-          <a:lstStyle/>
-          <a:p>
-            <a:r>
-              <a:rPr lang="en-US" dirty="0"/>
-              <a:t>Lexical semantics</a:t>
-            </a:r>
-          </a:p>
-          <a:p>
-            <a:pPr lvl="1"/>
-            <a:r>
-              <a:rPr lang="en-US" dirty="0" smtClean="0"/>
-              <a:t>Relationship between words</a:t>
-            </a:r>
-          </a:p>
-          <a:p>
-            <a:pPr lvl="1"/>
-            <a:r>
-              <a:rPr lang="en-US" dirty="0" smtClean="0"/>
-              <a:t>WordNet</a:t>
-            </a:r>
-          </a:p>
-          <a:p>
-            <a:r>
-              <a:rPr lang="en-US" dirty="0" smtClean="0"/>
-              <a:t>Distributional semantics</a:t>
-            </a:r>
-          </a:p>
-          <a:p>
-            <a:pPr lvl="1"/>
-            <a:r>
-              <a:rPr lang="en-US" dirty="0" smtClean="0"/>
-              <a:t>Similarity between words</a:t>
-            </a:r>
-          </a:p>
-          <a:p>
-            <a:pPr lvl="1"/>
-            <a:r>
-              <a:rPr lang="en-US" dirty="0" smtClean="0"/>
-              <a:t>Word sense </a:t>
-            </a:r>
-            <a:r>
-              <a:rPr lang="en-US" dirty="0"/>
-              <a:t>disambiguation</a:t>
-            </a:r>
-          </a:p>
-        </p:txBody>
-      </p:sp>
-      <p:sp>
-        <p:nvSpPr>
-          <p:cNvPr id="4" name="Date Placeholder 3"/>
-          <p:cNvSpPr>
-            <a:spLocks noGrp="1"/>
-          </p:cNvSpPr>
-          <p:nvPr>
-            <p:ph type="dt" sz="half" idx="10"/>
-          </p:nvPr>
-        </p:nvSpPr>
-        <p:spPr/>
-        <p:txBody>
-          <a:bodyPr/>
-          <a:lstStyle/>
-          <a:p>
-            <a:r>
-              <a:rPr lang="en-US" smtClean="0"/>
-              <a:t>CS@UVa</a:t>
-            </a:r>
-            <a:endParaRPr lang="en-US"/>
-          </a:p>
-        </p:txBody>
-      </p:sp>
-      <p:sp>
-        <p:nvSpPr>
-          <p:cNvPr id="5" name="Footer Placeholder 4"/>
-          <p:cNvSpPr>
-            <a:spLocks noGrp="1"/>
-          </p:cNvSpPr>
-          <p:nvPr>
-            <p:ph type="ftr" sz="quarter" idx="11"/>
-          </p:nvPr>
-        </p:nvSpPr>
-        <p:spPr/>
-        <p:txBody>
-          <a:bodyPr/>
-          <a:lstStyle/>
-          <a:p>
-            <a:r>
-              <a:rPr lang="en-US" smtClean="0"/>
-              <a:t>CS 6501: Text Mining</a:t>
-            </a:r>
-            <a:endParaRPr lang="en-US"/>
-          </a:p>
-        </p:txBody>
-      </p:sp>
-      <p:sp>
-        <p:nvSpPr>
-          <p:cNvPr id="6" name="Slide Number Placeholder 5"/>
-          <p:cNvSpPr>
-            <a:spLocks noGrp="1"/>
-          </p:cNvSpPr>
-          <p:nvPr>
-            <p:ph type="sldNum" sz="quarter" idx="12"/>
-          </p:nvPr>
-        </p:nvSpPr>
-        <p:spPr/>
-        <p:txBody>
-          <a:bodyPr/>
-          <a:lstStyle/>
-          <a:p>
-            <a:fld id="{C76E115C-33BC-45ED-8DBD-F9FA6141D6D2}" type="slidenum">
-              <a:rPr lang="en-US" smtClean="0"/>
-              <a:t>29</a:t>
-            </a:fld>
-            <a:endParaRPr lang="en-US"/>
-          </a:p>
-        </p:txBody>
-      </p:sp>
-    </p:spTree>
-    <p:extLst>
-      <p:ext uri="{BB962C8B-B14F-4D97-AF65-F5344CB8AC3E}">
-        <p14:creationId xmlns:p14="http://schemas.microsoft.com/office/powerpoint/2010/main" val="1510921326"/>
-      </p:ext>
-    </p:extLst>
-  </p:cSld>
-  <p:clrMapOvr>
-    <a:masterClrMapping/>
-  </p:clrMapOvr>
-  <p:timing>
-    <p:tnLst>
-      <p:par>
-        <p:cTn id="1" dur="indefinite" restart="never" nodeType="tmRoot"/>
-      </p:par>
-    </p:tnLst>
   </p:timing>
 </p:sld>
 </file>
@@ -14974,6 +16076,743 @@
       </p:grpSpPr>
       <p:sp>
         <p:nvSpPr>
+          <p:cNvPr id="3" name="Title 2"/>
+          <p:cNvSpPr>
+            <a:spLocks noGrp="1"/>
+          </p:cNvSpPr>
+          <p:nvPr>
+            <p:ph type="title"/>
+          </p:nvPr>
+        </p:nvSpPr>
+        <p:spPr/>
+        <p:txBody>
+          <a:bodyPr/>
+          <a:lstStyle/>
+          <a:p>
+            <a:r>
+              <a:rPr lang="en-US" dirty="0"/>
+              <a:t>Signature of </a:t>
+            </a:r>
+            <a:r>
+              <a:rPr lang="en-US" dirty="0" smtClean="0"/>
+              <a:t>target word</a:t>
+            </a:r>
+            <a:endParaRPr lang="en-US" dirty="0"/>
+          </a:p>
+        </p:txBody>
+      </p:sp>
+      <p:sp>
+        <p:nvSpPr>
+          <p:cNvPr id="4" name="Content Placeholder 3"/>
+          <p:cNvSpPr>
+            <a:spLocks noGrp="1"/>
+          </p:cNvSpPr>
+          <p:nvPr>
+            <p:ph idx="1"/>
+          </p:nvPr>
+        </p:nvSpPr>
+        <p:spPr>
+          <a:xfrm>
+            <a:off x="457200" y="2172677"/>
+            <a:ext cx="8229600" cy="3953488"/>
+          </a:xfrm>
+        </p:spPr>
+        <p:txBody>
+          <a:bodyPr>
+            <a:normAutofit/>
+          </a:bodyPr>
+          <a:lstStyle/>
+          <a:p>
+            <a:r>
+              <a:rPr lang="en-US" dirty="0"/>
+              <a:t>Simplified </a:t>
+            </a:r>
+            <a:r>
+              <a:rPr lang="en-US" dirty="0" err="1" smtClean="0"/>
+              <a:t>Lesk</a:t>
+            </a:r>
+            <a:r>
+              <a:rPr lang="en-US" dirty="0" smtClean="0"/>
+              <a:t> </a:t>
+            </a:r>
+          </a:p>
+          <a:p>
+            <a:pPr lvl="1"/>
+            <a:r>
+              <a:rPr lang="en-US" dirty="0" smtClean="0"/>
+              <a:t>Words </a:t>
+            </a:r>
+            <a:r>
+              <a:rPr lang="en-US" dirty="0"/>
+              <a:t>in </a:t>
+            </a:r>
+            <a:r>
+              <a:rPr lang="en-US" dirty="0" smtClean="0"/>
+              <a:t>context</a:t>
+            </a:r>
+          </a:p>
+          <a:p>
+            <a:pPr lvl="1"/>
+            <a:r>
+              <a:rPr lang="en-US" i="1" dirty="0" smtClean="0"/>
+              <a:t>Signature(</a:t>
+            </a:r>
+            <a:r>
+              <a:rPr lang="en-US" i="1" dirty="0" smtClean="0">
+                <a:solidFill>
+                  <a:srgbClr val="00B050"/>
+                </a:solidFill>
+              </a:rPr>
+              <a:t>bank</a:t>
+            </a:r>
+            <a:r>
+              <a:rPr lang="en-US" i="1" dirty="0" smtClean="0"/>
+              <a:t>) = </a:t>
+            </a:r>
+            <a:r>
+              <a:rPr lang="en-US" i="1" dirty="0"/>
+              <a:t>{</a:t>
+            </a:r>
+            <a:r>
+              <a:rPr lang="en-US" i="1" dirty="0">
+                <a:solidFill>
+                  <a:srgbClr val="00B050"/>
+                </a:solidFill>
+              </a:rPr>
+              <a:t>refuse, give, loan</a:t>
+            </a:r>
+            <a:r>
+              <a:rPr lang="en-US" i="1" dirty="0" smtClean="0"/>
+              <a:t>}</a:t>
+            </a:r>
+          </a:p>
+          <a:p>
+            <a:r>
+              <a:rPr lang="en-US" dirty="0"/>
+              <a:t>Original </a:t>
+            </a:r>
+            <a:r>
+              <a:rPr lang="en-US" dirty="0" err="1" smtClean="0"/>
+              <a:t>Lesk</a:t>
+            </a:r>
+            <a:endParaRPr lang="en-US" dirty="0"/>
+          </a:p>
+          <a:p>
+            <a:pPr lvl="1"/>
+            <a:r>
+              <a:rPr lang="en-US" dirty="0" smtClean="0"/>
+              <a:t>Augmented </a:t>
+            </a:r>
+            <a:r>
+              <a:rPr lang="en-US" dirty="0"/>
+              <a:t>signature of the target </a:t>
+            </a:r>
+            <a:r>
+              <a:rPr lang="en-US" dirty="0" smtClean="0"/>
+              <a:t>word</a:t>
+            </a:r>
+          </a:p>
+          <a:p>
+            <a:pPr lvl="1"/>
+            <a:r>
+              <a:rPr lang="en-US" i="1" dirty="0"/>
+              <a:t>Signature(</a:t>
+            </a:r>
+            <a:r>
+              <a:rPr lang="en-US" i="1" dirty="0">
+                <a:solidFill>
+                  <a:srgbClr val="00B050"/>
+                </a:solidFill>
+              </a:rPr>
+              <a:t>bank</a:t>
+            </a:r>
+            <a:r>
+              <a:rPr lang="en-US" i="1" dirty="0"/>
+              <a:t>) = {</a:t>
+            </a:r>
+            <a:r>
+              <a:rPr lang="en-US" b="1" i="1" dirty="0" smtClean="0">
+                <a:solidFill>
+                  <a:srgbClr val="00B050"/>
+                </a:solidFill>
+              </a:rPr>
+              <a:t>refuse</a:t>
+            </a:r>
+            <a:r>
+              <a:rPr lang="en-US" i="1" dirty="0">
+                <a:solidFill>
+                  <a:srgbClr val="00B050"/>
+                </a:solidFill>
+              </a:rPr>
+              <a:t>, reject, request,... , </a:t>
+            </a:r>
+            <a:r>
+              <a:rPr lang="en-US" b="1" i="1" dirty="0">
+                <a:solidFill>
+                  <a:srgbClr val="00B050"/>
+                </a:solidFill>
+              </a:rPr>
+              <a:t>give</a:t>
+            </a:r>
+            <a:r>
+              <a:rPr lang="en-US" i="1" dirty="0">
+                <a:solidFill>
+                  <a:srgbClr val="00B050"/>
+                </a:solidFill>
+              </a:rPr>
+              <a:t>, gift, donate,... </a:t>
+            </a:r>
+            <a:r>
+              <a:rPr lang="en-US" b="1" i="1" dirty="0">
+                <a:solidFill>
+                  <a:srgbClr val="00B050"/>
+                </a:solidFill>
+              </a:rPr>
+              <a:t>loan</a:t>
+            </a:r>
+            <a:r>
+              <a:rPr lang="en-US" i="1" dirty="0">
+                <a:solidFill>
+                  <a:srgbClr val="00B050"/>
+                </a:solidFill>
+              </a:rPr>
+              <a:t>, </a:t>
+            </a:r>
+            <a:r>
+              <a:rPr lang="en-US" i="1" dirty="0" smtClean="0">
+                <a:solidFill>
+                  <a:srgbClr val="00B050"/>
+                </a:solidFill>
+              </a:rPr>
+              <a:t>money, borrow</a:t>
+            </a:r>
+            <a:r>
+              <a:rPr lang="en-US" i="1" dirty="0">
+                <a:solidFill>
+                  <a:srgbClr val="00B050"/>
+                </a:solidFill>
+              </a:rPr>
+              <a:t>,...</a:t>
+            </a:r>
+            <a:r>
+              <a:rPr lang="en-US" i="1" dirty="0"/>
+              <a:t>}</a:t>
+            </a:r>
+          </a:p>
+        </p:txBody>
+      </p:sp>
+      <p:sp>
+        <p:nvSpPr>
+          <p:cNvPr id="5" name="Rectangle 4"/>
+          <p:cNvSpPr/>
+          <p:nvPr/>
+        </p:nvSpPr>
+        <p:spPr>
+          <a:xfrm>
+            <a:off x="1750939" y="1417638"/>
+            <a:ext cx="5642122" cy="523220"/>
+          </a:xfrm>
+          <a:prstGeom prst="rect">
+            <a:avLst/>
+          </a:prstGeom>
+        </p:spPr>
+        <p:txBody>
+          <a:bodyPr wrap="none">
+            <a:spAutoFit/>
+          </a:bodyPr>
+          <a:lstStyle/>
+          <a:p>
+            <a:r>
+              <a:rPr lang="en-US" sz="2800" i="1" dirty="0" smtClean="0"/>
+              <a:t>“The </a:t>
+            </a:r>
+            <a:r>
+              <a:rPr lang="en-US" sz="2800" i="1" dirty="0" smtClean="0">
+                <a:solidFill>
+                  <a:srgbClr val="00B050"/>
+                </a:solidFill>
+              </a:rPr>
+              <a:t>bank</a:t>
+            </a:r>
+            <a:r>
+              <a:rPr lang="en-US" sz="2800" i="1" dirty="0" smtClean="0"/>
+              <a:t> refused to give me a loan.”</a:t>
+            </a:r>
+            <a:endParaRPr lang="en-US" sz="2800" i="1" dirty="0"/>
+          </a:p>
+        </p:txBody>
+      </p:sp>
+      <p:sp>
+        <p:nvSpPr>
+          <p:cNvPr id="2" name="Date Placeholder 1"/>
+          <p:cNvSpPr>
+            <a:spLocks noGrp="1"/>
+          </p:cNvSpPr>
+          <p:nvPr>
+            <p:ph type="dt" sz="half" idx="10"/>
+          </p:nvPr>
+        </p:nvSpPr>
+        <p:spPr/>
+        <p:txBody>
+          <a:bodyPr/>
+          <a:lstStyle/>
+          <a:p>
+            <a:r>
+              <a:rPr lang="en-US" smtClean="0"/>
+              <a:t>CS@UVa</a:t>
+            </a:r>
+            <a:endParaRPr lang="en-US"/>
+          </a:p>
+        </p:txBody>
+      </p:sp>
+      <p:sp>
+        <p:nvSpPr>
+          <p:cNvPr id="6" name="Footer Placeholder 5"/>
+          <p:cNvSpPr>
+            <a:spLocks noGrp="1"/>
+          </p:cNvSpPr>
+          <p:nvPr>
+            <p:ph type="ftr" sz="quarter" idx="11"/>
+          </p:nvPr>
+        </p:nvSpPr>
+        <p:spPr/>
+        <p:txBody>
+          <a:bodyPr/>
+          <a:lstStyle/>
+          <a:p>
+            <a:r>
+              <a:rPr lang="en-US" smtClean="0"/>
+              <a:t>CS 6501: Text Mining</a:t>
+            </a:r>
+            <a:endParaRPr lang="en-US"/>
+          </a:p>
+        </p:txBody>
+      </p:sp>
+      <p:sp>
+        <p:nvSpPr>
+          <p:cNvPr id="7" name="Slide Number Placeholder 6"/>
+          <p:cNvSpPr>
+            <a:spLocks noGrp="1"/>
+          </p:cNvSpPr>
+          <p:nvPr>
+            <p:ph type="sldNum" sz="quarter" idx="12"/>
+          </p:nvPr>
+        </p:nvSpPr>
+        <p:spPr/>
+        <p:txBody>
+          <a:bodyPr/>
+          <a:lstStyle/>
+          <a:p>
+            <a:fld id="{C76E115C-33BC-45ED-8DBD-F9FA6141D6D2}" type="slidenum">
+              <a:rPr lang="en-US" smtClean="0"/>
+              <a:t>30</a:t>
+            </a:fld>
+            <a:endParaRPr lang="en-US"/>
+          </a:p>
+        </p:txBody>
+      </p:sp>
+    </p:spTree>
+    <p:extLst>
+      <p:ext uri="{BB962C8B-B14F-4D97-AF65-F5344CB8AC3E}">
+        <p14:creationId xmlns:p14="http://schemas.microsoft.com/office/powerpoint/2010/main" val="1907906652"/>
+      </p:ext>
+    </p:extLst>
+  </p:cSld>
+  <p:clrMapOvr>
+    <a:masterClrMapping/>
+  </p:clrMapOvr>
+  <p:timing>
+    <p:tnLst>
+      <p:par>
+        <p:cTn id="1" dur="indefinite" restart="never" nodeType="tmRoot"/>
+      </p:par>
+    </p:tnLst>
+  </p:timing>
+</p:sld>
+</file>
+
+<file path=ppt/slides/slide31.xml><?xml version="1.0" encoding="utf-8"?>
+<p:sld xmlns:a="http://schemas.openxmlformats.org/drawingml/2006/main" xmlns:r="http://schemas.openxmlformats.org/officeDocument/2006/relationships" xmlns:p="http://schemas.openxmlformats.org/presentationml/2006/main">
+  <p:cSld>
+    <p:spTree>
+      <p:nvGrpSpPr>
+        <p:cNvPr id="1" name=""/>
+        <p:cNvGrpSpPr/>
+        <p:nvPr/>
+      </p:nvGrpSpPr>
+      <p:grpSpPr>
+        <a:xfrm>
+          <a:off x="0" y="0"/>
+          <a:ext cx="0" cy="0"/>
+          <a:chOff x="0" y="0"/>
+          <a:chExt cx="0" cy="0"/>
+        </a:xfrm>
+      </p:grpSpPr>
+      <p:sp>
+        <p:nvSpPr>
+          <p:cNvPr id="2" name="Title 1"/>
+          <p:cNvSpPr>
+            <a:spLocks noGrp="1"/>
+          </p:cNvSpPr>
+          <p:nvPr>
+            <p:ph type="title"/>
+          </p:nvPr>
+        </p:nvSpPr>
+        <p:spPr/>
+        <p:txBody>
+          <a:bodyPr/>
+          <a:lstStyle/>
+          <a:p>
+            <a:r>
+              <a:rPr lang="en-US" dirty="0" smtClean="0"/>
+              <a:t>Learning-based Methods</a:t>
+            </a:r>
+            <a:endParaRPr lang="en-US" dirty="0"/>
+          </a:p>
+        </p:txBody>
+      </p:sp>
+      <p:sp>
+        <p:nvSpPr>
+          <p:cNvPr id="3" name="Content Placeholder 2"/>
+          <p:cNvSpPr>
+            <a:spLocks noGrp="1"/>
+          </p:cNvSpPr>
+          <p:nvPr>
+            <p:ph idx="1"/>
+          </p:nvPr>
+        </p:nvSpPr>
+        <p:spPr/>
+        <p:txBody>
+          <a:bodyPr/>
+          <a:lstStyle/>
+          <a:p>
+            <a:r>
+              <a:rPr lang="en-US" dirty="0" smtClean="0"/>
+              <a:t>Will be discussed in </a:t>
+            </a:r>
+            <a:r>
+              <a:rPr lang="en-US" dirty="0"/>
+              <a:t>the lecture of “Text Categorization</a:t>
+            </a:r>
+            <a:r>
+              <a:rPr lang="en-US" dirty="0" smtClean="0"/>
+              <a:t>”</a:t>
+            </a:r>
+          </a:p>
+          <a:p>
+            <a:pPr lvl="1"/>
+            <a:r>
+              <a:rPr lang="en-US" dirty="0" smtClean="0"/>
+              <a:t>Basically treat each sense as an independent class label</a:t>
+            </a:r>
+          </a:p>
+          <a:p>
+            <a:pPr lvl="1"/>
+            <a:r>
+              <a:rPr lang="en-US" dirty="0" smtClean="0"/>
+              <a:t>Construct classifiers to assign each instance with context into the classes/senses</a:t>
+            </a:r>
+            <a:endParaRPr lang="en-US" dirty="0"/>
+          </a:p>
+        </p:txBody>
+      </p:sp>
+      <p:sp>
+        <p:nvSpPr>
+          <p:cNvPr id="4" name="Date Placeholder 3"/>
+          <p:cNvSpPr>
+            <a:spLocks noGrp="1"/>
+          </p:cNvSpPr>
+          <p:nvPr>
+            <p:ph type="dt" sz="half" idx="10"/>
+          </p:nvPr>
+        </p:nvSpPr>
+        <p:spPr/>
+        <p:txBody>
+          <a:bodyPr/>
+          <a:lstStyle/>
+          <a:p>
+            <a:r>
+              <a:rPr lang="en-US" smtClean="0"/>
+              <a:t>CS@UVa</a:t>
+            </a:r>
+            <a:endParaRPr lang="en-US"/>
+          </a:p>
+        </p:txBody>
+      </p:sp>
+      <p:sp>
+        <p:nvSpPr>
+          <p:cNvPr id="5" name="Footer Placeholder 4"/>
+          <p:cNvSpPr>
+            <a:spLocks noGrp="1"/>
+          </p:cNvSpPr>
+          <p:nvPr>
+            <p:ph type="ftr" sz="quarter" idx="11"/>
+          </p:nvPr>
+        </p:nvSpPr>
+        <p:spPr/>
+        <p:txBody>
+          <a:bodyPr/>
+          <a:lstStyle/>
+          <a:p>
+            <a:r>
+              <a:rPr lang="en-US" smtClean="0"/>
+              <a:t>CS 6501: Text Mining</a:t>
+            </a:r>
+            <a:endParaRPr lang="en-US"/>
+          </a:p>
+        </p:txBody>
+      </p:sp>
+      <p:sp>
+        <p:nvSpPr>
+          <p:cNvPr id="6" name="Slide Number Placeholder 5"/>
+          <p:cNvSpPr>
+            <a:spLocks noGrp="1"/>
+          </p:cNvSpPr>
+          <p:nvPr>
+            <p:ph type="sldNum" sz="quarter" idx="12"/>
+          </p:nvPr>
+        </p:nvSpPr>
+        <p:spPr/>
+        <p:txBody>
+          <a:bodyPr/>
+          <a:lstStyle/>
+          <a:p>
+            <a:fld id="{C76E115C-33BC-45ED-8DBD-F9FA6141D6D2}" type="slidenum">
+              <a:rPr lang="en-US" smtClean="0"/>
+              <a:t>31</a:t>
+            </a:fld>
+            <a:endParaRPr lang="en-US"/>
+          </a:p>
+        </p:txBody>
+      </p:sp>
+    </p:spTree>
+    <p:extLst>
+      <p:ext uri="{BB962C8B-B14F-4D97-AF65-F5344CB8AC3E}">
+        <p14:creationId xmlns:p14="http://schemas.microsoft.com/office/powerpoint/2010/main" val="1992504655"/>
+      </p:ext>
+    </p:extLst>
+  </p:cSld>
+  <p:clrMapOvr>
+    <a:masterClrMapping/>
+  </p:clrMapOvr>
+  <p:timing>
+    <p:tnLst>
+      <p:par>
+        <p:cTn id="1" dur="indefinite" restart="never" nodeType="tmRoot"/>
+      </p:par>
+    </p:tnLst>
+  </p:timing>
+</p:sld>
+</file>
+
+<file path=ppt/slides/slide32.xml><?xml version="1.0" encoding="utf-8"?>
+<p:sld xmlns:a="http://schemas.openxmlformats.org/drawingml/2006/main" xmlns:r="http://schemas.openxmlformats.org/officeDocument/2006/relationships" xmlns:p="http://schemas.openxmlformats.org/presentationml/2006/main">
+  <p:cSld>
+    <p:spTree>
+      <p:nvGrpSpPr>
+        <p:cNvPr id="1" name=""/>
+        <p:cNvGrpSpPr/>
+        <p:nvPr/>
+      </p:nvGrpSpPr>
+      <p:grpSpPr>
+        <a:xfrm>
+          <a:off x="0" y="0"/>
+          <a:ext cx="0" cy="0"/>
+          <a:chOff x="0" y="0"/>
+          <a:chExt cx="0" cy="0"/>
+        </a:xfrm>
+      </p:grpSpPr>
+      <p:sp>
+        <p:nvSpPr>
+          <p:cNvPr id="2" name="Title 1"/>
+          <p:cNvSpPr>
+            <a:spLocks noGrp="1"/>
+          </p:cNvSpPr>
+          <p:nvPr>
+            <p:ph type="title"/>
+          </p:nvPr>
+        </p:nvSpPr>
+        <p:spPr/>
+        <p:txBody>
+          <a:bodyPr/>
+          <a:lstStyle/>
+          <a:p>
+            <a:r>
+              <a:rPr lang="en-US" dirty="0" smtClean="0"/>
+              <a:t>What you should know</a:t>
+            </a:r>
+            <a:endParaRPr lang="en-US" dirty="0"/>
+          </a:p>
+        </p:txBody>
+      </p:sp>
+      <p:sp>
+        <p:nvSpPr>
+          <p:cNvPr id="3" name="Content Placeholder 2"/>
+          <p:cNvSpPr>
+            <a:spLocks noGrp="1"/>
+          </p:cNvSpPr>
+          <p:nvPr>
+            <p:ph idx="1"/>
+          </p:nvPr>
+        </p:nvSpPr>
+        <p:spPr/>
+        <p:txBody>
+          <a:bodyPr/>
+          <a:lstStyle/>
+          <a:p>
+            <a:r>
+              <a:rPr lang="en-US" dirty="0"/>
+              <a:t>Lexical semantics</a:t>
+            </a:r>
+          </a:p>
+          <a:p>
+            <a:pPr lvl="1"/>
+            <a:r>
+              <a:rPr lang="en-US" dirty="0" smtClean="0"/>
+              <a:t>Relationship between words</a:t>
+            </a:r>
+          </a:p>
+          <a:p>
+            <a:pPr lvl="1"/>
+            <a:r>
+              <a:rPr lang="en-US" dirty="0" smtClean="0"/>
+              <a:t>WordNet</a:t>
+            </a:r>
+          </a:p>
+          <a:p>
+            <a:r>
+              <a:rPr lang="en-US" dirty="0" smtClean="0"/>
+              <a:t>Distributional semantics</a:t>
+            </a:r>
+          </a:p>
+          <a:p>
+            <a:pPr lvl="1"/>
+            <a:r>
+              <a:rPr lang="en-US" dirty="0" smtClean="0"/>
+              <a:t>Similarity between words</a:t>
+            </a:r>
+          </a:p>
+          <a:p>
+            <a:pPr lvl="1"/>
+            <a:r>
+              <a:rPr lang="en-US" dirty="0" smtClean="0"/>
+              <a:t>Word sense </a:t>
+            </a:r>
+            <a:r>
+              <a:rPr lang="en-US" dirty="0"/>
+              <a:t>disambiguation</a:t>
+            </a:r>
+          </a:p>
+        </p:txBody>
+      </p:sp>
+      <p:sp>
+        <p:nvSpPr>
+          <p:cNvPr id="4" name="Date Placeholder 3"/>
+          <p:cNvSpPr>
+            <a:spLocks noGrp="1"/>
+          </p:cNvSpPr>
+          <p:nvPr>
+            <p:ph type="dt" sz="half" idx="10"/>
+          </p:nvPr>
+        </p:nvSpPr>
+        <p:spPr/>
+        <p:txBody>
+          <a:bodyPr/>
+          <a:lstStyle/>
+          <a:p>
+            <a:r>
+              <a:rPr lang="en-US" smtClean="0"/>
+              <a:t>CS@UVa</a:t>
+            </a:r>
+            <a:endParaRPr lang="en-US"/>
+          </a:p>
+        </p:txBody>
+      </p:sp>
+      <p:sp>
+        <p:nvSpPr>
+          <p:cNvPr id="5" name="Footer Placeholder 4"/>
+          <p:cNvSpPr>
+            <a:spLocks noGrp="1"/>
+          </p:cNvSpPr>
+          <p:nvPr>
+            <p:ph type="ftr" sz="quarter" idx="11"/>
+          </p:nvPr>
+        </p:nvSpPr>
+        <p:spPr/>
+        <p:txBody>
+          <a:bodyPr/>
+          <a:lstStyle/>
+          <a:p>
+            <a:r>
+              <a:rPr lang="en-US" smtClean="0"/>
+              <a:t>CS 6501: Text Mining</a:t>
+            </a:r>
+            <a:endParaRPr lang="en-US"/>
+          </a:p>
+        </p:txBody>
+      </p:sp>
+      <p:sp>
+        <p:nvSpPr>
+          <p:cNvPr id="6" name="Slide Number Placeholder 5"/>
+          <p:cNvSpPr>
+            <a:spLocks noGrp="1"/>
+          </p:cNvSpPr>
+          <p:nvPr>
+            <p:ph type="sldNum" sz="quarter" idx="12"/>
+          </p:nvPr>
+        </p:nvSpPr>
+        <p:spPr/>
+        <p:txBody>
+          <a:bodyPr/>
+          <a:lstStyle/>
+          <a:p>
+            <a:fld id="{C76E115C-33BC-45ED-8DBD-F9FA6141D6D2}" type="slidenum">
+              <a:rPr lang="en-US" smtClean="0"/>
+              <a:t>32</a:t>
+            </a:fld>
+            <a:endParaRPr lang="en-US"/>
+          </a:p>
+        </p:txBody>
+      </p:sp>
+    </p:spTree>
+    <p:extLst>
+      <p:ext uri="{BB962C8B-B14F-4D97-AF65-F5344CB8AC3E}">
+        <p14:creationId xmlns:p14="http://schemas.microsoft.com/office/powerpoint/2010/main" val="1510921326"/>
+      </p:ext>
+    </p:extLst>
+  </p:cSld>
+  <p:clrMapOvr>
+    <a:masterClrMapping/>
+  </p:clrMapOvr>
+  <p:timing>
+    <p:tnLst>
+      <p:par>
+        <p:cTn id="1" dur="indefinite" restart="never" nodeType="tmRoot"/>
+      </p:par>
+    </p:tnLst>
+  </p:timing>
+</p:sld>
+</file>
+
+<file path=ppt/slides/slide33.xml><?xml version="1.0" encoding="utf-8"?>
+<p:sld xmlns:a="http://schemas.openxmlformats.org/drawingml/2006/main" xmlns:r="http://schemas.openxmlformats.org/officeDocument/2006/relationships" xmlns:p="http://schemas.openxmlformats.org/presentationml/2006/main">
+  <p:cSld>
+    <p:spTree>
+      <p:nvGrpSpPr>
+        <p:cNvPr id="1" name=""/>
+        <p:cNvGrpSpPr/>
+        <p:nvPr/>
+      </p:nvGrpSpPr>
+      <p:grpSpPr>
+        <a:xfrm>
+          <a:off x="0" y="0"/>
+          <a:ext cx="0" cy="0"/>
+          <a:chOff x="0" y="0"/>
+          <a:chExt cx="0" cy="0"/>
+        </a:xfrm>
+      </p:grpSpPr>
+      <p:sp>
+        <p:nvSpPr>
           <p:cNvPr id="2" name="Title 1"/>
           <p:cNvSpPr>
             <a:spLocks noGrp="1"/>
@@ -15104,7 +16943,7 @@
           <a:p>
             <a:fld id="{C76E115C-33BC-45ED-8DBD-F9FA6141D6D2}" type="slidenum">
               <a:rPr lang="en-US" smtClean="0"/>
-              <a:t>30</a:t>
+              <a:t>33</a:t>
             </a:fld>
             <a:endParaRPr lang="en-US"/>
           </a:p>
